--- a/doc/task14/Schlusspräsentation.pptx
+++ b/doc/task14/Schlusspräsentation.pptx
@@ -4,13 +4,21 @@
   <p:sldMasterIdLst>
     <p:sldMasterId id="2147483648" r:id="rId1"/>
   </p:sldMasterIdLst>
+  <p:notesMasterIdLst>
+    <p:notesMasterId r:id="rId13"/>
+  </p:notesMasterIdLst>
   <p:sldIdLst>
     <p:sldId id="256" r:id="rId2"/>
     <p:sldId id="257" r:id="rId3"/>
     <p:sldId id="259" r:id="rId4"/>
     <p:sldId id="268" r:id="rId5"/>
     <p:sldId id="269" r:id="rId6"/>
-    <p:sldId id="270" r:id="rId7"/>
+    <p:sldId id="275" r:id="rId7"/>
+    <p:sldId id="271" r:id="rId8"/>
+    <p:sldId id="272" r:id="rId9"/>
+    <p:sldId id="273" r:id="rId10"/>
+    <p:sldId id="274" r:id="rId11"/>
+    <p:sldId id="270" r:id="rId12"/>
   </p:sldIdLst>
   <p:sldSz cx="12192000" cy="6858000"/>
   <p:notesSz cx="6858000" cy="9144000"/>
@@ -128,6 +136,570 @@
 </p:presentation>
 </file>
 
+<file path=ppt/notesMasters/notesMaster1.xml><?xml version="1.0" encoding="utf-8"?>
+<p:notesMaster xmlns:a="http://schemas.openxmlformats.org/drawingml/2006/main" xmlns:r="http://schemas.openxmlformats.org/officeDocument/2006/relationships" xmlns:p="http://schemas.openxmlformats.org/presentationml/2006/main">
+  <p:cSld>
+    <p:bg>
+      <p:bgRef idx="1001">
+        <a:schemeClr val="bg1"/>
+      </p:bgRef>
+    </p:bg>
+    <p:spTree>
+      <p:nvGrpSpPr>
+        <p:cNvPr id="1" name=""/>
+        <p:cNvGrpSpPr/>
+        <p:nvPr/>
+      </p:nvGrpSpPr>
+      <p:grpSpPr>
+        <a:xfrm>
+          <a:off x="0" y="0"/>
+          <a:ext cx="0" cy="0"/>
+          <a:chOff x="0" y="0"/>
+          <a:chExt cx="0" cy="0"/>
+        </a:xfrm>
+      </p:grpSpPr>
+      <p:sp>
+        <p:nvSpPr>
+          <p:cNvPr id="2" name="Kopfzeilenplatzhalter 1"/>
+          <p:cNvSpPr>
+            <a:spLocks noGrp="1"/>
+          </p:cNvSpPr>
+          <p:nvPr>
+            <p:ph type="hdr" sz="quarter"/>
+          </p:nvPr>
+        </p:nvSpPr>
+        <p:spPr>
+          <a:xfrm>
+            <a:off x="0" y="0"/>
+            <a:ext cx="2971800" cy="457200"/>
+          </a:xfrm>
+          <a:prstGeom prst="rect">
+            <a:avLst/>
+          </a:prstGeom>
+        </p:spPr>
+        <p:txBody>
+          <a:bodyPr vert="horz" lIns="91440" tIns="45720" rIns="91440" bIns="45720" rtlCol="0"/>
+          <a:lstStyle>
+            <a:lvl1pPr algn="l">
+              <a:defRPr sz="1200"/>
+            </a:lvl1pPr>
+          </a:lstStyle>
+          <a:p>
+            <a:endParaRPr lang="de-CH"/>
+          </a:p>
+        </p:txBody>
+      </p:sp>
+      <p:sp>
+        <p:nvSpPr>
+          <p:cNvPr id="3" name="Datumsplatzhalter 2"/>
+          <p:cNvSpPr>
+            <a:spLocks noGrp="1"/>
+          </p:cNvSpPr>
+          <p:nvPr>
+            <p:ph type="dt" idx="1"/>
+          </p:nvPr>
+        </p:nvSpPr>
+        <p:spPr>
+          <a:xfrm>
+            <a:off x="3884613" y="0"/>
+            <a:ext cx="2971800" cy="457200"/>
+          </a:xfrm>
+          <a:prstGeom prst="rect">
+            <a:avLst/>
+          </a:prstGeom>
+        </p:spPr>
+        <p:txBody>
+          <a:bodyPr vert="horz" lIns="91440" tIns="45720" rIns="91440" bIns="45720" rtlCol="0"/>
+          <a:lstStyle>
+            <a:lvl1pPr algn="r">
+              <a:defRPr sz="1200"/>
+            </a:lvl1pPr>
+          </a:lstStyle>
+          <a:p>
+            <a:fld id="{CFB2DD67-5A2F-42ED-B3FE-BE1B3C94E9CB}" type="datetimeFigureOut">
+              <a:rPr lang="de-CH" smtClean="0"/>
+              <a:t>08.06.2015</a:t>
+            </a:fld>
+            <a:endParaRPr lang="de-CH"/>
+          </a:p>
+        </p:txBody>
+      </p:sp>
+      <p:sp>
+        <p:nvSpPr>
+          <p:cNvPr id="4" name="Folienbildplatzhalter 3"/>
+          <p:cNvSpPr>
+            <a:spLocks noGrp="1" noRot="1" noChangeAspect="1"/>
+          </p:cNvSpPr>
+          <p:nvPr>
+            <p:ph type="sldImg" idx="2"/>
+          </p:nvPr>
+        </p:nvSpPr>
+        <p:spPr>
+          <a:xfrm>
+            <a:off x="381000" y="685800"/>
+            <a:ext cx="6096000" cy="3429000"/>
+          </a:xfrm>
+          <a:prstGeom prst="rect">
+            <a:avLst/>
+          </a:prstGeom>
+          <a:noFill/>
+          <a:ln w="12700">
+            <a:solidFill>
+              <a:prstClr val="black"/>
+            </a:solidFill>
+          </a:ln>
+        </p:spPr>
+        <p:txBody>
+          <a:bodyPr vert="horz" lIns="91440" tIns="45720" rIns="91440" bIns="45720" rtlCol="0" anchor="ctr"/>
+          <a:lstStyle/>
+          <a:p>
+            <a:endParaRPr lang="de-CH"/>
+          </a:p>
+        </p:txBody>
+      </p:sp>
+      <p:sp>
+        <p:nvSpPr>
+          <p:cNvPr id="5" name="Notizenplatzhalter 4"/>
+          <p:cNvSpPr>
+            <a:spLocks noGrp="1"/>
+          </p:cNvSpPr>
+          <p:nvPr>
+            <p:ph type="body" sz="quarter" idx="3"/>
+          </p:nvPr>
+        </p:nvSpPr>
+        <p:spPr>
+          <a:xfrm>
+            <a:off x="685800" y="4343400"/>
+            <a:ext cx="5486400" cy="4114800"/>
+          </a:xfrm>
+          <a:prstGeom prst="rect">
+            <a:avLst/>
+          </a:prstGeom>
+        </p:spPr>
+        <p:txBody>
+          <a:bodyPr vert="horz" lIns="91440" tIns="45720" rIns="91440" bIns="45720" rtlCol="0"/>
+          <a:lstStyle/>
+          <a:p>
+            <a:pPr lvl="0"/>
+            <a:r>
+              <a:rPr lang="de-DE" smtClean="0"/>
+              <a:t>Textmasterformat bearbeiten</a:t>
+            </a:r>
+          </a:p>
+          <a:p>
+            <a:pPr lvl="1"/>
+            <a:r>
+              <a:rPr lang="de-DE" smtClean="0"/>
+              <a:t>Zweite Ebene</a:t>
+            </a:r>
+          </a:p>
+          <a:p>
+            <a:pPr lvl="2"/>
+            <a:r>
+              <a:rPr lang="de-DE" smtClean="0"/>
+              <a:t>Dritte Ebene</a:t>
+            </a:r>
+          </a:p>
+          <a:p>
+            <a:pPr lvl="3"/>
+            <a:r>
+              <a:rPr lang="de-DE" smtClean="0"/>
+              <a:t>Vierte Ebene</a:t>
+            </a:r>
+          </a:p>
+          <a:p>
+            <a:pPr lvl="4"/>
+            <a:r>
+              <a:rPr lang="de-DE" smtClean="0"/>
+              <a:t>Fünfte Ebene</a:t>
+            </a:r>
+            <a:endParaRPr lang="de-CH"/>
+          </a:p>
+        </p:txBody>
+      </p:sp>
+      <p:sp>
+        <p:nvSpPr>
+          <p:cNvPr id="6" name="Fußzeilenplatzhalter 5"/>
+          <p:cNvSpPr>
+            <a:spLocks noGrp="1"/>
+          </p:cNvSpPr>
+          <p:nvPr>
+            <p:ph type="ftr" sz="quarter" idx="4"/>
+          </p:nvPr>
+        </p:nvSpPr>
+        <p:spPr>
+          <a:xfrm>
+            <a:off x="0" y="8685213"/>
+            <a:ext cx="2971800" cy="457200"/>
+          </a:xfrm>
+          <a:prstGeom prst="rect">
+            <a:avLst/>
+          </a:prstGeom>
+        </p:spPr>
+        <p:txBody>
+          <a:bodyPr vert="horz" lIns="91440" tIns="45720" rIns="91440" bIns="45720" rtlCol="0" anchor="b"/>
+          <a:lstStyle>
+            <a:lvl1pPr algn="l">
+              <a:defRPr sz="1200"/>
+            </a:lvl1pPr>
+          </a:lstStyle>
+          <a:p>
+            <a:endParaRPr lang="de-CH"/>
+          </a:p>
+        </p:txBody>
+      </p:sp>
+      <p:sp>
+        <p:nvSpPr>
+          <p:cNvPr id="7" name="Foliennummernplatzhalter 6"/>
+          <p:cNvSpPr>
+            <a:spLocks noGrp="1"/>
+          </p:cNvSpPr>
+          <p:nvPr>
+            <p:ph type="sldNum" sz="quarter" idx="5"/>
+          </p:nvPr>
+        </p:nvSpPr>
+        <p:spPr>
+          <a:xfrm>
+            <a:off x="3884613" y="8685213"/>
+            <a:ext cx="2971800" cy="457200"/>
+          </a:xfrm>
+          <a:prstGeom prst="rect">
+            <a:avLst/>
+          </a:prstGeom>
+        </p:spPr>
+        <p:txBody>
+          <a:bodyPr vert="horz" lIns="91440" tIns="45720" rIns="91440" bIns="45720" rtlCol="0" anchor="b"/>
+          <a:lstStyle>
+            <a:lvl1pPr algn="r">
+              <a:defRPr sz="1200"/>
+            </a:lvl1pPr>
+          </a:lstStyle>
+          <a:p>
+            <a:fld id="{2B76D00B-AE3A-46BB-B996-1DE8AB957DDE}" type="slidenum">
+              <a:rPr lang="de-CH" smtClean="0"/>
+              <a:t>‹Nr.›</a:t>
+            </a:fld>
+            <a:endParaRPr lang="de-CH"/>
+          </a:p>
+        </p:txBody>
+      </p:sp>
+    </p:spTree>
+    <p:extLst>
+      <p:ext uri="{BB962C8B-B14F-4D97-AF65-F5344CB8AC3E}">
+        <p14:creationId xmlns:p14="http://schemas.microsoft.com/office/powerpoint/2010/main" val="1865048790"/>
+      </p:ext>
+    </p:extLst>
+  </p:cSld>
+  <p:clrMap bg1="lt1" tx1="dk1" bg2="lt2" tx2="dk2" accent1="accent1" accent2="accent2" accent3="accent3" accent4="accent4" accent5="accent5" accent6="accent6" hlink="hlink" folHlink="folHlink"/>
+  <p:notesStyle>
+    <a:lvl1pPr marL="0" algn="l" defTabSz="914400" rtl="0" eaLnBrk="1" latinLnBrk="0" hangingPunct="1">
+      <a:defRPr sz="1200" kern="1200">
+        <a:solidFill>
+          <a:schemeClr val="tx1"/>
+        </a:solidFill>
+        <a:latin typeface="+mn-lt"/>
+        <a:ea typeface="+mn-ea"/>
+        <a:cs typeface="+mn-cs"/>
+      </a:defRPr>
+    </a:lvl1pPr>
+    <a:lvl2pPr marL="457200" algn="l" defTabSz="914400" rtl="0" eaLnBrk="1" latinLnBrk="0" hangingPunct="1">
+      <a:defRPr sz="1200" kern="1200">
+        <a:solidFill>
+          <a:schemeClr val="tx1"/>
+        </a:solidFill>
+        <a:latin typeface="+mn-lt"/>
+        <a:ea typeface="+mn-ea"/>
+        <a:cs typeface="+mn-cs"/>
+      </a:defRPr>
+    </a:lvl2pPr>
+    <a:lvl3pPr marL="914400" algn="l" defTabSz="914400" rtl="0" eaLnBrk="1" latinLnBrk="0" hangingPunct="1">
+      <a:defRPr sz="1200" kern="1200">
+        <a:solidFill>
+          <a:schemeClr val="tx1"/>
+        </a:solidFill>
+        <a:latin typeface="+mn-lt"/>
+        <a:ea typeface="+mn-ea"/>
+        <a:cs typeface="+mn-cs"/>
+      </a:defRPr>
+    </a:lvl3pPr>
+    <a:lvl4pPr marL="1371600" algn="l" defTabSz="914400" rtl="0" eaLnBrk="1" latinLnBrk="0" hangingPunct="1">
+      <a:defRPr sz="1200" kern="1200">
+        <a:solidFill>
+          <a:schemeClr val="tx1"/>
+        </a:solidFill>
+        <a:latin typeface="+mn-lt"/>
+        <a:ea typeface="+mn-ea"/>
+        <a:cs typeface="+mn-cs"/>
+      </a:defRPr>
+    </a:lvl4pPr>
+    <a:lvl5pPr marL="1828800" algn="l" defTabSz="914400" rtl="0" eaLnBrk="1" latinLnBrk="0" hangingPunct="1">
+      <a:defRPr sz="1200" kern="1200">
+        <a:solidFill>
+          <a:schemeClr val="tx1"/>
+        </a:solidFill>
+        <a:latin typeface="+mn-lt"/>
+        <a:ea typeface="+mn-ea"/>
+        <a:cs typeface="+mn-cs"/>
+      </a:defRPr>
+    </a:lvl5pPr>
+    <a:lvl6pPr marL="2286000" algn="l" defTabSz="914400" rtl="0" eaLnBrk="1" latinLnBrk="0" hangingPunct="1">
+      <a:defRPr sz="1200" kern="1200">
+        <a:solidFill>
+          <a:schemeClr val="tx1"/>
+        </a:solidFill>
+        <a:latin typeface="+mn-lt"/>
+        <a:ea typeface="+mn-ea"/>
+        <a:cs typeface="+mn-cs"/>
+      </a:defRPr>
+    </a:lvl6pPr>
+    <a:lvl7pPr marL="2743200" algn="l" defTabSz="914400" rtl="0" eaLnBrk="1" latinLnBrk="0" hangingPunct="1">
+      <a:defRPr sz="1200" kern="1200">
+        <a:solidFill>
+          <a:schemeClr val="tx1"/>
+        </a:solidFill>
+        <a:latin typeface="+mn-lt"/>
+        <a:ea typeface="+mn-ea"/>
+        <a:cs typeface="+mn-cs"/>
+      </a:defRPr>
+    </a:lvl7pPr>
+    <a:lvl8pPr marL="3200400" algn="l" defTabSz="914400" rtl="0" eaLnBrk="1" latinLnBrk="0" hangingPunct="1">
+      <a:defRPr sz="1200" kern="1200">
+        <a:solidFill>
+          <a:schemeClr val="tx1"/>
+        </a:solidFill>
+        <a:latin typeface="+mn-lt"/>
+        <a:ea typeface="+mn-ea"/>
+        <a:cs typeface="+mn-cs"/>
+      </a:defRPr>
+    </a:lvl8pPr>
+    <a:lvl9pPr marL="3657600" algn="l" defTabSz="914400" rtl="0" eaLnBrk="1" latinLnBrk="0" hangingPunct="1">
+      <a:defRPr sz="1200" kern="1200">
+        <a:solidFill>
+          <a:schemeClr val="tx1"/>
+        </a:solidFill>
+        <a:latin typeface="+mn-lt"/>
+        <a:ea typeface="+mn-ea"/>
+        <a:cs typeface="+mn-cs"/>
+      </a:defRPr>
+    </a:lvl9pPr>
+  </p:notesStyle>
+</p:notesMaster>
+</file>
+
+<file path=ppt/notesSlides/notesSlide1.xml><?xml version="1.0" encoding="utf-8"?>
+<p:notes xmlns:a="http://schemas.openxmlformats.org/drawingml/2006/main" xmlns:r="http://schemas.openxmlformats.org/officeDocument/2006/relationships" xmlns:p="http://schemas.openxmlformats.org/presentationml/2006/main">
+  <p:cSld>
+    <p:spTree>
+      <p:nvGrpSpPr>
+        <p:cNvPr id="1" name=""/>
+        <p:cNvGrpSpPr/>
+        <p:nvPr/>
+      </p:nvGrpSpPr>
+      <p:grpSpPr>
+        <a:xfrm>
+          <a:off x="0" y="0"/>
+          <a:ext cx="0" cy="0"/>
+          <a:chOff x="0" y="0"/>
+          <a:chExt cx="0" cy="0"/>
+        </a:xfrm>
+      </p:grpSpPr>
+      <p:sp>
+        <p:nvSpPr>
+          <p:cNvPr id="2" name="Folienbildplatzhalter 1"/>
+          <p:cNvSpPr>
+            <a:spLocks noGrp="1" noRot="1" noChangeAspect="1"/>
+          </p:cNvSpPr>
+          <p:nvPr>
+            <p:ph type="sldImg"/>
+          </p:nvPr>
+        </p:nvSpPr>
+        <p:spPr/>
+      </p:sp>
+      <p:sp>
+        <p:nvSpPr>
+          <p:cNvPr id="3" name="Notizenplatzhalter 2"/>
+          <p:cNvSpPr>
+            <a:spLocks noGrp="1"/>
+          </p:cNvSpPr>
+          <p:nvPr>
+            <p:ph type="body" idx="1"/>
+          </p:nvPr>
+        </p:nvSpPr>
+        <p:spPr/>
+        <p:txBody>
+          <a:bodyPr/>
+          <a:lstStyle/>
+          <a:p>
+            <a:r>
+              <a:rPr lang="en-US" dirty="0" smtClean="0"/>
+              <a:t>Add </a:t>
+            </a:r>
+            <a:r>
+              <a:rPr lang="en-US" dirty="0" err="1" smtClean="0"/>
+              <a:t>havestina</a:t>
+            </a:r>
+            <a:r>
+              <a:rPr lang="en-US" dirty="0" smtClean="0"/>
+              <a:t> formula</a:t>
+            </a:r>
+            <a:endParaRPr lang="de-CH" dirty="0"/>
+          </a:p>
+        </p:txBody>
+      </p:sp>
+      <p:sp>
+        <p:nvSpPr>
+          <p:cNvPr id="4" name="Foliennummernplatzhalter 3"/>
+          <p:cNvSpPr>
+            <a:spLocks noGrp="1"/>
+          </p:cNvSpPr>
+          <p:nvPr>
+            <p:ph type="sldNum" sz="quarter" idx="10"/>
+          </p:nvPr>
+        </p:nvSpPr>
+        <p:spPr/>
+        <p:txBody>
+          <a:bodyPr/>
+          <a:lstStyle/>
+          <a:p>
+            <a:fld id="{2B76D00B-AE3A-46BB-B996-1DE8AB957DDE}" type="slidenum">
+              <a:rPr lang="de-CH" smtClean="0"/>
+              <a:t>9</a:t>
+            </a:fld>
+            <a:endParaRPr lang="de-CH"/>
+          </a:p>
+        </p:txBody>
+      </p:sp>
+    </p:spTree>
+    <p:extLst>
+      <p:ext uri="{BB962C8B-B14F-4D97-AF65-F5344CB8AC3E}">
+        <p14:creationId xmlns:p14="http://schemas.microsoft.com/office/powerpoint/2010/main" val="243399550"/>
+      </p:ext>
+    </p:extLst>
+  </p:cSld>
+  <p:clrMapOvr>
+    <a:masterClrMapping/>
+  </p:clrMapOvr>
+</p:notes>
+</file>
+
+<file path=ppt/notesSlides/notesSlide2.xml><?xml version="1.0" encoding="utf-8"?>
+<p:notes xmlns:a="http://schemas.openxmlformats.org/drawingml/2006/main" xmlns:r="http://schemas.openxmlformats.org/officeDocument/2006/relationships" xmlns:p="http://schemas.openxmlformats.org/presentationml/2006/main">
+  <p:cSld>
+    <p:spTree>
+      <p:nvGrpSpPr>
+        <p:cNvPr id="1" name=""/>
+        <p:cNvGrpSpPr/>
+        <p:nvPr/>
+      </p:nvGrpSpPr>
+      <p:grpSpPr>
+        <a:xfrm>
+          <a:off x="0" y="0"/>
+          <a:ext cx="0" cy="0"/>
+          <a:chOff x="0" y="0"/>
+          <a:chExt cx="0" cy="0"/>
+        </a:xfrm>
+      </p:grpSpPr>
+      <p:sp>
+        <p:nvSpPr>
+          <p:cNvPr id="2" name="Folienbildplatzhalter 1"/>
+          <p:cNvSpPr>
+            <a:spLocks noGrp="1" noRot="1" noChangeAspect="1"/>
+          </p:cNvSpPr>
+          <p:nvPr>
+            <p:ph type="sldImg"/>
+          </p:nvPr>
+        </p:nvSpPr>
+        <p:spPr/>
+      </p:sp>
+      <p:sp>
+        <p:nvSpPr>
+          <p:cNvPr id="3" name="Notizenplatzhalter 2"/>
+          <p:cNvSpPr>
+            <a:spLocks noGrp="1"/>
+          </p:cNvSpPr>
+          <p:nvPr>
+            <p:ph type="body" idx="1"/>
+          </p:nvPr>
+        </p:nvSpPr>
+        <p:spPr/>
+        <p:txBody>
+          <a:bodyPr/>
+          <a:lstStyle/>
+          <a:p>
+            <a:r>
+              <a:rPr lang="en-US" dirty="0" smtClean="0"/>
+              <a:t>Standard</a:t>
+            </a:r>
+            <a:r>
+              <a:rPr lang="en-US" baseline="0" dirty="0" smtClean="0"/>
+              <a:t> google Maps v. </a:t>
+            </a:r>
+            <a:r>
+              <a:rPr lang="en-US" baseline="0" dirty="0" err="1" smtClean="0"/>
+              <a:t>Vaadin</a:t>
+            </a:r>
+            <a:r>
+              <a:rPr lang="en-US" baseline="0" dirty="0" smtClean="0"/>
+              <a:t>: </a:t>
+            </a:r>
+            <a:r>
+              <a:rPr lang="en-US" baseline="0" dirty="0" err="1" smtClean="0"/>
+              <a:t>kein</a:t>
+            </a:r>
+            <a:r>
+              <a:rPr lang="en-US" baseline="0" dirty="0" smtClean="0"/>
+              <a:t> </a:t>
+            </a:r>
+            <a:r>
+              <a:rPr lang="de-CH" baseline="0" dirty="0" err="1" smtClean="0"/>
+              <a:t>Circle</a:t>
+            </a:r>
+            <a:r>
+              <a:rPr lang="de-CH" baseline="0" dirty="0" smtClean="0"/>
+              <a:t> Support</a:t>
+            </a:r>
+          </a:p>
+          <a:p>
+            <a:endParaRPr lang="en-US" baseline="0" dirty="0" smtClean="0"/>
+          </a:p>
+        </p:txBody>
+      </p:sp>
+      <p:sp>
+        <p:nvSpPr>
+          <p:cNvPr id="4" name="Foliennummernplatzhalter 3"/>
+          <p:cNvSpPr>
+            <a:spLocks noGrp="1"/>
+          </p:cNvSpPr>
+          <p:nvPr>
+            <p:ph type="sldNum" sz="quarter" idx="10"/>
+          </p:nvPr>
+        </p:nvSpPr>
+        <p:spPr/>
+        <p:txBody>
+          <a:bodyPr/>
+          <a:lstStyle/>
+          <a:p>
+            <a:fld id="{2B76D00B-AE3A-46BB-B996-1DE8AB957DDE}" type="slidenum">
+              <a:rPr lang="de-CH" smtClean="0"/>
+              <a:t>10</a:t>
+            </a:fld>
+            <a:endParaRPr lang="de-CH"/>
+          </a:p>
+        </p:txBody>
+      </p:sp>
+    </p:spTree>
+    <p:extLst>
+      <p:ext uri="{BB962C8B-B14F-4D97-AF65-F5344CB8AC3E}">
+        <p14:creationId xmlns:p14="http://schemas.microsoft.com/office/powerpoint/2010/main" val="1970978847"/>
+      </p:ext>
+    </p:extLst>
+  </p:cSld>
+  <p:clrMapOvr>
+    <a:masterClrMapping/>
+  </p:clrMapOvr>
+</p:notes>
+</file>
+
 <file path=ppt/slideLayouts/slideLayout1.xml><?xml version="1.0" encoding="utf-8"?>
 <p:sldLayout xmlns:a="http://schemas.openxmlformats.org/drawingml/2006/main" xmlns:r="http://schemas.openxmlformats.org/officeDocument/2006/relationships" xmlns:p="http://schemas.openxmlformats.org/presentationml/2006/main" type="title" preserve="1">
   <p:cSld name="Titelfolie">
@@ -259,7 +831,7 @@
           <a:p>
             <a:fld id="{50577D00-0568-4CC9-8CEB-845F93FB100F}" type="datetimeFigureOut">
               <a:rPr lang="de-CH" smtClean="0"/>
-              <a:t>05.06.2015</a:t>
+              <a:t>08.06.2015</a:t>
             </a:fld>
             <a:endParaRPr lang="de-CH"/>
           </a:p>
@@ -301,7 +873,7 @@
           <a:p>
             <a:fld id="{0C3A96B5-96BD-4B6B-8AA8-FB31EC620ED8}" type="slidenum">
               <a:rPr lang="de-CH" smtClean="0"/>
-              <a:t>‹#›</a:t>
+              <a:t>‹Nr.›</a:t>
             </a:fld>
             <a:endParaRPr lang="de-CH"/>
           </a:p>
@@ -429,7 +1001,7 @@
           <a:p>
             <a:fld id="{50577D00-0568-4CC9-8CEB-845F93FB100F}" type="datetimeFigureOut">
               <a:rPr lang="de-CH" smtClean="0"/>
-              <a:t>05.06.2015</a:t>
+              <a:t>08.06.2015</a:t>
             </a:fld>
             <a:endParaRPr lang="de-CH"/>
           </a:p>
@@ -471,7 +1043,7 @@
           <a:p>
             <a:fld id="{0C3A96B5-96BD-4B6B-8AA8-FB31EC620ED8}" type="slidenum">
               <a:rPr lang="de-CH" smtClean="0"/>
-              <a:t>‹#›</a:t>
+              <a:t>‹Nr.›</a:t>
             </a:fld>
             <a:endParaRPr lang="de-CH"/>
           </a:p>
@@ -609,7 +1181,7 @@
           <a:p>
             <a:fld id="{50577D00-0568-4CC9-8CEB-845F93FB100F}" type="datetimeFigureOut">
               <a:rPr lang="de-CH" smtClean="0"/>
-              <a:t>05.06.2015</a:t>
+              <a:t>08.06.2015</a:t>
             </a:fld>
             <a:endParaRPr lang="de-CH"/>
           </a:p>
@@ -651,7 +1223,7 @@
           <a:p>
             <a:fld id="{0C3A96B5-96BD-4B6B-8AA8-FB31EC620ED8}" type="slidenum">
               <a:rPr lang="de-CH" smtClean="0"/>
-              <a:t>‹#›</a:t>
+              <a:t>‹Nr.›</a:t>
             </a:fld>
             <a:endParaRPr lang="de-CH"/>
           </a:p>
@@ -779,7 +1351,7 @@
           <a:p>
             <a:fld id="{50577D00-0568-4CC9-8CEB-845F93FB100F}" type="datetimeFigureOut">
               <a:rPr lang="de-CH" smtClean="0"/>
-              <a:t>05.06.2015</a:t>
+              <a:t>08.06.2015</a:t>
             </a:fld>
             <a:endParaRPr lang="de-CH"/>
           </a:p>
@@ -821,7 +1393,7 @@
           <a:p>
             <a:fld id="{0C3A96B5-96BD-4B6B-8AA8-FB31EC620ED8}" type="slidenum">
               <a:rPr lang="de-CH" smtClean="0"/>
-              <a:t>‹#›</a:t>
+              <a:t>‹Nr.›</a:t>
             </a:fld>
             <a:endParaRPr lang="de-CH"/>
           </a:p>
@@ -1025,7 +1597,7 @@
           <a:p>
             <a:fld id="{50577D00-0568-4CC9-8CEB-845F93FB100F}" type="datetimeFigureOut">
               <a:rPr lang="de-CH" smtClean="0"/>
-              <a:t>05.06.2015</a:t>
+              <a:t>08.06.2015</a:t>
             </a:fld>
             <a:endParaRPr lang="de-CH"/>
           </a:p>
@@ -1067,7 +1639,7 @@
           <a:p>
             <a:fld id="{0C3A96B5-96BD-4B6B-8AA8-FB31EC620ED8}" type="slidenum">
               <a:rPr lang="de-CH" smtClean="0"/>
-              <a:t>‹#›</a:t>
+              <a:t>‹Nr.›</a:t>
             </a:fld>
             <a:endParaRPr lang="de-CH"/>
           </a:p>
@@ -1257,7 +1829,7 @@
           <a:p>
             <a:fld id="{50577D00-0568-4CC9-8CEB-845F93FB100F}" type="datetimeFigureOut">
               <a:rPr lang="de-CH" smtClean="0"/>
-              <a:t>05.06.2015</a:t>
+              <a:t>08.06.2015</a:t>
             </a:fld>
             <a:endParaRPr lang="de-CH"/>
           </a:p>
@@ -1299,7 +1871,7 @@
           <a:p>
             <a:fld id="{0C3A96B5-96BD-4B6B-8AA8-FB31EC620ED8}" type="slidenum">
               <a:rPr lang="de-CH" smtClean="0"/>
-              <a:t>‹#›</a:t>
+              <a:t>‹Nr.›</a:t>
             </a:fld>
             <a:endParaRPr lang="de-CH"/>
           </a:p>
@@ -1624,7 +2196,7 @@
           <a:p>
             <a:fld id="{50577D00-0568-4CC9-8CEB-845F93FB100F}" type="datetimeFigureOut">
               <a:rPr lang="de-CH" smtClean="0"/>
-              <a:t>05.06.2015</a:t>
+              <a:t>08.06.2015</a:t>
             </a:fld>
             <a:endParaRPr lang="de-CH"/>
           </a:p>
@@ -1666,7 +2238,7 @@
           <a:p>
             <a:fld id="{0C3A96B5-96BD-4B6B-8AA8-FB31EC620ED8}" type="slidenum">
               <a:rPr lang="de-CH" smtClean="0"/>
-              <a:t>‹#›</a:t>
+              <a:t>‹Nr.›</a:t>
             </a:fld>
             <a:endParaRPr lang="de-CH"/>
           </a:p>
@@ -1742,7 +2314,7 @@
           <a:p>
             <a:fld id="{50577D00-0568-4CC9-8CEB-845F93FB100F}" type="datetimeFigureOut">
               <a:rPr lang="de-CH" smtClean="0"/>
-              <a:t>05.06.2015</a:t>
+              <a:t>08.06.2015</a:t>
             </a:fld>
             <a:endParaRPr lang="de-CH"/>
           </a:p>
@@ -1784,7 +2356,7 @@
           <a:p>
             <a:fld id="{0C3A96B5-96BD-4B6B-8AA8-FB31EC620ED8}" type="slidenum">
               <a:rPr lang="de-CH" smtClean="0"/>
-              <a:t>‹#›</a:t>
+              <a:t>‹Nr.›</a:t>
             </a:fld>
             <a:endParaRPr lang="de-CH"/>
           </a:p>
@@ -1837,7 +2409,7 @@
           <a:p>
             <a:fld id="{50577D00-0568-4CC9-8CEB-845F93FB100F}" type="datetimeFigureOut">
               <a:rPr lang="de-CH" smtClean="0"/>
-              <a:t>05.06.2015</a:t>
+              <a:t>08.06.2015</a:t>
             </a:fld>
             <a:endParaRPr lang="de-CH"/>
           </a:p>
@@ -1879,7 +2451,7 @@
           <a:p>
             <a:fld id="{0C3A96B5-96BD-4B6B-8AA8-FB31EC620ED8}" type="slidenum">
               <a:rPr lang="de-CH" smtClean="0"/>
-              <a:t>‹#›</a:t>
+              <a:t>‹Nr.›</a:t>
             </a:fld>
             <a:endParaRPr lang="de-CH"/>
           </a:p>
@@ -2114,7 +2686,7 @@
           <a:p>
             <a:fld id="{50577D00-0568-4CC9-8CEB-845F93FB100F}" type="datetimeFigureOut">
               <a:rPr lang="de-CH" smtClean="0"/>
-              <a:t>05.06.2015</a:t>
+              <a:t>08.06.2015</a:t>
             </a:fld>
             <a:endParaRPr lang="de-CH"/>
           </a:p>
@@ -2156,7 +2728,7 @@
           <a:p>
             <a:fld id="{0C3A96B5-96BD-4B6B-8AA8-FB31EC620ED8}" type="slidenum">
               <a:rPr lang="de-CH" smtClean="0"/>
-              <a:t>‹#›</a:t>
+              <a:t>‹Nr.›</a:t>
             </a:fld>
             <a:endParaRPr lang="de-CH"/>
           </a:p>
@@ -2367,7 +2939,7 @@
           <a:p>
             <a:fld id="{50577D00-0568-4CC9-8CEB-845F93FB100F}" type="datetimeFigureOut">
               <a:rPr lang="de-CH" smtClean="0"/>
-              <a:t>05.06.2015</a:t>
+              <a:t>08.06.2015</a:t>
             </a:fld>
             <a:endParaRPr lang="de-CH"/>
           </a:p>
@@ -2409,7 +2981,7 @@
           <a:p>
             <a:fld id="{0C3A96B5-96BD-4B6B-8AA8-FB31EC620ED8}" type="slidenum">
               <a:rPr lang="de-CH" smtClean="0"/>
-              <a:t>‹#›</a:t>
+              <a:t>‹Nr.›</a:t>
             </a:fld>
             <a:endParaRPr lang="de-CH"/>
           </a:p>
@@ -2580,7 +3152,7 @@
           <a:p>
             <a:fld id="{50577D00-0568-4CC9-8CEB-845F93FB100F}" type="datetimeFigureOut">
               <a:rPr lang="de-CH" smtClean="0"/>
-              <a:t>05.06.2015</a:t>
+              <a:t>08.06.2015</a:t>
             </a:fld>
             <a:endParaRPr lang="de-CH"/>
           </a:p>
@@ -2658,7 +3230,7 @@
           <a:p>
             <a:fld id="{0C3A96B5-96BD-4B6B-8AA8-FB31EC620ED8}" type="slidenum">
               <a:rPr lang="de-CH" smtClean="0"/>
-              <a:t>‹#›</a:t>
+              <a:t>‹Nr.›</a:t>
             </a:fld>
             <a:endParaRPr lang="de-CH"/>
           </a:p>
@@ -3142,6 +3714,453 @@
 </p:sld>
 </file>
 
+<file path=ppt/slides/slide10.xml><?xml version="1.0" encoding="utf-8"?>
+<p:sld xmlns:a="http://schemas.openxmlformats.org/drawingml/2006/main" xmlns:r="http://schemas.openxmlformats.org/officeDocument/2006/relationships" xmlns:p="http://schemas.openxmlformats.org/presentationml/2006/main">
+  <p:cSld>
+    <p:spTree>
+      <p:nvGrpSpPr>
+        <p:cNvPr id="1" name=""/>
+        <p:cNvGrpSpPr/>
+        <p:nvPr/>
+      </p:nvGrpSpPr>
+      <p:grpSpPr>
+        <a:xfrm>
+          <a:off x="0" y="0"/>
+          <a:ext cx="0" cy="0"/>
+          <a:chOff x="0" y="0"/>
+          <a:chExt cx="0" cy="0"/>
+        </a:xfrm>
+      </p:grpSpPr>
+      <p:sp>
+        <p:nvSpPr>
+          <p:cNvPr id="4" name="Rechteck 3"/>
+          <p:cNvSpPr/>
+          <p:nvPr/>
+        </p:nvSpPr>
+        <p:spPr>
+          <a:xfrm>
+            <a:off x="0" y="0"/>
+            <a:ext cx="12192000" cy="1481070"/>
+          </a:xfrm>
+          <a:prstGeom prst="rect">
+            <a:avLst/>
+          </a:prstGeom>
+          <a:solidFill>
+            <a:srgbClr val="D10505"/>
+          </a:solidFill>
+          <a:ln>
+            <a:noFill/>
+          </a:ln>
+        </p:spPr>
+        <p:style>
+          <a:lnRef idx="2">
+            <a:schemeClr val="accent1">
+              <a:shade val="50000"/>
+            </a:schemeClr>
+          </a:lnRef>
+          <a:fillRef idx="1">
+            <a:schemeClr val="accent1"/>
+          </a:fillRef>
+          <a:effectRef idx="0">
+            <a:schemeClr val="accent1"/>
+          </a:effectRef>
+          <a:fontRef idx="minor">
+            <a:schemeClr val="lt1"/>
+          </a:fontRef>
+        </p:style>
+        <p:txBody>
+          <a:bodyPr rtlCol="0" anchor="ctr"/>
+          <a:lstStyle/>
+          <a:p>
+            <a:pPr algn="ctr"/>
+            <a:endParaRPr lang="de-CH"/>
+          </a:p>
+        </p:txBody>
+      </p:sp>
+      <p:sp>
+        <p:nvSpPr>
+          <p:cNvPr id="2" name="Titel 1"/>
+          <p:cNvSpPr>
+            <a:spLocks noGrp="1"/>
+          </p:cNvSpPr>
+          <p:nvPr>
+            <p:ph type="title"/>
+          </p:nvPr>
+        </p:nvSpPr>
+        <p:spPr/>
+        <p:txBody>
+          <a:bodyPr>
+            <a:normAutofit/>
+          </a:bodyPr>
+          <a:lstStyle/>
+          <a:p>
+            <a:pPr algn="l"/>
+            <a:r>
+              <a:rPr lang="en-US" sz="7200" b="1" dirty="0" err="1" smtClean="0">
+                <a:solidFill>
+                  <a:schemeClr val="bg1"/>
+                </a:solidFill>
+              </a:rPr>
+              <a:t>Gps</a:t>
+            </a:r>
+            <a:r>
+              <a:rPr lang="en-US" sz="7200" b="1" dirty="0" smtClean="0">
+                <a:solidFill>
+                  <a:schemeClr val="bg1"/>
+                </a:solidFill>
+              </a:rPr>
+              <a:t> Activity Google Maps</a:t>
+            </a:r>
+            <a:endParaRPr lang="de-CH" sz="7200" b="1" dirty="0">
+              <a:solidFill>
+                <a:schemeClr val="bg1"/>
+              </a:solidFill>
+            </a:endParaRPr>
+          </a:p>
+        </p:txBody>
+      </p:sp>
+      <p:pic>
+        <p:nvPicPr>
+          <p:cNvPr id="3074" name="Picture 2" descr="C:\Users\James\Desktop\googleMapView.PNG"/>
+          <p:cNvPicPr>
+            <a:picLocks noChangeAspect="1" noChangeArrowheads="1"/>
+          </p:cNvPicPr>
+          <p:nvPr/>
+        </p:nvPicPr>
+        <p:blipFill>
+          <a:blip r:embed="rId3">
+            <a:extLst>
+              <a:ext uri="{28A0092B-C50C-407E-A947-70E740481C1C}">
+                <a14:useLocalDpi xmlns:a14="http://schemas.microsoft.com/office/drawing/2010/main" val="0"/>
+              </a:ext>
+            </a:extLst>
+          </a:blip>
+          <a:srcRect/>
+          <a:stretch>
+            <a:fillRect/>
+          </a:stretch>
+        </p:blipFill>
+        <p:spPr bwMode="auto">
+          <a:xfrm>
+            <a:off x="180546" y="1672141"/>
+            <a:ext cx="6611384" cy="1971172"/>
+          </a:xfrm>
+          <a:prstGeom prst="rect">
+            <a:avLst/>
+          </a:prstGeom>
+          <a:noFill/>
+          <a:extLst>
+            <a:ext uri="{909E8E84-426E-40DD-AFC4-6F175D3DCCD1}">
+              <a14:hiddenFill xmlns:a14="http://schemas.microsoft.com/office/drawing/2010/main">
+                <a:solidFill>
+                  <a:srgbClr val="FFFFFF"/>
+                </a:solidFill>
+              </a14:hiddenFill>
+            </a:ext>
+          </a:extLst>
+        </p:spPr>
+      </p:pic>
+      <p:pic>
+        <p:nvPicPr>
+          <p:cNvPr id="3075" name="Picture 3" descr="C:\Users\James\Desktop\setCenterMap.PNG"/>
+          <p:cNvPicPr>
+            <a:picLocks noChangeAspect="1" noChangeArrowheads="1"/>
+          </p:cNvPicPr>
+          <p:nvPr/>
+        </p:nvPicPr>
+        <p:blipFill>
+          <a:blip r:embed="rId4">
+            <a:extLst>
+              <a:ext uri="{28A0092B-C50C-407E-A947-70E740481C1C}">
+                <a14:useLocalDpi xmlns:a14="http://schemas.microsoft.com/office/drawing/2010/main" val="0"/>
+              </a:ext>
+            </a:extLst>
+          </a:blip>
+          <a:srcRect/>
+          <a:stretch>
+            <a:fillRect/>
+          </a:stretch>
+        </p:blipFill>
+        <p:spPr bwMode="auto">
+          <a:xfrm>
+            <a:off x="180546" y="3643313"/>
+            <a:ext cx="5874391" cy="452650"/>
+          </a:xfrm>
+          <a:prstGeom prst="rect">
+            <a:avLst/>
+          </a:prstGeom>
+          <a:noFill/>
+          <a:extLst>
+            <a:ext uri="{909E8E84-426E-40DD-AFC4-6F175D3DCCD1}">
+              <a14:hiddenFill xmlns:a14="http://schemas.microsoft.com/office/drawing/2010/main">
+                <a:solidFill>
+                  <a:srgbClr val="FFFFFF"/>
+                </a:solidFill>
+              </a14:hiddenFill>
+            </a:ext>
+          </a:extLst>
+        </p:spPr>
+      </p:pic>
+      <p:pic>
+        <p:nvPicPr>
+          <p:cNvPr id="3076" name="Picture 4" descr="C:\Users\James\Desktop\mapspropertiesPNG.PNG"/>
+          <p:cNvPicPr>
+            <a:picLocks noChangeAspect="1" noChangeArrowheads="1"/>
+          </p:cNvPicPr>
+          <p:nvPr/>
+        </p:nvPicPr>
+        <p:blipFill>
+          <a:blip r:embed="rId5">
+            <a:extLst>
+              <a:ext uri="{28A0092B-C50C-407E-A947-70E740481C1C}">
+                <a14:useLocalDpi xmlns:a14="http://schemas.microsoft.com/office/drawing/2010/main" val="0"/>
+              </a:ext>
+            </a:extLst>
+          </a:blip>
+          <a:srcRect/>
+          <a:stretch>
+            <a:fillRect/>
+          </a:stretch>
+        </p:blipFill>
+        <p:spPr bwMode="auto">
+          <a:xfrm>
+            <a:off x="6519425" y="2079431"/>
+            <a:ext cx="4500635" cy="1563881"/>
+          </a:xfrm>
+          <a:prstGeom prst="rect">
+            <a:avLst/>
+          </a:prstGeom>
+          <a:noFill/>
+          <a:extLst>
+            <a:ext uri="{909E8E84-426E-40DD-AFC4-6F175D3DCCD1}">
+              <a14:hiddenFill xmlns:a14="http://schemas.microsoft.com/office/drawing/2010/main">
+                <a:solidFill>
+                  <a:srgbClr val="FFFFFF"/>
+                </a:solidFill>
+              </a14:hiddenFill>
+            </a:ext>
+          </a:extLst>
+        </p:spPr>
+      </p:pic>
+      <p:pic>
+        <p:nvPicPr>
+          <p:cNvPr id="3077" name="Picture 5" descr="C:\Users\James\Desktop\addcomponent.PNG"/>
+          <p:cNvPicPr>
+            <a:picLocks noChangeAspect="1" noChangeArrowheads="1"/>
+          </p:cNvPicPr>
+          <p:nvPr/>
+        </p:nvPicPr>
+        <p:blipFill>
+          <a:blip r:embed="rId6">
+            <a:extLst>
+              <a:ext uri="{28A0092B-C50C-407E-A947-70E740481C1C}">
+                <a14:useLocalDpi xmlns:a14="http://schemas.microsoft.com/office/drawing/2010/main" val="0"/>
+              </a:ext>
+            </a:extLst>
+          </a:blip>
+          <a:srcRect/>
+          <a:stretch>
+            <a:fillRect/>
+          </a:stretch>
+        </p:blipFill>
+        <p:spPr bwMode="auto">
+          <a:xfrm>
+            <a:off x="6519426" y="3887189"/>
+            <a:ext cx="3590925" cy="417549"/>
+          </a:xfrm>
+          <a:prstGeom prst="rect">
+            <a:avLst/>
+          </a:prstGeom>
+          <a:noFill/>
+          <a:extLst>
+            <a:ext uri="{909E8E84-426E-40DD-AFC4-6F175D3DCCD1}">
+              <a14:hiddenFill xmlns:a14="http://schemas.microsoft.com/office/drawing/2010/main">
+                <a:solidFill>
+                  <a:srgbClr val="FFFFFF"/>
+                </a:solidFill>
+              </a14:hiddenFill>
+            </a:ext>
+          </a:extLst>
+        </p:spPr>
+      </p:pic>
+    </p:spTree>
+    <p:extLst>
+      <p:ext uri="{BB962C8B-B14F-4D97-AF65-F5344CB8AC3E}">
+        <p14:creationId xmlns:p14="http://schemas.microsoft.com/office/powerpoint/2010/main" val="1807729712"/>
+      </p:ext>
+    </p:extLst>
+  </p:cSld>
+  <p:clrMapOvr>
+    <a:masterClrMapping/>
+  </p:clrMapOvr>
+  <p:timing>
+    <p:tnLst>
+      <p:par>
+        <p:cTn id="1" dur="indefinite" restart="never" nodeType="tmRoot"/>
+      </p:par>
+    </p:tnLst>
+  </p:timing>
+</p:sld>
+</file>
+
+<file path=ppt/slides/slide11.xml><?xml version="1.0" encoding="utf-8"?>
+<p:sld xmlns:a="http://schemas.openxmlformats.org/drawingml/2006/main" xmlns:r="http://schemas.openxmlformats.org/officeDocument/2006/relationships" xmlns:p="http://schemas.openxmlformats.org/presentationml/2006/main">
+  <p:cSld>
+    <p:spTree>
+      <p:nvGrpSpPr>
+        <p:cNvPr id="1" name=""/>
+        <p:cNvGrpSpPr/>
+        <p:nvPr/>
+      </p:nvGrpSpPr>
+      <p:grpSpPr>
+        <a:xfrm>
+          <a:off x="0" y="0"/>
+          <a:ext cx="0" cy="0"/>
+          <a:chOff x="0" y="0"/>
+          <a:chExt cx="0" cy="0"/>
+        </a:xfrm>
+      </p:grpSpPr>
+      <p:sp>
+        <p:nvSpPr>
+          <p:cNvPr id="4" name="Rechteck 3"/>
+          <p:cNvSpPr/>
+          <p:nvPr/>
+        </p:nvSpPr>
+        <p:spPr>
+          <a:xfrm>
+            <a:off x="0" y="0"/>
+            <a:ext cx="12192000" cy="1481070"/>
+          </a:xfrm>
+          <a:prstGeom prst="rect">
+            <a:avLst/>
+          </a:prstGeom>
+          <a:solidFill>
+            <a:srgbClr val="D10505"/>
+          </a:solidFill>
+          <a:ln>
+            <a:noFill/>
+          </a:ln>
+        </p:spPr>
+        <p:style>
+          <a:lnRef idx="2">
+            <a:schemeClr val="accent1">
+              <a:shade val="50000"/>
+            </a:schemeClr>
+          </a:lnRef>
+          <a:fillRef idx="1">
+            <a:schemeClr val="accent1"/>
+          </a:fillRef>
+          <a:effectRef idx="0">
+            <a:schemeClr val="accent1"/>
+          </a:effectRef>
+          <a:fontRef idx="minor">
+            <a:schemeClr val="lt1"/>
+          </a:fontRef>
+        </p:style>
+        <p:txBody>
+          <a:bodyPr rtlCol="0" anchor="ctr"/>
+          <a:lstStyle/>
+          <a:p>
+            <a:pPr algn="ctr"/>
+            <a:endParaRPr lang="de-CH"/>
+          </a:p>
+        </p:txBody>
+      </p:sp>
+      <p:sp>
+        <p:nvSpPr>
+          <p:cNvPr id="2" name="Titel 1"/>
+          <p:cNvSpPr>
+            <a:spLocks noGrp="1"/>
+          </p:cNvSpPr>
+          <p:nvPr>
+            <p:ph type="title"/>
+          </p:nvPr>
+        </p:nvSpPr>
+        <p:spPr/>
+        <p:txBody>
+          <a:bodyPr>
+            <a:normAutofit/>
+          </a:bodyPr>
+          <a:lstStyle/>
+          <a:p>
+            <a:pPr algn="l"/>
+            <a:r>
+              <a:rPr lang="de-CH" sz="7200" b="1" dirty="0" smtClean="0">
+                <a:solidFill>
+                  <a:schemeClr val="bg1"/>
+                </a:solidFill>
+              </a:rPr>
+              <a:t>Fragen?</a:t>
+            </a:r>
+            <a:endParaRPr lang="de-CH" sz="7200" b="1" dirty="0">
+              <a:solidFill>
+                <a:schemeClr val="bg1"/>
+              </a:solidFill>
+            </a:endParaRPr>
+          </a:p>
+        </p:txBody>
+      </p:sp>
+      <p:pic>
+        <p:nvPicPr>
+          <p:cNvPr id="4098" name="Picture 2" descr="C:\Users\James\Desktop\1uMcORN.jpg"/>
+          <p:cNvPicPr>
+            <a:picLocks noChangeAspect="1" noChangeArrowheads="1"/>
+          </p:cNvPicPr>
+          <p:nvPr/>
+        </p:nvPicPr>
+        <p:blipFill>
+          <a:blip r:embed="rId2">
+            <a:extLst>
+              <a:ext uri="{28A0092B-C50C-407E-A947-70E740481C1C}">
+                <a14:useLocalDpi xmlns:a14="http://schemas.microsoft.com/office/drawing/2010/main" val="0"/>
+              </a:ext>
+            </a:extLst>
+          </a:blip>
+          <a:srcRect/>
+          <a:stretch>
+            <a:fillRect/>
+          </a:stretch>
+        </p:blipFill>
+        <p:spPr bwMode="auto">
+          <a:xfrm>
+            <a:off x="977900" y="1646238"/>
+            <a:ext cx="7736026" cy="4551362"/>
+          </a:xfrm>
+          <a:prstGeom prst="rect">
+            <a:avLst/>
+          </a:prstGeom>
+          <a:noFill/>
+          <a:extLst>
+            <a:ext uri="{909E8E84-426E-40DD-AFC4-6F175D3DCCD1}">
+              <a14:hiddenFill xmlns:a14="http://schemas.microsoft.com/office/drawing/2010/main">
+                <a:solidFill>
+                  <a:srgbClr val="FFFFFF"/>
+                </a:solidFill>
+              </a14:hiddenFill>
+            </a:ext>
+          </a:extLst>
+        </p:spPr>
+      </p:pic>
+    </p:spTree>
+    <p:extLst>
+      <p:ext uri="{BB962C8B-B14F-4D97-AF65-F5344CB8AC3E}">
+        <p14:creationId xmlns:p14="http://schemas.microsoft.com/office/powerpoint/2010/main" val="3985901075"/>
+      </p:ext>
+    </p:extLst>
+  </p:cSld>
+  <p:clrMapOvr>
+    <a:masterClrMapping/>
+  </p:clrMapOvr>
+  <p:timing>
+    <p:tnLst>
+      <p:par>
+        <p:cTn id="1" dur="indefinite" restart="never" nodeType="tmRoot"/>
+      </p:par>
+    </p:tnLst>
+  </p:timing>
+</p:sld>
+</file>
+
 <file path=ppt/slides/slide2.xml><?xml version="1.0" encoding="utf-8"?>
 <p:sld xmlns:a="http://schemas.openxmlformats.org/drawingml/2006/main" xmlns:r="http://schemas.openxmlformats.org/officeDocument/2006/relationships" xmlns:p="http://schemas.openxmlformats.org/presentationml/2006/main">
   <p:cSld>
@@ -3869,12 +4888,12 @@
           <a:p>
             <a:pPr algn="l"/>
             <a:r>
-              <a:rPr lang="de-CH" sz="7200" b="1" dirty="0" smtClean="0">
+              <a:rPr lang="en-US" sz="7200" b="1" dirty="0" smtClean="0">
                 <a:solidFill>
                   <a:schemeClr val="bg1"/>
                 </a:solidFill>
               </a:rPr>
-              <a:t>Fragen?</a:t>
+              <a:t>James</a:t>
             </a:r>
             <a:endParaRPr lang="de-CH" sz="7200" b="1" dirty="0">
               <a:solidFill>
@@ -3884,9 +4903,441 @@
           </a:p>
         </p:txBody>
       </p:sp>
+      <p:sp>
+        <p:nvSpPr>
+          <p:cNvPr id="3" name="Content Placeholder 2"/>
+          <p:cNvSpPr>
+            <a:spLocks noGrp="1"/>
+          </p:cNvSpPr>
+          <p:nvPr>
+            <p:ph idx="1"/>
+          </p:nvPr>
+        </p:nvSpPr>
+        <p:spPr/>
+        <p:txBody>
+          <a:bodyPr/>
+          <a:lstStyle/>
+          <a:p>
+            <a:r>
+              <a:rPr lang="en-US" dirty="0" smtClean="0"/>
+              <a:t>Generic Reminder</a:t>
+            </a:r>
+          </a:p>
+          <a:p>
+            <a:r>
+              <a:rPr lang="en-US" dirty="0" err="1" smtClean="0"/>
+              <a:t>MongoDb</a:t>
+            </a:r>
+            <a:r>
+              <a:rPr lang="en-US" dirty="0" smtClean="0"/>
+              <a:t> Adapter</a:t>
+            </a:r>
+          </a:p>
+          <a:p>
+            <a:r>
+              <a:rPr lang="en-US" dirty="0" err="1" smtClean="0"/>
+              <a:t>Grundstruktur</a:t>
+            </a:r>
+            <a:r>
+              <a:rPr lang="en-US" dirty="0" smtClean="0"/>
+              <a:t> </a:t>
+            </a:r>
+            <a:r>
+              <a:rPr lang="en-US" dirty="0" err="1" smtClean="0"/>
+              <a:t>Applikation</a:t>
+            </a:r>
+            <a:endParaRPr lang="de-CH" dirty="0"/>
+          </a:p>
+          <a:p>
+            <a:r>
+              <a:rPr lang="en-US" dirty="0" smtClean="0"/>
+              <a:t>Google Maps implementation</a:t>
+            </a:r>
+          </a:p>
+        </p:txBody>
+      </p:sp>
+    </p:spTree>
+    <p:extLst>
+      <p:ext uri="{BB962C8B-B14F-4D97-AF65-F5344CB8AC3E}">
+        <p14:creationId xmlns:p14="http://schemas.microsoft.com/office/powerpoint/2010/main" val="1170155008"/>
+      </p:ext>
+    </p:extLst>
+  </p:cSld>
+  <p:clrMapOvr>
+    <a:masterClrMapping/>
+  </p:clrMapOvr>
+  <p:timing>
+    <p:tnLst>
+      <p:par>
+        <p:cTn id="1" dur="indefinite" restart="never" nodeType="tmRoot"/>
+      </p:par>
+    </p:tnLst>
+  </p:timing>
+</p:sld>
+</file>
+
+<file path=ppt/slides/slide7.xml><?xml version="1.0" encoding="utf-8"?>
+<p:sld xmlns:a="http://schemas.openxmlformats.org/drawingml/2006/main" xmlns:r="http://schemas.openxmlformats.org/officeDocument/2006/relationships" xmlns:p="http://schemas.openxmlformats.org/presentationml/2006/main">
+  <p:cSld>
+    <p:spTree>
+      <p:nvGrpSpPr>
+        <p:cNvPr id="1" name=""/>
+        <p:cNvGrpSpPr/>
+        <p:nvPr/>
+      </p:nvGrpSpPr>
+      <p:grpSpPr>
+        <a:xfrm>
+          <a:off x="0" y="0"/>
+          <a:ext cx="0" cy="0"/>
+          <a:chOff x="0" y="0"/>
+          <a:chExt cx="0" cy="0"/>
+        </a:xfrm>
+      </p:grpSpPr>
+      <p:sp>
+        <p:nvSpPr>
+          <p:cNvPr id="4" name="Rechteck 3"/>
+          <p:cNvSpPr/>
+          <p:nvPr/>
+        </p:nvSpPr>
+        <p:spPr>
+          <a:xfrm>
+            <a:off x="0" y="0"/>
+            <a:ext cx="12192000" cy="1481070"/>
+          </a:xfrm>
+          <a:prstGeom prst="rect">
+            <a:avLst/>
+          </a:prstGeom>
+          <a:solidFill>
+            <a:srgbClr val="D10505"/>
+          </a:solidFill>
+          <a:ln>
+            <a:noFill/>
+          </a:ln>
+        </p:spPr>
+        <p:style>
+          <a:lnRef idx="2">
+            <a:schemeClr val="accent1">
+              <a:shade val="50000"/>
+            </a:schemeClr>
+          </a:lnRef>
+          <a:fillRef idx="1">
+            <a:schemeClr val="accent1"/>
+          </a:fillRef>
+          <a:effectRef idx="0">
+            <a:schemeClr val="accent1"/>
+          </a:effectRef>
+          <a:fontRef idx="minor">
+            <a:schemeClr val="lt1"/>
+          </a:fontRef>
+        </p:style>
+        <p:txBody>
+          <a:bodyPr rtlCol="0" anchor="ctr"/>
+          <a:lstStyle/>
+          <a:p>
+            <a:pPr algn="ctr"/>
+            <a:endParaRPr lang="de-CH"/>
+          </a:p>
+        </p:txBody>
+      </p:sp>
+      <p:sp>
+        <p:nvSpPr>
+          <p:cNvPr id="2" name="Titel 1"/>
+          <p:cNvSpPr>
+            <a:spLocks noGrp="1"/>
+          </p:cNvSpPr>
+          <p:nvPr>
+            <p:ph type="title"/>
+          </p:nvPr>
+        </p:nvSpPr>
+        <p:spPr/>
+        <p:txBody>
+          <a:bodyPr>
+            <a:normAutofit/>
+          </a:bodyPr>
+          <a:lstStyle/>
+          <a:p>
+            <a:pPr algn="l"/>
+            <a:r>
+              <a:rPr lang="en-US" sz="7200" b="1" dirty="0" err="1" smtClean="0">
+                <a:solidFill>
+                  <a:schemeClr val="bg1"/>
+                </a:solidFill>
+              </a:rPr>
+              <a:t>Gps</a:t>
+            </a:r>
+            <a:r>
+              <a:rPr lang="en-US" sz="7200" b="1" dirty="0" smtClean="0">
+                <a:solidFill>
+                  <a:schemeClr val="bg1"/>
+                </a:solidFill>
+              </a:rPr>
+              <a:t> Activity Google Maps</a:t>
+            </a:r>
+            <a:endParaRPr lang="de-CH" sz="7200" b="1" dirty="0">
+              <a:solidFill>
+                <a:schemeClr val="bg1"/>
+              </a:solidFill>
+            </a:endParaRPr>
+          </a:p>
+        </p:txBody>
+      </p:sp>
+      <p:sp>
+        <p:nvSpPr>
+          <p:cNvPr id="3" name="Content Placeholder 2"/>
+          <p:cNvSpPr>
+            <a:spLocks noGrp="1"/>
+          </p:cNvSpPr>
+          <p:nvPr>
+            <p:ph idx="1"/>
+          </p:nvPr>
+        </p:nvSpPr>
+        <p:spPr/>
+        <p:txBody>
+          <a:bodyPr/>
+          <a:lstStyle/>
+          <a:p>
+            <a:r>
+              <a:rPr lang="en-US" dirty="0" err="1" smtClean="0"/>
+              <a:t>Gps</a:t>
+            </a:r>
+            <a:r>
+              <a:rPr lang="en-US" dirty="0" smtClean="0"/>
+              <a:t> Tracking </a:t>
+            </a:r>
+            <a:r>
+              <a:rPr lang="en-US" dirty="0" err="1" smtClean="0"/>
+              <a:t>mit</a:t>
+            </a:r>
+            <a:r>
+              <a:rPr lang="en-US" dirty="0" smtClean="0"/>
+              <a:t> Google Maps</a:t>
+            </a:r>
+          </a:p>
+          <a:p>
+            <a:r>
+              <a:rPr lang="en-US" dirty="0" err="1" smtClean="0"/>
+              <a:t>Berechnungen</a:t>
+            </a:r>
+            <a:endParaRPr lang="en-US" dirty="0" smtClean="0"/>
+          </a:p>
+          <a:p>
+            <a:pPr lvl="1"/>
+            <a:r>
+              <a:rPr lang="en-US" dirty="0" err="1" smtClean="0"/>
+              <a:t>Distanz</a:t>
+            </a:r>
+            <a:r>
+              <a:rPr lang="en-US" dirty="0" smtClean="0"/>
+              <a:t> </a:t>
+            </a:r>
+            <a:r>
+              <a:rPr lang="en-US" dirty="0" err="1" smtClean="0"/>
+              <a:t>bis</a:t>
+            </a:r>
+            <a:r>
+              <a:rPr lang="en-US" dirty="0" smtClean="0"/>
+              <a:t> </a:t>
+            </a:r>
+            <a:r>
+              <a:rPr lang="en-US" dirty="0" err="1" smtClean="0"/>
+              <a:t>zum</a:t>
+            </a:r>
+            <a:r>
+              <a:rPr lang="en-US" dirty="0" smtClean="0"/>
+              <a:t> </a:t>
+            </a:r>
+            <a:r>
+              <a:rPr lang="en-US" dirty="0" err="1" smtClean="0"/>
+              <a:t>Ziel</a:t>
+            </a:r>
+            <a:r>
+              <a:rPr lang="en-US" dirty="0" smtClean="0"/>
+              <a:t> </a:t>
+            </a:r>
+          </a:p>
+          <a:p>
+            <a:pPr lvl="1"/>
+            <a:r>
+              <a:rPr lang="en-US" dirty="0" err="1" smtClean="0"/>
+              <a:t>Optimales</a:t>
+            </a:r>
+            <a:r>
+              <a:rPr lang="en-US" dirty="0" smtClean="0"/>
+              <a:t> </a:t>
+            </a:r>
+            <a:r>
+              <a:rPr lang="en-US" dirty="0" err="1" smtClean="0"/>
+              <a:t>Zoomlevel</a:t>
+            </a:r>
+            <a:endParaRPr lang="en-US" dirty="0" smtClean="0"/>
+          </a:p>
+          <a:p>
+            <a:pPr lvl="1"/>
+            <a:r>
+              <a:rPr lang="en-US" dirty="0" err="1" smtClean="0"/>
+              <a:t>Kartenmitte</a:t>
+            </a:r>
+            <a:endParaRPr lang="en-US" dirty="0" smtClean="0"/>
+          </a:p>
+          <a:p>
+            <a:r>
+              <a:rPr lang="en-US" dirty="0" smtClean="0"/>
+              <a:t>Simulator </a:t>
+            </a:r>
+            <a:r>
+              <a:rPr lang="en-US" dirty="0" err="1" smtClean="0"/>
+              <a:t>für</a:t>
+            </a:r>
+            <a:r>
+              <a:rPr lang="en-US" dirty="0" smtClean="0"/>
+              <a:t> </a:t>
+            </a:r>
+            <a:r>
+              <a:rPr lang="en-US" dirty="0" err="1" smtClean="0"/>
+              <a:t>GpsLocation</a:t>
+            </a:r>
+            <a:r>
+              <a:rPr lang="en-US" dirty="0" smtClean="0"/>
+              <a:t> </a:t>
+            </a:r>
+          </a:p>
+          <a:p>
+            <a:r>
+              <a:rPr lang="en-US" dirty="0" err="1" smtClean="0"/>
+              <a:t>Bugfixing</a:t>
+            </a:r>
+            <a:r>
+              <a:rPr lang="en-US" dirty="0"/>
+              <a:t> </a:t>
+            </a:r>
+            <a:r>
+              <a:rPr lang="en-US" dirty="0" err="1" smtClean="0"/>
+              <a:t>Vaadin</a:t>
+            </a:r>
+            <a:r>
+              <a:rPr lang="en-US" dirty="0" smtClean="0"/>
+              <a:t> Google Maps </a:t>
+            </a:r>
+            <a:r>
+              <a:rPr lang="en-US" dirty="0" err="1" smtClean="0"/>
+              <a:t>Komponente</a:t>
+            </a:r>
+            <a:endParaRPr lang="de-CH" dirty="0"/>
+          </a:p>
+        </p:txBody>
+      </p:sp>
+    </p:spTree>
+    <p:extLst>
+      <p:ext uri="{BB962C8B-B14F-4D97-AF65-F5344CB8AC3E}">
+        <p14:creationId xmlns:p14="http://schemas.microsoft.com/office/powerpoint/2010/main" val="3360321972"/>
+      </p:ext>
+    </p:extLst>
+  </p:cSld>
+  <p:clrMapOvr>
+    <a:masterClrMapping/>
+  </p:clrMapOvr>
+  <p:timing>
+    <p:tnLst>
+      <p:par>
+        <p:cTn id="1" dur="indefinite" restart="never" nodeType="tmRoot"/>
+      </p:par>
+    </p:tnLst>
+  </p:timing>
+</p:sld>
+</file>
+
+<file path=ppt/slides/slide8.xml><?xml version="1.0" encoding="utf-8"?>
+<p:sld xmlns:a="http://schemas.openxmlformats.org/drawingml/2006/main" xmlns:r="http://schemas.openxmlformats.org/officeDocument/2006/relationships" xmlns:p="http://schemas.openxmlformats.org/presentationml/2006/main">
+  <p:cSld>
+    <p:spTree>
+      <p:nvGrpSpPr>
+        <p:cNvPr id="1" name=""/>
+        <p:cNvGrpSpPr/>
+        <p:nvPr/>
+      </p:nvGrpSpPr>
+      <p:grpSpPr>
+        <a:xfrm>
+          <a:off x="0" y="0"/>
+          <a:ext cx="0" cy="0"/>
+          <a:chOff x="0" y="0"/>
+          <a:chExt cx="0" cy="0"/>
+        </a:xfrm>
+      </p:grpSpPr>
+      <p:sp>
+        <p:nvSpPr>
+          <p:cNvPr id="4" name="Rechteck 3"/>
+          <p:cNvSpPr/>
+          <p:nvPr/>
+        </p:nvSpPr>
+        <p:spPr>
+          <a:xfrm>
+            <a:off x="0" y="0"/>
+            <a:ext cx="12192000" cy="1481070"/>
+          </a:xfrm>
+          <a:prstGeom prst="rect">
+            <a:avLst/>
+          </a:prstGeom>
+          <a:solidFill>
+            <a:srgbClr val="D10505"/>
+          </a:solidFill>
+          <a:ln>
+            <a:noFill/>
+          </a:ln>
+        </p:spPr>
+        <p:style>
+          <a:lnRef idx="2">
+            <a:schemeClr val="accent1">
+              <a:shade val="50000"/>
+            </a:schemeClr>
+          </a:lnRef>
+          <a:fillRef idx="1">
+            <a:schemeClr val="accent1"/>
+          </a:fillRef>
+          <a:effectRef idx="0">
+            <a:schemeClr val="accent1"/>
+          </a:effectRef>
+          <a:fontRef idx="minor">
+            <a:schemeClr val="lt1"/>
+          </a:fontRef>
+        </p:style>
+        <p:txBody>
+          <a:bodyPr rtlCol="0" anchor="ctr"/>
+          <a:lstStyle/>
+          <a:p>
+            <a:pPr algn="ctr"/>
+            <a:endParaRPr lang="de-CH"/>
+          </a:p>
+        </p:txBody>
+      </p:sp>
+      <p:sp>
+        <p:nvSpPr>
+          <p:cNvPr id="2" name="Titel 1"/>
+          <p:cNvSpPr>
+            <a:spLocks noGrp="1"/>
+          </p:cNvSpPr>
+          <p:nvPr>
+            <p:ph type="title"/>
+          </p:nvPr>
+        </p:nvSpPr>
+        <p:spPr/>
+        <p:txBody>
+          <a:bodyPr>
+            <a:normAutofit/>
+          </a:bodyPr>
+          <a:lstStyle/>
+          <a:p>
+            <a:pPr algn="l"/>
+            <a:endParaRPr lang="de-CH" sz="7200" b="1" dirty="0">
+              <a:solidFill>
+                <a:schemeClr val="bg1"/>
+              </a:solidFill>
+            </a:endParaRPr>
+          </a:p>
+        </p:txBody>
+      </p:sp>
       <p:pic>
         <p:nvPicPr>
-          <p:cNvPr id="2050" name="Picture 2" descr="http://geekandpoke.typepad.com/.a/6a00d8341d3df553ef0153924d6824970b-800wi"/>
+          <p:cNvPr id="1026" name="Picture 2" descr="C:\Users\James\workspaceLuna\PatientApp\doc\task14\finalpresentation.png"/>
           <p:cNvPicPr>
             <a:picLocks noGrp="1" noChangeAspect="1" noChangeArrowheads="1"/>
           </p:cNvPicPr>
@@ -3894,7 +5345,7 @@
             <p:ph idx="1"/>
           </p:nvPr>
         </p:nvPicPr>
-        <p:blipFill rotWithShape="1">
+        <p:blipFill>
           <a:blip r:embed="rId2">
             <a:extLst>
               <a:ext uri="{28A0092B-C50C-407E-A947-70E740481C1C}">
@@ -3902,13 +5353,15 @@
               </a:ext>
             </a:extLst>
           </a:blip>
-          <a:srcRect l="25630" t="357" r="8067" b="7220"/>
-          <a:stretch/>
+          <a:srcRect/>
+          <a:stretch>
+            <a:fillRect/>
+          </a:stretch>
         </p:blipFill>
         <p:spPr bwMode="auto">
           <a:xfrm>
-            <a:off x="4970835" y="1685266"/>
-            <a:ext cx="2558374" cy="5046274"/>
+            <a:off x="21903" y="26348"/>
+            <a:ext cx="12170097" cy="6359857"/>
           </a:xfrm>
           <a:prstGeom prst="rect">
             <a:avLst/>
@@ -3928,7 +5381,248 @@
     </p:spTree>
     <p:extLst>
       <p:ext uri="{BB962C8B-B14F-4D97-AF65-F5344CB8AC3E}">
-        <p14:creationId xmlns:p14="http://schemas.microsoft.com/office/powerpoint/2010/main" val="3985901075"/>
+        <p14:creationId xmlns:p14="http://schemas.microsoft.com/office/powerpoint/2010/main" val="923453395"/>
+      </p:ext>
+    </p:extLst>
+  </p:cSld>
+  <p:clrMapOvr>
+    <a:masterClrMapping/>
+  </p:clrMapOvr>
+  <p:timing>
+    <p:tnLst>
+      <p:par>
+        <p:cTn id="1" dur="indefinite" restart="never" nodeType="tmRoot"/>
+      </p:par>
+    </p:tnLst>
+  </p:timing>
+</p:sld>
+</file>
+
+<file path=ppt/slides/slide9.xml><?xml version="1.0" encoding="utf-8"?>
+<p:sld xmlns:a="http://schemas.openxmlformats.org/drawingml/2006/main" xmlns:r="http://schemas.openxmlformats.org/officeDocument/2006/relationships" xmlns:p="http://schemas.openxmlformats.org/presentationml/2006/main">
+  <p:cSld>
+    <p:spTree>
+      <p:nvGrpSpPr>
+        <p:cNvPr id="1" name=""/>
+        <p:cNvGrpSpPr/>
+        <p:nvPr/>
+      </p:nvGrpSpPr>
+      <p:grpSpPr>
+        <a:xfrm>
+          <a:off x="0" y="0"/>
+          <a:ext cx="0" cy="0"/>
+          <a:chOff x="0" y="0"/>
+          <a:chExt cx="0" cy="0"/>
+        </a:xfrm>
+      </p:grpSpPr>
+      <p:sp>
+        <p:nvSpPr>
+          <p:cNvPr id="4" name="Rechteck 3"/>
+          <p:cNvSpPr/>
+          <p:nvPr/>
+        </p:nvSpPr>
+        <p:spPr>
+          <a:xfrm>
+            <a:off x="0" y="0"/>
+            <a:ext cx="12192000" cy="1481070"/>
+          </a:xfrm>
+          <a:prstGeom prst="rect">
+            <a:avLst/>
+          </a:prstGeom>
+          <a:solidFill>
+            <a:srgbClr val="D10505"/>
+          </a:solidFill>
+          <a:ln>
+            <a:noFill/>
+          </a:ln>
+        </p:spPr>
+        <p:style>
+          <a:lnRef idx="2">
+            <a:schemeClr val="accent1">
+              <a:shade val="50000"/>
+            </a:schemeClr>
+          </a:lnRef>
+          <a:fillRef idx="1">
+            <a:schemeClr val="accent1"/>
+          </a:fillRef>
+          <a:effectRef idx="0">
+            <a:schemeClr val="accent1"/>
+          </a:effectRef>
+          <a:fontRef idx="minor">
+            <a:schemeClr val="lt1"/>
+          </a:fontRef>
+        </p:style>
+        <p:txBody>
+          <a:bodyPr rtlCol="0" anchor="ctr"/>
+          <a:lstStyle/>
+          <a:p>
+            <a:pPr algn="ctr"/>
+            <a:endParaRPr lang="de-CH"/>
+          </a:p>
+        </p:txBody>
+      </p:sp>
+      <p:sp>
+        <p:nvSpPr>
+          <p:cNvPr id="2" name="Titel 1"/>
+          <p:cNvSpPr>
+            <a:spLocks noGrp="1"/>
+          </p:cNvSpPr>
+          <p:nvPr>
+            <p:ph type="title"/>
+          </p:nvPr>
+        </p:nvSpPr>
+        <p:spPr/>
+        <p:txBody>
+          <a:bodyPr>
+            <a:normAutofit/>
+          </a:bodyPr>
+          <a:lstStyle/>
+          <a:p>
+            <a:pPr algn="l"/>
+            <a:r>
+              <a:rPr lang="en-US" sz="7200" b="1" dirty="0" err="1" smtClean="0">
+                <a:solidFill>
+                  <a:schemeClr val="bg1"/>
+                </a:solidFill>
+              </a:rPr>
+              <a:t>Distanz</a:t>
+            </a:r>
+            <a:r>
+              <a:rPr lang="en-US" sz="7200" b="1" dirty="0" smtClean="0">
+                <a:solidFill>
+                  <a:schemeClr val="bg1"/>
+                </a:solidFill>
+              </a:rPr>
+              <a:t> </a:t>
+            </a:r>
+            <a:r>
+              <a:rPr lang="en-US" sz="7200" b="1" dirty="0" err="1" smtClean="0">
+                <a:solidFill>
+                  <a:schemeClr val="bg1"/>
+                </a:solidFill>
+              </a:rPr>
+              <a:t>Gps</a:t>
+            </a:r>
+            <a:r>
+              <a:rPr lang="en-US" sz="7200" b="1" dirty="0" smtClean="0">
+                <a:solidFill>
+                  <a:schemeClr val="bg1"/>
+                </a:solidFill>
+              </a:rPr>
+              <a:t> </a:t>
+            </a:r>
+            <a:r>
+              <a:rPr lang="en-US" sz="7200" b="1" dirty="0" err="1" smtClean="0">
+                <a:solidFill>
+                  <a:schemeClr val="bg1"/>
+                </a:solidFill>
+              </a:rPr>
+              <a:t>Koordinaten</a:t>
+            </a:r>
+            <a:r>
+              <a:rPr lang="en-US" sz="7200" b="1" dirty="0" smtClean="0">
+                <a:solidFill>
+                  <a:schemeClr val="bg1"/>
+                </a:solidFill>
+              </a:rPr>
+              <a:t>	</a:t>
+            </a:r>
+            <a:endParaRPr lang="de-CH" sz="7200" b="1" dirty="0">
+              <a:solidFill>
+                <a:schemeClr val="bg1"/>
+              </a:solidFill>
+            </a:endParaRPr>
+          </a:p>
+        </p:txBody>
+      </p:sp>
+      <p:pic>
+        <p:nvPicPr>
+          <p:cNvPr id="2050" name="Picture 2" descr="C:\Users\James\Desktop\Capturebettybossi.PNG"/>
+          <p:cNvPicPr>
+            <a:picLocks noGrp="1" noChangeAspect="1" noChangeArrowheads="1"/>
+          </p:cNvPicPr>
+          <p:nvPr>
+            <p:ph idx="1"/>
+          </p:nvPr>
+        </p:nvPicPr>
+        <p:blipFill>
+          <a:blip r:embed="rId3">
+            <a:extLst>
+              <a:ext uri="{28A0092B-C50C-407E-A947-70E740481C1C}">
+                <a14:useLocalDpi xmlns:a14="http://schemas.microsoft.com/office/drawing/2010/main" val="0"/>
+              </a:ext>
+            </a:extLst>
+          </a:blip>
+          <a:srcRect/>
+          <a:stretch>
+            <a:fillRect/>
+          </a:stretch>
+        </p:blipFill>
+        <p:spPr bwMode="auto">
+          <a:xfrm>
+            <a:off x="0" y="1849370"/>
+            <a:ext cx="10147238" cy="4491150"/>
+          </a:xfrm>
+          <a:prstGeom prst="rect">
+            <a:avLst/>
+          </a:prstGeom>
+          <a:noFill/>
+          <a:extLst>
+            <a:ext uri="{909E8E84-426E-40DD-AFC4-6F175D3DCCD1}">
+              <a14:hiddenFill xmlns:a14="http://schemas.microsoft.com/office/drawing/2010/main">
+                <a:solidFill>
+                  <a:srgbClr val="FFFFFF"/>
+                </a:solidFill>
+              </a14:hiddenFill>
+            </a:ext>
+          </a:extLst>
+        </p:spPr>
+      </p:pic>
+      <p:pic>
+        <p:nvPicPr>
+          <p:cNvPr id="1026" name="Picture 2" descr="C:\Users\James\Desktop\havesine.PNG"/>
+          <p:cNvPicPr>
+            <a:picLocks noChangeAspect="1" noChangeArrowheads="1"/>
+          </p:cNvPicPr>
+          <p:nvPr/>
+        </p:nvPicPr>
+        <p:blipFill>
+          <a:blip r:embed="rId4">
+            <a:extLst>
+              <a:ext uri="{28A0092B-C50C-407E-A947-70E740481C1C}">
+                <a14:useLocalDpi xmlns:a14="http://schemas.microsoft.com/office/drawing/2010/main" val="0"/>
+              </a:ext>
+            </a:extLst>
+          </a:blip>
+          <a:srcRect/>
+          <a:stretch>
+            <a:fillRect/>
+          </a:stretch>
+        </p:blipFill>
+        <p:spPr bwMode="auto">
+          <a:xfrm>
+            <a:off x="5626100" y="2374900"/>
+            <a:ext cx="5486400" cy="704850"/>
+          </a:xfrm>
+          <a:prstGeom prst="rect">
+            <a:avLst/>
+          </a:prstGeom>
+          <a:noFill/>
+          <a:extLst>
+            <a:ext uri="{909E8E84-426E-40DD-AFC4-6F175D3DCCD1}">
+              <a14:hiddenFill xmlns:a14="http://schemas.microsoft.com/office/drawing/2010/main">
+                <a:solidFill>
+                  <a:srgbClr val="FFFFFF"/>
+                </a:solidFill>
+              </a14:hiddenFill>
+            </a:ext>
+          </a:extLst>
+        </p:spPr>
+      </p:pic>
+    </p:spTree>
+    <p:extLst>
+      <p:ext uri="{BB962C8B-B14F-4D97-AF65-F5344CB8AC3E}">
+        <p14:creationId xmlns:p14="http://schemas.microsoft.com/office/powerpoint/2010/main" val="4248996124"/>
       </p:ext>
     </p:extLst>
   </p:cSld>
@@ -4204,4 +5898,289 @@
     </a:ext>
   </a:extLst>
 </a:theme>
+</file>
+
+<file path=ppt/theme/theme2.xml><?xml version="1.0" encoding="utf-8"?>
+<a:theme xmlns:a="http://schemas.openxmlformats.org/drawingml/2006/main" name="Larissa">
+  <a:themeElements>
+    <a:clrScheme name="Larissa">
+      <a:dk1>
+        <a:sysClr val="windowText" lastClr="000000"/>
+      </a:dk1>
+      <a:lt1>
+        <a:sysClr val="window" lastClr="FFFFFF"/>
+      </a:lt1>
+      <a:dk2>
+        <a:srgbClr val="1F497D"/>
+      </a:dk2>
+      <a:lt2>
+        <a:srgbClr val="EEECE1"/>
+      </a:lt2>
+      <a:accent1>
+        <a:srgbClr val="4F81BD"/>
+      </a:accent1>
+      <a:accent2>
+        <a:srgbClr val="C0504D"/>
+      </a:accent2>
+      <a:accent3>
+        <a:srgbClr val="9BBB59"/>
+      </a:accent3>
+      <a:accent4>
+        <a:srgbClr val="8064A2"/>
+      </a:accent4>
+      <a:accent5>
+        <a:srgbClr val="4BACC6"/>
+      </a:accent5>
+      <a:accent6>
+        <a:srgbClr val="F79646"/>
+      </a:accent6>
+      <a:hlink>
+        <a:srgbClr val="0000FF"/>
+      </a:hlink>
+      <a:folHlink>
+        <a:srgbClr val="800080"/>
+      </a:folHlink>
+    </a:clrScheme>
+    <a:fontScheme name="Larissa">
+      <a:majorFont>
+        <a:latin typeface="Calibri"/>
+        <a:ea typeface=""/>
+        <a:cs typeface=""/>
+        <a:font script="Jpan" typeface="ＭＳ Ｐゴシック"/>
+        <a:font script="Hang" typeface="맑은 고딕"/>
+        <a:font script="Hans" typeface="宋体"/>
+        <a:font script="Hant" typeface="新細明體"/>
+        <a:font script="Arab" typeface="Times New Roman"/>
+        <a:font script="Hebr" typeface="Times New Roman"/>
+        <a:font script="Thai" typeface="Angsana New"/>
+        <a:font script="Ethi" typeface="Nyala"/>
+        <a:font script="Beng" typeface="Vrinda"/>
+        <a:font script="Gujr" typeface="Shruti"/>
+        <a:font script="Khmr" typeface="MoolBoran"/>
+        <a:font script="Knda" typeface="Tunga"/>
+        <a:font script="Guru" typeface="Raavi"/>
+        <a:font script="Cans" typeface="Euphemia"/>
+        <a:font script="Cher" typeface="Plantagenet Cherokee"/>
+        <a:font script="Yiii" typeface="Microsoft Yi Baiti"/>
+        <a:font script="Tibt" typeface="Microsoft Himalaya"/>
+        <a:font script="Thaa" typeface="MV Boli"/>
+        <a:font script="Deva" typeface="Mangal"/>
+        <a:font script="Telu" typeface="Gautami"/>
+        <a:font script="Taml" typeface="Latha"/>
+        <a:font script="Syrc" typeface="Estrangelo Edessa"/>
+        <a:font script="Orya" typeface="Kalinga"/>
+        <a:font script="Mlym" typeface="Kartika"/>
+        <a:font script="Laoo" typeface="DokChampa"/>
+        <a:font script="Sinh" typeface="Iskoola Pota"/>
+        <a:font script="Mong" typeface="Mongolian Baiti"/>
+        <a:font script="Viet" typeface="Times New Roman"/>
+        <a:font script="Uigh" typeface="Microsoft Uighur"/>
+        <a:font script="Geor" typeface="Sylfaen"/>
+      </a:majorFont>
+      <a:minorFont>
+        <a:latin typeface="Calibri"/>
+        <a:ea typeface=""/>
+        <a:cs typeface=""/>
+        <a:font script="Jpan" typeface="ＭＳ Ｐゴシック"/>
+        <a:font script="Hang" typeface="맑은 고딕"/>
+        <a:font script="Hans" typeface="宋体"/>
+        <a:font script="Hant" typeface="新細明體"/>
+        <a:font script="Arab" typeface="Arial"/>
+        <a:font script="Hebr" typeface="Arial"/>
+        <a:font script="Thai" typeface="Cordia New"/>
+        <a:font script="Ethi" typeface="Nyala"/>
+        <a:font script="Beng" typeface="Vrinda"/>
+        <a:font script="Gujr" typeface="Shruti"/>
+        <a:font script="Khmr" typeface="DaunPenh"/>
+        <a:font script="Knda" typeface="Tunga"/>
+        <a:font script="Guru" typeface="Raavi"/>
+        <a:font script="Cans" typeface="Euphemia"/>
+        <a:font script="Cher" typeface="Plantagenet Cherokee"/>
+        <a:font script="Yiii" typeface="Microsoft Yi Baiti"/>
+        <a:font script="Tibt" typeface="Microsoft Himalaya"/>
+        <a:font script="Thaa" typeface="MV Boli"/>
+        <a:font script="Deva" typeface="Mangal"/>
+        <a:font script="Telu" typeface="Gautami"/>
+        <a:font script="Taml" typeface="Latha"/>
+        <a:font script="Syrc" typeface="Estrangelo Edessa"/>
+        <a:font script="Orya" typeface="Kalinga"/>
+        <a:font script="Mlym" typeface="Kartika"/>
+        <a:font script="Laoo" typeface="DokChampa"/>
+        <a:font script="Sinh" typeface="Iskoola Pota"/>
+        <a:font script="Mong" typeface="Mongolian Baiti"/>
+        <a:font script="Viet" typeface="Arial"/>
+        <a:font script="Uigh" typeface="Microsoft Uighur"/>
+        <a:font script="Geor" typeface="Sylfaen"/>
+      </a:minorFont>
+    </a:fontScheme>
+    <a:fmtScheme name="Larissa">
+      <a:fillStyleLst>
+        <a:solidFill>
+          <a:schemeClr val="phClr"/>
+        </a:solidFill>
+        <a:gradFill rotWithShape="1">
+          <a:gsLst>
+            <a:gs pos="0">
+              <a:schemeClr val="phClr">
+                <a:tint val="50000"/>
+                <a:satMod val="300000"/>
+              </a:schemeClr>
+            </a:gs>
+            <a:gs pos="35000">
+              <a:schemeClr val="phClr">
+                <a:tint val="37000"/>
+                <a:satMod val="300000"/>
+              </a:schemeClr>
+            </a:gs>
+            <a:gs pos="100000">
+              <a:schemeClr val="phClr">
+                <a:tint val="15000"/>
+                <a:satMod val="350000"/>
+              </a:schemeClr>
+            </a:gs>
+          </a:gsLst>
+          <a:lin ang="16200000" scaled="1"/>
+        </a:gradFill>
+        <a:gradFill rotWithShape="1">
+          <a:gsLst>
+            <a:gs pos="0">
+              <a:schemeClr val="phClr">
+                <a:shade val="51000"/>
+                <a:satMod val="130000"/>
+              </a:schemeClr>
+            </a:gs>
+            <a:gs pos="80000">
+              <a:schemeClr val="phClr">
+                <a:shade val="93000"/>
+                <a:satMod val="130000"/>
+              </a:schemeClr>
+            </a:gs>
+            <a:gs pos="100000">
+              <a:schemeClr val="phClr">
+                <a:shade val="94000"/>
+                <a:satMod val="135000"/>
+              </a:schemeClr>
+            </a:gs>
+          </a:gsLst>
+          <a:lin ang="16200000" scaled="0"/>
+        </a:gradFill>
+      </a:fillStyleLst>
+      <a:lnStyleLst>
+        <a:ln w="9525" cap="flat" cmpd="sng" algn="ctr">
+          <a:solidFill>
+            <a:schemeClr val="phClr">
+              <a:shade val="95000"/>
+              <a:satMod val="105000"/>
+            </a:schemeClr>
+          </a:solidFill>
+          <a:prstDash val="solid"/>
+        </a:ln>
+        <a:ln w="25400" cap="flat" cmpd="sng" algn="ctr">
+          <a:solidFill>
+            <a:schemeClr val="phClr"/>
+          </a:solidFill>
+          <a:prstDash val="solid"/>
+        </a:ln>
+        <a:ln w="38100" cap="flat" cmpd="sng" algn="ctr">
+          <a:solidFill>
+            <a:schemeClr val="phClr"/>
+          </a:solidFill>
+          <a:prstDash val="solid"/>
+        </a:ln>
+      </a:lnStyleLst>
+      <a:effectStyleLst>
+        <a:effectStyle>
+          <a:effectLst>
+            <a:outerShdw blurRad="40000" dist="20000" dir="5400000" rotWithShape="0">
+              <a:srgbClr val="000000">
+                <a:alpha val="38000"/>
+              </a:srgbClr>
+            </a:outerShdw>
+          </a:effectLst>
+        </a:effectStyle>
+        <a:effectStyle>
+          <a:effectLst>
+            <a:outerShdw blurRad="40000" dist="23000" dir="5400000" rotWithShape="0">
+              <a:srgbClr val="000000">
+                <a:alpha val="35000"/>
+              </a:srgbClr>
+            </a:outerShdw>
+          </a:effectLst>
+        </a:effectStyle>
+        <a:effectStyle>
+          <a:effectLst>
+            <a:outerShdw blurRad="40000" dist="23000" dir="5400000" rotWithShape="0">
+              <a:srgbClr val="000000">
+                <a:alpha val="35000"/>
+              </a:srgbClr>
+            </a:outerShdw>
+          </a:effectLst>
+          <a:scene3d>
+            <a:camera prst="orthographicFront">
+              <a:rot lat="0" lon="0" rev="0"/>
+            </a:camera>
+            <a:lightRig rig="threePt" dir="t">
+              <a:rot lat="0" lon="0" rev="1200000"/>
+            </a:lightRig>
+          </a:scene3d>
+          <a:sp3d>
+            <a:bevelT w="63500" h="25400"/>
+          </a:sp3d>
+        </a:effectStyle>
+      </a:effectStyleLst>
+      <a:bgFillStyleLst>
+        <a:solidFill>
+          <a:schemeClr val="phClr"/>
+        </a:solidFill>
+        <a:gradFill rotWithShape="1">
+          <a:gsLst>
+            <a:gs pos="0">
+              <a:schemeClr val="phClr">
+                <a:tint val="40000"/>
+                <a:satMod val="350000"/>
+              </a:schemeClr>
+            </a:gs>
+            <a:gs pos="40000">
+              <a:schemeClr val="phClr">
+                <a:tint val="45000"/>
+                <a:shade val="99000"/>
+                <a:satMod val="350000"/>
+              </a:schemeClr>
+            </a:gs>
+            <a:gs pos="100000">
+              <a:schemeClr val="phClr">
+                <a:shade val="20000"/>
+                <a:satMod val="255000"/>
+              </a:schemeClr>
+            </a:gs>
+          </a:gsLst>
+          <a:path path="circle">
+            <a:fillToRect l="50000" t="-80000" r="50000" b="180000"/>
+          </a:path>
+        </a:gradFill>
+        <a:gradFill rotWithShape="1">
+          <a:gsLst>
+            <a:gs pos="0">
+              <a:schemeClr val="phClr">
+                <a:tint val="80000"/>
+                <a:satMod val="300000"/>
+              </a:schemeClr>
+            </a:gs>
+            <a:gs pos="100000">
+              <a:schemeClr val="phClr">
+                <a:shade val="30000"/>
+                <a:satMod val="200000"/>
+              </a:schemeClr>
+            </a:gs>
+          </a:gsLst>
+          <a:path path="circle">
+            <a:fillToRect l="50000" t="50000" r="50000" b="50000"/>
+          </a:path>
+        </a:gradFill>
+      </a:bgFillStyleLst>
+    </a:fmtScheme>
+  </a:themeElements>
+  <a:objectDefaults/>
+  <a:extraClrSchemeLst/>
+</a:theme>
 </file>
--- a/doc/task14/Schlusspräsentation.pptx
+++ b/doc/task14/Schlusspräsentation.pptx
@@ -5,20 +5,23 @@
     <p:sldMasterId id="2147483648" r:id="rId1"/>
   </p:sldMasterIdLst>
   <p:notesMasterIdLst>
-    <p:notesMasterId r:id="rId13"/>
+    <p:notesMasterId r:id="rId16"/>
   </p:notesMasterIdLst>
   <p:sldIdLst>
     <p:sldId id="256" r:id="rId2"/>
     <p:sldId id="257" r:id="rId3"/>
     <p:sldId id="259" r:id="rId4"/>
-    <p:sldId id="268" r:id="rId5"/>
-    <p:sldId id="269" r:id="rId6"/>
-    <p:sldId id="275" r:id="rId7"/>
-    <p:sldId id="271" r:id="rId8"/>
-    <p:sldId id="272" r:id="rId9"/>
-    <p:sldId id="273" r:id="rId10"/>
-    <p:sldId id="274" r:id="rId11"/>
-    <p:sldId id="270" r:id="rId12"/>
+    <p:sldId id="276" r:id="rId5"/>
+    <p:sldId id="277" r:id="rId6"/>
+    <p:sldId id="278" r:id="rId7"/>
+    <p:sldId id="268" r:id="rId8"/>
+    <p:sldId id="275" r:id="rId9"/>
+    <p:sldId id="271" r:id="rId10"/>
+    <p:sldId id="279" r:id="rId11"/>
+    <p:sldId id="272" r:id="rId12"/>
+    <p:sldId id="273" r:id="rId13"/>
+    <p:sldId id="274" r:id="rId14"/>
+    <p:sldId id="270" r:id="rId15"/>
   </p:sldIdLst>
   <p:sldSz cx="12192000" cy="6858000"/>
   <p:notesSz cx="6858000" cy="9144000"/>
@@ -119,7 +122,7 @@
   </p:defaultTextStyle>
   <p:extLst>
     <p:ext uri="{EFAFB233-063F-42B5-8137-9DF3F51BA10A}">
-      <p15:sldGuideLst xmlns:p15="http://schemas.microsoft.com/office/powerpoint/2012/main" xmlns="">
+      <p15:sldGuideLst xmlns="" xmlns:p15="http://schemas.microsoft.com/office/powerpoint/2012/main">
         <p15:guide id="1" orient="horz" pos="2160">
           <p15:clr>
             <a:srgbClr val="A4A3A4"/>
@@ -530,18 +533,6 @@
           <a:bodyPr/>
           <a:lstStyle/>
           <a:p>
-            <a:r>
-              <a:rPr lang="en-US" dirty="0" smtClean="0"/>
-              <a:t>Add </a:t>
-            </a:r>
-            <a:r>
-              <a:rPr lang="en-US" dirty="0" err="1" smtClean="0"/>
-              <a:t>havestina</a:t>
-            </a:r>
-            <a:r>
-              <a:rPr lang="en-US" dirty="0" smtClean="0"/>
-              <a:t> formula</a:t>
-            </a:r>
             <a:endParaRPr lang="de-CH" dirty="0"/>
           </a:p>
         </p:txBody>
@@ -563,7 +554,7 @@
           <a:p>
             <a:fld id="{2B76D00B-AE3A-46BB-B996-1DE8AB957DDE}" type="slidenum">
               <a:rPr lang="de-CH" smtClean="0"/>
-              <a:t>9</a:t>
+              <a:t>4</a:t>
             </a:fld>
             <a:endParaRPr lang="de-CH"/>
           </a:p>
@@ -572,7 +563,7 @@
     </p:spTree>
     <p:extLst>
       <p:ext uri="{BB962C8B-B14F-4D97-AF65-F5344CB8AC3E}">
-        <p14:creationId xmlns:p14="http://schemas.microsoft.com/office/powerpoint/2010/main" val="243399550"/>
+        <p14:creationId xmlns:p14="http://schemas.microsoft.com/office/powerpoint/2010/main" val="1811426928"/>
       </p:ext>
     </p:extLst>
   </p:cSld>
@@ -626,6 +617,270 @@
           <a:bodyPr/>
           <a:lstStyle/>
           <a:p>
+            <a:endParaRPr lang="de-CH" dirty="0"/>
+          </a:p>
+        </p:txBody>
+      </p:sp>
+      <p:sp>
+        <p:nvSpPr>
+          <p:cNvPr id="4" name="Foliennummernplatzhalter 3"/>
+          <p:cNvSpPr>
+            <a:spLocks noGrp="1"/>
+          </p:cNvSpPr>
+          <p:nvPr>
+            <p:ph type="sldNum" sz="quarter" idx="10"/>
+          </p:nvPr>
+        </p:nvSpPr>
+        <p:spPr/>
+        <p:txBody>
+          <a:bodyPr/>
+          <a:lstStyle/>
+          <a:p>
+            <a:fld id="{2B76D00B-AE3A-46BB-B996-1DE8AB957DDE}" type="slidenum">
+              <a:rPr lang="de-CH" smtClean="0"/>
+              <a:t>5</a:t>
+            </a:fld>
+            <a:endParaRPr lang="de-CH"/>
+          </a:p>
+        </p:txBody>
+      </p:sp>
+    </p:spTree>
+    <p:extLst>
+      <p:ext uri="{BB962C8B-B14F-4D97-AF65-F5344CB8AC3E}">
+        <p14:creationId xmlns:p14="http://schemas.microsoft.com/office/powerpoint/2010/main" val="1811426928"/>
+      </p:ext>
+    </p:extLst>
+  </p:cSld>
+  <p:clrMapOvr>
+    <a:masterClrMapping/>
+  </p:clrMapOvr>
+</p:notes>
+</file>
+
+<file path=ppt/notesSlides/notesSlide3.xml><?xml version="1.0" encoding="utf-8"?>
+<p:notes xmlns:a="http://schemas.openxmlformats.org/drawingml/2006/main" xmlns:r="http://schemas.openxmlformats.org/officeDocument/2006/relationships" xmlns:p="http://schemas.openxmlformats.org/presentationml/2006/main">
+  <p:cSld>
+    <p:spTree>
+      <p:nvGrpSpPr>
+        <p:cNvPr id="1" name=""/>
+        <p:cNvGrpSpPr/>
+        <p:nvPr/>
+      </p:nvGrpSpPr>
+      <p:grpSpPr>
+        <a:xfrm>
+          <a:off x="0" y="0"/>
+          <a:ext cx="0" cy="0"/>
+          <a:chOff x="0" y="0"/>
+          <a:chExt cx="0" cy="0"/>
+        </a:xfrm>
+      </p:grpSpPr>
+      <p:sp>
+        <p:nvSpPr>
+          <p:cNvPr id="2" name="Folienbildplatzhalter 1"/>
+          <p:cNvSpPr>
+            <a:spLocks noGrp="1" noRot="1" noChangeAspect="1"/>
+          </p:cNvSpPr>
+          <p:nvPr>
+            <p:ph type="sldImg"/>
+          </p:nvPr>
+        </p:nvSpPr>
+        <p:spPr/>
+      </p:sp>
+      <p:sp>
+        <p:nvSpPr>
+          <p:cNvPr id="3" name="Notizenplatzhalter 2"/>
+          <p:cNvSpPr>
+            <a:spLocks noGrp="1"/>
+          </p:cNvSpPr>
+          <p:nvPr>
+            <p:ph type="body" idx="1"/>
+          </p:nvPr>
+        </p:nvSpPr>
+        <p:spPr/>
+        <p:txBody>
+          <a:bodyPr/>
+          <a:lstStyle/>
+          <a:p>
+            <a:endParaRPr lang="de-CH" dirty="0"/>
+          </a:p>
+        </p:txBody>
+      </p:sp>
+      <p:sp>
+        <p:nvSpPr>
+          <p:cNvPr id="4" name="Foliennummernplatzhalter 3"/>
+          <p:cNvSpPr>
+            <a:spLocks noGrp="1"/>
+          </p:cNvSpPr>
+          <p:nvPr>
+            <p:ph type="sldNum" sz="quarter" idx="10"/>
+          </p:nvPr>
+        </p:nvSpPr>
+        <p:spPr/>
+        <p:txBody>
+          <a:bodyPr/>
+          <a:lstStyle/>
+          <a:p>
+            <a:fld id="{2B76D00B-AE3A-46BB-B996-1DE8AB957DDE}" type="slidenum">
+              <a:rPr lang="de-CH" smtClean="0"/>
+              <a:t>6</a:t>
+            </a:fld>
+            <a:endParaRPr lang="de-CH"/>
+          </a:p>
+        </p:txBody>
+      </p:sp>
+    </p:spTree>
+    <p:extLst>
+      <p:ext uri="{BB962C8B-B14F-4D97-AF65-F5344CB8AC3E}">
+        <p14:creationId xmlns:p14="http://schemas.microsoft.com/office/powerpoint/2010/main" val="1811426928"/>
+      </p:ext>
+    </p:extLst>
+  </p:cSld>
+  <p:clrMapOvr>
+    <a:masterClrMapping/>
+  </p:clrMapOvr>
+</p:notes>
+</file>
+
+<file path=ppt/notesSlides/notesSlide4.xml><?xml version="1.0" encoding="utf-8"?>
+<p:notes xmlns:a="http://schemas.openxmlformats.org/drawingml/2006/main" xmlns:r="http://schemas.openxmlformats.org/officeDocument/2006/relationships" xmlns:p="http://schemas.openxmlformats.org/presentationml/2006/main">
+  <p:cSld>
+    <p:spTree>
+      <p:nvGrpSpPr>
+        <p:cNvPr id="1" name=""/>
+        <p:cNvGrpSpPr/>
+        <p:nvPr/>
+      </p:nvGrpSpPr>
+      <p:grpSpPr>
+        <a:xfrm>
+          <a:off x="0" y="0"/>
+          <a:ext cx="0" cy="0"/>
+          <a:chOff x="0" y="0"/>
+          <a:chExt cx="0" cy="0"/>
+        </a:xfrm>
+      </p:grpSpPr>
+      <p:sp>
+        <p:nvSpPr>
+          <p:cNvPr id="2" name="Folienbildplatzhalter 1"/>
+          <p:cNvSpPr>
+            <a:spLocks noGrp="1" noRot="1" noChangeAspect="1"/>
+          </p:cNvSpPr>
+          <p:nvPr>
+            <p:ph type="sldImg"/>
+          </p:nvPr>
+        </p:nvSpPr>
+        <p:spPr/>
+      </p:sp>
+      <p:sp>
+        <p:nvSpPr>
+          <p:cNvPr id="3" name="Notizenplatzhalter 2"/>
+          <p:cNvSpPr>
+            <a:spLocks noGrp="1"/>
+          </p:cNvSpPr>
+          <p:nvPr>
+            <p:ph type="body" idx="1"/>
+          </p:nvPr>
+        </p:nvSpPr>
+        <p:spPr/>
+        <p:txBody>
+          <a:bodyPr/>
+          <a:lstStyle/>
+          <a:p>
+            <a:r>
+              <a:rPr lang="en-US" dirty="0" smtClean="0"/>
+              <a:t>Add </a:t>
+            </a:r>
+            <a:r>
+              <a:rPr lang="en-US" dirty="0" err="1" smtClean="0"/>
+              <a:t>havestina</a:t>
+            </a:r>
+            <a:r>
+              <a:rPr lang="en-US" dirty="0" smtClean="0"/>
+              <a:t> formula</a:t>
+            </a:r>
+            <a:endParaRPr lang="de-CH" dirty="0"/>
+          </a:p>
+        </p:txBody>
+      </p:sp>
+      <p:sp>
+        <p:nvSpPr>
+          <p:cNvPr id="4" name="Foliennummernplatzhalter 3"/>
+          <p:cNvSpPr>
+            <a:spLocks noGrp="1"/>
+          </p:cNvSpPr>
+          <p:nvPr>
+            <p:ph type="sldNum" sz="quarter" idx="10"/>
+          </p:nvPr>
+        </p:nvSpPr>
+        <p:spPr/>
+        <p:txBody>
+          <a:bodyPr/>
+          <a:lstStyle/>
+          <a:p>
+            <a:fld id="{2B76D00B-AE3A-46BB-B996-1DE8AB957DDE}" type="slidenum">
+              <a:rPr lang="de-CH" smtClean="0"/>
+              <a:t>12</a:t>
+            </a:fld>
+            <a:endParaRPr lang="de-CH"/>
+          </a:p>
+        </p:txBody>
+      </p:sp>
+    </p:spTree>
+    <p:extLst>
+      <p:ext uri="{BB962C8B-B14F-4D97-AF65-F5344CB8AC3E}">
+        <p14:creationId xmlns:p14="http://schemas.microsoft.com/office/powerpoint/2010/main" val="243399550"/>
+      </p:ext>
+    </p:extLst>
+  </p:cSld>
+  <p:clrMapOvr>
+    <a:masterClrMapping/>
+  </p:clrMapOvr>
+</p:notes>
+</file>
+
+<file path=ppt/notesSlides/notesSlide5.xml><?xml version="1.0" encoding="utf-8"?>
+<p:notes xmlns:a="http://schemas.openxmlformats.org/drawingml/2006/main" xmlns:r="http://schemas.openxmlformats.org/officeDocument/2006/relationships" xmlns:p="http://schemas.openxmlformats.org/presentationml/2006/main">
+  <p:cSld>
+    <p:spTree>
+      <p:nvGrpSpPr>
+        <p:cNvPr id="1" name=""/>
+        <p:cNvGrpSpPr/>
+        <p:nvPr/>
+      </p:nvGrpSpPr>
+      <p:grpSpPr>
+        <a:xfrm>
+          <a:off x="0" y="0"/>
+          <a:ext cx="0" cy="0"/>
+          <a:chOff x="0" y="0"/>
+          <a:chExt cx="0" cy="0"/>
+        </a:xfrm>
+      </p:grpSpPr>
+      <p:sp>
+        <p:nvSpPr>
+          <p:cNvPr id="2" name="Folienbildplatzhalter 1"/>
+          <p:cNvSpPr>
+            <a:spLocks noGrp="1" noRot="1" noChangeAspect="1"/>
+          </p:cNvSpPr>
+          <p:nvPr>
+            <p:ph type="sldImg"/>
+          </p:nvPr>
+        </p:nvSpPr>
+        <p:spPr/>
+      </p:sp>
+      <p:sp>
+        <p:nvSpPr>
+          <p:cNvPr id="3" name="Notizenplatzhalter 2"/>
+          <p:cNvSpPr>
+            <a:spLocks noGrp="1"/>
+          </p:cNvSpPr>
+          <p:nvPr>
+            <p:ph type="body" idx="1"/>
+          </p:nvPr>
+        </p:nvSpPr>
+        <p:spPr/>
+        <p:txBody>
+          <a:bodyPr/>
+          <a:lstStyle/>
+          <a:p>
             <a:r>
               <a:rPr lang="en-US" dirty="0" smtClean="0"/>
               <a:t>Standard</a:t>
@@ -681,7 +936,7 @@
           <a:p>
             <a:fld id="{2B76D00B-AE3A-46BB-B996-1DE8AB957DDE}" type="slidenum">
               <a:rPr lang="de-CH" smtClean="0"/>
-              <a:t>10</a:t>
+              <a:t>13</a:t>
             </a:fld>
             <a:endParaRPr lang="de-CH"/>
           </a:p>
@@ -3796,6 +4051,669 @@
           <a:p>
             <a:pPr algn="l"/>
             <a:r>
+              <a:rPr lang="en-US" sz="7200" b="1" smtClean="0">
+                <a:solidFill>
+                  <a:schemeClr val="bg1"/>
+                </a:solidFill>
+              </a:rPr>
+              <a:t>Scrum retrospective</a:t>
+            </a:r>
+            <a:endParaRPr lang="de-CH" sz="7200" b="1" dirty="0">
+              <a:solidFill>
+                <a:schemeClr val="bg1"/>
+              </a:solidFill>
+            </a:endParaRPr>
+          </a:p>
+        </p:txBody>
+      </p:sp>
+      <p:sp>
+        <p:nvSpPr>
+          <p:cNvPr id="3" name="Content Placeholder 2"/>
+          <p:cNvSpPr>
+            <a:spLocks noGrp="1"/>
+          </p:cNvSpPr>
+          <p:nvPr>
+            <p:ph idx="1"/>
+          </p:nvPr>
+        </p:nvSpPr>
+        <p:spPr/>
+        <p:txBody>
+          <a:bodyPr/>
+          <a:lstStyle/>
+          <a:p>
+            <a:r>
+              <a:rPr lang="en-US" dirty="0" err="1" smtClean="0"/>
+              <a:t>Gps</a:t>
+            </a:r>
+            <a:r>
+              <a:rPr lang="en-US" dirty="0" smtClean="0"/>
+              <a:t> Tracking </a:t>
+            </a:r>
+            <a:r>
+              <a:rPr lang="en-US" dirty="0" err="1" smtClean="0"/>
+              <a:t>mit</a:t>
+            </a:r>
+            <a:r>
+              <a:rPr lang="en-US" dirty="0" smtClean="0"/>
+              <a:t> Google Maps</a:t>
+            </a:r>
+          </a:p>
+          <a:p>
+            <a:r>
+              <a:rPr lang="en-US" dirty="0" err="1" smtClean="0"/>
+              <a:t>Berechnungen</a:t>
+            </a:r>
+            <a:endParaRPr lang="en-US" dirty="0" smtClean="0"/>
+          </a:p>
+          <a:p>
+            <a:pPr lvl="1"/>
+            <a:r>
+              <a:rPr lang="en-US" dirty="0" err="1" smtClean="0"/>
+              <a:t>Distanz</a:t>
+            </a:r>
+            <a:r>
+              <a:rPr lang="en-US" dirty="0" smtClean="0"/>
+              <a:t> </a:t>
+            </a:r>
+            <a:r>
+              <a:rPr lang="en-US" dirty="0" err="1" smtClean="0"/>
+              <a:t>bis</a:t>
+            </a:r>
+            <a:r>
+              <a:rPr lang="en-US" dirty="0" smtClean="0"/>
+              <a:t> </a:t>
+            </a:r>
+            <a:r>
+              <a:rPr lang="en-US" dirty="0" err="1" smtClean="0"/>
+              <a:t>zum</a:t>
+            </a:r>
+            <a:r>
+              <a:rPr lang="en-US" dirty="0" smtClean="0"/>
+              <a:t> </a:t>
+            </a:r>
+            <a:r>
+              <a:rPr lang="en-US" dirty="0" err="1" smtClean="0"/>
+              <a:t>Ziel</a:t>
+            </a:r>
+            <a:r>
+              <a:rPr lang="en-US" dirty="0" smtClean="0"/>
+              <a:t> </a:t>
+            </a:r>
+          </a:p>
+          <a:p>
+            <a:pPr lvl="1"/>
+            <a:r>
+              <a:rPr lang="en-US" dirty="0" err="1" smtClean="0"/>
+              <a:t>Optimales</a:t>
+            </a:r>
+            <a:r>
+              <a:rPr lang="en-US" dirty="0" smtClean="0"/>
+              <a:t> </a:t>
+            </a:r>
+            <a:r>
+              <a:rPr lang="en-US" dirty="0" err="1" smtClean="0"/>
+              <a:t>Zoomlevel</a:t>
+            </a:r>
+            <a:endParaRPr lang="en-US" dirty="0" smtClean="0"/>
+          </a:p>
+          <a:p>
+            <a:pPr lvl="1"/>
+            <a:r>
+              <a:rPr lang="en-US" dirty="0" err="1" smtClean="0"/>
+              <a:t>Kartenmitte</a:t>
+            </a:r>
+            <a:endParaRPr lang="en-US" dirty="0" smtClean="0"/>
+          </a:p>
+          <a:p>
+            <a:r>
+              <a:rPr lang="en-US" dirty="0" smtClean="0"/>
+              <a:t>Simulator </a:t>
+            </a:r>
+            <a:r>
+              <a:rPr lang="en-US" dirty="0" err="1" smtClean="0"/>
+              <a:t>für</a:t>
+            </a:r>
+            <a:r>
+              <a:rPr lang="en-US" dirty="0" smtClean="0"/>
+              <a:t> </a:t>
+            </a:r>
+            <a:r>
+              <a:rPr lang="en-US" dirty="0" err="1" smtClean="0"/>
+              <a:t>GpsLocation</a:t>
+            </a:r>
+            <a:r>
+              <a:rPr lang="en-US" dirty="0" smtClean="0"/>
+              <a:t> </a:t>
+            </a:r>
+          </a:p>
+          <a:p>
+            <a:r>
+              <a:rPr lang="en-US" dirty="0" err="1" smtClean="0"/>
+              <a:t>Bugfixing</a:t>
+            </a:r>
+            <a:r>
+              <a:rPr lang="en-US" dirty="0"/>
+              <a:t> </a:t>
+            </a:r>
+            <a:r>
+              <a:rPr lang="en-US" dirty="0" err="1" smtClean="0"/>
+              <a:t>Vaadin</a:t>
+            </a:r>
+            <a:r>
+              <a:rPr lang="en-US" dirty="0" smtClean="0"/>
+              <a:t> Google Maps </a:t>
+            </a:r>
+            <a:r>
+              <a:rPr lang="en-US" dirty="0" err="1" smtClean="0"/>
+              <a:t>Komponente</a:t>
+            </a:r>
+            <a:endParaRPr lang="de-CH" dirty="0"/>
+          </a:p>
+        </p:txBody>
+      </p:sp>
+    </p:spTree>
+    <p:extLst>
+      <p:ext uri="{BB962C8B-B14F-4D97-AF65-F5344CB8AC3E}">
+        <p14:creationId xmlns:p14="http://schemas.microsoft.com/office/powerpoint/2010/main" val="1468708032"/>
+      </p:ext>
+    </p:extLst>
+  </p:cSld>
+  <p:clrMapOvr>
+    <a:masterClrMapping/>
+  </p:clrMapOvr>
+  <mc:AlternateContent xmlns:mc="http://schemas.openxmlformats.org/markup-compatibility/2006">
+    <mc:Choice xmlns:p14="http://schemas.microsoft.com/office/powerpoint/2010/main" Requires="p14">
+      <p:transition spd="slow" p14:dur="2000"/>
+    </mc:Choice>
+    <mc:Fallback>
+      <p:transition spd="slow"/>
+    </mc:Fallback>
+  </mc:AlternateContent>
+  <p:timing>
+    <p:tnLst>
+      <p:par>
+        <p:cTn id="1" dur="indefinite" restart="never" nodeType="tmRoot"/>
+      </p:par>
+    </p:tnLst>
+  </p:timing>
+</p:sld>
+</file>
+
+<file path=ppt/slides/slide11.xml><?xml version="1.0" encoding="utf-8"?>
+<p:sld xmlns:a="http://schemas.openxmlformats.org/drawingml/2006/main" xmlns:r="http://schemas.openxmlformats.org/officeDocument/2006/relationships" xmlns:p="http://schemas.openxmlformats.org/presentationml/2006/main">
+  <p:cSld>
+    <p:spTree>
+      <p:nvGrpSpPr>
+        <p:cNvPr id="1" name=""/>
+        <p:cNvGrpSpPr/>
+        <p:nvPr/>
+      </p:nvGrpSpPr>
+      <p:grpSpPr>
+        <a:xfrm>
+          <a:off x="0" y="0"/>
+          <a:ext cx="0" cy="0"/>
+          <a:chOff x="0" y="0"/>
+          <a:chExt cx="0" cy="0"/>
+        </a:xfrm>
+      </p:grpSpPr>
+      <p:sp>
+        <p:nvSpPr>
+          <p:cNvPr id="4" name="Rechteck 3"/>
+          <p:cNvSpPr/>
+          <p:nvPr/>
+        </p:nvSpPr>
+        <p:spPr>
+          <a:xfrm>
+            <a:off x="0" y="0"/>
+            <a:ext cx="12192000" cy="1481070"/>
+          </a:xfrm>
+          <a:prstGeom prst="rect">
+            <a:avLst/>
+          </a:prstGeom>
+          <a:solidFill>
+            <a:srgbClr val="D10505"/>
+          </a:solidFill>
+          <a:ln>
+            <a:noFill/>
+          </a:ln>
+        </p:spPr>
+        <p:style>
+          <a:lnRef idx="2">
+            <a:schemeClr val="accent1">
+              <a:shade val="50000"/>
+            </a:schemeClr>
+          </a:lnRef>
+          <a:fillRef idx="1">
+            <a:schemeClr val="accent1"/>
+          </a:fillRef>
+          <a:effectRef idx="0">
+            <a:schemeClr val="accent1"/>
+          </a:effectRef>
+          <a:fontRef idx="minor">
+            <a:schemeClr val="lt1"/>
+          </a:fontRef>
+        </p:style>
+        <p:txBody>
+          <a:bodyPr rtlCol="0" anchor="ctr"/>
+          <a:lstStyle/>
+          <a:p>
+            <a:pPr algn="ctr"/>
+            <a:endParaRPr lang="de-CH"/>
+          </a:p>
+        </p:txBody>
+      </p:sp>
+      <p:sp>
+        <p:nvSpPr>
+          <p:cNvPr id="2" name="Titel 1"/>
+          <p:cNvSpPr>
+            <a:spLocks noGrp="1"/>
+          </p:cNvSpPr>
+          <p:nvPr>
+            <p:ph type="title"/>
+          </p:nvPr>
+        </p:nvSpPr>
+        <p:spPr/>
+        <p:txBody>
+          <a:bodyPr>
+            <a:normAutofit/>
+          </a:bodyPr>
+          <a:lstStyle/>
+          <a:p>
+            <a:pPr algn="l"/>
+            <a:endParaRPr lang="de-CH" sz="7200" b="1" dirty="0">
+              <a:solidFill>
+                <a:schemeClr val="bg1"/>
+              </a:solidFill>
+            </a:endParaRPr>
+          </a:p>
+        </p:txBody>
+      </p:sp>
+      <p:pic>
+        <p:nvPicPr>
+          <p:cNvPr id="1026" name="Picture 2" descr="C:\Users\James\workspaceLuna\PatientApp\doc\task14\finalpresentation.png"/>
+          <p:cNvPicPr>
+            <a:picLocks noGrp="1" noChangeAspect="1" noChangeArrowheads="1"/>
+          </p:cNvPicPr>
+          <p:nvPr>
+            <p:ph idx="1"/>
+          </p:nvPr>
+        </p:nvPicPr>
+        <p:blipFill>
+          <a:blip r:embed="rId2">
+            <a:extLst>
+              <a:ext uri="{28A0092B-C50C-407E-A947-70E740481C1C}">
+                <a14:useLocalDpi xmlns:a14="http://schemas.microsoft.com/office/drawing/2010/main" val="0"/>
+              </a:ext>
+            </a:extLst>
+          </a:blip>
+          <a:srcRect/>
+          <a:stretch>
+            <a:fillRect/>
+          </a:stretch>
+        </p:blipFill>
+        <p:spPr bwMode="auto">
+          <a:xfrm>
+            <a:off x="21903" y="26348"/>
+            <a:ext cx="12170097" cy="6359857"/>
+          </a:xfrm>
+          <a:prstGeom prst="rect">
+            <a:avLst/>
+          </a:prstGeom>
+          <a:noFill/>
+          <a:extLst>
+            <a:ext uri="{909E8E84-426E-40DD-AFC4-6F175D3DCCD1}">
+              <a14:hiddenFill xmlns:a14="http://schemas.microsoft.com/office/drawing/2010/main">
+                <a:solidFill>
+                  <a:srgbClr val="FFFFFF"/>
+                </a:solidFill>
+              </a14:hiddenFill>
+            </a:ext>
+          </a:extLst>
+        </p:spPr>
+      </p:pic>
+    </p:spTree>
+    <p:extLst>
+      <p:ext uri="{BB962C8B-B14F-4D97-AF65-F5344CB8AC3E}">
+        <p14:creationId xmlns:p14="http://schemas.microsoft.com/office/powerpoint/2010/main" val="923453395"/>
+      </p:ext>
+    </p:extLst>
+  </p:cSld>
+  <p:clrMapOvr>
+    <a:masterClrMapping/>
+  </p:clrMapOvr>
+  <p:timing>
+    <p:tnLst>
+      <p:par>
+        <p:cTn id="1" dur="indefinite" restart="never" nodeType="tmRoot"/>
+      </p:par>
+    </p:tnLst>
+  </p:timing>
+</p:sld>
+</file>
+
+<file path=ppt/slides/slide12.xml><?xml version="1.0" encoding="utf-8"?>
+<p:sld xmlns:a="http://schemas.openxmlformats.org/drawingml/2006/main" xmlns:r="http://schemas.openxmlformats.org/officeDocument/2006/relationships" xmlns:p="http://schemas.openxmlformats.org/presentationml/2006/main">
+  <p:cSld>
+    <p:spTree>
+      <p:nvGrpSpPr>
+        <p:cNvPr id="1" name=""/>
+        <p:cNvGrpSpPr/>
+        <p:nvPr/>
+      </p:nvGrpSpPr>
+      <p:grpSpPr>
+        <a:xfrm>
+          <a:off x="0" y="0"/>
+          <a:ext cx="0" cy="0"/>
+          <a:chOff x="0" y="0"/>
+          <a:chExt cx="0" cy="0"/>
+        </a:xfrm>
+      </p:grpSpPr>
+      <p:sp>
+        <p:nvSpPr>
+          <p:cNvPr id="4" name="Rechteck 3"/>
+          <p:cNvSpPr/>
+          <p:nvPr/>
+        </p:nvSpPr>
+        <p:spPr>
+          <a:xfrm>
+            <a:off x="0" y="0"/>
+            <a:ext cx="12192000" cy="1481070"/>
+          </a:xfrm>
+          <a:prstGeom prst="rect">
+            <a:avLst/>
+          </a:prstGeom>
+          <a:solidFill>
+            <a:srgbClr val="D10505"/>
+          </a:solidFill>
+          <a:ln>
+            <a:noFill/>
+          </a:ln>
+        </p:spPr>
+        <p:style>
+          <a:lnRef idx="2">
+            <a:schemeClr val="accent1">
+              <a:shade val="50000"/>
+            </a:schemeClr>
+          </a:lnRef>
+          <a:fillRef idx="1">
+            <a:schemeClr val="accent1"/>
+          </a:fillRef>
+          <a:effectRef idx="0">
+            <a:schemeClr val="accent1"/>
+          </a:effectRef>
+          <a:fontRef idx="minor">
+            <a:schemeClr val="lt1"/>
+          </a:fontRef>
+        </p:style>
+        <p:txBody>
+          <a:bodyPr rtlCol="0" anchor="ctr"/>
+          <a:lstStyle/>
+          <a:p>
+            <a:pPr algn="ctr"/>
+            <a:endParaRPr lang="de-CH"/>
+          </a:p>
+        </p:txBody>
+      </p:sp>
+      <p:sp>
+        <p:nvSpPr>
+          <p:cNvPr id="2" name="Titel 1"/>
+          <p:cNvSpPr>
+            <a:spLocks noGrp="1"/>
+          </p:cNvSpPr>
+          <p:nvPr>
+            <p:ph type="title"/>
+          </p:nvPr>
+        </p:nvSpPr>
+        <p:spPr/>
+        <p:txBody>
+          <a:bodyPr>
+            <a:normAutofit/>
+          </a:bodyPr>
+          <a:lstStyle/>
+          <a:p>
+            <a:pPr algn="l"/>
+            <a:r>
+              <a:rPr lang="en-US" sz="7200" b="1" dirty="0" err="1" smtClean="0">
+                <a:solidFill>
+                  <a:schemeClr val="bg1"/>
+                </a:solidFill>
+              </a:rPr>
+              <a:t>Distanz</a:t>
+            </a:r>
+            <a:r>
+              <a:rPr lang="en-US" sz="7200" b="1" dirty="0" smtClean="0">
+                <a:solidFill>
+                  <a:schemeClr val="bg1"/>
+                </a:solidFill>
+              </a:rPr>
+              <a:t> </a:t>
+            </a:r>
+            <a:r>
+              <a:rPr lang="en-US" sz="7200" b="1" dirty="0" err="1" smtClean="0">
+                <a:solidFill>
+                  <a:schemeClr val="bg1"/>
+                </a:solidFill>
+              </a:rPr>
+              <a:t>Gps</a:t>
+            </a:r>
+            <a:r>
+              <a:rPr lang="en-US" sz="7200" b="1" dirty="0" smtClean="0">
+                <a:solidFill>
+                  <a:schemeClr val="bg1"/>
+                </a:solidFill>
+              </a:rPr>
+              <a:t> </a:t>
+            </a:r>
+            <a:r>
+              <a:rPr lang="en-US" sz="7200" b="1" dirty="0" err="1" smtClean="0">
+                <a:solidFill>
+                  <a:schemeClr val="bg1"/>
+                </a:solidFill>
+              </a:rPr>
+              <a:t>Koordinaten</a:t>
+            </a:r>
+            <a:r>
+              <a:rPr lang="en-US" sz="7200" b="1" dirty="0" smtClean="0">
+                <a:solidFill>
+                  <a:schemeClr val="bg1"/>
+                </a:solidFill>
+              </a:rPr>
+              <a:t>	</a:t>
+            </a:r>
+            <a:endParaRPr lang="de-CH" sz="7200" b="1" dirty="0">
+              <a:solidFill>
+                <a:schemeClr val="bg1"/>
+              </a:solidFill>
+            </a:endParaRPr>
+          </a:p>
+        </p:txBody>
+      </p:sp>
+      <p:pic>
+        <p:nvPicPr>
+          <p:cNvPr id="2050" name="Picture 2" descr="C:\Users\James\Desktop\Capturebettybossi.PNG"/>
+          <p:cNvPicPr>
+            <a:picLocks noGrp="1" noChangeAspect="1" noChangeArrowheads="1"/>
+          </p:cNvPicPr>
+          <p:nvPr>
+            <p:ph idx="1"/>
+          </p:nvPr>
+        </p:nvPicPr>
+        <p:blipFill>
+          <a:blip r:embed="rId3">
+            <a:extLst>
+              <a:ext uri="{28A0092B-C50C-407E-A947-70E740481C1C}">
+                <a14:useLocalDpi xmlns:a14="http://schemas.microsoft.com/office/drawing/2010/main" val="0"/>
+              </a:ext>
+            </a:extLst>
+          </a:blip>
+          <a:srcRect/>
+          <a:stretch>
+            <a:fillRect/>
+          </a:stretch>
+        </p:blipFill>
+        <p:spPr bwMode="auto">
+          <a:xfrm>
+            <a:off x="0" y="1862070"/>
+            <a:ext cx="10147238" cy="4491150"/>
+          </a:xfrm>
+          <a:prstGeom prst="rect">
+            <a:avLst/>
+          </a:prstGeom>
+          <a:noFill/>
+          <a:extLst>
+            <a:ext uri="{909E8E84-426E-40DD-AFC4-6F175D3DCCD1}">
+              <a14:hiddenFill xmlns:a14="http://schemas.microsoft.com/office/drawing/2010/main">
+                <a:solidFill>
+                  <a:srgbClr val="FFFFFF"/>
+                </a:solidFill>
+              </a14:hiddenFill>
+            </a:ext>
+          </a:extLst>
+        </p:spPr>
+      </p:pic>
+      <p:pic>
+        <p:nvPicPr>
+          <p:cNvPr id="1026" name="Picture 2" descr="C:\Users\James\Desktop\havesine.PNG"/>
+          <p:cNvPicPr>
+            <a:picLocks noChangeAspect="1" noChangeArrowheads="1"/>
+          </p:cNvPicPr>
+          <p:nvPr/>
+        </p:nvPicPr>
+        <p:blipFill>
+          <a:blip r:embed="rId4">
+            <a:extLst>
+              <a:ext uri="{28A0092B-C50C-407E-A947-70E740481C1C}">
+                <a14:useLocalDpi xmlns:a14="http://schemas.microsoft.com/office/drawing/2010/main" val="0"/>
+              </a:ext>
+            </a:extLst>
+          </a:blip>
+          <a:srcRect/>
+          <a:stretch>
+            <a:fillRect/>
+          </a:stretch>
+        </p:blipFill>
+        <p:spPr bwMode="auto">
+          <a:xfrm>
+            <a:off x="5626100" y="2374900"/>
+            <a:ext cx="5486400" cy="704850"/>
+          </a:xfrm>
+          <a:prstGeom prst="rect">
+            <a:avLst/>
+          </a:prstGeom>
+          <a:noFill/>
+          <a:extLst>
+            <a:ext uri="{909E8E84-426E-40DD-AFC4-6F175D3DCCD1}">
+              <a14:hiddenFill xmlns:a14="http://schemas.microsoft.com/office/drawing/2010/main">
+                <a:solidFill>
+                  <a:srgbClr val="FFFFFF"/>
+                </a:solidFill>
+              </a14:hiddenFill>
+            </a:ext>
+          </a:extLst>
+        </p:spPr>
+      </p:pic>
+    </p:spTree>
+    <p:extLst>
+      <p:ext uri="{BB962C8B-B14F-4D97-AF65-F5344CB8AC3E}">
+        <p14:creationId xmlns:p14="http://schemas.microsoft.com/office/powerpoint/2010/main" val="4248996124"/>
+      </p:ext>
+    </p:extLst>
+  </p:cSld>
+  <p:clrMapOvr>
+    <a:masterClrMapping/>
+  </p:clrMapOvr>
+  <p:timing>
+    <p:tnLst>
+      <p:par>
+        <p:cTn id="1" dur="indefinite" restart="never" nodeType="tmRoot"/>
+      </p:par>
+    </p:tnLst>
+  </p:timing>
+</p:sld>
+</file>
+
+<file path=ppt/slides/slide13.xml><?xml version="1.0" encoding="utf-8"?>
+<p:sld xmlns:a="http://schemas.openxmlformats.org/drawingml/2006/main" xmlns:r="http://schemas.openxmlformats.org/officeDocument/2006/relationships" xmlns:p="http://schemas.openxmlformats.org/presentationml/2006/main">
+  <p:cSld>
+    <p:spTree>
+      <p:nvGrpSpPr>
+        <p:cNvPr id="1" name=""/>
+        <p:cNvGrpSpPr/>
+        <p:nvPr/>
+      </p:nvGrpSpPr>
+      <p:grpSpPr>
+        <a:xfrm>
+          <a:off x="0" y="0"/>
+          <a:ext cx="0" cy="0"/>
+          <a:chOff x="0" y="0"/>
+          <a:chExt cx="0" cy="0"/>
+        </a:xfrm>
+      </p:grpSpPr>
+      <p:sp>
+        <p:nvSpPr>
+          <p:cNvPr id="4" name="Rechteck 3"/>
+          <p:cNvSpPr/>
+          <p:nvPr/>
+        </p:nvSpPr>
+        <p:spPr>
+          <a:xfrm>
+            <a:off x="0" y="0"/>
+            <a:ext cx="12192000" cy="1481070"/>
+          </a:xfrm>
+          <a:prstGeom prst="rect">
+            <a:avLst/>
+          </a:prstGeom>
+          <a:solidFill>
+            <a:srgbClr val="D10505"/>
+          </a:solidFill>
+          <a:ln>
+            <a:noFill/>
+          </a:ln>
+        </p:spPr>
+        <p:style>
+          <a:lnRef idx="2">
+            <a:schemeClr val="accent1">
+              <a:shade val="50000"/>
+            </a:schemeClr>
+          </a:lnRef>
+          <a:fillRef idx="1">
+            <a:schemeClr val="accent1"/>
+          </a:fillRef>
+          <a:effectRef idx="0">
+            <a:schemeClr val="accent1"/>
+          </a:effectRef>
+          <a:fontRef idx="minor">
+            <a:schemeClr val="lt1"/>
+          </a:fontRef>
+        </p:style>
+        <p:txBody>
+          <a:bodyPr rtlCol="0" anchor="ctr"/>
+          <a:lstStyle/>
+          <a:p>
+            <a:pPr algn="ctr"/>
+            <a:endParaRPr lang="de-CH"/>
+          </a:p>
+        </p:txBody>
+      </p:sp>
+      <p:sp>
+        <p:nvSpPr>
+          <p:cNvPr id="2" name="Titel 1"/>
+          <p:cNvSpPr>
+            <a:spLocks noGrp="1"/>
+          </p:cNvSpPr>
+          <p:nvPr>
+            <p:ph type="title"/>
+          </p:nvPr>
+        </p:nvSpPr>
+        <p:spPr/>
+        <p:txBody>
+          <a:bodyPr>
+            <a:normAutofit/>
+          </a:bodyPr>
+          <a:lstStyle/>
+          <a:p>
+            <a:pPr algn="l"/>
+            <a:r>
               <a:rPr lang="en-US" sz="7200" b="1" dirty="0" err="1" smtClean="0">
                 <a:solidFill>
                   <a:schemeClr val="bg1"/>
@@ -4003,7 +4921,7 @@
 </p:sld>
 </file>
 
-<file path=ppt/slides/slide11.xml><?xml version="1.0" encoding="utf-8"?>
+<file path=ppt/slides/slide14.xml><?xml version="1.0" encoding="utf-8"?>
 <p:sld xmlns:a="http://schemas.openxmlformats.org/drawingml/2006/main" xmlns:r="http://schemas.openxmlformats.org/officeDocument/2006/relationships" xmlns:p="http://schemas.openxmlformats.org/presentationml/2006/main">
   <p:cSld>
     <p:spTree>
@@ -4567,6 +5485,715 @@
             <p:ph type="title"/>
           </p:nvPr>
         </p:nvSpPr>
+        <p:spPr>
+          <a:xfrm>
+            <a:off x="838200" y="365125"/>
+            <a:ext cx="10820400" cy="1325563"/>
+          </a:xfrm>
+        </p:spPr>
+        <p:txBody>
+          <a:bodyPr>
+            <a:normAutofit/>
+          </a:bodyPr>
+          <a:lstStyle/>
+          <a:p>
+            <a:pPr algn="l"/>
+            <a:r>
+              <a:rPr lang="de-CH" sz="7200" b="1" dirty="0" err="1" smtClean="0">
+                <a:solidFill>
+                  <a:schemeClr val="bg1"/>
+                </a:solidFill>
+              </a:rPr>
+              <a:t>Lessons</a:t>
+            </a:r>
+            <a:r>
+              <a:rPr lang="de-CH" sz="7200" b="1" dirty="0" smtClean="0">
+                <a:solidFill>
+                  <a:schemeClr val="bg1"/>
+                </a:solidFill>
+              </a:rPr>
+              <a:t> </a:t>
+            </a:r>
+            <a:r>
+              <a:rPr lang="de-CH" sz="7200" b="1" dirty="0" err="1" smtClean="0">
+                <a:solidFill>
+                  <a:schemeClr val="bg1"/>
+                </a:solidFill>
+              </a:rPr>
+              <a:t>learnt</a:t>
+            </a:r>
+            <a:r>
+              <a:rPr lang="de-CH" sz="7200" b="1" dirty="0" smtClean="0">
+                <a:solidFill>
+                  <a:schemeClr val="bg1"/>
+                </a:solidFill>
+              </a:rPr>
+              <a:t> SE</a:t>
+            </a:r>
+            <a:endParaRPr lang="de-CH" sz="7200" b="1" dirty="0">
+              <a:solidFill>
+                <a:schemeClr val="bg1"/>
+              </a:solidFill>
+            </a:endParaRPr>
+          </a:p>
+        </p:txBody>
+      </p:sp>
+      <p:sp>
+        <p:nvSpPr>
+          <p:cNvPr id="3" name="Content Placeholder 2"/>
+          <p:cNvSpPr>
+            <a:spLocks noGrp="1"/>
+          </p:cNvSpPr>
+          <p:nvPr>
+            <p:ph idx="1"/>
+          </p:nvPr>
+        </p:nvSpPr>
+        <p:spPr>
+          <a:xfrm>
+            <a:off x="838200" y="1698625"/>
+            <a:ext cx="10515600" cy="4351338"/>
+          </a:xfrm>
+        </p:spPr>
+        <p:txBody>
+          <a:bodyPr/>
+          <a:lstStyle/>
+          <a:p>
+            <a:r>
+              <a:rPr lang="en-US" dirty="0" smtClean="0"/>
+              <a:t>Field Study / Interview </a:t>
+            </a:r>
+            <a:r>
+              <a:rPr lang="en-US" dirty="0" err="1" smtClean="0"/>
+              <a:t>sehr</a:t>
+            </a:r>
+            <a:r>
+              <a:rPr lang="en-US" dirty="0" smtClean="0"/>
+              <a:t> </a:t>
+            </a:r>
+            <a:r>
+              <a:rPr lang="en-US" dirty="0" err="1" smtClean="0"/>
+              <a:t>sinnvoll</a:t>
+            </a:r>
+            <a:endParaRPr lang="en-US" dirty="0" smtClean="0"/>
+          </a:p>
+          <a:p>
+            <a:r>
+              <a:rPr lang="de-CH" dirty="0"/>
+              <a:t>Mit </a:t>
+            </a:r>
+            <a:r>
+              <a:rPr lang="de-CH" dirty="0" err="1"/>
+              <a:t>Scrum</a:t>
+            </a:r>
+            <a:r>
+              <a:rPr lang="de-CH" dirty="0"/>
+              <a:t> können arbeiten gut priorisiert werden</a:t>
+            </a:r>
+            <a:r>
+              <a:rPr lang="de-CH" dirty="0" smtClean="0"/>
+              <a:t>.</a:t>
+            </a:r>
+          </a:p>
+          <a:p>
+            <a:r>
+              <a:rPr lang="de-CH" dirty="0"/>
+              <a:t>Ein gutes Design beschleunigt den Implementierungsprozess enorm, da es viele Unklarheiten im Voraus aus dem Weg räumt</a:t>
+            </a:r>
+            <a:r>
+              <a:rPr lang="de-CH" dirty="0" smtClean="0"/>
+              <a:t>.</a:t>
+            </a:r>
+          </a:p>
+          <a:p>
+            <a:r>
+              <a:rPr lang="de-CH" dirty="0"/>
+              <a:t>Der Kunde muss zum Beginn des Projekts stark einbezogen werden.</a:t>
+            </a:r>
+          </a:p>
+          <a:p>
+            <a:endParaRPr lang="de-CH" dirty="0"/>
+          </a:p>
+          <a:p>
+            <a:endParaRPr lang="de-CH" dirty="0"/>
+          </a:p>
+          <a:p>
+            <a:endParaRPr lang="en-US" dirty="0" smtClean="0"/>
+          </a:p>
+          <a:p>
+            <a:endParaRPr lang="en-US" dirty="0" smtClean="0"/>
+          </a:p>
+          <a:p>
+            <a:endParaRPr lang="en-US" dirty="0" smtClean="0"/>
+          </a:p>
+        </p:txBody>
+      </p:sp>
+    </p:spTree>
+    <p:extLst>
+      <p:ext uri="{BB962C8B-B14F-4D97-AF65-F5344CB8AC3E}">
+        <p14:creationId xmlns:p14="http://schemas.microsoft.com/office/powerpoint/2010/main" val="2791926581"/>
+      </p:ext>
+    </p:extLst>
+  </p:cSld>
+  <p:clrMapOvr>
+    <a:masterClrMapping/>
+  </p:clrMapOvr>
+  <p:timing>
+    <p:tnLst>
+      <p:par>
+        <p:cTn id="1" dur="indefinite" restart="never" nodeType="tmRoot"/>
+      </p:par>
+    </p:tnLst>
+  </p:timing>
+</p:sld>
+</file>
+
+<file path=ppt/slides/slide5.xml><?xml version="1.0" encoding="utf-8"?>
+<p:sld xmlns:a="http://schemas.openxmlformats.org/drawingml/2006/main" xmlns:r="http://schemas.openxmlformats.org/officeDocument/2006/relationships" xmlns:p="http://schemas.openxmlformats.org/presentationml/2006/main">
+  <p:cSld>
+    <p:spTree>
+      <p:nvGrpSpPr>
+        <p:cNvPr id="1" name=""/>
+        <p:cNvGrpSpPr/>
+        <p:nvPr/>
+      </p:nvGrpSpPr>
+      <p:grpSpPr>
+        <a:xfrm>
+          <a:off x="0" y="0"/>
+          <a:ext cx="0" cy="0"/>
+          <a:chOff x="0" y="0"/>
+          <a:chExt cx="0" cy="0"/>
+        </a:xfrm>
+      </p:grpSpPr>
+      <p:sp>
+        <p:nvSpPr>
+          <p:cNvPr id="4" name="Rechteck 3"/>
+          <p:cNvSpPr/>
+          <p:nvPr/>
+        </p:nvSpPr>
+        <p:spPr>
+          <a:xfrm>
+            <a:off x="0" y="0"/>
+            <a:ext cx="12192000" cy="1481070"/>
+          </a:xfrm>
+          <a:prstGeom prst="rect">
+            <a:avLst/>
+          </a:prstGeom>
+          <a:solidFill>
+            <a:srgbClr val="D10505"/>
+          </a:solidFill>
+          <a:ln>
+            <a:noFill/>
+          </a:ln>
+        </p:spPr>
+        <p:style>
+          <a:lnRef idx="2">
+            <a:schemeClr val="accent1">
+              <a:shade val="50000"/>
+            </a:schemeClr>
+          </a:lnRef>
+          <a:fillRef idx="1">
+            <a:schemeClr val="accent1"/>
+          </a:fillRef>
+          <a:effectRef idx="0">
+            <a:schemeClr val="accent1"/>
+          </a:effectRef>
+          <a:fontRef idx="minor">
+            <a:schemeClr val="lt1"/>
+          </a:fontRef>
+        </p:style>
+        <p:txBody>
+          <a:bodyPr rtlCol="0" anchor="ctr"/>
+          <a:lstStyle/>
+          <a:p>
+            <a:pPr algn="ctr"/>
+            <a:endParaRPr lang="de-CH"/>
+          </a:p>
+        </p:txBody>
+      </p:sp>
+      <p:sp>
+        <p:nvSpPr>
+          <p:cNvPr id="2" name="Titel 1"/>
+          <p:cNvSpPr>
+            <a:spLocks noGrp="1"/>
+          </p:cNvSpPr>
+          <p:nvPr>
+            <p:ph type="title"/>
+          </p:nvPr>
+        </p:nvSpPr>
+        <p:spPr>
+          <a:xfrm>
+            <a:off x="838200" y="365125"/>
+            <a:ext cx="10820400" cy="1325563"/>
+          </a:xfrm>
+        </p:spPr>
+        <p:txBody>
+          <a:bodyPr>
+            <a:normAutofit/>
+          </a:bodyPr>
+          <a:lstStyle/>
+          <a:p>
+            <a:pPr algn="l"/>
+            <a:r>
+              <a:rPr lang="en-US" sz="7200" b="1" dirty="0" err="1" smtClean="0">
+                <a:solidFill>
+                  <a:schemeClr val="bg1"/>
+                </a:solidFill>
+              </a:rPr>
+              <a:t>Lession</a:t>
+            </a:r>
+            <a:r>
+              <a:rPr lang="en-US" sz="7200" b="1" dirty="0" smtClean="0">
+                <a:solidFill>
+                  <a:schemeClr val="bg1"/>
+                </a:solidFill>
+              </a:rPr>
+              <a:t> learnt Team </a:t>
+            </a:r>
+            <a:endParaRPr lang="de-CH" sz="7200" b="1" dirty="0">
+              <a:solidFill>
+                <a:schemeClr val="bg1"/>
+              </a:solidFill>
+            </a:endParaRPr>
+          </a:p>
+        </p:txBody>
+      </p:sp>
+      <p:sp>
+        <p:nvSpPr>
+          <p:cNvPr id="3" name="Content Placeholder 2"/>
+          <p:cNvSpPr>
+            <a:spLocks noGrp="1"/>
+          </p:cNvSpPr>
+          <p:nvPr>
+            <p:ph idx="1"/>
+          </p:nvPr>
+        </p:nvSpPr>
+        <p:spPr>
+          <a:xfrm>
+            <a:off x="838200" y="1698625"/>
+            <a:ext cx="10515600" cy="4351338"/>
+          </a:xfrm>
+        </p:spPr>
+        <p:txBody>
+          <a:bodyPr/>
+          <a:lstStyle/>
+          <a:p>
+            <a:r>
+              <a:rPr lang="en-US" dirty="0" err="1" smtClean="0"/>
+              <a:t>Arbeiten</a:t>
+            </a:r>
+            <a:r>
+              <a:rPr lang="en-US" dirty="0" smtClean="0"/>
+              <a:t> </a:t>
+            </a:r>
+            <a:r>
+              <a:rPr lang="en-US" dirty="0" err="1" smtClean="0"/>
+              <a:t>klar</a:t>
+            </a:r>
+            <a:r>
+              <a:rPr lang="en-US" dirty="0" smtClean="0"/>
+              <a:t> </a:t>
+            </a:r>
+            <a:r>
+              <a:rPr lang="en-US" dirty="0" err="1" smtClean="0"/>
+              <a:t>verteilen</a:t>
+            </a:r>
+            <a:r>
+              <a:rPr lang="en-US" dirty="0" smtClean="0"/>
+              <a:t> – </a:t>
+            </a:r>
+            <a:r>
+              <a:rPr lang="en-US" dirty="0" err="1" smtClean="0"/>
+              <a:t>Sonst</a:t>
+            </a:r>
+            <a:r>
+              <a:rPr lang="en-US" dirty="0" smtClean="0"/>
+              <a:t> </a:t>
+            </a:r>
+            <a:r>
+              <a:rPr lang="en-US" dirty="0" err="1" smtClean="0"/>
+              <a:t>fühlt</a:t>
+            </a:r>
+            <a:r>
+              <a:rPr lang="en-US" dirty="0" smtClean="0"/>
+              <a:t> </a:t>
+            </a:r>
+            <a:r>
+              <a:rPr lang="en-US" dirty="0" err="1" smtClean="0"/>
+              <a:t>sich</a:t>
+            </a:r>
+            <a:r>
+              <a:rPr lang="en-US" dirty="0" smtClean="0"/>
+              <a:t> </a:t>
+            </a:r>
+            <a:r>
+              <a:rPr lang="en-US" dirty="0" err="1" smtClean="0"/>
+              <a:t>niemand</a:t>
+            </a:r>
+            <a:r>
+              <a:rPr lang="en-US" dirty="0" smtClean="0"/>
+              <a:t> </a:t>
+            </a:r>
+            <a:r>
+              <a:rPr lang="en-US" dirty="0" err="1" smtClean="0"/>
+              <a:t>verantwortlich</a:t>
+            </a:r>
+            <a:endParaRPr lang="en-US" dirty="0" smtClean="0"/>
+          </a:p>
+          <a:p>
+            <a:r>
+              <a:rPr lang="en-US" dirty="0" err="1" smtClean="0"/>
+              <a:t>Git</a:t>
+            </a:r>
+            <a:r>
+              <a:rPr lang="en-US" dirty="0" smtClean="0"/>
+              <a:t> </a:t>
+            </a:r>
+            <a:r>
+              <a:rPr lang="en-US" dirty="0" err="1" smtClean="0"/>
+              <a:t>Crashkurs</a:t>
+            </a:r>
+            <a:r>
+              <a:rPr lang="en-US" dirty="0" smtClean="0"/>
+              <a:t> </a:t>
+            </a:r>
+            <a:r>
+              <a:rPr lang="en-US" dirty="0" err="1" smtClean="0"/>
+              <a:t>wäre</a:t>
+            </a:r>
+            <a:r>
+              <a:rPr lang="en-US" dirty="0" smtClean="0"/>
+              <a:t> </a:t>
+            </a:r>
+            <a:r>
+              <a:rPr lang="en-US" dirty="0" err="1" smtClean="0"/>
+              <a:t>sinnvoll</a:t>
+            </a:r>
+            <a:endParaRPr lang="en-US" dirty="0" smtClean="0"/>
+          </a:p>
+          <a:p>
+            <a:endParaRPr lang="en-US" dirty="0" smtClean="0"/>
+          </a:p>
+          <a:p>
+            <a:endParaRPr lang="de-CH" dirty="0"/>
+          </a:p>
+          <a:p>
+            <a:endParaRPr lang="en-US" dirty="0" smtClean="0"/>
+          </a:p>
+          <a:p>
+            <a:endParaRPr lang="en-US" dirty="0" smtClean="0"/>
+          </a:p>
+          <a:p>
+            <a:endParaRPr lang="en-US" dirty="0" smtClean="0"/>
+          </a:p>
+        </p:txBody>
+      </p:sp>
+    </p:spTree>
+    <p:extLst>
+      <p:ext uri="{BB962C8B-B14F-4D97-AF65-F5344CB8AC3E}">
+        <p14:creationId xmlns:p14="http://schemas.microsoft.com/office/powerpoint/2010/main" val="1774990997"/>
+      </p:ext>
+    </p:extLst>
+  </p:cSld>
+  <p:clrMapOvr>
+    <a:masterClrMapping/>
+  </p:clrMapOvr>
+  <p:timing>
+    <p:tnLst>
+      <p:par>
+        <p:cTn id="1" dur="indefinite" restart="never" nodeType="tmRoot"/>
+      </p:par>
+    </p:tnLst>
+  </p:timing>
+</p:sld>
+</file>
+
+<file path=ppt/slides/slide6.xml><?xml version="1.0" encoding="utf-8"?>
+<p:sld xmlns:a="http://schemas.openxmlformats.org/drawingml/2006/main" xmlns:r="http://schemas.openxmlformats.org/officeDocument/2006/relationships" xmlns:p="http://schemas.openxmlformats.org/presentationml/2006/main">
+  <p:cSld>
+    <p:spTree>
+      <p:nvGrpSpPr>
+        <p:cNvPr id="1" name=""/>
+        <p:cNvGrpSpPr/>
+        <p:nvPr/>
+      </p:nvGrpSpPr>
+      <p:grpSpPr>
+        <a:xfrm>
+          <a:off x="0" y="0"/>
+          <a:ext cx="0" cy="0"/>
+          <a:chOff x="0" y="0"/>
+          <a:chExt cx="0" cy="0"/>
+        </a:xfrm>
+      </p:grpSpPr>
+      <p:sp>
+        <p:nvSpPr>
+          <p:cNvPr id="4" name="Rechteck 3"/>
+          <p:cNvSpPr/>
+          <p:nvPr/>
+        </p:nvSpPr>
+        <p:spPr>
+          <a:xfrm>
+            <a:off x="0" y="0"/>
+            <a:ext cx="12192000" cy="1481070"/>
+          </a:xfrm>
+          <a:prstGeom prst="rect">
+            <a:avLst/>
+          </a:prstGeom>
+          <a:solidFill>
+            <a:srgbClr val="D10505"/>
+          </a:solidFill>
+          <a:ln>
+            <a:noFill/>
+          </a:ln>
+        </p:spPr>
+        <p:style>
+          <a:lnRef idx="2">
+            <a:schemeClr val="accent1">
+              <a:shade val="50000"/>
+            </a:schemeClr>
+          </a:lnRef>
+          <a:fillRef idx="1">
+            <a:schemeClr val="accent1"/>
+          </a:fillRef>
+          <a:effectRef idx="0">
+            <a:schemeClr val="accent1"/>
+          </a:effectRef>
+          <a:fontRef idx="minor">
+            <a:schemeClr val="lt1"/>
+          </a:fontRef>
+        </p:style>
+        <p:txBody>
+          <a:bodyPr rtlCol="0" anchor="ctr"/>
+          <a:lstStyle/>
+          <a:p>
+            <a:pPr algn="ctr"/>
+            <a:endParaRPr lang="de-CH"/>
+          </a:p>
+        </p:txBody>
+      </p:sp>
+      <p:sp>
+        <p:nvSpPr>
+          <p:cNvPr id="2" name="Titel 1"/>
+          <p:cNvSpPr>
+            <a:spLocks noGrp="1"/>
+          </p:cNvSpPr>
+          <p:nvPr>
+            <p:ph type="title"/>
+          </p:nvPr>
+        </p:nvSpPr>
+        <p:spPr>
+          <a:xfrm>
+            <a:off x="838200" y="365125"/>
+            <a:ext cx="10820400" cy="1325563"/>
+          </a:xfrm>
+        </p:spPr>
+        <p:txBody>
+          <a:bodyPr>
+            <a:normAutofit/>
+          </a:bodyPr>
+          <a:lstStyle/>
+          <a:p>
+            <a:pPr algn="l"/>
+            <a:r>
+              <a:rPr lang="en-US" sz="7200" b="1" dirty="0" err="1" smtClean="0">
+                <a:solidFill>
+                  <a:schemeClr val="bg1"/>
+                </a:solidFill>
+              </a:rPr>
+              <a:t>Lession</a:t>
+            </a:r>
+            <a:r>
+              <a:rPr lang="en-US" sz="7200" b="1" dirty="0" smtClean="0">
+                <a:solidFill>
+                  <a:schemeClr val="bg1"/>
+                </a:solidFill>
+              </a:rPr>
+              <a:t> learnt Course</a:t>
+            </a:r>
+            <a:endParaRPr lang="de-CH" sz="7200" b="1" dirty="0">
+              <a:solidFill>
+                <a:schemeClr val="bg1"/>
+              </a:solidFill>
+            </a:endParaRPr>
+          </a:p>
+        </p:txBody>
+      </p:sp>
+      <p:sp>
+        <p:nvSpPr>
+          <p:cNvPr id="3" name="Content Placeholder 2"/>
+          <p:cNvSpPr>
+            <a:spLocks noGrp="1"/>
+          </p:cNvSpPr>
+          <p:nvPr>
+            <p:ph idx="1"/>
+          </p:nvPr>
+        </p:nvSpPr>
+        <p:spPr>
+          <a:xfrm>
+            <a:off x="838200" y="1698625"/>
+            <a:ext cx="10515600" cy="4351338"/>
+          </a:xfrm>
+        </p:spPr>
+        <p:txBody>
+          <a:bodyPr/>
+          <a:lstStyle/>
+          <a:p>
+            <a:r>
+              <a:rPr lang="en-US" dirty="0" smtClean="0"/>
+              <a:t>Maven top, </a:t>
+            </a:r>
+            <a:r>
+              <a:rPr lang="en-US" dirty="0" err="1" smtClean="0"/>
+              <a:t>Vaadin</a:t>
+            </a:r>
+            <a:r>
+              <a:rPr lang="en-US" dirty="0" smtClean="0"/>
+              <a:t> flop</a:t>
+            </a:r>
+          </a:p>
+          <a:p>
+            <a:r>
+              <a:rPr lang="en-US" dirty="0" err="1" smtClean="0"/>
+              <a:t>Projekt</a:t>
+            </a:r>
+            <a:r>
+              <a:rPr lang="en-US" dirty="0" smtClean="0"/>
+              <a:t>: </a:t>
+            </a:r>
+            <a:r>
+              <a:rPr lang="en-US" dirty="0" err="1" smtClean="0"/>
+              <a:t>zu</a:t>
+            </a:r>
+            <a:r>
+              <a:rPr lang="en-US" dirty="0" smtClean="0"/>
+              <a:t> </a:t>
+            </a:r>
+            <a:r>
+              <a:rPr lang="en-US" dirty="0" err="1" smtClean="0"/>
+              <a:t>viele</a:t>
+            </a:r>
+            <a:r>
+              <a:rPr lang="en-US" dirty="0" smtClean="0"/>
+              <a:t> </a:t>
+            </a:r>
+            <a:r>
+              <a:rPr lang="en-US" dirty="0" err="1" smtClean="0"/>
+              <a:t>Einschränkungen</a:t>
+            </a:r>
+            <a:endParaRPr lang="en-US" dirty="0" smtClean="0"/>
+          </a:p>
+          <a:p>
+            <a:endParaRPr lang="en-US" dirty="0" smtClean="0"/>
+          </a:p>
+          <a:p>
+            <a:endParaRPr lang="en-US" dirty="0" smtClean="0"/>
+          </a:p>
+          <a:p>
+            <a:endParaRPr lang="de-CH" dirty="0"/>
+          </a:p>
+          <a:p>
+            <a:endParaRPr lang="en-US" dirty="0" smtClean="0"/>
+          </a:p>
+          <a:p>
+            <a:endParaRPr lang="en-US" dirty="0" smtClean="0"/>
+          </a:p>
+          <a:p>
+            <a:endParaRPr lang="en-US" dirty="0" smtClean="0"/>
+          </a:p>
+        </p:txBody>
+      </p:sp>
+    </p:spTree>
+    <p:extLst>
+      <p:ext uri="{BB962C8B-B14F-4D97-AF65-F5344CB8AC3E}">
+        <p14:creationId xmlns:p14="http://schemas.microsoft.com/office/powerpoint/2010/main" val="1306967977"/>
+      </p:ext>
+    </p:extLst>
+  </p:cSld>
+  <p:clrMapOvr>
+    <a:masterClrMapping/>
+  </p:clrMapOvr>
+  <p:timing>
+    <p:tnLst>
+      <p:par>
+        <p:cTn id="1" dur="indefinite" restart="never" nodeType="tmRoot"/>
+      </p:par>
+    </p:tnLst>
+  </p:timing>
+</p:sld>
+</file>
+
+<file path=ppt/slides/slide7.xml><?xml version="1.0" encoding="utf-8"?>
+<p:sld xmlns:a="http://schemas.openxmlformats.org/drawingml/2006/main" xmlns:r="http://schemas.openxmlformats.org/officeDocument/2006/relationships" xmlns:p="http://schemas.openxmlformats.org/presentationml/2006/main">
+  <p:cSld>
+    <p:spTree>
+      <p:nvGrpSpPr>
+        <p:cNvPr id="1" name=""/>
+        <p:cNvGrpSpPr/>
+        <p:nvPr/>
+      </p:nvGrpSpPr>
+      <p:grpSpPr>
+        <a:xfrm>
+          <a:off x="0" y="0"/>
+          <a:ext cx="0" cy="0"/>
+          <a:chOff x="0" y="0"/>
+          <a:chExt cx="0" cy="0"/>
+        </a:xfrm>
+      </p:grpSpPr>
+      <p:sp>
+        <p:nvSpPr>
+          <p:cNvPr id="4" name="Rechteck 3"/>
+          <p:cNvSpPr/>
+          <p:nvPr/>
+        </p:nvSpPr>
+        <p:spPr>
+          <a:xfrm>
+            <a:off x="0" y="0"/>
+            <a:ext cx="12192000" cy="1481070"/>
+          </a:xfrm>
+          <a:prstGeom prst="rect">
+            <a:avLst/>
+          </a:prstGeom>
+          <a:solidFill>
+            <a:srgbClr val="D10505"/>
+          </a:solidFill>
+          <a:ln>
+            <a:noFill/>
+          </a:ln>
+        </p:spPr>
+        <p:style>
+          <a:lnRef idx="2">
+            <a:schemeClr val="accent1">
+              <a:shade val="50000"/>
+            </a:schemeClr>
+          </a:lnRef>
+          <a:fillRef idx="1">
+            <a:schemeClr val="accent1"/>
+          </a:fillRef>
+          <a:effectRef idx="0">
+            <a:schemeClr val="accent1"/>
+          </a:effectRef>
+          <a:fontRef idx="minor">
+            <a:schemeClr val="lt1"/>
+          </a:fontRef>
+        </p:style>
+        <p:txBody>
+          <a:bodyPr rtlCol="0" anchor="ctr"/>
+          <a:lstStyle/>
+          <a:p>
+            <a:pPr algn="ctr"/>
+            <a:endParaRPr lang="de-CH"/>
+          </a:p>
+        </p:txBody>
+      </p:sp>
+      <p:sp>
+        <p:nvSpPr>
+          <p:cNvPr id="2" name="Titel 1"/>
+          <p:cNvSpPr>
+            <a:spLocks noGrp="1"/>
+          </p:cNvSpPr>
+          <p:nvPr>
+            <p:ph type="title"/>
+          </p:nvPr>
+        </p:nvSpPr>
         <p:spPr/>
         <p:txBody>
           <a:bodyPr>
@@ -4654,7 +6281,7 @@
 </p:sld>
 </file>
 
-<file path=ppt/slides/slide5.xml><?xml version="1.0" encoding="utf-8"?>
+<file path=ppt/slides/slide8.xml><?xml version="1.0" encoding="utf-8"?>
 <p:sld xmlns:a="http://schemas.openxmlformats.org/drawingml/2006/main" xmlns:r="http://schemas.openxmlformats.org/officeDocument/2006/relationships" xmlns:p="http://schemas.openxmlformats.org/presentationml/2006/main">
   <p:cSld>
     <p:spTree>
@@ -4736,158 +6363,6 @@
           <a:p>
             <a:pPr algn="l"/>
             <a:r>
-              <a:rPr lang="de-CH" sz="7200" b="1" dirty="0" smtClean="0">
-                <a:solidFill>
-                  <a:schemeClr val="bg1"/>
-                </a:solidFill>
-              </a:rPr>
-              <a:t>Lessons learnt</a:t>
-            </a:r>
-            <a:endParaRPr lang="de-CH" sz="7200" b="1" dirty="0">
-              <a:solidFill>
-                <a:schemeClr val="bg1"/>
-              </a:solidFill>
-            </a:endParaRPr>
-          </a:p>
-        </p:txBody>
-      </p:sp>
-      <p:sp>
-        <p:nvSpPr>
-          <p:cNvPr id="3" name="Content Placeholder 2"/>
-          <p:cNvSpPr>
-            <a:spLocks noGrp="1"/>
-          </p:cNvSpPr>
-          <p:nvPr>
-            <p:ph idx="1"/>
-          </p:nvPr>
-        </p:nvSpPr>
-        <p:spPr/>
-        <p:txBody>
-          <a:bodyPr/>
-          <a:lstStyle/>
-          <a:p>
-            <a:r>
-              <a:rPr lang="de-CH" dirty="0" smtClean="0"/>
-              <a:t>Der Kunde muss zum Beginn des Projekts stark einbezogen werden.</a:t>
-            </a:r>
-          </a:p>
-          <a:p>
-            <a:r>
-              <a:rPr lang="de-CH" dirty="0" smtClean="0"/>
-              <a:t>Ein gutes Design beschleunigt den Implementierungsprozess enorm, da es viele Unklarheiten im Voraus aus dem Weg räumt.</a:t>
-            </a:r>
-          </a:p>
-          <a:p>
-            <a:r>
-              <a:rPr lang="de-CH" dirty="0" smtClean="0"/>
-              <a:t>Mit Scrum können arbeiten gut priorisiert werden.</a:t>
-            </a:r>
-            <a:endParaRPr lang="de-CH" dirty="0"/>
-          </a:p>
-        </p:txBody>
-      </p:sp>
-    </p:spTree>
-    <p:extLst>
-      <p:ext uri="{BB962C8B-B14F-4D97-AF65-F5344CB8AC3E}">
-        <p14:creationId xmlns:p14="http://schemas.microsoft.com/office/powerpoint/2010/main" val="1860023822"/>
-      </p:ext>
-    </p:extLst>
-  </p:cSld>
-  <p:clrMapOvr>
-    <a:masterClrMapping/>
-  </p:clrMapOvr>
-  <p:timing>
-    <p:tnLst>
-      <p:par>
-        <p:cTn id="1" dur="indefinite" restart="never" nodeType="tmRoot"/>
-      </p:par>
-    </p:tnLst>
-  </p:timing>
-</p:sld>
-</file>
-
-<file path=ppt/slides/slide6.xml><?xml version="1.0" encoding="utf-8"?>
-<p:sld xmlns:a="http://schemas.openxmlformats.org/drawingml/2006/main" xmlns:r="http://schemas.openxmlformats.org/officeDocument/2006/relationships" xmlns:p="http://schemas.openxmlformats.org/presentationml/2006/main">
-  <p:cSld>
-    <p:spTree>
-      <p:nvGrpSpPr>
-        <p:cNvPr id="1" name=""/>
-        <p:cNvGrpSpPr/>
-        <p:nvPr/>
-      </p:nvGrpSpPr>
-      <p:grpSpPr>
-        <a:xfrm>
-          <a:off x="0" y="0"/>
-          <a:ext cx="0" cy="0"/>
-          <a:chOff x="0" y="0"/>
-          <a:chExt cx="0" cy="0"/>
-        </a:xfrm>
-      </p:grpSpPr>
-      <p:sp>
-        <p:nvSpPr>
-          <p:cNvPr id="4" name="Rechteck 3"/>
-          <p:cNvSpPr/>
-          <p:nvPr/>
-        </p:nvSpPr>
-        <p:spPr>
-          <a:xfrm>
-            <a:off x="0" y="0"/>
-            <a:ext cx="12192000" cy="1481070"/>
-          </a:xfrm>
-          <a:prstGeom prst="rect">
-            <a:avLst/>
-          </a:prstGeom>
-          <a:solidFill>
-            <a:srgbClr val="D10505"/>
-          </a:solidFill>
-          <a:ln>
-            <a:noFill/>
-          </a:ln>
-        </p:spPr>
-        <p:style>
-          <a:lnRef idx="2">
-            <a:schemeClr val="accent1">
-              <a:shade val="50000"/>
-            </a:schemeClr>
-          </a:lnRef>
-          <a:fillRef idx="1">
-            <a:schemeClr val="accent1"/>
-          </a:fillRef>
-          <a:effectRef idx="0">
-            <a:schemeClr val="accent1"/>
-          </a:effectRef>
-          <a:fontRef idx="minor">
-            <a:schemeClr val="lt1"/>
-          </a:fontRef>
-        </p:style>
-        <p:txBody>
-          <a:bodyPr rtlCol="0" anchor="ctr"/>
-          <a:lstStyle/>
-          <a:p>
-            <a:pPr algn="ctr"/>
-            <a:endParaRPr lang="de-CH"/>
-          </a:p>
-        </p:txBody>
-      </p:sp>
-      <p:sp>
-        <p:nvSpPr>
-          <p:cNvPr id="2" name="Titel 1"/>
-          <p:cNvSpPr>
-            <a:spLocks noGrp="1"/>
-          </p:cNvSpPr>
-          <p:nvPr>
-            <p:ph type="title"/>
-          </p:nvPr>
-        </p:nvSpPr>
-        <p:spPr/>
-        <p:txBody>
-          <a:bodyPr>
-            <a:normAutofit/>
-          </a:bodyPr>
-          <a:lstStyle/>
-          <a:p>
-            <a:pPr algn="l"/>
-            <a:r>
               <a:rPr lang="en-US" sz="7200" b="1" dirty="0" smtClean="0">
                 <a:solidFill>
                   <a:schemeClr val="bg1"/>
@@ -4960,428 +6435,6 @@
     <p:extLst>
       <p:ext uri="{BB962C8B-B14F-4D97-AF65-F5344CB8AC3E}">
         <p14:creationId xmlns:p14="http://schemas.microsoft.com/office/powerpoint/2010/main" val="1170155008"/>
-      </p:ext>
-    </p:extLst>
-  </p:cSld>
-  <p:clrMapOvr>
-    <a:masterClrMapping/>
-  </p:clrMapOvr>
-  <p:timing>
-    <p:tnLst>
-      <p:par>
-        <p:cTn id="1" dur="indefinite" restart="never" nodeType="tmRoot"/>
-      </p:par>
-    </p:tnLst>
-  </p:timing>
-</p:sld>
-</file>
-
-<file path=ppt/slides/slide7.xml><?xml version="1.0" encoding="utf-8"?>
-<p:sld xmlns:a="http://schemas.openxmlformats.org/drawingml/2006/main" xmlns:r="http://schemas.openxmlformats.org/officeDocument/2006/relationships" xmlns:p="http://schemas.openxmlformats.org/presentationml/2006/main">
-  <p:cSld>
-    <p:spTree>
-      <p:nvGrpSpPr>
-        <p:cNvPr id="1" name=""/>
-        <p:cNvGrpSpPr/>
-        <p:nvPr/>
-      </p:nvGrpSpPr>
-      <p:grpSpPr>
-        <a:xfrm>
-          <a:off x="0" y="0"/>
-          <a:ext cx="0" cy="0"/>
-          <a:chOff x="0" y="0"/>
-          <a:chExt cx="0" cy="0"/>
-        </a:xfrm>
-      </p:grpSpPr>
-      <p:sp>
-        <p:nvSpPr>
-          <p:cNvPr id="4" name="Rechteck 3"/>
-          <p:cNvSpPr/>
-          <p:nvPr/>
-        </p:nvSpPr>
-        <p:spPr>
-          <a:xfrm>
-            <a:off x="0" y="0"/>
-            <a:ext cx="12192000" cy="1481070"/>
-          </a:xfrm>
-          <a:prstGeom prst="rect">
-            <a:avLst/>
-          </a:prstGeom>
-          <a:solidFill>
-            <a:srgbClr val="D10505"/>
-          </a:solidFill>
-          <a:ln>
-            <a:noFill/>
-          </a:ln>
-        </p:spPr>
-        <p:style>
-          <a:lnRef idx="2">
-            <a:schemeClr val="accent1">
-              <a:shade val="50000"/>
-            </a:schemeClr>
-          </a:lnRef>
-          <a:fillRef idx="1">
-            <a:schemeClr val="accent1"/>
-          </a:fillRef>
-          <a:effectRef idx="0">
-            <a:schemeClr val="accent1"/>
-          </a:effectRef>
-          <a:fontRef idx="minor">
-            <a:schemeClr val="lt1"/>
-          </a:fontRef>
-        </p:style>
-        <p:txBody>
-          <a:bodyPr rtlCol="0" anchor="ctr"/>
-          <a:lstStyle/>
-          <a:p>
-            <a:pPr algn="ctr"/>
-            <a:endParaRPr lang="de-CH"/>
-          </a:p>
-        </p:txBody>
-      </p:sp>
-      <p:sp>
-        <p:nvSpPr>
-          <p:cNvPr id="2" name="Titel 1"/>
-          <p:cNvSpPr>
-            <a:spLocks noGrp="1"/>
-          </p:cNvSpPr>
-          <p:nvPr>
-            <p:ph type="title"/>
-          </p:nvPr>
-        </p:nvSpPr>
-        <p:spPr/>
-        <p:txBody>
-          <a:bodyPr>
-            <a:normAutofit/>
-          </a:bodyPr>
-          <a:lstStyle/>
-          <a:p>
-            <a:pPr algn="l"/>
-            <a:r>
-              <a:rPr lang="en-US" sz="7200" b="1" dirty="0" err="1" smtClean="0">
-                <a:solidFill>
-                  <a:schemeClr val="bg1"/>
-                </a:solidFill>
-              </a:rPr>
-              <a:t>Gps</a:t>
-            </a:r>
-            <a:r>
-              <a:rPr lang="en-US" sz="7200" b="1" dirty="0" smtClean="0">
-                <a:solidFill>
-                  <a:schemeClr val="bg1"/>
-                </a:solidFill>
-              </a:rPr>
-              <a:t> Activity Google Maps</a:t>
-            </a:r>
-            <a:endParaRPr lang="de-CH" sz="7200" b="1" dirty="0">
-              <a:solidFill>
-                <a:schemeClr val="bg1"/>
-              </a:solidFill>
-            </a:endParaRPr>
-          </a:p>
-        </p:txBody>
-      </p:sp>
-      <p:sp>
-        <p:nvSpPr>
-          <p:cNvPr id="3" name="Content Placeholder 2"/>
-          <p:cNvSpPr>
-            <a:spLocks noGrp="1"/>
-          </p:cNvSpPr>
-          <p:nvPr>
-            <p:ph idx="1"/>
-          </p:nvPr>
-        </p:nvSpPr>
-        <p:spPr/>
-        <p:txBody>
-          <a:bodyPr/>
-          <a:lstStyle/>
-          <a:p>
-            <a:r>
-              <a:rPr lang="en-US" dirty="0" err="1" smtClean="0"/>
-              <a:t>Gps</a:t>
-            </a:r>
-            <a:r>
-              <a:rPr lang="en-US" dirty="0" smtClean="0"/>
-              <a:t> Tracking </a:t>
-            </a:r>
-            <a:r>
-              <a:rPr lang="en-US" dirty="0" err="1" smtClean="0"/>
-              <a:t>mit</a:t>
-            </a:r>
-            <a:r>
-              <a:rPr lang="en-US" dirty="0" smtClean="0"/>
-              <a:t> Google Maps</a:t>
-            </a:r>
-          </a:p>
-          <a:p>
-            <a:r>
-              <a:rPr lang="en-US" dirty="0" err="1" smtClean="0"/>
-              <a:t>Berechnungen</a:t>
-            </a:r>
-            <a:endParaRPr lang="en-US" dirty="0" smtClean="0"/>
-          </a:p>
-          <a:p>
-            <a:pPr lvl="1"/>
-            <a:r>
-              <a:rPr lang="en-US" dirty="0" err="1" smtClean="0"/>
-              <a:t>Distanz</a:t>
-            </a:r>
-            <a:r>
-              <a:rPr lang="en-US" dirty="0" smtClean="0"/>
-              <a:t> </a:t>
-            </a:r>
-            <a:r>
-              <a:rPr lang="en-US" dirty="0" err="1" smtClean="0"/>
-              <a:t>bis</a:t>
-            </a:r>
-            <a:r>
-              <a:rPr lang="en-US" dirty="0" smtClean="0"/>
-              <a:t> </a:t>
-            </a:r>
-            <a:r>
-              <a:rPr lang="en-US" dirty="0" err="1" smtClean="0"/>
-              <a:t>zum</a:t>
-            </a:r>
-            <a:r>
-              <a:rPr lang="en-US" dirty="0" smtClean="0"/>
-              <a:t> </a:t>
-            </a:r>
-            <a:r>
-              <a:rPr lang="en-US" dirty="0" err="1" smtClean="0"/>
-              <a:t>Ziel</a:t>
-            </a:r>
-            <a:r>
-              <a:rPr lang="en-US" dirty="0" smtClean="0"/>
-              <a:t> </a:t>
-            </a:r>
-          </a:p>
-          <a:p>
-            <a:pPr lvl="1"/>
-            <a:r>
-              <a:rPr lang="en-US" dirty="0" err="1" smtClean="0"/>
-              <a:t>Optimales</a:t>
-            </a:r>
-            <a:r>
-              <a:rPr lang="en-US" dirty="0" smtClean="0"/>
-              <a:t> </a:t>
-            </a:r>
-            <a:r>
-              <a:rPr lang="en-US" dirty="0" err="1" smtClean="0"/>
-              <a:t>Zoomlevel</a:t>
-            </a:r>
-            <a:endParaRPr lang="en-US" dirty="0" smtClean="0"/>
-          </a:p>
-          <a:p>
-            <a:pPr lvl="1"/>
-            <a:r>
-              <a:rPr lang="en-US" dirty="0" err="1" smtClean="0"/>
-              <a:t>Kartenmitte</a:t>
-            </a:r>
-            <a:endParaRPr lang="en-US" dirty="0" smtClean="0"/>
-          </a:p>
-          <a:p>
-            <a:r>
-              <a:rPr lang="en-US" dirty="0" smtClean="0"/>
-              <a:t>Simulator </a:t>
-            </a:r>
-            <a:r>
-              <a:rPr lang="en-US" dirty="0" err="1" smtClean="0"/>
-              <a:t>für</a:t>
-            </a:r>
-            <a:r>
-              <a:rPr lang="en-US" dirty="0" smtClean="0"/>
-              <a:t> </a:t>
-            </a:r>
-            <a:r>
-              <a:rPr lang="en-US" dirty="0" err="1" smtClean="0"/>
-              <a:t>GpsLocation</a:t>
-            </a:r>
-            <a:r>
-              <a:rPr lang="en-US" dirty="0" smtClean="0"/>
-              <a:t> </a:t>
-            </a:r>
-          </a:p>
-          <a:p>
-            <a:r>
-              <a:rPr lang="en-US" dirty="0" err="1" smtClean="0"/>
-              <a:t>Bugfixing</a:t>
-            </a:r>
-            <a:r>
-              <a:rPr lang="en-US" dirty="0"/>
-              <a:t> </a:t>
-            </a:r>
-            <a:r>
-              <a:rPr lang="en-US" dirty="0" err="1" smtClean="0"/>
-              <a:t>Vaadin</a:t>
-            </a:r>
-            <a:r>
-              <a:rPr lang="en-US" dirty="0" smtClean="0"/>
-              <a:t> Google Maps </a:t>
-            </a:r>
-            <a:r>
-              <a:rPr lang="en-US" dirty="0" err="1" smtClean="0"/>
-              <a:t>Komponente</a:t>
-            </a:r>
-            <a:endParaRPr lang="de-CH" dirty="0"/>
-          </a:p>
-        </p:txBody>
-      </p:sp>
-    </p:spTree>
-    <p:extLst>
-      <p:ext uri="{BB962C8B-B14F-4D97-AF65-F5344CB8AC3E}">
-        <p14:creationId xmlns:p14="http://schemas.microsoft.com/office/powerpoint/2010/main" val="3360321972"/>
-      </p:ext>
-    </p:extLst>
-  </p:cSld>
-  <p:clrMapOvr>
-    <a:masterClrMapping/>
-  </p:clrMapOvr>
-  <p:timing>
-    <p:tnLst>
-      <p:par>
-        <p:cTn id="1" dur="indefinite" restart="never" nodeType="tmRoot"/>
-      </p:par>
-    </p:tnLst>
-  </p:timing>
-</p:sld>
-</file>
-
-<file path=ppt/slides/slide8.xml><?xml version="1.0" encoding="utf-8"?>
-<p:sld xmlns:a="http://schemas.openxmlformats.org/drawingml/2006/main" xmlns:r="http://schemas.openxmlformats.org/officeDocument/2006/relationships" xmlns:p="http://schemas.openxmlformats.org/presentationml/2006/main">
-  <p:cSld>
-    <p:spTree>
-      <p:nvGrpSpPr>
-        <p:cNvPr id="1" name=""/>
-        <p:cNvGrpSpPr/>
-        <p:nvPr/>
-      </p:nvGrpSpPr>
-      <p:grpSpPr>
-        <a:xfrm>
-          <a:off x="0" y="0"/>
-          <a:ext cx="0" cy="0"/>
-          <a:chOff x="0" y="0"/>
-          <a:chExt cx="0" cy="0"/>
-        </a:xfrm>
-      </p:grpSpPr>
-      <p:sp>
-        <p:nvSpPr>
-          <p:cNvPr id="4" name="Rechteck 3"/>
-          <p:cNvSpPr/>
-          <p:nvPr/>
-        </p:nvSpPr>
-        <p:spPr>
-          <a:xfrm>
-            <a:off x="0" y="0"/>
-            <a:ext cx="12192000" cy="1481070"/>
-          </a:xfrm>
-          <a:prstGeom prst="rect">
-            <a:avLst/>
-          </a:prstGeom>
-          <a:solidFill>
-            <a:srgbClr val="D10505"/>
-          </a:solidFill>
-          <a:ln>
-            <a:noFill/>
-          </a:ln>
-        </p:spPr>
-        <p:style>
-          <a:lnRef idx="2">
-            <a:schemeClr val="accent1">
-              <a:shade val="50000"/>
-            </a:schemeClr>
-          </a:lnRef>
-          <a:fillRef idx="1">
-            <a:schemeClr val="accent1"/>
-          </a:fillRef>
-          <a:effectRef idx="0">
-            <a:schemeClr val="accent1"/>
-          </a:effectRef>
-          <a:fontRef idx="minor">
-            <a:schemeClr val="lt1"/>
-          </a:fontRef>
-        </p:style>
-        <p:txBody>
-          <a:bodyPr rtlCol="0" anchor="ctr"/>
-          <a:lstStyle/>
-          <a:p>
-            <a:pPr algn="ctr"/>
-            <a:endParaRPr lang="de-CH"/>
-          </a:p>
-        </p:txBody>
-      </p:sp>
-      <p:sp>
-        <p:nvSpPr>
-          <p:cNvPr id="2" name="Titel 1"/>
-          <p:cNvSpPr>
-            <a:spLocks noGrp="1"/>
-          </p:cNvSpPr>
-          <p:nvPr>
-            <p:ph type="title"/>
-          </p:nvPr>
-        </p:nvSpPr>
-        <p:spPr/>
-        <p:txBody>
-          <a:bodyPr>
-            <a:normAutofit/>
-          </a:bodyPr>
-          <a:lstStyle/>
-          <a:p>
-            <a:pPr algn="l"/>
-            <a:endParaRPr lang="de-CH" sz="7200" b="1" dirty="0">
-              <a:solidFill>
-                <a:schemeClr val="bg1"/>
-              </a:solidFill>
-            </a:endParaRPr>
-          </a:p>
-        </p:txBody>
-      </p:sp>
-      <p:pic>
-        <p:nvPicPr>
-          <p:cNvPr id="1026" name="Picture 2" descr="C:\Users\James\workspaceLuna\PatientApp\doc\task14\finalpresentation.png"/>
-          <p:cNvPicPr>
-            <a:picLocks noGrp="1" noChangeAspect="1" noChangeArrowheads="1"/>
-          </p:cNvPicPr>
-          <p:nvPr>
-            <p:ph idx="1"/>
-          </p:nvPr>
-        </p:nvPicPr>
-        <p:blipFill>
-          <a:blip r:embed="rId2">
-            <a:extLst>
-              <a:ext uri="{28A0092B-C50C-407E-A947-70E740481C1C}">
-                <a14:useLocalDpi xmlns:a14="http://schemas.microsoft.com/office/drawing/2010/main" val="0"/>
-              </a:ext>
-            </a:extLst>
-          </a:blip>
-          <a:srcRect/>
-          <a:stretch>
-            <a:fillRect/>
-          </a:stretch>
-        </p:blipFill>
-        <p:spPr bwMode="auto">
-          <a:xfrm>
-            <a:off x="21903" y="26348"/>
-            <a:ext cx="12170097" cy="6359857"/>
-          </a:xfrm>
-          <a:prstGeom prst="rect">
-            <a:avLst/>
-          </a:prstGeom>
-          <a:noFill/>
-          <a:extLst>
-            <a:ext uri="{909E8E84-426E-40DD-AFC4-6F175D3DCCD1}">
-              <a14:hiddenFill xmlns:a14="http://schemas.microsoft.com/office/drawing/2010/main">
-                <a:solidFill>
-                  <a:srgbClr val="FFFFFF"/>
-                </a:solidFill>
-              </a14:hiddenFill>
-            </a:ext>
-          </a:extLst>
-        </p:spPr>
-      </p:pic>
-    </p:spTree>
-    <p:extLst>
-      <p:ext uri="{BB962C8B-B14F-4D97-AF65-F5344CB8AC3E}">
-        <p14:creationId xmlns:p14="http://schemas.microsoft.com/office/powerpoint/2010/main" val="923453395"/>
       </p:ext>
     </p:extLst>
   </p:cSld>
@@ -5485,7 +6538,7 @@
                   <a:schemeClr val="bg1"/>
                 </a:solidFill>
               </a:rPr>
-              <a:t>Distanz</a:t>
+              <a:t>Gps</a:t>
             </a:r>
             <a:r>
               <a:rPr lang="en-US" sz="7200" b="1" dirty="0" smtClean="0">
@@ -5493,39 +6546,7 @@
                   <a:schemeClr val="bg1"/>
                 </a:solidFill>
               </a:rPr>
-              <a:t> </a:t>
-            </a:r>
-            <a:r>
-              <a:rPr lang="en-US" sz="7200" b="1" dirty="0" err="1" smtClean="0">
-                <a:solidFill>
-                  <a:schemeClr val="bg1"/>
-                </a:solidFill>
-              </a:rPr>
-              <a:t>Gps</a:t>
-            </a:r>
-            <a:r>
-              <a:rPr lang="en-US" sz="7200" b="1" dirty="0" smtClean="0">
-                <a:solidFill>
-                  <a:schemeClr val="bg1"/>
-                </a:solidFill>
-              </a:rPr>
-              <a:t> </a:t>
-            </a:r>
-            <a:r>
-              <a:rPr lang="en-US" sz="7200" b="1" dirty="0" err="1" smtClean="0">
-                <a:solidFill>
-                  <a:schemeClr val="bg1"/>
-                </a:solidFill>
-              </a:rPr>
-              <a:t>Koordinaten</a:t>
-            </a:r>
-            <a:r>
-              <a:rPr lang="en-US" sz="7200" b="1" dirty="0" smtClean="0">
-                <a:solidFill>
-                  <a:schemeClr val="bg1"/>
-                </a:solidFill>
-              </a:rPr>
-              <a:t>	</a:t>
+              <a:t> Activity Google Maps</a:t>
             </a:r>
             <a:endParaRPr lang="de-CH" sz="7200" b="1" dirty="0">
               <a:solidFill>
@@ -5535,100 +6556,169 @@
           </a:p>
         </p:txBody>
       </p:sp>
-      <p:pic>
-        <p:nvPicPr>
-          <p:cNvPr id="2050" name="Picture 2" descr="C:\Users\James\Desktop\Capturebettybossi.PNG"/>
-          <p:cNvPicPr>
-            <a:picLocks noGrp="1" noChangeAspect="1" noChangeArrowheads="1"/>
-          </p:cNvPicPr>
+      <p:sp>
+        <p:nvSpPr>
+          <p:cNvPr id="3" name="Content Placeholder 2"/>
+          <p:cNvSpPr>
+            <a:spLocks noGrp="1"/>
+          </p:cNvSpPr>
           <p:nvPr>
             <p:ph idx="1"/>
           </p:nvPr>
-        </p:nvPicPr>
-        <p:blipFill>
-          <a:blip r:embed="rId3">
-            <a:extLst>
-              <a:ext uri="{28A0092B-C50C-407E-A947-70E740481C1C}">
-                <a14:useLocalDpi xmlns:a14="http://schemas.microsoft.com/office/drawing/2010/main" val="0"/>
-              </a:ext>
-            </a:extLst>
-          </a:blip>
-          <a:srcRect/>
-          <a:stretch>
-            <a:fillRect/>
-          </a:stretch>
-        </p:blipFill>
-        <p:spPr bwMode="auto">
-          <a:xfrm>
-            <a:off x="0" y="1849370"/>
-            <a:ext cx="10147238" cy="4491150"/>
-          </a:xfrm>
-          <a:prstGeom prst="rect">
-            <a:avLst/>
-          </a:prstGeom>
-          <a:noFill/>
-          <a:extLst>
-            <a:ext uri="{909E8E84-426E-40DD-AFC4-6F175D3DCCD1}">
-              <a14:hiddenFill xmlns:a14="http://schemas.microsoft.com/office/drawing/2010/main">
-                <a:solidFill>
-                  <a:srgbClr val="FFFFFF"/>
-                </a:solidFill>
-              </a14:hiddenFill>
-            </a:ext>
-          </a:extLst>
-        </p:spPr>
-      </p:pic>
-      <p:pic>
-        <p:nvPicPr>
-          <p:cNvPr id="1026" name="Picture 2" descr="C:\Users\James\Desktop\havesine.PNG"/>
-          <p:cNvPicPr>
-            <a:picLocks noChangeAspect="1" noChangeArrowheads="1"/>
-          </p:cNvPicPr>
-          <p:nvPr/>
-        </p:nvPicPr>
-        <p:blipFill>
-          <a:blip r:embed="rId4">
-            <a:extLst>
-              <a:ext uri="{28A0092B-C50C-407E-A947-70E740481C1C}">
-                <a14:useLocalDpi xmlns:a14="http://schemas.microsoft.com/office/drawing/2010/main" val="0"/>
-              </a:ext>
-            </a:extLst>
-          </a:blip>
-          <a:srcRect/>
-          <a:stretch>
-            <a:fillRect/>
-          </a:stretch>
-        </p:blipFill>
-        <p:spPr bwMode="auto">
-          <a:xfrm>
-            <a:off x="5626100" y="2374900"/>
-            <a:ext cx="5486400" cy="704850"/>
-          </a:xfrm>
-          <a:prstGeom prst="rect">
-            <a:avLst/>
-          </a:prstGeom>
-          <a:noFill/>
-          <a:extLst>
-            <a:ext uri="{909E8E84-426E-40DD-AFC4-6F175D3DCCD1}">
-              <a14:hiddenFill xmlns:a14="http://schemas.microsoft.com/office/drawing/2010/main">
-                <a:solidFill>
-                  <a:srgbClr val="FFFFFF"/>
-                </a:solidFill>
-              </a14:hiddenFill>
-            </a:ext>
-          </a:extLst>
-        </p:spPr>
-      </p:pic>
+        </p:nvSpPr>
+        <p:spPr/>
+        <p:txBody>
+          <a:bodyPr/>
+          <a:lstStyle/>
+          <a:p>
+            <a:r>
+              <a:rPr lang="en-US" dirty="0" err="1" smtClean="0"/>
+              <a:t>Gps</a:t>
+            </a:r>
+            <a:r>
+              <a:rPr lang="en-US" dirty="0" smtClean="0"/>
+              <a:t> Tracking </a:t>
+            </a:r>
+            <a:r>
+              <a:rPr lang="en-US" dirty="0" err="1" smtClean="0"/>
+              <a:t>mit</a:t>
+            </a:r>
+            <a:r>
+              <a:rPr lang="en-US" dirty="0" smtClean="0"/>
+              <a:t> Google Maps</a:t>
+            </a:r>
+          </a:p>
+          <a:p>
+            <a:r>
+              <a:rPr lang="en-US" dirty="0" err="1" smtClean="0"/>
+              <a:t>Berechnungen</a:t>
+            </a:r>
+            <a:endParaRPr lang="en-US" dirty="0" smtClean="0"/>
+          </a:p>
+          <a:p>
+            <a:pPr lvl="1"/>
+            <a:r>
+              <a:rPr lang="en-US" dirty="0" err="1" smtClean="0"/>
+              <a:t>Distanz</a:t>
+            </a:r>
+            <a:r>
+              <a:rPr lang="en-US" dirty="0" smtClean="0"/>
+              <a:t> </a:t>
+            </a:r>
+            <a:r>
+              <a:rPr lang="en-US" dirty="0" err="1" smtClean="0"/>
+              <a:t>bis</a:t>
+            </a:r>
+            <a:r>
+              <a:rPr lang="en-US" dirty="0" smtClean="0"/>
+              <a:t> </a:t>
+            </a:r>
+            <a:r>
+              <a:rPr lang="en-US" dirty="0" err="1" smtClean="0"/>
+              <a:t>zum</a:t>
+            </a:r>
+            <a:r>
+              <a:rPr lang="en-US" dirty="0" smtClean="0"/>
+              <a:t> </a:t>
+            </a:r>
+            <a:r>
+              <a:rPr lang="en-US" dirty="0" err="1" smtClean="0"/>
+              <a:t>Ziel</a:t>
+            </a:r>
+            <a:r>
+              <a:rPr lang="en-US" dirty="0" smtClean="0"/>
+              <a:t> </a:t>
+            </a:r>
+          </a:p>
+          <a:p>
+            <a:pPr lvl="1"/>
+            <a:r>
+              <a:rPr lang="en-US" dirty="0" err="1" smtClean="0"/>
+              <a:t>Optimales</a:t>
+            </a:r>
+            <a:r>
+              <a:rPr lang="en-US" dirty="0" smtClean="0"/>
+              <a:t> </a:t>
+            </a:r>
+            <a:r>
+              <a:rPr lang="en-US" dirty="0" err="1" smtClean="0"/>
+              <a:t>Zoomlevel</a:t>
+            </a:r>
+            <a:endParaRPr lang="en-US" dirty="0" smtClean="0"/>
+          </a:p>
+          <a:p>
+            <a:pPr lvl="1"/>
+            <a:r>
+              <a:rPr lang="en-US" dirty="0" err="1" smtClean="0"/>
+              <a:t>Kartenmitte</a:t>
+            </a:r>
+            <a:endParaRPr lang="en-US" dirty="0" smtClean="0"/>
+          </a:p>
+          <a:p>
+            <a:r>
+              <a:rPr lang="en-US" dirty="0" smtClean="0"/>
+              <a:t>Simulator </a:t>
+            </a:r>
+            <a:r>
+              <a:rPr lang="en-US" dirty="0" err="1" smtClean="0"/>
+              <a:t>für</a:t>
+            </a:r>
+            <a:r>
+              <a:rPr lang="en-US" dirty="0" smtClean="0"/>
+              <a:t> </a:t>
+            </a:r>
+            <a:r>
+              <a:rPr lang="en-US" dirty="0" err="1" smtClean="0"/>
+              <a:t>GpsLocation</a:t>
+            </a:r>
+            <a:r>
+              <a:rPr lang="en-US" dirty="0" smtClean="0"/>
+              <a:t> </a:t>
+            </a:r>
+          </a:p>
+          <a:p>
+            <a:r>
+              <a:rPr lang="en-US" dirty="0" err="1" smtClean="0"/>
+              <a:t>Bugfixing</a:t>
+            </a:r>
+            <a:r>
+              <a:rPr lang="en-US" dirty="0"/>
+              <a:t> </a:t>
+            </a:r>
+            <a:r>
+              <a:rPr lang="en-US" dirty="0" err="1" smtClean="0"/>
+              <a:t>Vaadin</a:t>
+            </a:r>
+            <a:r>
+              <a:rPr lang="en-US" dirty="0" smtClean="0"/>
+              <a:t> Google Maps </a:t>
+            </a:r>
+            <a:r>
+              <a:rPr lang="en-US" dirty="0" err="1" smtClean="0"/>
+              <a:t>Komponente</a:t>
+            </a:r>
+            <a:endParaRPr lang="de-CH" dirty="0"/>
+          </a:p>
+        </p:txBody>
+      </p:sp>
     </p:spTree>
     <p:extLst>
       <p:ext uri="{BB962C8B-B14F-4D97-AF65-F5344CB8AC3E}">
-        <p14:creationId xmlns:p14="http://schemas.microsoft.com/office/powerpoint/2010/main" val="4248996124"/>
+        <p14:creationId xmlns:p14="http://schemas.microsoft.com/office/powerpoint/2010/main" val="3360321972"/>
       </p:ext>
     </p:extLst>
   </p:cSld>
   <p:clrMapOvr>
     <a:masterClrMapping/>
   </p:clrMapOvr>
+  <mc:AlternateContent xmlns:mc="http://schemas.openxmlformats.org/markup-compatibility/2006">
+    <mc:Choice xmlns:p14="http://schemas.microsoft.com/office/powerpoint/2010/main" Requires="p14">
+      <p:transition spd="slow" p14:dur="2000"/>
+    </mc:Choice>
+    <mc:Fallback>
+      <p:transition spd="slow"/>
+    </mc:Fallback>
+  </mc:AlternateContent>
   <p:timing>
     <p:tnLst>
       <p:par>
@@ -5894,7 +6984,7 @@
   <a:extraClrSchemeLst/>
   <a:extLst>
     <a:ext uri="{05A4C25C-085E-4340-85A3-A5531E510DB2}">
-      <thm15:themeFamily xmlns:thm15="http://schemas.microsoft.com/office/thememl/2012/main" xmlns="" name="Office Theme" id="{62F939B6-93AF-4DB8-9C6B-D6C7DFDC589F}" vid="{4A3C46E8-61CC-4603-A589-7422A47A8E4A}"/>
+      <thm15:themeFamily xmlns="" xmlns:thm15="http://schemas.microsoft.com/office/thememl/2012/main" name="Office Theme" id="{62F939B6-93AF-4DB8-9C6B-D6C7DFDC589F}" vid="{4A3C46E8-61CC-4603-A589-7422A47A8E4A}"/>
     </a:ext>
   </a:extLst>
 </a:theme>

--- a/doc/task14/Schlusspräsentation.pptx
+++ b/doc/task14/Schlusspräsentation.pptx
@@ -5,7 +5,7 @@
     <p:sldMasterId id="2147483648" r:id="rId1"/>
   </p:sldMasterIdLst>
   <p:notesMasterIdLst>
-    <p:notesMasterId r:id="rId13"/>
+    <p:notesMasterId r:id="rId15"/>
   </p:notesMasterIdLst>
   <p:sldIdLst>
     <p:sldId id="256" r:id="rId2"/>
@@ -14,11 +14,13 @@
     <p:sldId id="268" r:id="rId5"/>
     <p:sldId id="269" r:id="rId6"/>
     <p:sldId id="275" r:id="rId7"/>
-    <p:sldId id="271" r:id="rId8"/>
-    <p:sldId id="272" r:id="rId9"/>
-    <p:sldId id="273" r:id="rId10"/>
-    <p:sldId id="274" r:id="rId11"/>
-    <p:sldId id="270" r:id="rId12"/>
+    <p:sldId id="277" r:id="rId8"/>
+    <p:sldId id="276" r:id="rId9"/>
+    <p:sldId id="271" r:id="rId10"/>
+    <p:sldId id="272" r:id="rId11"/>
+    <p:sldId id="273" r:id="rId12"/>
+    <p:sldId id="274" r:id="rId13"/>
+    <p:sldId id="270" r:id="rId14"/>
   </p:sldIdLst>
   <p:sldSz cx="12192000" cy="6858000"/>
   <p:notesSz cx="6858000" cy="9144000"/>
@@ -119,7 +121,7 @@
   </p:defaultTextStyle>
   <p:extLst>
     <p:ext uri="{EFAFB233-063F-42B5-8137-9DF3F51BA10A}">
-      <p15:sldGuideLst xmlns:p15="http://schemas.microsoft.com/office/powerpoint/2012/main" xmlns="">
+      <p15:sldGuideLst xmlns:p15="http://schemas.microsoft.com/office/powerpoint/2012/main">
         <p15:guide id="1" orient="horz" pos="2160">
           <p15:clr>
             <a:srgbClr val="A4A3A4"/>
@@ -563,7 +565,7 @@
           <a:p>
             <a:fld id="{2B76D00B-AE3A-46BB-B996-1DE8AB957DDE}" type="slidenum">
               <a:rPr lang="de-CH" smtClean="0"/>
-              <a:t>9</a:t>
+              <a:t>11</a:t>
             </a:fld>
             <a:endParaRPr lang="de-CH"/>
           </a:p>
@@ -681,7 +683,7 @@
           <a:p>
             <a:fld id="{2B76D00B-AE3A-46BB-B996-1DE8AB957DDE}" type="slidenum">
               <a:rPr lang="de-CH" smtClean="0"/>
-              <a:t>10</a:t>
+              <a:t>12</a:t>
             </a:fld>
             <a:endParaRPr lang="de-CH"/>
           </a:p>
@@ -3795,6 +3797,399 @@
           <a:lstStyle/>
           <a:p>
             <a:pPr algn="l"/>
+            <a:endParaRPr lang="de-CH" sz="7200" b="1" dirty="0">
+              <a:solidFill>
+                <a:schemeClr val="bg1"/>
+              </a:solidFill>
+            </a:endParaRPr>
+          </a:p>
+        </p:txBody>
+      </p:sp>
+      <p:pic>
+        <p:nvPicPr>
+          <p:cNvPr id="1026" name="Picture 2" descr="C:\Users\James\workspaceLuna\PatientApp\doc\task14\finalpresentation.png"/>
+          <p:cNvPicPr>
+            <a:picLocks noGrp="1" noChangeAspect="1" noChangeArrowheads="1"/>
+          </p:cNvPicPr>
+          <p:nvPr>
+            <p:ph idx="1"/>
+          </p:nvPr>
+        </p:nvPicPr>
+        <p:blipFill>
+          <a:blip r:embed="rId2">
+            <a:extLst>
+              <a:ext uri="{28A0092B-C50C-407E-A947-70E740481C1C}">
+                <a14:useLocalDpi xmlns:a14="http://schemas.microsoft.com/office/drawing/2010/main" val="0"/>
+              </a:ext>
+            </a:extLst>
+          </a:blip>
+          <a:srcRect/>
+          <a:stretch>
+            <a:fillRect/>
+          </a:stretch>
+        </p:blipFill>
+        <p:spPr bwMode="auto">
+          <a:xfrm>
+            <a:off x="21903" y="26348"/>
+            <a:ext cx="12170097" cy="6359857"/>
+          </a:xfrm>
+          <a:prstGeom prst="rect">
+            <a:avLst/>
+          </a:prstGeom>
+          <a:noFill/>
+          <a:extLst>
+            <a:ext uri="{909E8E84-426E-40DD-AFC4-6F175D3DCCD1}">
+              <a14:hiddenFill xmlns:a14="http://schemas.microsoft.com/office/drawing/2010/main">
+                <a:solidFill>
+                  <a:srgbClr val="FFFFFF"/>
+                </a:solidFill>
+              </a14:hiddenFill>
+            </a:ext>
+          </a:extLst>
+        </p:spPr>
+      </p:pic>
+    </p:spTree>
+    <p:extLst>
+      <p:ext uri="{BB962C8B-B14F-4D97-AF65-F5344CB8AC3E}">
+        <p14:creationId xmlns:p14="http://schemas.microsoft.com/office/powerpoint/2010/main" val="923453395"/>
+      </p:ext>
+    </p:extLst>
+  </p:cSld>
+  <p:clrMapOvr>
+    <a:masterClrMapping/>
+  </p:clrMapOvr>
+  <p:timing>
+    <p:tnLst>
+      <p:par>
+        <p:cTn id="1" dur="indefinite" restart="never" nodeType="tmRoot"/>
+      </p:par>
+    </p:tnLst>
+  </p:timing>
+</p:sld>
+</file>
+
+<file path=ppt/slides/slide11.xml><?xml version="1.0" encoding="utf-8"?>
+<p:sld xmlns:a="http://schemas.openxmlformats.org/drawingml/2006/main" xmlns:r="http://schemas.openxmlformats.org/officeDocument/2006/relationships" xmlns:p="http://schemas.openxmlformats.org/presentationml/2006/main">
+  <p:cSld>
+    <p:spTree>
+      <p:nvGrpSpPr>
+        <p:cNvPr id="1" name=""/>
+        <p:cNvGrpSpPr/>
+        <p:nvPr/>
+      </p:nvGrpSpPr>
+      <p:grpSpPr>
+        <a:xfrm>
+          <a:off x="0" y="0"/>
+          <a:ext cx="0" cy="0"/>
+          <a:chOff x="0" y="0"/>
+          <a:chExt cx="0" cy="0"/>
+        </a:xfrm>
+      </p:grpSpPr>
+      <p:sp>
+        <p:nvSpPr>
+          <p:cNvPr id="4" name="Rechteck 3"/>
+          <p:cNvSpPr/>
+          <p:nvPr/>
+        </p:nvSpPr>
+        <p:spPr>
+          <a:xfrm>
+            <a:off x="0" y="0"/>
+            <a:ext cx="12192000" cy="1481070"/>
+          </a:xfrm>
+          <a:prstGeom prst="rect">
+            <a:avLst/>
+          </a:prstGeom>
+          <a:solidFill>
+            <a:srgbClr val="D10505"/>
+          </a:solidFill>
+          <a:ln>
+            <a:noFill/>
+          </a:ln>
+        </p:spPr>
+        <p:style>
+          <a:lnRef idx="2">
+            <a:schemeClr val="accent1">
+              <a:shade val="50000"/>
+            </a:schemeClr>
+          </a:lnRef>
+          <a:fillRef idx="1">
+            <a:schemeClr val="accent1"/>
+          </a:fillRef>
+          <a:effectRef idx="0">
+            <a:schemeClr val="accent1"/>
+          </a:effectRef>
+          <a:fontRef idx="minor">
+            <a:schemeClr val="lt1"/>
+          </a:fontRef>
+        </p:style>
+        <p:txBody>
+          <a:bodyPr rtlCol="0" anchor="ctr"/>
+          <a:lstStyle/>
+          <a:p>
+            <a:pPr algn="ctr"/>
+            <a:endParaRPr lang="de-CH"/>
+          </a:p>
+        </p:txBody>
+      </p:sp>
+      <p:sp>
+        <p:nvSpPr>
+          <p:cNvPr id="2" name="Titel 1"/>
+          <p:cNvSpPr>
+            <a:spLocks noGrp="1"/>
+          </p:cNvSpPr>
+          <p:nvPr>
+            <p:ph type="title"/>
+          </p:nvPr>
+        </p:nvSpPr>
+        <p:spPr/>
+        <p:txBody>
+          <a:bodyPr>
+            <a:normAutofit/>
+          </a:bodyPr>
+          <a:lstStyle/>
+          <a:p>
+            <a:pPr algn="l"/>
+            <a:r>
+              <a:rPr lang="en-US" sz="7200" b="1" dirty="0" err="1" smtClean="0">
+                <a:solidFill>
+                  <a:schemeClr val="bg1"/>
+                </a:solidFill>
+              </a:rPr>
+              <a:t>Distanz</a:t>
+            </a:r>
+            <a:r>
+              <a:rPr lang="en-US" sz="7200" b="1" dirty="0" smtClean="0">
+                <a:solidFill>
+                  <a:schemeClr val="bg1"/>
+                </a:solidFill>
+              </a:rPr>
+              <a:t> </a:t>
+            </a:r>
+            <a:r>
+              <a:rPr lang="en-US" sz="7200" b="1" dirty="0" err="1" smtClean="0">
+                <a:solidFill>
+                  <a:schemeClr val="bg1"/>
+                </a:solidFill>
+              </a:rPr>
+              <a:t>Gps</a:t>
+            </a:r>
+            <a:r>
+              <a:rPr lang="en-US" sz="7200" b="1" dirty="0" smtClean="0">
+                <a:solidFill>
+                  <a:schemeClr val="bg1"/>
+                </a:solidFill>
+              </a:rPr>
+              <a:t> </a:t>
+            </a:r>
+            <a:r>
+              <a:rPr lang="en-US" sz="7200" b="1" dirty="0" err="1" smtClean="0">
+                <a:solidFill>
+                  <a:schemeClr val="bg1"/>
+                </a:solidFill>
+              </a:rPr>
+              <a:t>Koordinaten</a:t>
+            </a:r>
+            <a:r>
+              <a:rPr lang="en-US" sz="7200" b="1" dirty="0" smtClean="0">
+                <a:solidFill>
+                  <a:schemeClr val="bg1"/>
+                </a:solidFill>
+              </a:rPr>
+              <a:t>	</a:t>
+            </a:r>
+            <a:endParaRPr lang="de-CH" sz="7200" b="1" dirty="0">
+              <a:solidFill>
+                <a:schemeClr val="bg1"/>
+              </a:solidFill>
+            </a:endParaRPr>
+          </a:p>
+        </p:txBody>
+      </p:sp>
+      <p:pic>
+        <p:nvPicPr>
+          <p:cNvPr id="2050" name="Picture 2" descr="C:\Users\James\Desktop\Capturebettybossi.PNG"/>
+          <p:cNvPicPr>
+            <a:picLocks noGrp="1" noChangeAspect="1" noChangeArrowheads="1"/>
+          </p:cNvPicPr>
+          <p:nvPr>
+            <p:ph idx="1"/>
+          </p:nvPr>
+        </p:nvPicPr>
+        <p:blipFill>
+          <a:blip r:embed="rId3">
+            <a:extLst>
+              <a:ext uri="{28A0092B-C50C-407E-A947-70E740481C1C}">
+                <a14:useLocalDpi xmlns:a14="http://schemas.microsoft.com/office/drawing/2010/main" val="0"/>
+              </a:ext>
+            </a:extLst>
+          </a:blip>
+          <a:srcRect/>
+          <a:stretch>
+            <a:fillRect/>
+          </a:stretch>
+        </p:blipFill>
+        <p:spPr bwMode="auto">
+          <a:xfrm>
+            <a:off x="0" y="1849370"/>
+            <a:ext cx="10147238" cy="4491150"/>
+          </a:xfrm>
+          <a:prstGeom prst="rect">
+            <a:avLst/>
+          </a:prstGeom>
+          <a:noFill/>
+          <a:extLst>
+            <a:ext uri="{909E8E84-426E-40DD-AFC4-6F175D3DCCD1}">
+              <a14:hiddenFill xmlns:a14="http://schemas.microsoft.com/office/drawing/2010/main">
+                <a:solidFill>
+                  <a:srgbClr val="FFFFFF"/>
+                </a:solidFill>
+              </a14:hiddenFill>
+            </a:ext>
+          </a:extLst>
+        </p:spPr>
+      </p:pic>
+      <p:pic>
+        <p:nvPicPr>
+          <p:cNvPr id="1026" name="Picture 2" descr="C:\Users\James\Desktop\havesine.PNG"/>
+          <p:cNvPicPr>
+            <a:picLocks noChangeAspect="1" noChangeArrowheads="1"/>
+          </p:cNvPicPr>
+          <p:nvPr/>
+        </p:nvPicPr>
+        <p:blipFill>
+          <a:blip r:embed="rId4">
+            <a:extLst>
+              <a:ext uri="{28A0092B-C50C-407E-A947-70E740481C1C}">
+                <a14:useLocalDpi xmlns:a14="http://schemas.microsoft.com/office/drawing/2010/main" val="0"/>
+              </a:ext>
+            </a:extLst>
+          </a:blip>
+          <a:srcRect/>
+          <a:stretch>
+            <a:fillRect/>
+          </a:stretch>
+        </p:blipFill>
+        <p:spPr bwMode="auto">
+          <a:xfrm>
+            <a:off x="5626100" y="2374900"/>
+            <a:ext cx="5486400" cy="704850"/>
+          </a:xfrm>
+          <a:prstGeom prst="rect">
+            <a:avLst/>
+          </a:prstGeom>
+          <a:noFill/>
+          <a:extLst>
+            <a:ext uri="{909E8E84-426E-40DD-AFC4-6F175D3DCCD1}">
+              <a14:hiddenFill xmlns:a14="http://schemas.microsoft.com/office/drawing/2010/main">
+                <a:solidFill>
+                  <a:srgbClr val="FFFFFF"/>
+                </a:solidFill>
+              </a14:hiddenFill>
+            </a:ext>
+          </a:extLst>
+        </p:spPr>
+      </p:pic>
+    </p:spTree>
+    <p:extLst>
+      <p:ext uri="{BB962C8B-B14F-4D97-AF65-F5344CB8AC3E}">
+        <p14:creationId xmlns:p14="http://schemas.microsoft.com/office/powerpoint/2010/main" val="4248996124"/>
+      </p:ext>
+    </p:extLst>
+  </p:cSld>
+  <p:clrMapOvr>
+    <a:masterClrMapping/>
+  </p:clrMapOvr>
+  <p:timing>
+    <p:tnLst>
+      <p:par>
+        <p:cTn id="1" dur="indefinite" restart="never" nodeType="tmRoot"/>
+      </p:par>
+    </p:tnLst>
+  </p:timing>
+</p:sld>
+</file>
+
+<file path=ppt/slides/slide12.xml><?xml version="1.0" encoding="utf-8"?>
+<p:sld xmlns:a="http://schemas.openxmlformats.org/drawingml/2006/main" xmlns:r="http://schemas.openxmlformats.org/officeDocument/2006/relationships" xmlns:p="http://schemas.openxmlformats.org/presentationml/2006/main">
+  <p:cSld>
+    <p:spTree>
+      <p:nvGrpSpPr>
+        <p:cNvPr id="1" name=""/>
+        <p:cNvGrpSpPr/>
+        <p:nvPr/>
+      </p:nvGrpSpPr>
+      <p:grpSpPr>
+        <a:xfrm>
+          <a:off x="0" y="0"/>
+          <a:ext cx="0" cy="0"/>
+          <a:chOff x="0" y="0"/>
+          <a:chExt cx="0" cy="0"/>
+        </a:xfrm>
+      </p:grpSpPr>
+      <p:sp>
+        <p:nvSpPr>
+          <p:cNvPr id="4" name="Rechteck 3"/>
+          <p:cNvSpPr/>
+          <p:nvPr/>
+        </p:nvSpPr>
+        <p:spPr>
+          <a:xfrm>
+            <a:off x="0" y="0"/>
+            <a:ext cx="12192000" cy="1481070"/>
+          </a:xfrm>
+          <a:prstGeom prst="rect">
+            <a:avLst/>
+          </a:prstGeom>
+          <a:solidFill>
+            <a:srgbClr val="D10505"/>
+          </a:solidFill>
+          <a:ln>
+            <a:noFill/>
+          </a:ln>
+        </p:spPr>
+        <p:style>
+          <a:lnRef idx="2">
+            <a:schemeClr val="accent1">
+              <a:shade val="50000"/>
+            </a:schemeClr>
+          </a:lnRef>
+          <a:fillRef idx="1">
+            <a:schemeClr val="accent1"/>
+          </a:fillRef>
+          <a:effectRef idx="0">
+            <a:schemeClr val="accent1"/>
+          </a:effectRef>
+          <a:fontRef idx="minor">
+            <a:schemeClr val="lt1"/>
+          </a:fontRef>
+        </p:style>
+        <p:txBody>
+          <a:bodyPr rtlCol="0" anchor="ctr"/>
+          <a:lstStyle/>
+          <a:p>
+            <a:pPr algn="ctr"/>
+            <a:endParaRPr lang="de-CH"/>
+          </a:p>
+        </p:txBody>
+      </p:sp>
+      <p:sp>
+        <p:nvSpPr>
+          <p:cNvPr id="2" name="Titel 1"/>
+          <p:cNvSpPr>
+            <a:spLocks noGrp="1"/>
+          </p:cNvSpPr>
+          <p:nvPr>
+            <p:ph type="title"/>
+          </p:nvPr>
+        </p:nvSpPr>
+        <p:spPr/>
+        <p:txBody>
+          <a:bodyPr>
+            <a:normAutofit/>
+          </a:bodyPr>
+          <a:lstStyle/>
+          <a:p>
+            <a:pPr algn="l"/>
             <a:r>
               <a:rPr lang="en-US" sz="7200" b="1" dirty="0" err="1" smtClean="0">
                 <a:solidFill>
@@ -4003,7 +4398,7 @@
 </p:sld>
 </file>
 
-<file path=ppt/slides/slide11.xml><?xml version="1.0" encoding="utf-8"?>
+<file path=ppt/slides/slide13.xml><?xml version="1.0" encoding="utf-8"?>
 <p:sld xmlns:a="http://schemas.openxmlformats.org/drawingml/2006/main" xmlns:r="http://schemas.openxmlformats.org/officeDocument/2006/relationships" xmlns:p="http://schemas.openxmlformats.org/presentationml/2006/main">
   <p:cSld>
     <p:spTree>
@@ -4888,12 +5283,12 @@
           <a:p>
             <a:pPr algn="l"/>
             <a:r>
-              <a:rPr lang="en-US" sz="7200" b="1" dirty="0" smtClean="0">
+              <a:rPr lang="de-CH" sz="7200" b="1" dirty="0" smtClean="0">
                 <a:solidFill>
                   <a:schemeClr val="bg1"/>
                 </a:solidFill>
               </a:rPr>
-              <a:t>James</a:t>
+              <a:t>Filip</a:t>
             </a:r>
             <a:endParaRPr lang="de-CH" sz="7200" b="1" dirty="0">
               <a:solidFill>
@@ -4919,40 +5314,10 @@
           <a:lstStyle/>
           <a:p>
             <a:r>
-              <a:rPr lang="en-US" dirty="0" smtClean="0"/>
-              <a:t>Generic Reminder</a:t>
-            </a:r>
-          </a:p>
-          <a:p>
-            <a:r>
-              <a:rPr lang="en-US" dirty="0" err="1" smtClean="0"/>
-              <a:t>MongoDb</a:t>
-            </a:r>
-            <a:r>
-              <a:rPr lang="en-US" dirty="0" smtClean="0"/>
-              <a:t> Adapter</a:t>
-            </a:r>
-          </a:p>
-          <a:p>
-            <a:r>
-              <a:rPr lang="en-US" dirty="0" err="1" smtClean="0"/>
-              <a:t>Grundstruktur</a:t>
-            </a:r>
-            <a:r>
-              <a:rPr lang="en-US" dirty="0" smtClean="0"/>
-              <a:t> </a:t>
-            </a:r>
-            <a:r>
-              <a:rPr lang="en-US" dirty="0" err="1" smtClean="0"/>
-              <a:t>Applikation</a:t>
-            </a:r>
-            <a:endParaRPr lang="de-CH" dirty="0"/>
-          </a:p>
-          <a:p>
-            <a:r>
-              <a:rPr lang="en-US" dirty="0" smtClean="0"/>
-              <a:t>Google Maps implementation</a:t>
-            </a:r>
+              <a:rPr lang="de-CH" dirty="0" err="1" smtClean="0"/>
+              <a:t>Medications</a:t>
+            </a:r>
+            <a:endParaRPr lang="en-US" dirty="0" smtClean="0"/>
           </a:p>
         </p:txBody>
       </p:sp>
@@ -5058,20 +5423,12 @@
           <a:p>
             <a:pPr algn="l"/>
             <a:r>
-              <a:rPr lang="en-US" sz="7200" b="1" dirty="0" err="1" smtClean="0">
+              <a:rPr lang="de-CH" sz="7200" b="1" dirty="0" smtClean="0">
                 <a:solidFill>
                   <a:schemeClr val="bg1"/>
                 </a:solidFill>
               </a:rPr>
-              <a:t>Gps</a:t>
-            </a:r>
-            <a:r>
-              <a:rPr lang="en-US" sz="7200" b="1" dirty="0" smtClean="0">
-                <a:solidFill>
-                  <a:schemeClr val="bg1"/>
-                </a:solidFill>
-              </a:rPr>
-              <a:t> Activity Google Maps</a:t>
+              <a:t>Filip</a:t>
             </a:r>
             <a:endParaRPr lang="de-CH" sz="7200" b="1" dirty="0">
               <a:solidFill>
@@ -5081,155 +5438,36 @@
           </a:p>
         </p:txBody>
       </p:sp>
-      <p:sp>
-        <p:nvSpPr>
-          <p:cNvPr id="3" name="Content Placeholder 2"/>
-          <p:cNvSpPr>
-            <a:spLocks noGrp="1"/>
-          </p:cNvSpPr>
+      <p:pic>
+        <p:nvPicPr>
+          <p:cNvPr id="5" name="Inhaltsplatzhalter 4"/>
+          <p:cNvPicPr>
+            <a:picLocks noGrp="1" noChangeAspect="1"/>
+          </p:cNvPicPr>
           <p:nvPr>
             <p:ph idx="1"/>
           </p:nvPr>
-        </p:nvSpPr>
-        <p:spPr/>
-        <p:txBody>
-          <a:bodyPr/>
-          <a:lstStyle/>
-          <a:p>
-            <a:r>
-              <a:rPr lang="en-US" dirty="0" err="1" smtClean="0"/>
-              <a:t>Gps</a:t>
-            </a:r>
-            <a:r>
-              <a:rPr lang="en-US" dirty="0" smtClean="0"/>
-              <a:t> Tracking </a:t>
-            </a:r>
-            <a:r>
-              <a:rPr lang="en-US" dirty="0" err="1" smtClean="0"/>
-              <a:t>mit</a:t>
-            </a:r>
-            <a:r>
-              <a:rPr lang="en-US" dirty="0" smtClean="0"/>
-              <a:t> Google Maps</a:t>
-            </a:r>
-          </a:p>
-          <a:p>
-            <a:r>
-              <a:rPr lang="en-US" dirty="0" err="1" smtClean="0"/>
-              <a:t>Berechnungen</a:t>
-            </a:r>
-            <a:endParaRPr lang="en-US" dirty="0" smtClean="0"/>
-          </a:p>
-          <a:p>
-            <a:pPr lvl="1"/>
-            <a:r>
-              <a:rPr lang="en-US" dirty="0" err="1" smtClean="0"/>
-              <a:t>Distanz</a:t>
-            </a:r>
-            <a:r>
-              <a:rPr lang="en-US" dirty="0" smtClean="0"/>
-              <a:t> </a:t>
-            </a:r>
-            <a:r>
-              <a:rPr lang="en-US" dirty="0" err="1" smtClean="0"/>
-              <a:t>bis</a:t>
-            </a:r>
-            <a:r>
-              <a:rPr lang="en-US" dirty="0" smtClean="0"/>
-              <a:t> </a:t>
-            </a:r>
-            <a:r>
-              <a:rPr lang="en-US" dirty="0" err="1" smtClean="0"/>
-              <a:t>zum</a:t>
-            </a:r>
-            <a:r>
-              <a:rPr lang="en-US" dirty="0" smtClean="0"/>
-              <a:t> </a:t>
-            </a:r>
-            <a:r>
-              <a:rPr lang="en-US" dirty="0" err="1" smtClean="0"/>
-              <a:t>Ziel</a:t>
-            </a:r>
-            <a:r>
-              <a:rPr lang="en-US" dirty="0" smtClean="0"/>
-              <a:t> </a:t>
-            </a:r>
-          </a:p>
-          <a:p>
-            <a:pPr lvl="1"/>
-            <a:r>
-              <a:rPr lang="en-US" dirty="0" err="1" smtClean="0"/>
-              <a:t>Optimales</a:t>
-            </a:r>
-            <a:r>
-              <a:rPr lang="en-US" dirty="0" smtClean="0"/>
-              <a:t> </a:t>
-            </a:r>
-            <a:r>
-              <a:rPr lang="en-US" dirty="0" err="1" smtClean="0"/>
-              <a:t>Zoomlevel</a:t>
-            </a:r>
-            <a:endParaRPr lang="en-US" dirty="0" smtClean="0"/>
-          </a:p>
-          <a:p>
-            <a:pPr lvl="1"/>
-            <a:r>
-              <a:rPr lang="en-US" dirty="0" err="1" smtClean="0"/>
-              <a:t>Kartenmitte</a:t>
-            </a:r>
-            <a:endParaRPr lang="en-US" dirty="0" smtClean="0"/>
-          </a:p>
-          <a:p>
-            <a:r>
-              <a:rPr lang="en-US" dirty="0" smtClean="0"/>
-              <a:t>Simulator </a:t>
-            </a:r>
-            <a:r>
-              <a:rPr lang="en-US" dirty="0" err="1" smtClean="0"/>
-              <a:t>für</a:t>
-            </a:r>
-            <a:r>
-              <a:rPr lang="en-US" dirty="0" smtClean="0"/>
-              <a:t> </a:t>
-            </a:r>
-            <a:r>
-              <a:rPr lang="en-US" dirty="0" err="1" smtClean="0"/>
-              <a:t>GpsLocation</a:t>
-            </a:r>
-            <a:r>
-              <a:rPr lang="en-US" dirty="0" smtClean="0"/>
-              <a:t> </a:t>
-            </a:r>
-          </a:p>
-          <a:p>
-            <a:r>
-              <a:rPr lang="en-US" dirty="0" err="1" smtClean="0"/>
-              <a:t>Bugfixing</a:t>
-            </a:r>
-            <a:r>
-              <a:rPr lang="en-US" dirty="0"/>
-              <a:t> </a:t>
-            </a:r>
-            <a:r>
-              <a:rPr lang="en-US" dirty="0" err="1" smtClean="0"/>
-              <a:t>Vaadin</a:t>
-            </a:r>
-            <a:r>
-              <a:rPr lang="en-US" dirty="0" smtClean="0"/>
-              <a:t> Google Maps </a:t>
-            </a:r>
-            <a:r>
-              <a:rPr lang="en-US" dirty="0" err="1" smtClean="0"/>
-              <a:t>Komponente</a:t>
-            </a:r>
-            <a:endParaRPr lang="de-CH" dirty="0"/>
-          </a:p>
-        </p:txBody>
-      </p:sp>
+        </p:nvPicPr>
+        <p:blipFill>
+          <a:blip r:embed="rId2"/>
+          <a:stretch>
+            <a:fillRect/>
+          </a:stretch>
+        </p:blipFill>
+        <p:spPr>
+          <a:xfrm>
+            <a:off x="478971" y="1690688"/>
+            <a:ext cx="8200572" cy="5059224"/>
+          </a:xfrm>
+          <a:prstGeom prst="rect">
+            <a:avLst/>
+          </a:prstGeom>
+        </p:spPr>
+      </p:pic>
     </p:spTree>
     <p:extLst>
       <p:ext uri="{BB962C8B-B14F-4D97-AF65-F5344CB8AC3E}">
-        <p14:creationId xmlns:p14="http://schemas.microsoft.com/office/powerpoint/2010/main" val="3360321972"/>
+        <p14:creationId xmlns:p14="http://schemas.microsoft.com/office/powerpoint/2010/main" val="999073613"/>
       </p:ext>
     </p:extLst>
   </p:cSld>
@@ -5327,6 +5565,14 @@
           <a:lstStyle/>
           <a:p>
             <a:pPr algn="l"/>
+            <a:r>
+              <a:rPr lang="en-US" sz="7200" b="1" dirty="0" smtClean="0">
+                <a:solidFill>
+                  <a:schemeClr val="bg1"/>
+                </a:solidFill>
+              </a:rPr>
+              <a:t>James</a:t>
+            </a:r>
             <a:endParaRPr lang="de-CH" sz="7200" b="1" dirty="0">
               <a:solidFill>
                 <a:schemeClr val="bg1"/>
@@ -5335,53 +5581,63 @@
           </a:p>
         </p:txBody>
       </p:sp>
-      <p:pic>
-        <p:nvPicPr>
-          <p:cNvPr id="1026" name="Picture 2" descr="C:\Users\James\workspaceLuna\PatientApp\doc\task14\finalpresentation.png"/>
-          <p:cNvPicPr>
-            <a:picLocks noGrp="1" noChangeAspect="1" noChangeArrowheads="1"/>
-          </p:cNvPicPr>
+      <p:sp>
+        <p:nvSpPr>
+          <p:cNvPr id="3" name="Content Placeholder 2"/>
+          <p:cNvSpPr>
+            <a:spLocks noGrp="1"/>
+          </p:cNvSpPr>
           <p:nvPr>
             <p:ph idx="1"/>
           </p:nvPr>
-        </p:nvPicPr>
-        <p:blipFill>
-          <a:blip r:embed="rId2">
-            <a:extLst>
-              <a:ext uri="{28A0092B-C50C-407E-A947-70E740481C1C}">
-                <a14:useLocalDpi xmlns:a14="http://schemas.microsoft.com/office/drawing/2010/main" val="0"/>
-              </a:ext>
-            </a:extLst>
-          </a:blip>
-          <a:srcRect/>
-          <a:stretch>
-            <a:fillRect/>
-          </a:stretch>
-        </p:blipFill>
-        <p:spPr bwMode="auto">
-          <a:xfrm>
-            <a:off x="21903" y="26348"/>
-            <a:ext cx="12170097" cy="6359857"/>
-          </a:xfrm>
-          <a:prstGeom prst="rect">
-            <a:avLst/>
-          </a:prstGeom>
-          <a:noFill/>
-          <a:extLst>
-            <a:ext uri="{909E8E84-426E-40DD-AFC4-6F175D3DCCD1}">
-              <a14:hiddenFill xmlns:a14="http://schemas.microsoft.com/office/drawing/2010/main">
-                <a:solidFill>
-                  <a:srgbClr val="FFFFFF"/>
-                </a:solidFill>
-              </a14:hiddenFill>
-            </a:ext>
-          </a:extLst>
-        </p:spPr>
-      </p:pic>
+        </p:nvSpPr>
+        <p:spPr/>
+        <p:txBody>
+          <a:bodyPr/>
+          <a:lstStyle/>
+          <a:p>
+            <a:r>
+              <a:rPr lang="en-US" dirty="0" smtClean="0"/>
+              <a:t>Generic Reminder</a:t>
+            </a:r>
+          </a:p>
+          <a:p>
+            <a:r>
+              <a:rPr lang="en-US" dirty="0" err="1" smtClean="0"/>
+              <a:t>MongoDb</a:t>
+            </a:r>
+            <a:r>
+              <a:rPr lang="en-US" dirty="0" smtClean="0"/>
+              <a:t> Adapter</a:t>
+            </a:r>
+          </a:p>
+          <a:p>
+            <a:r>
+              <a:rPr lang="en-US" dirty="0" err="1" smtClean="0"/>
+              <a:t>Grundstruktur</a:t>
+            </a:r>
+            <a:r>
+              <a:rPr lang="en-US" dirty="0" smtClean="0"/>
+              <a:t> </a:t>
+            </a:r>
+            <a:r>
+              <a:rPr lang="en-US" dirty="0" err="1" smtClean="0"/>
+              <a:t>Applikation</a:t>
+            </a:r>
+            <a:endParaRPr lang="de-CH" dirty="0"/>
+          </a:p>
+          <a:p>
+            <a:r>
+              <a:rPr lang="en-US" dirty="0" smtClean="0"/>
+              <a:t>Google Maps implementation</a:t>
+            </a:r>
+          </a:p>
+        </p:txBody>
+      </p:sp>
     </p:spTree>
     <p:extLst>
       <p:ext uri="{BB962C8B-B14F-4D97-AF65-F5344CB8AC3E}">
-        <p14:creationId xmlns:p14="http://schemas.microsoft.com/office/powerpoint/2010/main" val="923453395"/>
+        <p14:creationId xmlns:p14="http://schemas.microsoft.com/office/powerpoint/2010/main" val="2760712615"/>
       </p:ext>
     </p:extLst>
   </p:cSld>
@@ -5485,7 +5741,7 @@
                   <a:schemeClr val="bg1"/>
                 </a:solidFill>
               </a:rPr>
-              <a:t>Distanz</a:t>
+              <a:t>Gps</a:t>
             </a:r>
             <a:r>
               <a:rPr lang="en-US" sz="7200" b="1" dirty="0" smtClean="0">
@@ -5493,39 +5749,7 @@
                   <a:schemeClr val="bg1"/>
                 </a:solidFill>
               </a:rPr>
-              <a:t> </a:t>
-            </a:r>
-            <a:r>
-              <a:rPr lang="en-US" sz="7200" b="1" dirty="0" err="1" smtClean="0">
-                <a:solidFill>
-                  <a:schemeClr val="bg1"/>
-                </a:solidFill>
-              </a:rPr>
-              <a:t>Gps</a:t>
-            </a:r>
-            <a:r>
-              <a:rPr lang="en-US" sz="7200" b="1" dirty="0" smtClean="0">
-                <a:solidFill>
-                  <a:schemeClr val="bg1"/>
-                </a:solidFill>
-              </a:rPr>
-              <a:t> </a:t>
-            </a:r>
-            <a:r>
-              <a:rPr lang="en-US" sz="7200" b="1" dirty="0" err="1" smtClean="0">
-                <a:solidFill>
-                  <a:schemeClr val="bg1"/>
-                </a:solidFill>
-              </a:rPr>
-              <a:t>Koordinaten</a:t>
-            </a:r>
-            <a:r>
-              <a:rPr lang="en-US" sz="7200" b="1" dirty="0" smtClean="0">
-                <a:solidFill>
-                  <a:schemeClr val="bg1"/>
-                </a:solidFill>
-              </a:rPr>
-              <a:t>	</a:t>
+              <a:t> Activity Google Maps</a:t>
             </a:r>
             <a:endParaRPr lang="de-CH" sz="7200" b="1" dirty="0">
               <a:solidFill>
@@ -5535,94 +5759,155 @@
           </a:p>
         </p:txBody>
       </p:sp>
-      <p:pic>
-        <p:nvPicPr>
-          <p:cNvPr id="2050" name="Picture 2" descr="C:\Users\James\Desktop\Capturebettybossi.PNG"/>
-          <p:cNvPicPr>
-            <a:picLocks noGrp="1" noChangeAspect="1" noChangeArrowheads="1"/>
-          </p:cNvPicPr>
+      <p:sp>
+        <p:nvSpPr>
+          <p:cNvPr id="3" name="Content Placeholder 2"/>
+          <p:cNvSpPr>
+            <a:spLocks noGrp="1"/>
+          </p:cNvSpPr>
           <p:nvPr>
             <p:ph idx="1"/>
           </p:nvPr>
-        </p:nvPicPr>
-        <p:blipFill>
-          <a:blip r:embed="rId3">
-            <a:extLst>
-              <a:ext uri="{28A0092B-C50C-407E-A947-70E740481C1C}">
-                <a14:useLocalDpi xmlns:a14="http://schemas.microsoft.com/office/drawing/2010/main" val="0"/>
-              </a:ext>
-            </a:extLst>
-          </a:blip>
-          <a:srcRect/>
-          <a:stretch>
-            <a:fillRect/>
-          </a:stretch>
-        </p:blipFill>
-        <p:spPr bwMode="auto">
-          <a:xfrm>
-            <a:off x="0" y="1849370"/>
-            <a:ext cx="10147238" cy="4491150"/>
-          </a:xfrm>
-          <a:prstGeom prst="rect">
-            <a:avLst/>
-          </a:prstGeom>
-          <a:noFill/>
-          <a:extLst>
-            <a:ext uri="{909E8E84-426E-40DD-AFC4-6F175D3DCCD1}">
-              <a14:hiddenFill xmlns:a14="http://schemas.microsoft.com/office/drawing/2010/main">
-                <a:solidFill>
-                  <a:srgbClr val="FFFFFF"/>
-                </a:solidFill>
-              </a14:hiddenFill>
-            </a:ext>
-          </a:extLst>
-        </p:spPr>
-      </p:pic>
-      <p:pic>
-        <p:nvPicPr>
-          <p:cNvPr id="1026" name="Picture 2" descr="C:\Users\James\Desktop\havesine.PNG"/>
-          <p:cNvPicPr>
-            <a:picLocks noChangeAspect="1" noChangeArrowheads="1"/>
-          </p:cNvPicPr>
-          <p:nvPr/>
-        </p:nvPicPr>
-        <p:blipFill>
-          <a:blip r:embed="rId4">
-            <a:extLst>
-              <a:ext uri="{28A0092B-C50C-407E-A947-70E740481C1C}">
-                <a14:useLocalDpi xmlns:a14="http://schemas.microsoft.com/office/drawing/2010/main" val="0"/>
-              </a:ext>
-            </a:extLst>
-          </a:blip>
-          <a:srcRect/>
-          <a:stretch>
-            <a:fillRect/>
-          </a:stretch>
-        </p:blipFill>
-        <p:spPr bwMode="auto">
-          <a:xfrm>
-            <a:off x="5626100" y="2374900"/>
-            <a:ext cx="5486400" cy="704850"/>
-          </a:xfrm>
-          <a:prstGeom prst="rect">
-            <a:avLst/>
-          </a:prstGeom>
-          <a:noFill/>
-          <a:extLst>
-            <a:ext uri="{909E8E84-426E-40DD-AFC4-6F175D3DCCD1}">
-              <a14:hiddenFill xmlns:a14="http://schemas.microsoft.com/office/drawing/2010/main">
-                <a:solidFill>
-                  <a:srgbClr val="FFFFFF"/>
-                </a:solidFill>
-              </a14:hiddenFill>
-            </a:ext>
-          </a:extLst>
-        </p:spPr>
-      </p:pic>
+        </p:nvSpPr>
+        <p:spPr/>
+        <p:txBody>
+          <a:bodyPr/>
+          <a:lstStyle/>
+          <a:p>
+            <a:r>
+              <a:rPr lang="en-US" dirty="0" err="1" smtClean="0"/>
+              <a:t>Gps</a:t>
+            </a:r>
+            <a:r>
+              <a:rPr lang="en-US" dirty="0" smtClean="0"/>
+              <a:t> Tracking </a:t>
+            </a:r>
+            <a:r>
+              <a:rPr lang="en-US" dirty="0" err="1" smtClean="0"/>
+              <a:t>mit</a:t>
+            </a:r>
+            <a:r>
+              <a:rPr lang="en-US" dirty="0" smtClean="0"/>
+              <a:t> Google Maps</a:t>
+            </a:r>
+          </a:p>
+          <a:p>
+            <a:r>
+              <a:rPr lang="en-US" dirty="0" err="1" smtClean="0"/>
+              <a:t>Berechnungen</a:t>
+            </a:r>
+            <a:endParaRPr lang="en-US" dirty="0" smtClean="0"/>
+          </a:p>
+          <a:p>
+            <a:pPr lvl="1"/>
+            <a:r>
+              <a:rPr lang="en-US" dirty="0" err="1" smtClean="0"/>
+              <a:t>Distanz</a:t>
+            </a:r>
+            <a:r>
+              <a:rPr lang="en-US" dirty="0" smtClean="0"/>
+              <a:t> </a:t>
+            </a:r>
+            <a:r>
+              <a:rPr lang="en-US" dirty="0" err="1" smtClean="0"/>
+              <a:t>bis</a:t>
+            </a:r>
+            <a:r>
+              <a:rPr lang="en-US" dirty="0" smtClean="0"/>
+              <a:t> </a:t>
+            </a:r>
+            <a:r>
+              <a:rPr lang="en-US" dirty="0" err="1" smtClean="0"/>
+              <a:t>zum</a:t>
+            </a:r>
+            <a:r>
+              <a:rPr lang="en-US" dirty="0" smtClean="0"/>
+              <a:t> </a:t>
+            </a:r>
+            <a:r>
+              <a:rPr lang="en-US" dirty="0" err="1" smtClean="0"/>
+              <a:t>Ziel</a:t>
+            </a:r>
+            <a:r>
+              <a:rPr lang="en-US" dirty="0" smtClean="0"/>
+              <a:t> </a:t>
+            </a:r>
+          </a:p>
+          <a:p>
+            <a:pPr lvl="1"/>
+            <a:r>
+              <a:rPr lang="en-US" dirty="0" err="1" smtClean="0"/>
+              <a:t>Optimales</a:t>
+            </a:r>
+            <a:r>
+              <a:rPr lang="en-US" dirty="0" smtClean="0"/>
+              <a:t> </a:t>
+            </a:r>
+            <a:r>
+              <a:rPr lang="en-US" dirty="0" err="1" smtClean="0"/>
+              <a:t>Zoomlevel</a:t>
+            </a:r>
+            <a:endParaRPr lang="en-US" dirty="0" smtClean="0"/>
+          </a:p>
+          <a:p>
+            <a:pPr lvl="1"/>
+            <a:r>
+              <a:rPr lang="en-US" dirty="0" err="1" smtClean="0"/>
+              <a:t>Kartenmitte</a:t>
+            </a:r>
+            <a:endParaRPr lang="en-US" dirty="0" smtClean="0"/>
+          </a:p>
+          <a:p>
+            <a:r>
+              <a:rPr lang="en-US" dirty="0" smtClean="0"/>
+              <a:t>Simulator </a:t>
+            </a:r>
+            <a:r>
+              <a:rPr lang="en-US" dirty="0" err="1" smtClean="0"/>
+              <a:t>für</a:t>
+            </a:r>
+            <a:r>
+              <a:rPr lang="en-US" dirty="0" smtClean="0"/>
+              <a:t> </a:t>
+            </a:r>
+            <a:r>
+              <a:rPr lang="en-US" dirty="0" err="1" smtClean="0"/>
+              <a:t>GpsLocation</a:t>
+            </a:r>
+            <a:r>
+              <a:rPr lang="en-US" dirty="0" smtClean="0"/>
+              <a:t> </a:t>
+            </a:r>
+          </a:p>
+          <a:p>
+            <a:r>
+              <a:rPr lang="en-US" dirty="0" err="1" smtClean="0"/>
+              <a:t>Bugfixing</a:t>
+            </a:r>
+            <a:r>
+              <a:rPr lang="en-US" dirty="0"/>
+              <a:t> </a:t>
+            </a:r>
+            <a:r>
+              <a:rPr lang="en-US" dirty="0" err="1" smtClean="0"/>
+              <a:t>Vaadin</a:t>
+            </a:r>
+            <a:r>
+              <a:rPr lang="en-US" dirty="0" smtClean="0"/>
+              <a:t> Google Maps </a:t>
+            </a:r>
+            <a:r>
+              <a:rPr lang="en-US" dirty="0" err="1" smtClean="0"/>
+              <a:t>Komponente</a:t>
+            </a:r>
+            <a:endParaRPr lang="de-CH" dirty="0"/>
+          </a:p>
+        </p:txBody>
+      </p:sp>
     </p:spTree>
     <p:extLst>
       <p:ext uri="{BB962C8B-B14F-4D97-AF65-F5344CB8AC3E}">
-        <p14:creationId xmlns:p14="http://schemas.microsoft.com/office/powerpoint/2010/main" val="4248996124"/>
+        <p14:creationId xmlns:p14="http://schemas.microsoft.com/office/powerpoint/2010/main" val="3360321972"/>
       </p:ext>
     </p:extLst>
   </p:cSld>
@@ -5894,7 +6179,7 @@
   <a:extraClrSchemeLst/>
   <a:extLst>
     <a:ext uri="{05A4C25C-085E-4340-85A3-A5531E510DB2}">
-      <thm15:themeFamily xmlns:thm15="http://schemas.microsoft.com/office/thememl/2012/main" xmlns="" name="Office Theme" id="{62F939B6-93AF-4DB8-9C6B-D6C7DFDC589F}" vid="{4A3C46E8-61CC-4603-A589-7422A47A8E4A}"/>
+      <thm15:themeFamily xmlns:thm15="http://schemas.microsoft.com/office/thememl/2012/main" name="Office Theme" id="{62F939B6-93AF-4DB8-9C6B-D6C7DFDC589F}" vid="{4A3C46E8-61CC-4603-A589-7422A47A8E4A}"/>
     </a:ext>
   </a:extLst>
 </a:theme>

--- a/doc/task14/Schlusspräsentation.pptx
+++ b/doc/task14/Schlusspräsentation.pptx
@@ -1,35 +1,40 @@
 
 <file path=ppt/presentation.xml><?xml version="1.0" encoding="utf-8"?>
-<p:presentation xmlns:a="http://schemas.openxmlformats.org/drawingml/2006/main" xmlns:r="http://schemas.openxmlformats.org/officeDocument/2006/relationships" xmlns:p="http://schemas.openxmlformats.org/presentationml/2006/main" saveSubsetFonts="1">
+<p:presentation xmlns:a="http://schemas.openxmlformats.org/drawingml/2006/main" xmlns:r="http://schemas.openxmlformats.org/officeDocument/2006/relationships" xmlns:p="http://schemas.openxmlformats.org/presentationml/2006/main" saveSubsetFonts="1" autoCompressPictures="0">
   <p:sldMasterIdLst>
     <p:sldMasterId id="2147483648" r:id="rId1"/>
   </p:sldMasterIdLst>
   <p:notesMasterIdLst>
-    <p:notesMasterId r:id="rId16"/>
+    <p:notesMasterId r:id="rId21"/>
   </p:notesMasterIdLst>
   <p:sldIdLst>
     <p:sldId id="256" r:id="rId2"/>
-    <p:sldId id="257" r:id="rId3"/>
-    <p:sldId id="259" r:id="rId4"/>
-    <p:sldId id="276" r:id="rId5"/>
-    <p:sldId id="277" r:id="rId6"/>
-    <p:sldId id="278" r:id="rId7"/>
-    <p:sldId id="268" r:id="rId8"/>
+    <p:sldId id="270" r:id="rId3"/>
+    <p:sldId id="272" r:id="rId4"/>
+    <p:sldId id="269" r:id="rId5"/>
+    <p:sldId id="276" r:id="rId6"/>
+    <p:sldId id="273" r:id="rId7"/>
+    <p:sldId id="278" r:id="rId8"/>
     <p:sldId id="275" r:id="rId9"/>
-    <p:sldId id="271" r:id="rId10"/>
-    <p:sldId id="279" r:id="rId11"/>
-    <p:sldId id="272" r:id="rId12"/>
-    <p:sldId id="273" r:id="rId13"/>
-    <p:sldId id="274" r:id="rId14"/>
-    <p:sldId id="270" r:id="rId15"/>
+    <p:sldId id="279" r:id="rId10"/>
+    <p:sldId id="281" r:id="rId11"/>
+    <p:sldId id="282" r:id="rId12"/>
+    <p:sldId id="283" r:id="rId13"/>
+    <p:sldId id="286" r:id="rId14"/>
+    <p:sldId id="287" r:id="rId15"/>
+    <p:sldId id="288" r:id="rId16"/>
+    <p:sldId id="289" r:id="rId17"/>
+    <p:sldId id="290" r:id="rId18"/>
+    <p:sldId id="285" r:id="rId19"/>
+    <p:sldId id="284" r:id="rId20"/>
   </p:sldIdLst>
-  <p:sldSz cx="12192000" cy="6858000"/>
+  <p:sldSz cx="9144000" cy="6858000" type="screen4x3"/>
   <p:notesSz cx="6858000" cy="9144000"/>
   <p:defaultTextStyle>
     <a:defPPr>
       <a:defRPr lang="de-DE"/>
     </a:defPPr>
-    <a:lvl1pPr marL="0" algn="l" defTabSz="914400" rtl="0" eaLnBrk="1" latinLnBrk="0" hangingPunct="1">
+    <a:lvl1pPr marL="0" algn="l" defTabSz="457200" rtl="0" eaLnBrk="1" latinLnBrk="0" hangingPunct="1">
       <a:defRPr sz="1800" kern="1200">
         <a:solidFill>
           <a:schemeClr val="tx1"/>
@@ -39,7 +44,7 @@
         <a:cs typeface="+mn-cs"/>
       </a:defRPr>
     </a:lvl1pPr>
-    <a:lvl2pPr marL="457200" algn="l" defTabSz="914400" rtl="0" eaLnBrk="1" latinLnBrk="0" hangingPunct="1">
+    <a:lvl2pPr marL="457200" algn="l" defTabSz="457200" rtl="0" eaLnBrk="1" latinLnBrk="0" hangingPunct="1">
       <a:defRPr sz="1800" kern="1200">
         <a:solidFill>
           <a:schemeClr val="tx1"/>
@@ -49,7 +54,7 @@
         <a:cs typeface="+mn-cs"/>
       </a:defRPr>
     </a:lvl2pPr>
-    <a:lvl3pPr marL="914400" algn="l" defTabSz="914400" rtl="0" eaLnBrk="1" latinLnBrk="0" hangingPunct="1">
+    <a:lvl3pPr marL="914400" algn="l" defTabSz="457200" rtl="0" eaLnBrk="1" latinLnBrk="0" hangingPunct="1">
       <a:defRPr sz="1800" kern="1200">
         <a:solidFill>
           <a:schemeClr val="tx1"/>
@@ -59,7 +64,7 @@
         <a:cs typeface="+mn-cs"/>
       </a:defRPr>
     </a:lvl3pPr>
-    <a:lvl4pPr marL="1371600" algn="l" defTabSz="914400" rtl="0" eaLnBrk="1" latinLnBrk="0" hangingPunct="1">
+    <a:lvl4pPr marL="1371600" algn="l" defTabSz="457200" rtl="0" eaLnBrk="1" latinLnBrk="0" hangingPunct="1">
       <a:defRPr sz="1800" kern="1200">
         <a:solidFill>
           <a:schemeClr val="tx1"/>
@@ -69,7 +74,7 @@
         <a:cs typeface="+mn-cs"/>
       </a:defRPr>
     </a:lvl4pPr>
-    <a:lvl5pPr marL="1828800" algn="l" defTabSz="914400" rtl="0" eaLnBrk="1" latinLnBrk="0" hangingPunct="1">
+    <a:lvl5pPr marL="1828800" algn="l" defTabSz="457200" rtl="0" eaLnBrk="1" latinLnBrk="0" hangingPunct="1">
       <a:defRPr sz="1800" kern="1200">
         <a:solidFill>
           <a:schemeClr val="tx1"/>
@@ -79,7 +84,7 @@
         <a:cs typeface="+mn-cs"/>
       </a:defRPr>
     </a:lvl5pPr>
-    <a:lvl6pPr marL="2286000" algn="l" defTabSz="914400" rtl="0" eaLnBrk="1" latinLnBrk="0" hangingPunct="1">
+    <a:lvl6pPr marL="2286000" algn="l" defTabSz="457200" rtl="0" eaLnBrk="1" latinLnBrk="0" hangingPunct="1">
       <a:defRPr sz="1800" kern="1200">
         <a:solidFill>
           <a:schemeClr val="tx1"/>
@@ -89,7 +94,7 @@
         <a:cs typeface="+mn-cs"/>
       </a:defRPr>
     </a:lvl6pPr>
-    <a:lvl7pPr marL="2743200" algn="l" defTabSz="914400" rtl="0" eaLnBrk="1" latinLnBrk="0" hangingPunct="1">
+    <a:lvl7pPr marL="2743200" algn="l" defTabSz="457200" rtl="0" eaLnBrk="1" latinLnBrk="0" hangingPunct="1">
       <a:defRPr sz="1800" kern="1200">
         <a:solidFill>
           <a:schemeClr val="tx1"/>
@@ -99,7 +104,7 @@
         <a:cs typeface="+mn-cs"/>
       </a:defRPr>
     </a:lvl7pPr>
-    <a:lvl8pPr marL="3200400" algn="l" defTabSz="914400" rtl="0" eaLnBrk="1" latinLnBrk="0" hangingPunct="1">
+    <a:lvl8pPr marL="3200400" algn="l" defTabSz="457200" rtl="0" eaLnBrk="1" latinLnBrk="0" hangingPunct="1">
       <a:defRPr sz="1800" kern="1200">
         <a:solidFill>
           <a:schemeClr val="tx1"/>
@@ -109,7 +114,7 @@
         <a:cs typeface="+mn-cs"/>
       </a:defRPr>
     </a:lvl8pPr>
-    <a:lvl9pPr marL="3657600" algn="l" defTabSz="914400" rtl="0" eaLnBrk="1" latinLnBrk="0" hangingPunct="1">
+    <a:lvl9pPr marL="3657600" algn="l" defTabSz="457200" rtl="0" eaLnBrk="1" latinLnBrk="0" hangingPunct="1">
       <a:defRPr sz="1800" kern="1200">
         <a:solidFill>
           <a:schemeClr val="tx1"/>
@@ -122,13 +127,13 @@
   </p:defaultTextStyle>
   <p:extLst>
     <p:ext uri="{EFAFB233-063F-42B5-8137-9DF3F51BA10A}">
-      <p15:sldGuideLst xmlns="" xmlns:p15="http://schemas.microsoft.com/office/powerpoint/2012/main">
+      <p15:sldGuideLst xmlns:p15="http://schemas.microsoft.com/office/powerpoint/2012/main">
         <p15:guide id="1" orient="horz" pos="2160">
           <p15:clr>
             <a:srgbClr val="A4A3A4"/>
           </p15:clr>
         </p15:guide>
-        <p15:guide id="2" pos="3840">
+        <p15:guide id="2" pos="2880">
           <p15:clr>
             <a:srgbClr val="A4A3A4"/>
           </p15:clr>
@@ -219,9 +224,9 @@
             </a:lvl1pPr>
           </a:lstStyle>
           <a:p>
-            <a:fld id="{CFB2DD67-5A2F-42ED-B3FE-BE1B3C94E9CB}" type="datetimeFigureOut">
+            <a:fld id="{886089FC-270D-4247-A68F-0C2F3B33D2DF}" type="datetimeFigureOut">
               <a:rPr lang="de-CH" smtClean="0"/>
-              <a:t>08.06.2015</a:t>
+              <a:t>08.06.15</a:t>
             </a:fld>
             <a:endParaRPr lang="de-CH"/>
           </a:p>
@@ -239,8 +244,8 @@
         </p:nvSpPr>
         <p:spPr>
           <a:xfrm>
-            <a:off x="381000" y="685800"/>
-            <a:ext cx="6096000" cy="3429000"/>
+            <a:off x="1143000" y="685800"/>
+            <a:ext cx="4572000" cy="3429000"/>
           </a:xfrm>
           <a:prstGeom prst="rect">
             <a:avLst/>
@@ -378,7 +383,7 @@
             </a:lvl1pPr>
           </a:lstStyle>
           <a:p>
-            <a:fld id="{2B76D00B-AE3A-46BB-B996-1DE8AB957DDE}" type="slidenum">
+            <a:fld id="{9A061F0F-BF1A-47A6-BC67-894693F926E4}" type="slidenum">
               <a:rPr lang="de-CH" smtClean="0"/>
               <a:t>‹Nr.›</a:t>
             </a:fld>
@@ -389,7 +394,7 @@
     </p:spTree>
     <p:extLst>
       <p:ext uri="{BB962C8B-B14F-4D97-AF65-F5344CB8AC3E}">
-        <p14:creationId xmlns:p14="http://schemas.microsoft.com/office/powerpoint/2010/main" val="1865048790"/>
+        <p14:creationId xmlns:p14="http://schemas.microsoft.com/office/powerpoint/2010/main" val="4126845593"/>
       </p:ext>
     </p:extLst>
   </p:cSld>
@@ -552,7 +557,7 @@
           <a:bodyPr/>
           <a:lstStyle/>
           <a:p>
-            <a:fld id="{2B76D00B-AE3A-46BB-B996-1DE8AB957DDE}" type="slidenum">
+            <a:fld id="{9A061F0F-BF1A-47A6-BC67-894693F926E4}" type="slidenum">
               <a:rPr lang="de-CH" smtClean="0"/>
               <a:t>4</a:t>
             </a:fld>
@@ -563,389 +568,7 @@
     </p:spTree>
     <p:extLst>
       <p:ext uri="{BB962C8B-B14F-4D97-AF65-F5344CB8AC3E}">
-        <p14:creationId xmlns:p14="http://schemas.microsoft.com/office/powerpoint/2010/main" val="1811426928"/>
-      </p:ext>
-    </p:extLst>
-  </p:cSld>
-  <p:clrMapOvr>
-    <a:masterClrMapping/>
-  </p:clrMapOvr>
-</p:notes>
-</file>
-
-<file path=ppt/notesSlides/notesSlide2.xml><?xml version="1.0" encoding="utf-8"?>
-<p:notes xmlns:a="http://schemas.openxmlformats.org/drawingml/2006/main" xmlns:r="http://schemas.openxmlformats.org/officeDocument/2006/relationships" xmlns:p="http://schemas.openxmlformats.org/presentationml/2006/main">
-  <p:cSld>
-    <p:spTree>
-      <p:nvGrpSpPr>
-        <p:cNvPr id="1" name=""/>
-        <p:cNvGrpSpPr/>
-        <p:nvPr/>
-      </p:nvGrpSpPr>
-      <p:grpSpPr>
-        <a:xfrm>
-          <a:off x="0" y="0"/>
-          <a:ext cx="0" cy="0"/>
-          <a:chOff x="0" y="0"/>
-          <a:chExt cx="0" cy="0"/>
-        </a:xfrm>
-      </p:grpSpPr>
-      <p:sp>
-        <p:nvSpPr>
-          <p:cNvPr id="2" name="Folienbildplatzhalter 1"/>
-          <p:cNvSpPr>
-            <a:spLocks noGrp="1" noRot="1" noChangeAspect="1"/>
-          </p:cNvSpPr>
-          <p:nvPr>
-            <p:ph type="sldImg"/>
-          </p:nvPr>
-        </p:nvSpPr>
-        <p:spPr/>
-      </p:sp>
-      <p:sp>
-        <p:nvSpPr>
-          <p:cNvPr id="3" name="Notizenplatzhalter 2"/>
-          <p:cNvSpPr>
-            <a:spLocks noGrp="1"/>
-          </p:cNvSpPr>
-          <p:nvPr>
-            <p:ph type="body" idx="1"/>
-          </p:nvPr>
-        </p:nvSpPr>
-        <p:spPr/>
-        <p:txBody>
-          <a:bodyPr/>
-          <a:lstStyle/>
-          <a:p>
-            <a:endParaRPr lang="de-CH" dirty="0"/>
-          </a:p>
-        </p:txBody>
-      </p:sp>
-      <p:sp>
-        <p:nvSpPr>
-          <p:cNvPr id="4" name="Foliennummernplatzhalter 3"/>
-          <p:cNvSpPr>
-            <a:spLocks noGrp="1"/>
-          </p:cNvSpPr>
-          <p:nvPr>
-            <p:ph type="sldNum" sz="quarter" idx="10"/>
-          </p:nvPr>
-        </p:nvSpPr>
-        <p:spPr/>
-        <p:txBody>
-          <a:bodyPr/>
-          <a:lstStyle/>
-          <a:p>
-            <a:fld id="{2B76D00B-AE3A-46BB-B996-1DE8AB957DDE}" type="slidenum">
-              <a:rPr lang="de-CH" smtClean="0"/>
-              <a:t>5</a:t>
-            </a:fld>
-            <a:endParaRPr lang="de-CH"/>
-          </a:p>
-        </p:txBody>
-      </p:sp>
-    </p:spTree>
-    <p:extLst>
-      <p:ext uri="{BB962C8B-B14F-4D97-AF65-F5344CB8AC3E}">
-        <p14:creationId xmlns:p14="http://schemas.microsoft.com/office/powerpoint/2010/main" val="1811426928"/>
-      </p:ext>
-    </p:extLst>
-  </p:cSld>
-  <p:clrMapOvr>
-    <a:masterClrMapping/>
-  </p:clrMapOvr>
-</p:notes>
-</file>
-
-<file path=ppt/notesSlides/notesSlide3.xml><?xml version="1.0" encoding="utf-8"?>
-<p:notes xmlns:a="http://schemas.openxmlformats.org/drawingml/2006/main" xmlns:r="http://schemas.openxmlformats.org/officeDocument/2006/relationships" xmlns:p="http://schemas.openxmlformats.org/presentationml/2006/main">
-  <p:cSld>
-    <p:spTree>
-      <p:nvGrpSpPr>
-        <p:cNvPr id="1" name=""/>
-        <p:cNvGrpSpPr/>
-        <p:nvPr/>
-      </p:nvGrpSpPr>
-      <p:grpSpPr>
-        <a:xfrm>
-          <a:off x="0" y="0"/>
-          <a:ext cx="0" cy="0"/>
-          <a:chOff x="0" y="0"/>
-          <a:chExt cx="0" cy="0"/>
-        </a:xfrm>
-      </p:grpSpPr>
-      <p:sp>
-        <p:nvSpPr>
-          <p:cNvPr id="2" name="Folienbildplatzhalter 1"/>
-          <p:cNvSpPr>
-            <a:spLocks noGrp="1" noRot="1" noChangeAspect="1"/>
-          </p:cNvSpPr>
-          <p:nvPr>
-            <p:ph type="sldImg"/>
-          </p:nvPr>
-        </p:nvSpPr>
-        <p:spPr/>
-      </p:sp>
-      <p:sp>
-        <p:nvSpPr>
-          <p:cNvPr id="3" name="Notizenplatzhalter 2"/>
-          <p:cNvSpPr>
-            <a:spLocks noGrp="1"/>
-          </p:cNvSpPr>
-          <p:nvPr>
-            <p:ph type="body" idx="1"/>
-          </p:nvPr>
-        </p:nvSpPr>
-        <p:spPr/>
-        <p:txBody>
-          <a:bodyPr/>
-          <a:lstStyle/>
-          <a:p>
-            <a:endParaRPr lang="de-CH" dirty="0"/>
-          </a:p>
-        </p:txBody>
-      </p:sp>
-      <p:sp>
-        <p:nvSpPr>
-          <p:cNvPr id="4" name="Foliennummernplatzhalter 3"/>
-          <p:cNvSpPr>
-            <a:spLocks noGrp="1"/>
-          </p:cNvSpPr>
-          <p:nvPr>
-            <p:ph type="sldNum" sz="quarter" idx="10"/>
-          </p:nvPr>
-        </p:nvSpPr>
-        <p:spPr/>
-        <p:txBody>
-          <a:bodyPr/>
-          <a:lstStyle/>
-          <a:p>
-            <a:fld id="{2B76D00B-AE3A-46BB-B996-1DE8AB957DDE}" type="slidenum">
-              <a:rPr lang="de-CH" smtClean="0"/>
-              <a:t>6</a:t>
-            </a:fld>
-            <a:endParaRPr lang="de-CH"/>
-          </a:p>
-        </p:txBody>
-      </p:sp>
-    </p:spTree>
-    <p:extLst>
-      <p:ext uri="{BB962C8B-B14F-4D97-AF65-F5344CB8AC3E}">
-        <p14:creationId xmlns:p14="http://schemas.microsoft.com/office/powerpoint/2010/main" val="1811426928"/>
-      </p:ext>
-    </p:extLst>
-  </p:cSld>
-  <p:clrMapOvr>
-    <a:masterClrMapping/>
-  </p:clrMapOvr>
-</p:notes>
-</file>
-
-<file path=ppt/notesSlides/notesSlide4.xml><?xml version="1.0" encoding="utf-8"?>
-<p:notes xmlns:a="http://schemas.openxmlformats.org/drawingml/2006/main" xmlns:r="http://schemas.openxmlformats.org/officeDocument/2006/relationships" xmlns:p="http://schemas.openxmlformats.org/presentationml/2006/main">
-  <p:cSld>
-    <p:spTree>
-      <p:nvGrpSpPr>
-        <p:cNvPr id="1" name=""/>
-        <p:cNvGrpSpPr/>
-        <p:nvPr/>
-      </p:nvGrpSpPr>
-      <p:grpSpPr>
-        <a:xfrm>
-          <a:off x="0" y="0"/>
-          <a:ext cx="0" cy="0"/>
-          <a:chOff x="0" y="0"/>
-          <a:chExt cx="0" cy="0"/>
-        </a:xfrm>
-      </p:grpSpPr>
-      <p:sp>
-        <p:nvSpPr>
-          <p:cNvPr id="2" name="Folienbildplatzhalter 1"/>
-          <p:cNvSpPr>
-            <a:spLocks noGrp="1" noRot="1" noChangeAspect="1"/>
-          </p:cNvSpPr>
-          <p:nvPr>
-            <p:ph type="sldImg"/>
-          </p:nvPr>
-        </p:nvSpPr>
-        <p:spPr/>
-      </p:sp>
-      <p:sp>
-        <p:nvSpPr>
-          <p:cNvPr id="3" name="Notizenplatzhalter 2"/>
-          <p:cNvSpPr>
-            <a:spLocks noGrp="1"/>
-          </p:cNvSpPr>
-          <p:nvPr>
-            <p:ph type="body" idx="1"/>
-          </p:nvPr>
-        </p:nvSpPr>
-        <p:spPr/>
-        <p:txBody>
-          <a:bodyPr/>
-          <a:lstStyle/>
-          <a:p>
-            <a:r>
-              <a:rPr lang="en-US" dirty="0" smtClean="0"/>
-              <a:t>Add </a:t>
-            </a:r>
-            <a:r>
-              <a:rPr lang="en-US" dirty="0" err="1" smtClean="0"/>
-              <a:t>havestina</a:t>
-            </a:r>
-            <a:r>
-              <a:rPr lang="en-US" dirty="0" smtClean="0"/>
-              <a:t> formula</a:t>
-            </a:r>
-            <a:endParaRPr lang="de-CH" dirty="0"/>
-          </a:p>
-        </p:txBody>
-      </p:sp>
-      <p:sp>
-        <p:nvSpPr>
-          <p:cNvPr id="4" name="Foliennummernplatzhalter 3"/>
-          <p:cNvSpPr>
-            <a:spLocks noGrp="1"/>
-          </p:cNvSpPr>
-          <p:nvPr>
-            <p:ph type="sldNum" sz="quarter" idx="10"/>
-          </p:nvPr>
-        </p:nvSpPr>
-        <p:spPr/>
-        <p:txBody>
-          <a:bodyPr/>
-          <a:lstStyle/>
-          <a:p>
-            <a:fld id="{2B76D00B-AE3A-46BB-B996-1DE8AB957DDE}" type="slidenum">
-              <a:rPr lang="de-CH" smtClean="0"/>
-              <a:t>12</a:t>
-            </a:fld>
-            <a:endParaRPr lang="de-CH"/>
-          </a:p>
-        </p:txBody>
-      </p:sp>
-    </p:spTree>
-    <p:extLst>
-      <p:ext uri="{BB962C8B-B14F-4D97-AF65-F5344CB8AC3E}">
-        <p14:creationId xmlns:p14="http://schemas.microsoft.com/office/powerpoint/2010/main" val="243399550"/>
-      </p:ext>
-    </p:extLst>
-  </p:cSld>
-  <p:clrMapOvr>
-    <a:masterClrMapping/>
-  </p:clrMapOvr>
-</p:notes>
-</file>
-
-<file path=ppt/notesSlides/notesSlide5.xml><?xml version="1.0" encoding="utf-8"?>
-<p:notes xmlns:a="http://schemas.openxmlformats.org/drawingml/2006/main" xmlns:r="http://schemas.openxmlformats.org/officeDocument/2006/relationships" xmlns:p="http://schemas.openxmlformats.org/presentationml/2006/main">
-  <p:cSld>
-    <p:spTree>
-      <p:nvGrpSpPr>
-        <p:cNvPr id="1" name=""/>
-        <p:cNvGrpSpPr/>
-        <p:nvPr/>
-      </p:nvGrpSpPr>
-      <p:grpSpPr>
-        <a:xfrm>
-          <a:off x="0" y="0"/>
-          <a:ext cx="0" cy="0"/>
-          <a:chOff x="0" y="0"/>
-          <a:chExt cx="0" cy="0"/>
-        </a:xfrm>
-      </p:grpSpPr>
-      <p:sp>
-        <p:nvSpPr>
-          <p:cNvPr id="2" name="Folienbildplatzhalter 1"/>
-          <p:cNvSpPr>
-            <a:spLocks noGrp="1" noRot="1" noChangeAspect="1"/>
-          </p:cNvSpPr>
-          <p:nvPr>
-            <p:ph type="sldImg"/>
-          </p:nvPr>
-        </p:nvSpPr>
-        <p:spPr/>
-      </p:sp>
-      <p:sp>
-        <p:nvSpPr>
-          <p:cNvPr id="3" name="Notizenplatzhalter 2"/>
-          <p:cNvSpPr>
-            <a:spLocks noGrp="1"/>
-          </p:cNvSpPr>
-          <p:nvPr>
-            <p:ph type="body" idx="1"/>
-          </p:nvPr>
-        </p:nvSpPr>
-        <p:spPr/>
-        <p:txBody>
-          <a:bodyPr/>
-          <a:lstStyle/>
-          <a:p>
-            <a:r>
-              <a:rPr lang="en-US" dirty="0" smtClean="0"/>
-              <a:t>Standard</a:t>
-            </a:r>
-            <a:r>
-              <a:rPr lang="en-US" baseline="0" dirty="0" smtClean="0"/>
-              <a:t> google Maps v. </a:t>
-            </a:r>
-            <a:r>
-              <a:rPr lang="en-US" baseline="0" dirty="0" err="1" smtClean="0"/>
-              <a:t>Vaadin</a:t>
-            </a:r>
-            <a:r>
-              <a:rPr lang="en-US" baseline="0" dirty="0" smtClean="0"/>
-              <a:t>: </a:t>
-            </a:r>
-            <a:r>
-              <a:rPr lang="en-US" baseline="0" dirty="0" err="1" smtClean="0"/>
-              <a:t>kein</a:t>
-            </a:r>
-            <a:r>
-              <a:rPr lang="en-US" baseline="0" dirty="0" smtClean="0"/>
-              <a:t> </a:t>
-            </a:r>
-            <a:r>
-              <a:rPr lang="de-CH" baseline="0" dirty="0" err="1" smtClean="0"/>
-              <a:t>Circle</a:t>
-            </a:r>
-            <a:r>
-              <a:rPr lang="de-CH" baseline="0" dirty="0" smtClean="0"/>
-              <a:t> Support</a:t>
-            </a:r>
-          </a:p>
-          <a:p>
-            <a:endParaRPr lang="en-US" baseline="0" dirty="0" smtClean="0"/>
-          </a:p>
-        </p:txBody>
-      </p:sp>
-      <p:sp>
-        <p:nvSpPr>
-          <p:cNvPr id="4" name="Foliennummernplatzhalter 3"/>
-          <p:cNvSpPr>
-            <a:spLocks noGrp="1"/>
-          </p:cNvSpPr>
-          <p:nvPr>
-            <p:ph type="sldNum" sz="quarter" idx="10"/>
-          </p:nvPr>
-        </p:nvSpPr>
-        <p:spPr/>
-        <p:txBody>
-          <a:bodyPr/>
-          <a:lstStyle/>
-          <a:p>
-            <a:fld id="{2B76D00B-AE3A-46BB-B996-1DE8AB957DDE}" type="slidenum">
-              <a:rPr lang="de-CH" smtClean="0"/>
-              <a:t>13</a:t>
-            </a:fld>
-            <a:endParaRPr lang="de-CH"/>
-          </a:p>
-        </p:txBody>
-      </p:sp>
-    </p:spTree>
-    <p:extLst>
-      <p:ext uri="{BB962C8B-B14F-4D97-AF65-F5344CB8AC3E}">
-        <p14:creationId xmlns:p14="http://schemas.microsoft.com/office/powerpoint/2010/main" val="1970978847"/>
+        <p14:creationId xmlns:p14="http://schemas.microsoft.com/office/powerpoint/2010/main" val="3646151619"/>
       </p:ext>
     </p:extLst>
   </p:cSld>
@@ -974,33 +597,82 @@
       </p:grpSpPr>
       <p:sp>
         <p:nvSpPr>
-          <p:cNvPr id="2" name="Titel 1"/>
-          <p:cNvSpPr>
-            <a:spLocks noGrp="1"/>
-          </p:cNvSpPr>
-          <p:nvPr>
-            <p:ph type="ctrTitle"/>
-          </p:nvPr>
+          <p:cNvPr id="7" name="Rechteck 6"/>
+          <p:cNvSpPr/>
+          <p:nvPr userDrawn="1"/>
         </p:nvSpPr>
         <p:spPr>
           <a:xfrm>
-            <a:off x="1524000" y="1122363"/>
-            <a:ext cx="9144000" cy="2387600"/>
+            <a:off x="0" y="2087995"/>
+            <a:ext cx="9144000" cy="1512455"/>
+          </a:xfrm>
+          <a:prstGeom prst="rect">
+            <a:avLst/>
+          </a:prstGeom>
+          <a:solidFill>
+            <a:srgbClr val="AD0011"/>
+          </a:solidFill>
+          <a:ln>
+            <a:noFill/>
+          </a:ln>
+          <a:effectLst/>
+        </p:spPr>
+        <p:style>
+          <a:lnRef idx="1">
+            <a:schemeClr val="accent1"/>
+          </a:lnRef>
+          <a:fillRef idx="3">
+            <a:schemeClr val="accent1"/>
+          </a:fillRef>
+          <a:effectRef idx="2">
+            <a:schemeClr val="accent1"/>
+          </a:effectRef>
+          <a:fontRef idx="minor">
+            <a:schemeClr val="lt1"/>
+          </a:fontRef>
+        </p:style>
+        <p:txBody>
+          <a:bodyPr rtlCol="0" anchor="ctr"/>
+          <a:lstStyle/>
+          <a:p>
+            <a:pPr algn="ctr"/>
+            <a:endParaRPr lang="de-DE"/>
+          </a:p>
+        </p:txBody>
+      </p:sp>
+      <p:sp>
+        <p:nvSpPr>
+          <p:cNvPr id="2" name="Titel 1"/>
+          <p:cNvSpPr>
+            <a:spLocks noGrp="1"/>
+          </p:cNvSpPr>
+          <p:nvPr>
+            <p:ph type="ctrTitle"/>
+          </p:nvPr>
+        </p:nvSpPr>
+        <p:spPr>
+          <a:xfrm>
+            <a:off x="685800" y="2130425"/>
+            <a:ext cx="7772400" cy="1470025"/>
           </a:xfrm>
         </p:spPr>
         <p:txBody>
-          <a:bodyPr anchor="b"/>
+          <a:bodyPr/>
           <a:lstStyle>
-            <a:lvl1pPr algn="ctr">
-              <a:defRPr sz="6000"/>
+            <a:lvl1pPr>
+              <a:defRPr>
+                <a:solidFill>
+                  <a:srgbClr val="FFFFFF"/>
+                </a:solidFill>
+              </a:defRPr>
             </a:lvl1pPr>
           </a:lstStyle>
           <a:p>
             <a:r>
-              <a:rPr lang="de-DE" smtClean="0"/>
-              <a:t>Titelmasterformat durch Klicken bearbeiten</a:t>
-            </a:r>
-            <a:endParaRPr lang="de-CH"/>
+              <a:rPr lang="de-CH" dirty="0" smtClean="0"/>
+              <a:t>Mastertitelformat bearbeiten</a:t>
+            </a:r>
+            <a:endParaRPr lang="de-DE" dirty="0"/>
           </a:p>
         </p:txBody>
       </p:sp>
@@ -1016,8 +688,8 @@
         </p:nvSpPr>
         <p:spPr>
           <a:xfrm>
-            <a:off x="1524000" y="3602038"/>
-            <a:ext cx="9144000" cy="1655762"/>
+            <a:off x="1371600" y="3886200"/>
+            <a:ext cx="6400800" cy="1752600"/>
           </a:xfrm>
         </p:spPr>
         <p:txBody>
@@ -1025,70 +697,124 @@
           <a:lstStyle>
             <a:lvl1pPr marL="0" indent="0" algn="ctr">
               <a:buNone/>
-              <a:defRPr sz="2400"/>
+              <a:defRPr>
+                <a:solidFill>
+                  <a:schemeClr val="tx1">
+                    <a:tint val="75000"/>
+                  </a:schemeClr>
+                </a:solidFill>
+              </a:defRPr>
             </a:lvl1pPr>
             <a:lvl2pPr marL="457200" indent="0" algn="ctr">
               <a:buNone/>
-              <a:defRPr sz="2000"/>
+              <a:defRPr>
+                <a:solidFill>
+                  <a:schemeClr val="tx1">
+                    <a:tint val="75000"/>
+                  </a:schemeClr>
+                </a:solidFill>
+              </a:defRPr>
             </a:lvl2pPr>
             <a:lvl3pPr marL="914400" indent="0" algn="ctr">
               <a:buNone/>
-              <a:defRPr sz="1800"/>
+              <a:defRPr>
+                <a:solidFill>
+                  <a:schemeClr val="tx1">
+                    <a:tint val="75000"/>
+                  </a:schemeClr>
+                </a:solidFill>
+              </a:defRPr>
             </a:lvl3pPr>
             <a:lvl4pPr marL="1371600" indent="0" algn="ctr">
               <a:buNone/>
-              <a:defRPr sz="1600"/>
+              <a:defRPr>
+                <a:solidFill>
+                  <a:schemeClr val="tx1">
+                    <a:tint val="75000"/>
+                  </a:schemeClr>
+                </a:solidFill>
+              </a:defRPr>
             </a:lvl4pPr>
             <a:lvl5pPr marL="1828800" indent="0" algn="ctr">
               <a:buNone/>
-              <a:defRPr sz="1600"/>
+              <a:defRPr>
+                <a:solidFill>
+                  <a:schemeClr val="tx1">
+                    <a:tint val="75000"/>
+                  </a:schemeClr>
+                </a:solidFill>
+              </a:defRPr>
             </a:lvl5pPr>
             <a:lvl6pPr marL="2286000" indent="0" algn="ctr">
               <a:buNone/>
-              <a:defRPr sz="1600"/>
+              <a:defRPr>
+                <a:solidFill>
+                  <a:schemeClr val="tx1">
+                    <a:tint val="75000"/>
+                  </a:schemeClr>
+                </a:solidFill>
+              </a:defRPr>
             </a:lvl6pPr>
             <a:lvl7pPr marL="2743200" indent="0" algn="ctr">
               <a:buNone/>
-              <a:defRPr sz="1600"/>
+              <a:defRPr>
+                <a:solidFill>
+                  <a:schemeClr val="tx1">
+                    <a:tint val="75000"/>
+                  </a:schemeClr>
+                </a:solidFill>
+              </a:defRPr>
             </a:lvl7pPr>
             <a:lvl8pPr marL="3200400" indent="0" algn="ctr">
               <a:buNone/>
-              <a:defRPr sz="1600"/>
+              <a:defRPr>
+                <a:solidFill>
+                  <a:schemeClr val="tx1">
+                    <a:tint val="75000"/>
+                  </a:schemeClr>
+                </a:solidFill>
+              </a:defRPr>
             </a:lvl8pPr>
             <a:lvl9pPr marL="3657600" indent="0" algn="ctr">
               <a:buNone/>
-              <a:defRPr sz="1600"/>
+              <a:defRPr>
+                <a:solidFill>
+                  <a:schemeClr val="tx1">
+                    <a:tint val="75000"/>
+                  </a:schemeClr>
+                </a:solidFill>
+              </a:defRPr>
             </a:lvl9pPr>
           </a:lstStyle>
           <a:p>
             <a:r>
+              <a:rPr lang="de-CH" smtClean="0"/>
+              <a:t>Master-Untertitelformat bearbeiten</a:t>
+            </a:r>
+            <a:endParaRPr lang="de-DE"/>
+          </a:p>
+        </p:txBody>
+      </p:sp>
+      <p:sp>
+        <p:nvSpPr>
+          <p:cNvPr id="4" name="Datumsplatzhalter 3"/>
+          <p:cNvSpPr>
+            <a:spLocks noGrp="1"/>
+          </p:cNvSpPr>
+          <p:nvPr>
+            <p:ph type="dt" sz="half" idx="10"/>
+          </p:nvPr>
+        </p:nvSpPr>
+        <p:spPr/>
+        <p:txBody>
+          <a:bodyPr/>
+          <a:lstStyle/>
+          <a:p>
+            <a:fld id="{550EA7F5-C048-764E-A1BB-BCA3DE93A146}" type="datetimeFigureOut">
               <a:rPr lang="de-DE" smtClean="0"/>
-              <a:t>Formatvorlage des Untertitelmasters durch Klicken bearbeiten</a:t>
-            </a:r>
-            <a:endParaRPr lang="de-CH"/>
-          </a:p>
-        </p:txBody>
-      </p:sp>
-      <p:sp>
-        <p:nvSpPr>
-          <p:cNvPr id="4" name="Datumsplatzhalter 3"/>
-          <p:cNvSpPr>
-            <a:spLocks noGrp="1"/>
-          </p:cNvSpPr>
-          <p:nvPr>
-            <p:ph type="dt" sz="half" idx="10"/>
-          </p:nvPr>
-        </p:nvSpPr>
-        <p:spPr/>
-        <p:txBody>
-          <a:bodyPr/>
-          <a:lstStyle/>
-          <a:p>
-            <a:fld id="{50577D00-0568-4CC9-8CEB-845F93FB100F}" type="datetimeFigureOut">
-              <a:rPr lang="de-CH" smtClean="0"/>
-              <a:t>08.06.2015</a:t>
+              <a:t>08.06.15</a:t>
             </a:fld>
-            <a:endParaRPr lang="de-CH"/>
+            <a:endParaRPr lang="de-DE"/>
           </a:p>
         </p:txBody>
       </p:sp>
@@ -1107,7 +833,7 @@
           <a:bodyPr/>
           <a:lstStyle/>
           <a:p>
-            <a:endParaRPr lang="de-CH"/>
+            <a:endParaRPr lang="de-DE"/>
           </a:p>
         </p:txBody>
       </p:sp>
@@ -1126,18 +852,18 @@
           <a:bodyPr/>
           <a:lstStyle/>
           <a:p>
-            <a:fld id="{0C3A96B5-96BD-4B6B-8AA8-FB31EC620ED8}" type="slidenum">
-              <a:rPr lang="de-CH" smtClean="0"/>
+            <a:fld id="{12B3F91D-C652-8F43-93D2-32C3EBD1B92B}" type="slidenum">
+              <a:rPr lang="de-DE" smtClean="0"/>
               <a:t>‹Nr.›</a:t>
             </a:fld>
-            <a:endParaRPr lang="de-CH"/>
+            <a:endParaRPr lang="de-DE"/>
           </a:p>
         </p:txBody>
       </p:sp>
     </p:spTree>
     <p:extLst>
       <p:ext uri="{BB962C8B-B14F-4D97-AF65-F5344CB8AC3E}">
-        <p14:creationId xmlns:p14="http://schemas.microsoft.com/office/powerpoint/2010/main" val="1933188013"/>
+        <p14:creationId xmlns:p14="http://schemas.microsoft.com/office/powerpoint/2010/main" val="680706821"/>
       </p:ext>
     </p:extLst>
   </p:cSld>
@@ -1180,134 +906,134 @@
           <a:lstStyle/>
           <a:p>
             <a:r>
+              <a:rPr lang="de-CH" smtClean="0"/>
+              <a:t>Mastertitelformat bearbeiten</a:t>
+            </a:r>
+            <a:endParaRPr lang="de-DE"/>
+          </a:p>
+        </p:txBody>
+      </p:sp>
+      <p:sp>
+        <p:nvSpPr>
+          <p:cNvPr id="3" name="Vertikaler Textplatzhalter 2"/>
+          <p:cNvSpPr>
+            <a:spLocks noGrp="1"/>
+          </p:cNvSpPr>
+          <p:nvPr>
+            <p:ph type="body" orient="vert" idx="1"/>
+          </p:nvPr>
+        </p:nvSpPr>
+        <p:spPr/>
+        <p:txBody>
+          <a:bodyPr vert="eaVert"/>
+          <a:lstStyle/>
+          <a:p>
+            <a:pPr lvl="0"/>
+            <a:r>
+              <a:rPr lang="de-CH" smtClean="0"/>
+              <a:t>Mastertextformat bearbeiten</a:t>
+            </a:r>
+          </a:p>
+          <a:p>
+            <a:pPr lvl="1"/>
+            <a:r>
+              <a:rPr lang="de-CH" smtClean="0"/>
+              <a:t>Zweite Ebene</a:t>
+            </a:r>
+          </a:p>
+          <a:p>
+            <a:pPr lvl="2"/>
+            <a:r>
+              <a:rPr lang="de-CH" smtClean="0"/>
+              <a:t>Dritte Ebene</a:t>
+            </a:r>
+          </a:p>
+          <a:p>
+            <a:pPr lvl="3"/>
+            <a:r>
+              <a:rPr lang="de-CH" smtClean="0"/>
+              <a:t>Vierte Ebene</a:t>
+            </a:r>
+          </a:p>
+          <a:p>
+            <a:pPr lvl="4"/>
+            <a:r>
+              <a:rPr lang="de-CH" smtClean="0"/>
+              <a:t>Fünfte Ebene</a:t>
+            </a:r>
+            <a:endParaRPr lang="de-DE"/>
+          </a:p>
+        </p:txBody>
+      </p:sp>
+      <p:sp>
+        <p:nvSpPr>
+          <p:cNvPr id="4" name="Datumsplatzhalter 3"/>
+          <p:cNvSpPr>
+            <a:spLocks noGrp="1"/>
+          </p:cNvSpPr>
+          <p:nvPr>
+            <p:ph type="dt" sz="half" idx="10"/>
+          </p:nvPr>
+        </p:nvSpPr>
+        <p:spPr/>
+        <p:txBody>
+          <a:bodyPr/>
+          <a:lstStyle/>
+          <a:p>
+            <a:fld id="{550EA7F5-C048-764E-A1BB-BCA3DE93A146}" type="datetimeFigureOut">
               <a:rPr lang="de-DE" smtClean="0"/>
-              <a:t>Titelmasterformat durch Klicken bearbeiten</a:t>
-            </a:r>
-            <a:endParaRPr lang="de-CH"/>
-          </a:p>
-        </p:txBody>
-      </p:sp>
-      <p:sp>
-        <p:nvSpPr>
-          <p:cNvPr id="3" name="Vertikaler Textplatzhalter 2"/>
-          <p:cNvSpPr>
-            <a:spLocks noGrp="1"/>
-          </p:cNvSpPr>
-          <p:nvPr>
-            <p:ph type="body" orient="vert" idx="1"/>
-          </p:nvPr>
-        </p:nvSpPr>
-        <p:spPr/>
-        <p:txBody>
-          <a:bodyPr vert="eaVert"/>
-          <a:lstStyle/>
-          <a:p>
-            <a:pPr lvl="0"/>
-            <a:r>
+              <a:t>08.06.15</a:t>
+            </a:fld>
+            <a:endParaRPr lang="de-DE"/>
+          </a:p>
+        </p:txBody>
+      </p:sp>
+      <p:sp>
+        <p:nvSpPr>
+          <p:cNvPr id="5" name="Fußzeilenplatzhalter 4"/>
+          <p:cNvSpPr>
+            <a:spLocks noGrp="1"/>
+          </p:cNvSpPr>
+          <p:nvPr>
+            <p:ph type="ftr" sz="quarter" idx="11"/>
+          </p:nvPr>
+        </p:nvSpPr>
+        <p:spPr/>
+        <p:txBody>
+          <a:bodyPr/>
+          <a:lstStyle/>
+          <a:p>
+            <a:endParaRPr lang="de-DE"/>
+          </a:p>
+        </p:txBody>
+      </p:sp>
+      <p:sp>
+        <p:nvSpPr>
+          <p:cNvPr id="6" name="Foliennummernplatzhalter 5"/>
+          <p:cNvSpPr>
+            <a:spLocks noGrp="1"/>
+          </p:cNvSpPr>
+          <p:nvPr>
+            <p:ph type="sldNum" sz="quarter" idx="12"/>
+          </p:nvPr>
+        </p:nvSpPr>
+        <p:spPr/>
+        <p:txBody>
+          <a:bodyPr/>
+          <a:lstStyle/>
+          <a:p>
+            <a:fld id="{12B3F91D-C652-8F43-93D2-32C3EBD1B92B}" type="slidenum">
               <a:rPr lang="de-DE" smtClean="0"/>
-              <a:t>Textmasterformat bearbeiten</a:t>
-            </a:r>
-          </a:p>
-          <a:p>
-            <a:pPr lvl="1"/>
-            <a:r>
-              <a:rPr lang="de-DE" smtClean="0"/>
-              <a:t>Zweite Ebene</a:t>
-            </a:r>
-          </a:p>
-          <a:p>
-            <a:pPr lvl="2"/>
-            <a:r>
-              <a:rPr lang="de-DE" smtClean="0"/>
-              <a:t>Dritte Ebene</a:t>
-            </a:r>
-          </a:p>
-          <a:p>
-            <a:pPr lvl="3"/>
-            <a:r>
-              <a:rPr lang="de-DE" smtClean="0"/>
-              <a:t>Vierte Ebene</a:t>
-            </a:r>
-          </a:p>
-          <a:p>
-            <a:pPr lvl="4"/>
-            <a:r>
-              <a:rPr lang="de-DE" smtClean="0"/>
-              <a:t>Fünfte Ebene</a:t>
-            </a:r>
-            <a:endParaRPr lang="de-CH"/>
-          </a:p>
-        </p:txBody>
-      </p:sp>
-      <p:sp>
-        <p:nvSpPr>
-          <p:cNvPr id="4" name="Datumsplatzhalter 3"/>
-          <p:cNvSpPr>
-            <a:spLocks noGrp="1"/>
-          </p:cNvSpPr>
-          <p:nvPr>
-            <p:ph type="dt" sz="half" idx="10"/>
-          </p:nvPr>
-        </p:nvSpPr>
-        <p:spPr/>
-        <p:txBody>
-          <a:bodyPr/>
-          <a:lstStyle/>
-          <a:p>
-            <a:fld id="{50577D00-0568-4CC9-8CEB-845F93FB100F}" type="datetimeFigureOut">
-              <a:rPr lang="de-CH" smtClean="0"/>
-              <a:t>08.06.2015</a:t>
-            </a:fld>
-            <a:endParaRPr lang="de-CH"/>
-          </a:p>
-        </p:txBody>
-      </p:sp>
-      <p:sp>
-        <p:nvSpPr>
-          <p:cNvPr id="5" name="Fußzeilenplatzhalter 4"/>
-          <p:cNvSpPr>
-            <a:spLocks noGrp="1"/>
-          </p:cNvSpPr>
-          <p:nvPr>
-            <p:ph type="ftr" sz="quarter" idx="11"/>
-          </p:nvPr>
-        </p:nvSpPr>
-        <p:spPr/>
-        <p:txBody>
-          <a:bodyPr/>
-          <a:lstStyle/>
-          <a:p>
-            <a:endParaRPr lang="de-CH"/>
-          </a:p>
-        </p:txBody>
-      </p:sp>
-      <p:sp>
-        <p:nvSpPr>
-          <p:cNvPr id="6" name="Foliennummernplatzhalter 5"/>
-          <p:cNvSpPr>
-            <a:spLocks noGrp="1"/>
-          </p:cNvSpPr>
-          <p:nvPr>
-            <p:ph type="sldNum" sz="quarter" idx="12"/>
-          </p:nvPr>
-        </p:nvSpPr>
-        <p:spPr/>
-        <p:txBody>
-          <a:bodyPr/>
-          <a:lstStyle/>
-          <a:p>
-            <a:fld id="{0C3A96B5-96BD-4B6B-8AA8-FB31EC620ED8}" type="slidenum">
-              <a:rPr lang="de-CH" smtClean="0"/>
               <a:t>‹Nr.›</a:t>
             </a:fld>
-            <a:endParaRPr lang="de-CH"/>
+            <a:endParaRPr lang="de-DE"/>
           </a:p>
         </p:txBody>
       </p:sp>
     </p:spTree>
     <p:extLst>
       <p:ext uri="{BB962C8B-B14F-4D97-AF65-F5344CB8AC3E}">
-        <p14:creationId xmlns:p14="http://schemas.microsoft.com/office/powerpoint/2010/main" val="1814670533"/>
+        <p14:creationId xmlns:p14="http://schemas.microsoft.com/office/powerpoint/2010/main" val="3733543349"/>
       </p:ext>
     </p:extLst>
   </p:cSld>
@@ -1346,8 +1072,8 @@
         </p:nvSpPr>
         <p:spPr>
           <a:xfrm>
-            <a:off x="8724900" y="365125"/>
-            <a:ext cx="2628900" cy="5811838"/>
+            <a:off x="6629400" y="274638"/>
+            <a:ext cx="2057400" cy="5851525"/>
           </a:xfrm>
         </p:spPr>
         <p:txBody>
@@ -1355,10 +1081,10 @@
           <a:lstStyle/>
           <a:p>
             <a:r>
-              <a:rPr lang="de-DE" smtClean="0"/>
-              <a:t>Titelmasterformat durch Klicken bearbeiten</a:t>
-            </a:r>
-            <a:endParaRPr lang="de-CH"/>
+              <a:rPr lang="de-CH" smtClean="0"/>
+              <a:t>Mastertitelformat bearbeiten</a:t>
+            </a:r>
+            <a:endParaRPr lang="de-DE"/>
           </a:p>
         </p:txBody>
       </p:sp>
@@ -1374,8 +1100,8 @@
         </p:nvSpPr>
         <p:spPr>
           <a:xfrm>
-            <a:off x="838200" y="365125"/>
-            <a:ext cx="7734300" cy="5811838"/>
+            <a:off x="457200" y="274638"/>
+            <a:ext cx="6019800" cy="5851525"/>
           </a:xfrm>
         </p:spPr>
         <p:txBody>
@@ -1384,110 +1110,110 @@
           <a:p>
             <a:pPr lvl="0"/>
             <a:r>
+              <a:rPr lang="de-CH" smtClean="0"/>
+              <a:t>Mastertextformat bearbeiten</a:t>
+            </a:r>
+          </a:p>
+          <a:p>
+            <a:pPr lvl="1"/>
+            <a:r>
+              <a:rPr lang="de-CH" smtClean="0"/>
+              <a:t>Zweite Ebene</a:t>
+            </a:r>
+          </a:p>
+          <a:p>
+            <a:pPr lvl="2"/>
+            <a:r>
+              <a:rPr lang="de-CH" smtClean="0"/>
+              <a:t>Dritte Ebene</a:t>
+            </a:r>
+          </a:p>
+          <a:p>
+            <a:pPr lvl="3"/>
+            <a:r>
+              <a:rPr lang="de-CH" smtClean="0"/>
+              <a:t>Vierte Ebene</a:t>
+            </a:r>
+          </a:p>
+          <a:p>
+            <a:pPr lvl="4"/>
+            <a:r>
+              <a:rPr lang="de-CH" smtClean="0"/>
+              <a:t>Fünfte Ebene</a:t>
+            </a:r>
+            <a:endParaRPr lang="de-DE"/>
+          </a:p>
+        </p:txBody>
+      </p:sp>
+      <p:sp>
+        <p:nvSpPr>
+          <p:cNvPr id="4" name="Datumsplatzhalter 3"/>
+          <p:cNvSpPr>
+            <a:spLocks noGrp="1"/>
+          </p:cNvSpPr>
+          <p:nvPr>
+            <p:ph type="dt" sz="half" idx="10"/>
+          </p:nvPr>
+        </p:nvSpPr>
+        <p:spPr/>
+        <p:txBody>
+          <a:bodyPr/>
+          <a:lstStyle/>
+          <a:p>
+            <a:fld id="{550EA7F5-C048-764E-A1BB-BCA3DE93A146}" type="datetimeFigureOut">
               <a:rPr lang="de-DE" smtClean="0"/>
-              <a:t>Textmasterformat bearbeiten</a:t>
-            </a:r>
-          </a:p>
-          <a:p>
-            <a:pPr lvl="1"/>
-            <a:r>
+              <a:t>08.06.15</a:t>
+            </a:fld>
+            <a:endParaRPr lang="de-DE"/>
+          </a:p>
+        </p:txBody>
+      </p:sp>
+      <p:sp>
+        <p:nvSpPr>
+          <p:cNvPr id="5" name="Fußzeilenplatzhalter 4"/>
+          <p:cNvSpPr>
+            <a:spLocks noGrp="1"/>
+          </p:cNvSpPr>
+          <p:nvPr>
+            <p:ph type="ftr" sz="quarter" idx="11"/>
+          </p:nvPr>
+        </p:nvSpPr>
+        <p:spPr/>
+        <p:txBody>
+          <a:bodyPr/>
+          <a:lstStyle/>
+          <a:p>
+            <a:endParaRPr lang="de-DE"/>
+          </a:p>
+        </p:txBody>
+      </p:sp>
+      <p:sp>
+        <p:nvSpPr>
+          <p:cNvPr id="6" name="Foliennummernplatzhalter 5"/>
+          <p:cNvSpPr>
+            <a:spLocks noGrp="1"/>
+          </p:cNvSpPr>
+          <p:nvPr>
+            <p:ph type="sldNum" sz="quarter" idx="12"/>
+          </p:nvPr>
+        </p:nvSpPr>
+        <p:spPr/>
+        <p:txBody>
+          <a:bodyPr/>
+          <a:lstStyle/>
+          <a:p>
+            <a:fld id="{12B3F91D-C652-8F43-93D2-32C3EBD1B92B}" type="slidenum">
               <a:rPr lang="de-DE" smtClean="0"/>
-              <a:t>Zweite Ebene</a:t>
-            </a:r>
-          </a:p>
-          <a:p>
-            <a:pPr lvl="2"/>
-            <a:r>
-              <a:rPr lang="de-DE" smtClean="0"/>
-              <a:t>Dritte Ebene</a:t>
-            </a:r>
-          </a:p>
-          <a:p>
-            <a:pPr lvl="3"/>
-            <a:r>
-              <a:rPr lang="de-DE" smtClean="0"/>
-              <a:t>Vierte Ebene</a:t>
-            </a:r>
-          </a:p>
-          <a:p>
-            <a:pPr lvl="4"/>
-            <a:r>
-              <a:rPr lang="de-DE" smtClean="0"/>
-              <a:t>Fünfte Ebene</a:t>
-            </a:r>
-            <a:endParaRPr lang="de-CH"/>
-          </a:p>
-        </p:txBody>
-      </p:sp>
-      <p:sp>
-        <p:nvSpPr>
-          <p:cNvPr id="4" name="Datumsplatzhalter 3"/>
-          <p:cNvSpPr>
-            <a:spLocks noGrp="1"/>
-          </p:cNvSpPr>
-          <p:nvPr>
-            <p:ph type="dt" sz="half" idx="10"/>
-          </p:nvPr>
-        </p:nvSpPr>
-        <p:spPr/>
-        <p:txBody>
-          <a:bodyPr/>
-          <a:lstStyle/>
-          <a:p>
-            <a:fld id="{50577D00-0568-4CC9-8CEB-845F93FB100F}" type="datetimeFigureOut">
-              <a:rPr lang="de-CH" smtClean="0"/>
-              <a:t>08.06.2015</a:t>
-            </a:fld>
-            <a:endParaRPr lang="de-CH"/>
-          </a:p>
-        </p:txBody>
-      </p:sp>
-      <p:sp>
-        <p:nvSpPr>
-          <p:cNvPr id="5" name="Fußzeilenplatzhalter 4"/>
-          <p:cNvSpPr>
-            <a:spLocks noGrp="1"/>
-          </p:cNvSpPr>
-          <p:nvPr>
-            <p:ph type="ftr" sz="quarter" idx="11"/>
-          </p:nvPr>
-        </p:nvSpPr>
-        <p:spPr/>
-        <p:txBody>
-          <a:bodyPr/>
-          <a:lstStyle/>
-          <a:p>
-            <a:endParaRPr lang="de-CH"/>
-          </a:p>
-        </p:txBody>
-      </p:sp>
-      <p:sp>
-        <p:nvSpPr>
-          <p:cNvPr id="6" name="Foliennummernplatzhalter 5"/>
-          <p:cNvSpPr>
-            <a:spLocks noGrp="1"/>
-          </p:cNvSpPr>
-          <p:nvPr>
-            <p:ph type="sldNum" sz="quarter" idx="12"/>
-          </p:nvPr>
-        </p:nvSpPr>
-        <p:spPr/>
-        <p:txBody>
-          <a:bodyPr/>
-          <a:lstStyle/>
-          <a:p>
-            <a:fld id="{0C3A96B5-96BD-4B6B-8AA8-FB31EC620ED8}" type="slidenum">
-              <a:rPr lang="de-CH" smtClean="0"/>
               <a:t>‹Nr.›</a:t>
             </a:fld>
-            <a:endParaRPr lang="de-CH"/>
+            <a:endParaRPr lang="de-DE"/>
           </a:p>
         </p:txBody>
       </p:sp>
     </p:spTree>
     <p:extLst>
       <p:ext uri="{BB962C8B-B14F-4D97-AF65-F5344CB8AC3E}">
-        <p14:creationId xmlns:p14="http://schemas.microsoft.com/office/powerpoint/2010/main" val="3027405500"/>
+        <p14:creationId xmlns:p14="http://schemas.microsoft.com/office/powerpoint/2010/main" val="133102019"/>
       </p:ext>
     </p:extLst>
   </p:cSld>
@@ -1516,6 +1242,51 @@
       </p:grpSpPr>
       <p:sp>
         <p:nvSpPr>
+          <p:cNvPr id="7" name="Rechteck 6"/>
+          <p:cNvSpPr/>
+          <p:nvPr userDrawn="1"/>
+        </p:nvSpPr>
+        <p:spPr>
+          <a:xfrm>
+            <a:off x="0" y="0"/>
+            <a:ext cx="9144000" cy="1512455"/>
+          </a:xfrm>
+          <a:prstGeom prst="rect">
+            <a:avLst/>
+          </a:prstGeom>
+          <a:solidFill>
+            <a:srgbClr val="AD0011"/>
+          </a:solidFill>
+          <a:ln>
+            <a:noFill/>
+          </a:ln>
+          <a:effectLst/>
+        </p:spPr>
+        <p:style>
+          <a:lnRef idx="1">
+            <a:schemeClr val="accent1"/>
+          </a:lnRef>
+          <a:fillRef idx="3">
+            <a:schemeClr val="accent1"/>
+          </a:fillRef>
+          <a:effectRef idx="2">
+            <a:schemeClr val="accent1"/>
+          </a:effectRef>
+          <a:fontRef idx="minor">
+            <a:schemeClr val="lt1"/>
+          </a:fontRef>
+        </p:style>
+        <p:txBody>
+          <a:bodyPr rtlCol="0" anchor="ctr"/>
+          <a:lstStyle/>
+          <a:p>
+            <a:pPr algn="ctr"/>
+            <a:endParaRPr lang="de-DE"/>
+          </a:p>
+        </p:txBody>
+      </p:sp>
+      <p:sp>
+        <p:nvSpPr>
           <p:cNvPr id="2" name="Titel 1"/>
           <p:cNvSpPr>
             <a:spLocks noGrp="1"/>
@@ -1527,137 +1298,145 @@
         <p:spPr/>
         <p:txBody>
           <a:bodyPr/>
-          <a:lstStyle/>
-          <a:p>
-            <a:r>
+          <a:lstStyle>
+            <a:lvl1pPr>
+              <a:defRPr>
+                <a:solidFill>
+                  <a:schemeClr val="bg1"/>
+                </a:solidFill>
+              </a:defRPr>
+            </a:lvl1pPr>
+          </a:lstStyle>
+          <a:p>
+            <a:r>
+              <a:rPr lang="de-CH" dirty="0" smtClean="0"/>
+              <a:t>Mastertitelformat bearbeiten</a:t>
+            </a:r>
+            <a:endParaRPr lang="de-DE" dirty="0"/>
+          </a:p>
+        </p:txBody>
+      </p:sp>
+      <p:sp>
+        <p:nvSpPr>
+          <p:cNvPr id="3" name="Inhaltsplatzhalter 2"/>
+          <p:cNvSpPr>
+            <a:spLocks noGrp="1"/>
+          </p:cNvSpPr>
+          <p:nvPr>
+            <p:ph idx="1"/>
+          </p:nvPr>
+        </p:nvSpPr>
+        <p:spPr/>
+        <p:txBody>
+          <a:bodyPr/>
+          <a:lstStyle/>
+          <a:p>
+            <a:pPr lvl="0"/>
+            <a:r>
+              <a:rPr lang="de-CH" smtClean="0"/>
+              <a:t>Mastertextformat bearbeiten</a:t>
+            </a:r>
+          </a:p>
+          <a:p>
+            <a:pPr lvl="1"/>
+            <a:r>
+              <a:rPr lang="de-CH" smtClean="0"/>
+              <a:t>Zweite Ebene</a:t>
+            </a:r>
+          </a:p>
+          <a:p>
+            <a:pPr lvl="2"/>
+            <a:r>
+              <a:rPr lang="de-CH" smtClean="0"/>
+              <a:t>Dritte Ebene</a:t>
+            </a:r>
+          </a:p>
+          <a:p>
+            <a:pPr lvl="3"/>
+            <a:r>
+              <a:rPr lang="de-CH" smtClean="0"/>
+              <a:t>Vierte Ebene</a:t>
+            </a:r>
+          </a:p>
+          <a:p>
+            <a:pPr lvl="4"/>
+            <a:r>
+              <a:rPr lang="de-CH" smtClean="0"/>
+              <a:t>Fünfte Ebene</a:t>
+            </a:r>
+            <a:endParaRPr lang="de-DE"/>
+          </a:p>
+        </p:txBody>
+      </p:sp>
+      <p:sp>
+        <p:nvSpPr>
+          <p:cNvPr id="4" name="Datumsplatzhalter 3"/>
+          <p:cNvSpPr>
+            <a:spLocks noGrp="1"/>
+          </p:cNvSpPr>
+          <p:nvPr>
+            <p:ph type="dt" sz="half" idx="10"/>
+          </p:nvPr>
+        </p:nvSpPr>
+        <p:spPr/>
+        <p:txBody>
+          <a:bodyPr/>
+          <a:lstStyle/>
+          <a:p>
+            <a:fld id="{550EA7F5-C048-764E-A1BB-BCA3DE93A146}" type="datetimeFigureOut">
               <a:rPr lang="de-DE" smtClean="0"/>
-              <a:t>Titelmasterformat durch Klicken bearbeiten</a:t>
-            </a:r>
-            <a:endParaRPr lang="de-CH"/>
-          </a:p>
-        </p:txBody>
-      </p:sp>
-      <p:sp>
-        <p:nvSpPr>
-          <p:cNvPr id="3" name="Inhaltsplatzhalter 2"/>
-          <p:cNvSpPr>
-            <a:spLocks noGrp="1"/>
-          </p:cNvSpPr>
-          <p:nvPr>
-            <p:ph idx="1"/>
-          </p:nvPr>
-        </p:nvSpPr>
-        <p:spPr/>
-        <p:txBody>
-          <a:bodyPr/>
-          <a:lstStyle/>
-          <a:p>
-            <a:pPr lvl="0"/>
-            <a:r>
+              <a:t>08.06.15</a:t>
+            </a:fld>
+            <a:endParaRPr lang="de-DE"/>
+          </a:p>
+        </p:txBody>
+      </p:sp>
+      <p:sp>
+        <p:nvSpPr>
+          <p:cNvPr id="5" name="Fußzeilenplatzhalter 4"/>
+          <p:cNvSpPr>
+            <a:spLocks noGrp="1"/>
+          </p:cNvSpPr>
+          <p:nvPr>
+            <p:ph type="ftr" sz="quarter" idx="11"/>
+          </p:nvPr>
+        </p:nvSpPr>
+        <p:spPr/>
+        <p:txBody>
+          <a:bodyPr/>
+          <a:lstStyle/>
+          <a:p>
+            <a:endParaRPr lang="de-DE"/>
+          </a:p>
+        </p:txBody>
+      </p:sp>
+      <p:sp>
+        <p:nvSpPr>
+          <p:cNvPr id="6" name="Foliennummernplatzhalter 5"/>
+          <p:cNvSpPr>
+            <a:spLocks noGrp="1"/>
+          </p:cNvSpPr>
+          <p:nvPr>
+            <p:ph type="sldNum" sz="quarter" idx="12"/>
+          </p:nvPr>
+        </p:nvSpPr>
+        <p:spPr/>
+        <p:txBody>
+          <a:bodyPr/>
+          <a:lstStyle/>
+          <a:p>
+            <a:fld id="{12B3F91D-C652-8F43-93D2-32C3EBD1B92B}" type="slidenum">
               <a:rPr lang="de-DE" smtClean="0"/>
-              <a:t>Textmasterformat bearbeiten</a:t>
-            </a:r>
-          </a:p>
-          <a:p>
-            <a:pPr lvl="1"/>
-            <a:r>
-              <a:rPr lang="de-DE" smtClean="0"/>
-              <a:t>Zweite Ebene</a:t>
-            </a:r>
-          </a:p>
-          <a:p>
-            <a:pPr lvl="2"/>
-            <a:r>
-              <a:rPr lang="de-DE" smtClean="0"/>
-              <a:t>Dritte Ebene</a:t>
-            </a:r>
-          </a:p>
-          <a:p>
-            <a:pPr lvl="3"/>
-            <a:r>
-              <a:rPr lang="de-DE" smtClean="0"/>
-              <a:t>Vierte Ebene</a:t>
-            </a:r>
-          </a:p>
-          <a:p>
-            <a:pPr lvl="4"/>
-            <a:r>
-              <a:rPr lang="de-DE" smtClean="0"/>
-              <a:t>Fünfte Ebene</a:t>
-            </a:r>
-            <a:endParaRPr lang="de-CH"/>
-          </a:p>
-        </p:txBody>
-      </p:sp>
-      <p:sp>
-        <p:nvSpPr>
-          <p:cNvPr id="4" name="Datumsplatzhalter 3"/>
-          <p:cNvSpPr>
-            <a:spLocks noGrp="1"/>
-          </p:cNvSpPr>
-          <p:nvPr>
-            <p:ph type="dt" sz="half" idx="10"/>
-          </p:nvPr>
-        </p:nvSpPr>
-        <p:spPr/>
-        <p:txBody>
-          <a:bodyPr/>
-          <a:lstStyle/>
-          <a:p>
-            <a:fld id="{50577D00-0568-4CC9-8CEB-845F93FB100F}" type="datetimeFigureOut">
-              <a:rPr lang="de-CH" smtClean="0"/>
-              <a:t>08.06.2015</a:t>
-            </a:fld>
-            <a:endParaRPr lang="de-CH"/>
-          </a:p>
-        </p:txBody>
-      </p:sp>
-      <p:sp>
-        <p:nvSpPr>
-          <p:cNvPr id="5" name="Fußzeilenplatzhalter 4"/>
-          <p:cNvSpPr>
-            <a:spLocks noGrp="1"/>
-          </p:cNvSpPr>
-          <p:nvPr>
-            <p:ph type="ftr" sz="quarter" idx="11"/>
-          </p:nvPr>
-        </p:nvSpPr>
-        <p:spPr/>
-        <p:txBody>
-          <a:bodyPr/>
-          <a:lstStyle/>
-          <a:p>
-            <a:endParaRPr lang="de-CH"/>
-          </a:p>
-        </p:txBody>
-      </p:sp>
-      <p:sp>
-        <p:nvSpPr>
-          <p:cNvPr id="6" name="Foliennummernplatzhalter 5"/>
-          <p:cNvSpPr>
-            <a:spLocks noGrp="1"/>
-          </p:cNvSpPr>
-          <p:nvPr>
-            <p:ph type="sldNum" sz="quarter" idx="12"/>
-          </p:nvPr>
-        </p:nvSpPr>
-        <p:spPr/>
-        <p:txBody>
-          <a:bodyPr/>
-          <a:lstStyle/>
-          <a:p>
-            <a:fld id="{0C3A96B5-96BD-4B6B-8AA8-FB31EC620ED8}" type="slidenum">
-              <a:rPr lang="de-CH" smtClean="0"/>
               <a:t>‹Nr.›</a:t>
             </a:fld>
-            <a:endParaRPr lang="de-CH"/>
+            <a:endParaRPr lang="de-DE"/>
           </a:p>
         </p:txBody>
       </p:sp>
     </p:spTree>
     <p:extLst>
       <p:ext uri="{BB962C8B-B14F-4D97-AF65-F5344CB8AC3E}">
-        <p14:creationId xmlns:p14="http://schemas.microsoft.com/office/powerpoint/2010/main" val="1057184675"/>
+        <p14:creationId xmlns:p14="http://schemas.microsoft.com/office/powerpoint/2010/main" val="462768918"/>
       </p:ext>
     </p:extLst>
   </p:cSld>
@@ -1669,7 +1448,7 @@
 
 <file path=ppt/slideLayouts/slideLayout3.xml><?xml version="1.0" encoding="utf-8"?>
 <p:sldLayout xmlns:a="http://schemas.openxmlformats.org/drawingml/2006/main" xmlns:r="http://schemas.openxmlformats.org/officeDocument/2006/relationships" xmlns:p="http://schemas.openxmlformats.org/presentationml/2006/main" type="secHead" preserve="1">
-  <p:cSld name="Abschnitts-&#10;überschrift">
+  <p:cSld name="Abschnittsüberschrift">
     <p:spTree>
       <p:nvGrpSpPr>
         <p:cNvPr id="1" name=""/>
@@ -1686,33 +1465,82 @@
       </p:grpSpPr>
       <p:sp>
         <p:nvSpPr>
-          <p:cNvPr id="2" name="Titel 1"/>
-          <p:cNvSpPr>
-            <a:spLocks noGrp="1"/>
-          </p:cNvSpPr>
-          <p:nvPr>
-            <p:ph type="title"/>
-          </p:nvPr>
+          <p:cNvPr id="7" name="Rechteck 6"/>
+          <p:cNvSpPr/>
+          <p:nvPr userDrawn="1"/>
         </p:nvSpPr>
         <p:spPr>
           <a:xfrm>
-            <a:off x="831850" y="1709738"/>
-            <a:ext cx="10515600" cy="2852737"/>
+            <a:off x="0" y="4406900"/>
+            <a:ext cx="9144000" cy="1512455"/>
+          </a:xfrm>
+          <a:prstGeom prst="rect">
+            <a:avLst/>
+          </a:prstGeom>
+          <a:solidFill>
+            <a:srgbClr val="AD0011"/>
+          </a:solidFill>
+          <a:ln>
+            <a:noFill/>
+          </a:ln>
+          <a:effectLst/>
+        </p:spPr>
+        <p:style>
+          <a:lnRef idx="1">
+            <a:schemeClr val="accent1"/>
+          </a:lnRef>
+          <a:fillRef idx="3">
+            <a:schemeClr val="accent1"/>
+          </a:fillRef>
+          <a:effectRef idx="2">
+            <a:schemeClr val="accent1"/>
+          </a:effectRef>
+          <a:fontRef idx="minor">
+            <a:schemeClr val="lt1"/>
+          </a:fontRef>
+        </p:style>
+        <p:txBody>
+          <a:bodyPr rtlCol="0" anchor="ctr"/>
+          <a:lstStyle/>
+          <a:p>
+            <a:pPr algn="ctr"/>
+            <a:endParaRPr lang="de-DE"/>
+          </a:p>
+        </p:txBody>
+      </p:sp>
+      <p:sp>
+        <p:nvSpPr>
+          <p:cNvPr id="2" name="Titel 1"/>
+          <p:cNvSpPr>
+            <a:spLocks noGrp="1"/>
+          </p:cNvSpPr>
+          <p:nvPr>
+            <p:ph type="title"/>
+          </p:nvPr>
+        </p:nvSpPr>
+        <p:spPr>
+          <a:xfrm>
+            <a:off x="722313" y="4406900"/>
+            <a:ext cx="7772400" cy="1362075"/>
           </a:xfrm>
         </p:spPr>
         <p:txBody>
-          <a:bodyPr anchor="b"/>
+          <a:bodyPr anchor="t"/>
           <a:lstStyle>
-            <a:lvl1pPr>
-              <a:defRPr sz="6000"/>
+            <a:lvl1pPr algn="l">
+              <a:defRPr sz="4000" b="1" cap="none">
+                <a:solidFill>
+                  <a:srgbClr val="FFFFFF"/>
+                </a:solidFill>
+              </a:defRPr>
             </a:lvl1pPr>
           </a:lstStyle>
           <a:p>
             <a:r>
-              <a:rPr lang="de-DE" smtClean="0"/>
-              <a:t>Titelmasterformat durch Klicken bearbeiten</a:t>
-            </a:r>
-            <a:endParaRPr lang="de-CH"/>
+              <a:rPr lang="de-CH" dirty="0" smtClean="0"/>
+              <a:t>Mastertitelformat bearbeiten</a:t>
+            </a:r>
+            <a:endParaRPr lang="de-DE" dirty="0"/>
           </a:p>
         </p:txBody>
       </p:sp>
@@ -1728,16 +1556,16 @@
         </p:nvSpPr>
         <p:spPr>
           <a:xfrm>
-            <a:off x="831850" y="4589463"/>
-            <a:ext cx="10515600" cy="1500187"/>
+            <a:off x="722313" y="2906713"/>
+            <a:ext cx="7772400" cy="1500187"/>
           </a:xfrm>
         </p:spPr>
         <p:txBody>
-          <a:bodyPr/>
+          <a:bodyPr anchor="b"/>
           <a:lstStyle>
             <a:lvl1pPr marL="0" indent="0">
               <a:buNone/>
-              <a:defRPr sz="2400">
+              <a:defRPr sz="2000">
                 <a:solidFill>
                   <a:schemeClr val="tx1">
                     <a:tint val="75000"/>
@@ -1747,7 +1575,7 @@
             </a:lvl1pPr>
             <a:lvl2pPr marL="457200" indent="0">
               <a:buNone/>
-              <a:defRPr sz="2000">
+              <a:defRPr sz="1800">
                 <a:solidFill>
                   <a:schemeClr val="tx1">
                     <a:tint val="75000"/>
@@ -1757,7 +1585,7 @@
             </a:lvl2pPr>
             <a:lvl3pPr marL="914400" indent="0">
               <a:buNone/>
-              <a:defRPr sz="1800">
+              <a:defRPr sz="1600">
                 <a:solidFill>
                   <a:schemeClr val="tx1">
                     <a:tint val="75000"/>
@@ -1767,7 +1595,7 @@
             </a:lvl3pPr>
             <a:lvl4pPr marL="1371600" indent="0">
               <a:buNone/>
-              <a:defRPr sz="1600">
+              <a:defRPr sz="1400">
                 <a:solidFill>
                   <a:schemeClr val="tx1">
                     <a:tint val="75000"/>
@@ -1777,7 +1605,7 @@
             </a:lvl4pPr>
             <a:lvl5pPr marL="1828800" indent="0">
               <a:buNone/>
-              <a:defRPr sz="1600">
+              <a:defRPr sz="1400">
                 <a:solidFill>
                   <a:schemeClr val="tx1">
                     <a:tint val="75000"/>
@@ -1787,7 +1615,7 @@
             </a:lvl5pPr>
             <a:lvl6pPr marL="2286000" indent="0">
               <a:buNone/>
-              <a:defRPr sz="1600">
+              <a:defRPr sz="1400">
                 <a:solidFill>
                   <a:schemeClr val="tx1">
                     <a:tint val="75000"/>
@@ -1797,7 +1625,7 @@
             </a:lvl6pPr>
             <a:lvl7pPr marL="2743200" indent="0">
               <a:buNone/>
-              <a:defRPr sz="1600">
+              <a:defRPr sz="1400">
                 <a:solidFill>
                   <a:schemeClr val="tx1">
                     <a:tint val="75000"/>
@@ -1807,7 +1635,7 @@
             </a:lvl7pPr>
             <a:lvl8pPr marL="3200400" indent="0">
               <a:buNone/>
-              <a:defRPr sz="1600">
+              <a:defRPr sz="1400">
                 <a:solidFill>
                   <a:schemeClr val="tx1">
                     <a:tint val="75000"/>
@@ -1817,7 +1645,7 @@
             </a:lvl8pPr>
             <a:lvl9pPr marL="3657600" indent="0">
               <a:buNone/>
-              <a:defRPr sz="1600">
+              <a:defRPr sz="1400">
                 <a:solidFill>
                   <a:schemeClr val="tx1">
                     <a:tint val="75000"/>
@@ -1829,32 +1657,32 @@
           <a:p>
             <a:pPr lvl="0"/>
             <a:r>
+              <a:rPr lang="de-CH" smtClean="0"/>
+              <a:t>Mastertextformat bearbeiten</a:t>
+            </a:r>
+          </a:p>
+        </p:txBody>
+      </p:sp>
+      <p:sp>
+        <p:nvSpPr>
+          <p:cNvPr id="4" name="Datumsplatzhalter 3"/>
+          <p:cNvSpPr>
+            <a:spLocks noGrp="1"/>
+          </p:cNvSpPr>
+          <p:nvPr>
+            <p:ph type="dt" sz="half" idx="10"/>
+          </p:nvPr>
+        </p:nvSpPr>
+        <p:spPr/>
+        <p:txBody>
+          <a:bodyPr/>
+          <a:lstStyle/>
+          <a:p>
+            <a:fld id="{550EA7F5-C048-764E-A1BB-BCA3DE93A146}" type="datetimeFigureOut">
               <a:rPr lang="de-DE" smtClean="0"/>
-              <a:t>Textmasterformat bearbeiten</a:t>
-            </a:r>
-          </a:p>
-        </p:txBody>
-      </p:sp>
-      <p:sp>
-        <p:nvSpPr>
-          <p:cNvPr id="4" name="Datumsplatzhalter 3"/>
-          <p:cNvSpPr>
-            <a:spLocks noGrp="1"/>
-          </p:cNvSpPr>
-          <p:nvPr>
-            <p:ph type="dt" sz="half" idx="10"/>
-          </p:nvPr>
-        </p:nvSpPr>
-        <p:spPr/>
-        <p:txBody>
-          <a:bodyPr/>
-          <a:lstStyle/>
-          <a:p>
-            <a:fld id="{50577D00-0568-4CC9-8CEB-845F93FB100F}" type="datetimeFigureOut">
-              <a:rPr lang="de-CH" smtClean="0"/>
-              <a:t>08.06.2015</a:t>
+              <a:t>08.06.15</a:t>
             </a:fld>
-            <a:endParaRPr lang="de-CH"/>
+            <a:endParaRPr lang="de-DE"/>
           </a:p>
         </p:txBody>
       </p:sp>
@@ -1873,7 +1701,7 @@
           <a:bodyPr/>
           <a:lstStyle/>
           <a:p>
-            <a:endParaRPr lang="de-CH"/>
+            <a:endParaRPr lang="de-DE"/>
           </a:p>
         </p:txBody>
       </p:sp>
@@ -1892,18 +1720,18 @@
           <a:bodyPr/>
           <a:lstStyle/>
           <a:p>
-            <a:fld id="{0C3A96B5-96BD-4B6B-8AA8-FB31EC620ED8}" type="slidenum">
-              <a:rPr lang="de-CH" smtClean="0"/>
+            <a:fld id="{12B3F91D-C652-8F43-93D2-32C3EBD1B92B}" type="slidenum">
+              <a:rPr lang="de-DE" smtClean="0"/>
               <a:t>‹Nr.›</a:t>
             </a:fld>
-            <a:endParaRPr lang="de-CH"/>
+            <a:endParaRPr lang="de-DE"/>
           </a:p>
         </p:txBody>
       </p:sp>
     </p:spTree>
     <p:extLst>
       <p:ext uri="{BB962C8B-B14F-4D97-AF65-F5344CB8AC3E}">
-        <p14:creationId xmlns:p14="http://schemas.microsoft.com/office/powerpoint/2010/main" val="440951671"/>
+        <p14:creationId xmlns:p14="http://schemas.microsoft.com/office/powerpoint/2010/main" val="2247802674"/>
       </p:ext>
     </p:extLst>
   </p:cSld>
@@ -1932,81 +1760,162 @@
       </p:grpSpPr>
       <p:sp>
         <p:nvSpPr>
-          <p:cNvPr id="2" name="Titel 1"/>
-          <p:cNvSpPr>
-            <a:spLocks noGrp="1"/>
-          </p:cNvSpPr>
-          <p:nvPr>
-            <p:ph type="title"/>
-          </p:nvPr>
-        </p:nvSpPr>
-        <p:spPr/>
-        <p:txBody>
-          <a:bodyPr/>
-          <a:lstStyle/>
-          <a:p>
-            <a:r>
-              <a:rPr lang="de-DE" smtClean="0"/>
-              <a:t>Titelmasterformat durch Klicken bearbeiten</a:t>
-            </a:r>
-            <a:endParaRPr lang="de-CH"/>
-          </a:p>
-        </p:txBody>
-      </p:sp>
-      <p:sp>
-        <p:nvSpPr>
-          <p:cNvPr id="3" name="Inhaltsplatzhalter 2"/>
-          <p:cNvSpPr>
-            <a:spLocks noGrp="1"/>
-          </p:cNvSpPr>
-          <p:nvPr>
-            <p:ph sz="half" idx="1"/>
-          </p:nvPr>
+          <p:cNvPr id="8" name="Rechteck 7"/>
+          <p:cNvSpPr/>
+          <p:nvPr userDrawn="1"/>
         </p:nvSpPr>
         <p:spPr>
           <a:xfrm>
-            <a:off x="838200" y="1825625"/>
-            <a:ext cx="5181600" cy="4351338"/>
+            <a:off x="0" y="0"/>
+            <a:ext cx="9144000" cy="1512455"/>
+          </a:xfrm>
+          <a:prstGeom prst="rect">
+            <a:avLst/>
+          </a:prstGeom>
+          <a:solidFill>
+            <a:srgbClr val="AD0011"/>
+          </a:solidFill>
+          <a:ln>
+            <a:noFill/>
+          </a:ln>
+          <a:effectLst/>
+        </p:spPr>
+        <p:style>
+          <a:lnRef idx="1">
+            <a:schemeClr val="accent1"/>
+          </a:lnRef>
+          <a:fillRef idx="3">
+            <a:schemeClr val="accent1"/>
+          </a:fillRef>
+          <a:effectRef idx="2">
+            <a:schemeClr val="accent1"/>
+          </a:effectRef>
+          <a:fontRef idx="minor">
+            <a:schemeClr val="lt1"/>
+          </a:fontRef>
+        </p:style>
+        <p:txBody>
+          <a:bodyPr rtlCol="0" anchor="ctr"/>
+          <a:lstStyle/>
+          <a:p>
+            <a:pPr algn="ctr"/>
+            <a:endParaRPr lang="de-DE"/>
+          </a:p>
+        </p:txBody>
+      </p:sp>
+      <p:sp>
+        <p:nvSpPr>
+          <p:cNvPr id="2" name="Titel 1"/>
+          <p:cNvSpPr>
+            <a:spLocks noGrp="1"/>
+          </p:cNvSpPr>
+          <p:nvPr>
+            <p:ph type="title"/>
+          </p:nvPr>
+        </p:nvSpPr>
+        <p:spPr/>
+        <p:txBody>
+          <a:bodyPr/>
+          <a:lstStyle>
+            <a:lvl1pPr>
+              <a:defRPr>
+                <a:solidFill>
+                  <a:srgbClr val="FFFFFF"/>
+                </a:solidFill>
+              </a:defRPr>
+            </a:lvl1pPr>
+          </a:lstStyle>
+          <a:p>
+            <a:r>
+              <a:rPr lang="de-CH" dirty="0" smtClean="0"/>
+              <a:t>Mastertitelformat bearbeiten</a:t>
+            </a:r>
+            <a:endParaRPr lang="de-DE" dirty="0"/>
+          </a:p>
+        </p:txBody>
+      </p:sp>
+      <p:sp>
+        <p:nvSpPr>
+          <p:cNvPr id="3" name="Inhaltsplatzhalter 2"/>
+          <p:cNvSpPr>
+            <a:spLocks noGrp="1"/>
+          </p:cNvSpPr>
+          <p:nvPr>
+            <p:ph sz="half" idx="1"/>
+          </p:nvPr>
+        </p:nvSpPr>
+        <p:spPr>
+          <a:xfrm>
+            <a:off x="457200" y="1600200"/>
+            <a:ext cx="4038600" cy="4525963"/>
           </a:xfrm>
         </p:spPr>
         <p:txBody>
           <a:bodyPr/>
-          <a:lstStyle/>
+          <a:lstStyle>
+            <a:lvl1pPr>
+              <a:defRPr sz="2800"/>
+            </a:lvl1pPr>
+            <a:lvl2pPr>
+              <a:defRPr sz="2400"/>
+            </a:lvl2pPr>
+            <a:lvl3pPr>
+              <a:defRPr sz="2000"/>
+            </a:lvl3pPr>
+            <a:lvl4pPr>
+              <a:defRPr sz="1800"/>
+            </a:lvl4pPr>
+            <a:lvl5pPr>
+              <a:defRPr sz="1800"/>
+            </a:lvl5pPr>
+            <a:lvl6pPr>
+              <a:defRPr sz="1800"/>
+            </a:lvl6pPr>
+            <a:lvl7pPr>
+              <a:defRPr sz="1800"/>
+            </a:lvl7pPr>
+            <a:lvl8pPr>
+              <a:defRPr sz="1800"/>
+            </a:lvl8pPr>
+            <a:lvl9pPr>
+              <a:defRPr sz="1800"/>
+            </a:lvl9pPr>
+          </a:lstStyle>
           <a:p>
             <a:pPr lvl="0"/>
             <a:r>
-              <a:rPr lang="de-DE" smtClean="0"/>
-              <a:t>Textmasterformat bearbeiten</a:t>
+              <a:rPr lang="de-CH" smtClean="0"/>
+              <a:t>Mastertextformat bearbeiten</a:t>
             </a:r>
           </a:p>
           <a:p>
             <a:pPr lvl="1"/>
             <a:r>
-              <a:rPr lang="de-DE" smtClean="0"/>
+              <a:rPr lang="de-CH" smtClean="0"/>
               <a:t>Zweite Ebene</a:t>
             </a:r>
           </a:p>
           <a:p>
             <a:pPr lvl="2"/>
             <a:r>
-              <a:rPr lang="de-DE" smtClean="0"/>
+              <a:rPr lang="de-CH" smtClean="0"/>
               <a:t>Dritte Ebene</a:t>
             </a:r>
           </a:p>
           <a:p>
             <a:pPr lvl="3"/>
             <a:r>
-              <a:rPr lang="de-DE" smtClean="0"/>
+              <a:rPr lang="de-CH" smtClean="0"/>
               <a:t>Vierte Ebene</a:t>
             </a:r>
           </a:p>
           <a:p>
             <a:pPr lvl="4"/>
             <a:r>
-              <a:rPr lang="de-DE" smtClean="0"/>
+              <a:rPr lang="de-CH" smtClean="0"/>
               <a:t>Fünfte Ebene</a:t>
             </a:r>
-            <a:endParaRPr lang="de-CH"/>
+            <a:endParaRPr lang="de-DE"/>
           </a:p>
         </p:txBody>
       </p:sp>
@@ -2022,120 +1931,148 @@
         </p:nvSpPr>
         <p:spPr>
           <a:xfrm>
-            <a:off x="6172200" y="1825625"/>
-            <a:ext cx="5181600" cy="4351338"/>
+            <a:off x="4648200" y="1600200"/>
+            <a:ext cx="4038600" cy="4525963"/>
           </a:xfrm>
         </p:spPr>
         <p:txBody>
           <a:bodyPr/>
-          <a:lstStyle/>
+          <a:lstStyle>
+            <a:lvl1pPr>
+              <a:defRPr sz="2800"/>
+            </a:lvl1pPr>
+            <a:lvl2pPr>
+              <a:defRPr sz="2400"/>
+            </a:lvl2pPr>
+            <a:lvl3pPr>
+              <a:defRPr sz="2000"/>
+            </a:lvl3pPr>
+            <a:lvl4pPr>
+              <a:defRPr sz="1800"/>
+            </a:lvl4pPr>
+            <a:lvl5pPr>
+              <a:defRPr sz="1800"/>
+            </a:lvl5pPr>
+            <a:lvl6pPr>
+              <a:defRPr sz="1800"/>
+            </a:lvl6pPr>
+            <a:lvl7pPr>
+              <a:defRPr sz="1800"/>
+            </a:lvl7pPr>
+            <a:lvl8pPr>
+              <a:defRPr sz="1800"/>
+            </a:lvl8pPr>
+            <a:lvl9pPr>
+              <a:defRPr sz="1800"/>
+            </a:lvl9pPr>
+          </a:lstStyle>
           <a:p>
             <a:pPr lvl="0"/>
             <a:r>
+              <a:rPr lang="de-CH" smtClean="0"/>
+              <a:t>Mastertextformat bearbeiten</a:t>
+            </a:r>
+          </a:p>
+          <a:p>
+            <a:pPr lvl="1"/>
+            <a:r>
+              <a:rPr lang="de-CH" smtClean="0"/>
+              <a:t>Zweite Ebene</a:t>
+            </a:r>
+          </a:p>
+          <a:p>
+            <a:pPr lvl="2"/>
+            <a:r>
+              <a:rPr lang="de-CH" smtClean="0"/>
+              <a:t>Dritte Ebene</a:t>
+            </a:r>
+          </a:p>
+          <a:p>
+            <a:pPr lvl="3"/>
+            <a:r>
+              <a:rPr lang="de-CH" smtClean="0"/>
+              <a:t>Vierte Ebene</a:t>
+            </a:r>
+          </a:p>
+          <a:p>
+            <a:pPr lvl="4"/>
+            <a:r>
+              <a:rPr lang="de-CH" smtClean="0"/>
+              <a:t>Fünfte Ebene</a:t>
+            </a:r>
+            <a:endParaRPr lang="de-DE"/>
+          </a:p>
+        </p:txBody>
+      </p:sp>
+      <p:sp>
+        <p:nvSpPr>
+          <p:cNvPr id="5" name="Datumsplatzhalter 4"/>
+          <p:cNvSpPr>
+            <a:spLocks noGrp="1"/>
+          </p:cNvSpPr>
+          <p:nvPr>
+            <p:ph type="dt" sz="half" idx="10"/>
+          </p:nvPr>
+        </p:nvSpPr>
+        <p:spPr/>
+        <p:txBody>
+          <a:bodyPr/>
+          <a:lstStyle/>
+          <a:p>
+            <a:fld id="{550EA7F5-C048-764E-A1BB-BCA3DE93A146}" type="datetimeFigureOut">
               <a:rPr lang="de-DE" smtClean="0"/>
-              <a:t>Textmasterformat bearbeiten</a:t>
-            </a:r>
-          </a:p>
-          <a:p>
-            <a:pPr lvl="1"/>
-            <a:r>
+              <a:t>08.06.15</a:t>
+            </a:fld>
+            <a:endParaRPr lang="de-DE"/>
+          </a:p>
+        </p:txBody>
+      </p:sp>
+      <p:sp>
+        <p:nvSpPr>
+          <p:cNvPr id="6" name="Fußzeilenplatzhalter 5"/>
+          <p:cNvSpPr>
+            <a:spLocks noGrp="1"/>
+          </p:cNvSpPr>
+          <p:nvPr>
+            <p:ph type="ftr" sz="quarter" idx="11"/>
+          </p:nvPr>
+        </p:nvSpPr>
+        <p:spPr/>
+        <p:txBody>
+          <a:bodyPr/>
+          <a:lstStyle/>
+          <a:p>
+            <a:endParaRPr lang="de-DE"/>
+          </a:p>
+        </p:txBody>
+      </p:sp>
+      <p:sp>
+        <p:nvSpPr>
+          <p:cNvPr id="7" name="Foliennummernplatzhalter 6"/>
+          <p:cNvSpPr>
+            <a:spLocks noGrp="1"/>
+          </p:cNvSpPr>
+          <p:nvPr>
+            <p:ph type="sldNum" sz="quarter" idx="12"/>
+          </p:nvPr>
+        </p:nvSpPr>
+        <p:spPr/>
+        <p:txBody>
+          <a:bodyPr/>
+          <a:lstStyle/>
+          <a:p>
+            <a:fld id="{12B3F91D-C652-8F43-93D2-32C3EBD1B92B}" type="slidenum">
               <a:rPr lang="de-DE" smtClean="0"/>
-              <a:t>Zweite Ebene</a:t>
-            </a:r>
-          </a:p>
-          <a:p>
-            <a:pPr lvl="2"/>
-            <a:r>
-              <a:rPr lang="de-DE" smtClean="0"/>
-              <a:t>Dritte Ebene</a:t>
-            </a:r>
-          </a:p>
-          <a:p>
-            <a:pPr lvl="3"/>
-            <a:r>
-              <a:rPr lang="de-DE" smtClean="0"/>
-              <a:t>Vierte Ebene</a:t>
-            </a:r>
-          </a:p>
-          <a:p>
-            <a:pPr lvl="4"/>
-            <a:r>
-              <a:rPr lang="de-DE" smtClean="0"/>
-              <a:t>Fünfte Ebene</a:t>
-            </a:r>
-            <a:endParaRPr lang="de-CH"/>
-          </a:p>
-        </p:txBody>
-      </p:sp>
-      <p:sp>
-        <p:nvSpPr>
-          <p:cNvPr id="5" name="Datumsplatzhalter 4"/>
-          <p:cNvSpPr>
-            <a:spLocks noGrp="1"/>
-          </p:cNvSpPr>
-          <p:nvPr>
-            <p:ph type="dt" sz="half" idx="10"/>
-          </p:nvPr>
-        </p:nvSpPr>
-        <p:spPr/>
-        <p:txBody>
-          <a:bodyPr/>
-          <a:lstStyle/>
-          <a:p>
-            <a:fld id="{50577D00-0568-4CC9-8CEB-845F93FB100F}" type="datetimeFigureOut">
-              <a:rPr lang="de-CH" smtClean="0"/>
-              <a:t>08.06.2015</a:t>
-            </a:fld>
-            <a:endParaRPr lang="de-CH"/>
-          </a:p>
-        </p:txBody>
-      </p:sp>
-      <p:sp>
-        <p:nvSpPr>
-          <p:cNvPr id="6" name="Fußzeilenplatzhalter 5"/>
-          <p:cNvSpPr>
-            <a:spLocks noGrp="1"/>
-          </p:cNvSpPr>
-          <p:nvPr>
-            <p:ph type="ftr" sz="quarter" idx="11"/>
-          </p:nvPr>
-        </p:nvSpPr>
-        <p:spPr/>
-        <p:txBody>
-          <a:bodyPr/>
-          <a:lstStyle/>
-          <a:p>
-            <a:endParaRPr lang="de-CH"/>
-          </a:p>
-        </p:txBody>
-      </p:sp>
-      <p:sp>
-        <p:nvSpPr>
-          <p:cNvPr id="7" name="Foliennummernplatzhalter 6"/>
-          <p:cNvSpPr>
-            <a:spLocks noGrp="1"/>
-          </p:cNvSpPr>
-          <p:nvPr>
-            <p:ph type="sldNum" sz="quarter" idx="12"/>
-          </p:nvPr>
-        </p:nvSpPr>
-        <p:spPr/>
-        <p:txBody>
-          <a:bodyPr/>
-          <a:lstStyle/>
-          <a:p>
-            <a:fld id="{0C3A96B5-96BD-4B6B-8AA8-FB31EC620ED8}" type="slidenum">
-              <a:rPr lang="de-CH" smtClean="0"/>
               <a:t>‹Nr.›</a:t>
             </a:fld>
-            <a:endParaRPr lang="de-CH"/>
+            <a:endParaRPr lang="de-DE"/>
           </a:p>
         </p:txBody>
       </p:sp>
     </p:spTree>
     <p:extLst>
       <p:ext uri="{BB962C8B-B14F-4D97-AF65-F5344CB8AC3E}">
-        <p14:creationId xmlns:p14="http://schemas.microsoft.com/office/powerpoint/2010/main" val="1337905586"/>
+        <p14:creationId xmlns:p14="http://schemas.microsoft.com/office/powerpoint/2010/main" val="3090977407"/>
       </p:ext>
     </p:extLst>
   </p:cSld>
@@ -2164,29 +2101,77 @@
       </p:grpSpPr>
       <p:sp>
         <p:nvSpPr>
-          <p:cNvPr id="2" name="Titel 1"/>
-          <p:cNvSpPr>
-            <a:spLocks noGrp="1"/>
-          </p:cNvSpPr>
-          <p:nvPr>
-            <p:ph type="title"/>
-          </p:nvPr>
+          <p:cNvPr id="10" name="Rechteck 9"/>
+          <p:cNvSpPr/>
+          <p:nvPr userDrawn="1"/>
         </p:nvSpPr>
         <p:spPr>
           <a:xfrm>
-            <a:off x="839788" y="365125"/>
-            <a:ext cx="10515600" cy="1325563"/>
+            <a:off x="0" y="0"/>
+            <a:ext cx="9144000" cy="1512455"/>
           </a:xfrm>
+          <a:prstGeom prst="rect">
+            <a:avLst/>
+          </a:prstGeom>
+          <a:solidFill>
+            <a:srgbClr val="AD0011"/>
+          </a:solidFill>
+          <a:ln>
+            <a:noFill/>
+          </a:ln>
+          <a:effectLst/>
         </p:spPr>
-        <p:txBody>
-          <a:bodyPr/>
-          <a:lstStyle/>
-          <a:p>
-            <a:r>
-              <a:rPr lang="de-DE" smtClean="0"/>
-              <a:t>Titelmasterformat durch Klicken bearbeiten</a:t>
-            </a:r>
-            <a:endParaRPr lang="de-CH"/>
+        <p:style>
+          <a:lnRef idx="1">
+            <a:schemeClr val="accent1"/>
+          </a:lnRef>
+          <a:fillRef idx="3">
+            <a:schemeClr val="accent1"/>
+          </a:fillRef>
+          <a:effectRef idx="2">
+            <a:schemeClr val="accent1"/>
+          </a:effectRef>
+          <a:fontRef idx="minor">
+            <a:schemeClr val="lt1"/>
+          </a:fontRef>
+        </p:style>
+        <p:txBody>
+          <a:bodyPr rtlCol="0" anchor="ctr"/>
+          <a:lstStyle/>
+          <a:p>
+            <a:pPr algn="ctr"/>
+            <a:endParaRPr lang="de-DE"/>
+          </a:p>
+        </p:txBody>
+      </p:sp>
+      <p:sp>
+        <p:nvSpPr>
+          <p:cNvPr id="2" name="Titel 1"/>
+          <p:cNvSpPr>
+            <a:spLocks noGrp="1"/>
+          </p:cNvSpPr>
+          <p:nvPr>
+            <p:ph type="title"/>
+          </p:nvPr>
+        </p:nvSpPr>
+        <p:spPr/>
+        <p:txBody>
+          <a:bodyPr/>
+          <a:lstStyle>
+            <a:lvl1pPr>
+              <a:defRPr>
+                <a:solidFill>
+                  <a:srgbClr val="FFFFFF"/>
+                </a:solidFill>
+              </a:defRPr>
+            </a:lvl1pPr>
+          </a:lstStyle>
+          <a:p>
+            <a:r>
+              <a:rPr lang="de-CH" dirty="0" smtClean="0"/>
+              <a:t>Mastertitelformat bearbeiten</a:t>
+            </a:r>
+            <a:endParaRPr lang="de-DE" dirty="0"/>
           </a:p>
         </p:txBody>
       </p:sp>
@@ -2202,8 +2187,8 @@
         </p:nvSpPr>
         <p:spPr>
           <a:xfrm>
-            <a:off x="839788" y="1681163"/>
-            <a:ext cx="5157787" cy="823912"/>
+            <a:off x="457200" y="1535113"/>
+            <a:ext cx="4040188" cy="639762"/>
           </a:xfrm>
         </p:spPr>
         <p:txBody>
@@ -2249,8 +2234,8 @@
           <a:p>
             <a:pPr lvl="0"/>
             <a:r>
-              <a:rPr lang="de-DE" smtClean="0"/>
-              <a:t>Textmasterformat bearbeiten</a:t>
+              <a:rPr lang="de-CH" smtClean="0"/>
+              <a:t>Mastertextformat bearbeiten</a:t>
             </a:r>
           </a:p>
         </p:txBody>
@@ -2267,48 +2252,76 @@
         </p:nvSpPr>
         <p:spPr>
           <a:xfrm>
-            <a:off x="839788" y="2505075"/>
-            <a:ext cx="5157787" cy="3684588"/>
+            <a:off x="457200" y="2174875"/>
+            <a:ext cx="4040188" cy="3951288"/>
           </a:xfrm>
         </p:spPr>
         <p:txBody>
           <a:bodyPr/>
-          <a:lstStyle/>
+          <a:lstStyle>
+            <a:lvl1pPr>
+              <a:defRPr sz="2400"/>
+            </a:lvl1pPr>
+            <a:lvl2pPr>
+              <a:defRPr sz="2000"/>
+            </a:lvl2pPr>
+            <a:lvl3pPr>
+              <a:defRPr sz="1800"/>
+            </a:lvl3pPr>
+            <a:lvl4pPr>
+              <a:defRPr sz="1600"/>
+            </a:lvl4pPr>
+            <a:lvl5pPr>
+              <a:defRPr sz="1600"/>
+            </a:lvl5pPr>
+            <a:lvl6pPr>
+              <a:defRPr sz="1600"/>
+            </a:lvl6pPr>
+            <a:lvl7pPr>
+              <a:defRPr sz="1600"/>
+            </a:lvl7pPr>
+            <a:lvl8pPr>
+              <a:defRPr sz="1600"/>
+            </a:lvl8pPr>
+            <a:lvl9pPr>
+              <a:defRPr sz="1600"/>
+            </a:lvl9pPr>
+          </a:lstStyle>
           <a:p>
             <a:pPr lvl="0"/>
             <a:r>
-              <a:rPr lang="de-DE" smtClean="0"/>
-              <a:t>Textmasterformat bearbeiten</a:t>
+              <a:rPr lang="de-CH" smtClean="0"/>
+              <a:t>Mastertextformat bearbeiten</a:t>
             </a:r>
           </a:p>
           <a:p>
             <a:pPr lvl="1"/>
             <a:r>
-              <a:rPr lang="de-DE" smtClean="0"/>
+              <a:rPr lang="de-CH" smtClean="0"/>
               <a:t>Zweite Ebene</a:t>
             </a:r>
           </a:p>
           <a:p>
             <a:pPr lvl="2"/>
             <a:r>
-              <a:rPr lang="de-DE" smtClean="0"/>
+              <a:rPr lang="de-CH" smtClean="0"/>
               <a:t>Dritte Ebene</a:t>
             </a:r>
           </a:p>
           <a:p>
             <a:pPr lvl="3"/>
             <a:r>
-              <a:rPr lang="de-DE" smtClean="0"/>
+              <a:rPr lang="de-CH" smtClean="0"/>
               <a:t>Vierte Ebene</a:t>
             </a:r>
           </a:p>
           <a:p>
             <a:pPr lvl="4"/>
             <a:r>
-              <a:rPr lang="de-DE" smtClean="0"/>
+              <a:rPr lang="de-CH" smtClean="0"/>
               <a:t>Fünfte Ebene</a:t>
             </a:r>
-            <a:endParaRPr lang="de-CH"/>
+            <a:endParaRPr lang="de-DE"/>
           </a:p>
         </p:txBody>
       </p:sp>
@@ -2324,8 +2337,8 @@
         </p:nvSpPr>
         <p:spPr>
           <a:xfrm>
-            <a:off x="6172200" y="1681163"/>
-            <a:ext cx="5183188" cy="823912"/>
+            <a:off x="4645025" y="1535113"/>
+            <a:ext cx="4041775" cy="639762"/>
           </a:xfrm>
         </p:spPr>
         <p:txBody>
@@ -2371,8 +2384,8 @@
           <a:p>
             <a:pPr lvl="0"/>
             <a:r>
-              <a:rPr lang="de-DE" smtClean="0"/>
-              <a:t>Textmasterformat bearbeiten</a:t>
+              <a:rPr lang="de-CH" smtClean="0"/>
+              <a:t>Mastertextformat bearbeiten</a:t>
             </a:r>
           </a:p>
         </p:txBody>
@@ -2389,120 +2402,148 @@
         </p:nvSpPr>
         <p:spPr>
           <a:xfrm>
-            <a:off x="6172200" y="2505075"/>
-            <a:ext cx="5183188" cy="3684588"/>
+            <a:off x="4645025" y="2174875"/>
+            <a:ext cx="4041775" cy="3951288"/>
           </a:xfrm>
         </p:spPr>
         <p:txBody>
           <a:bodyPr/>
-          <a:lstStyle/>
+          <a:lstStyle>
+            <a:lvl1pPr>
+              <a:defRPr sz="2400"/>
+            </a:lvl1pPr>
+            <a:lvl2pPr>
+              <a:defRPr sz="2000"/>
+            </a:lvl2pPr>
+            <a:lvl3pPr>
+              <a:defRPr sz="1800"/>
+            </a:lvl3pPr>
+            <a:lvl4pPr>
+              <a:defRPr sz="1600"/>
+            </a:lvl4pPr>
+            <a:lvl5pPr>
+              <a:defRPr sz="1600"/>
+            </a:lvl5pPr>
+            <a:lvl6pPr>
+              <a:defRPr sz="1600"/>
+            </a:lvl6pPr>
+            <a:lvl7pPr>
+              <a:defRPr sz="1600"/>
+            </a:lvl7pPr>
+            <a:lvl8pPr>
+              <a:defRPr sz="1600"/>
+            </a:lvl8pPr>
+            <a:lvl9pPr>
+              <a:defRPr sz="1600"/>
+            </a:lvl9pPr>
+          </a:lstStyle>
           <a:p>
             <a:pPr lvl="0"/>
             <a:r>
+              <a:rPr lang="de-CH" smtClean="0"/>
+              <a:t>Mastertextformat bearbeiten</a:t>
+            </a:r>
+          </a:p>
+          <a:p>
+            <a:pPr lvl="1"/>
+            <a:r>
+              <a:rPr lang="de-CH" smtClean="0"/>
+              <a:t>Zweite Ebene</a:t>
+            </a:r>
+          </a:p>
+          <a:p>
+            <a:pPr lvl="2"/>
+            <a:r>
+              <a:rPr lang="de-CH" smtClean="0"/>
+              <a:t>Dritte Ebene</a:t>
+            </a:r>
+          </a:p>
+          <a:p>
+            <a:pPr lvl="3"/>
+            <a:r>
+              <a:rPr lang="de-CH" smtClean="0"/>
+              <a:t>Vierte Ebene</a:t>
+            </a:r>
+          </a:p>
+          <a:p>
+            <a:pPr lvl="4"/>
+            <a:r>
+              <a:rPr lang="de-CH" smtClean="0"/>
+              <a:t>Fünfte Ebene</a:t>
+            </a:r>
+            <a:endParaRPr lang="de-DE"/>
+          </a:p>
+        </p:txBody>
+      </p:sp>
+      <p:sp>
+        <p:nvSpPr>
+          <p:cNvPr id="7" name="Datumsplatzhalter 6"/>
+          <p:cNvSpPr>
+            <a:spLocks noGrp="1"/>
+          </p:cNvSpPr>
+          <p:nvPr>
+            <p:ph type="dt" sz="half" idx="10"/>
+          </p:nvPr>
+        </p:nvSpPr>
+        <p:spPr/>
+        <p:txBody>
+          <a:bodyPr/>
+          <a:lstStyle/>
+          <a:p>
+            <a:fld id="{550EA7F5-C048-764E-A1BB-BCA3DE93A146}" type="datetimeFigureOut">
               <a:rPr lang="de-DE" smtClean="0"/>
-              <a:t>Textmasterformat bearbeiten</a:t>
-            </a:r>
-          </a:p>
-          <a:p>
-            <a:pPr lvl="1"/>
-            <a:r>
+              <a:t>08.06.15</a:t>
+            </a:fld>
+            <a:endParaRPr lang="de-DE"/>
+          </a:p>
+        </p:txBody>
+      </p:sp>
+      <p:sp>
+        <p:nvSpPr>
+          <p:cNvPr id="8" name="Fußzeilenplatzhalter 7"/>
+          <p:cNvSpPr>
+            <a:spLocks noGrp="1"/>
+          </p:cNvSpPr>
+          <p:nvPr>
+            <p:ph type="ftr" sz="quarter" idx="11"/>
+          </p:nvPr>
+        </p:nvSpPr>
+        <p:spPr/>
+        <p:txBody>
+          <a:bodyPr/>
+          <a:lstStyle/>
+          <a:p>
+            <a:endParaRPr lang="de-DE"/>
+          </a:p>
+        </p:txBody>
+      </p:sp>
+      <p:sp>
+        <p:nvSpPr>
+          <p:cNvPr id="9" name="Foliennummernplatzhalter 8"/>
+          <p:cNvSpPr>
+            <a:spLocks noGrp="1"/>
+          </p:cNvSpPr>
+          <p:nvPr>
+            <p:ph type="sldNum" sz="quarter" idx="12"/>
+          </p:nvPr>
+        </p:nvSpPr>
+        <p:spPr/>
+        <p:txBody>
+          <a:bodyPr/>
+          <a:lstStyle/>
+          <a:p>
+            <a:fld id="{12B3F91D-C652-8F43-93D2-32C3EBD1B92B}" type="slidenum">
               <a:rPr lang="de-DE" smtClean="0"/>
-              <a:t>Zweite Ebene</a:t>
-            </a:r>
-          </a:p>
-          <a:p>
-            <a:pPr lvl="2"/>
-            <a:r>
-              <a:rPr lang="de-DE" smtClean="0"/>
-              <a:t>Dritte Ebene</a:t>
-            </a:r>
-          </a:p>
-          <a:p>
-            <a:pPr lvl="3"/>
-            <a:r>
-              <a:rPr lang="de-DE" smtClean="0"/>
-              <a:t>Vierte Ebene</a:t>
-            </a:r>
-          </a:p>
-          <a:p>
-            <a:pPr lvl="4"/>
-            <a:r>
-              <a:rPr lang="de-DE" smtClean="0"/>
-              <a:t>Fünfte Ebene</a:t>
-            </a:r>
-            <a:endParaRPr lang="de-CH"/>
-          </a:p>
-        </p:txBody>
-      </p:sp>
-      <p:sp>
-        <p:nvSpPr>
-          <p:cNvPr id="7" name="Datumsplatzhalter 6"/>
-          <p:cNvSpPr>
-            <a:spLocks noGrp="1"/>
-          </p:cNvSpPr>
-          <p:nvPr>
-            <p:ph type="dt" sz="half" idx="10"/>
-          </p:nvPr>
-        </p:nvSpPr>
-        <p:spPr/>
-        <p:txBody>
-          <a:bodyPr/>
-          <a:lstStyle/>
-          <a:p>
-            <a:fld id="{50577D00-0568-4CC9-8CEB-845F93FB100F}" type="datetimeFigureOut">
-              <a:rPr lang="de-CH" smtClean="0"/>
-              <a:t>08.06.2015</a:t>
-            </a:fld>
-            <a:endParaRPr lang="de-CH"/>
-          </a:p>
-        </p:txBody>
-      </p:sp>
-      <p:sp>
-        <p:nvSpPr>
-          <p:cNvPr id="8" name="Fußzeilenplatzhalter 7"/>
-          <p:cNvSpPr>
-            <a:spLocks noGrp="1"/>
-          </p:cNvSpPr>
-          <p:nvPr>
-            <p:ph type="ftr" sz="quarter" idx="11"/>
-          </p:nvPr>
-        </p:nvSpPr>
-        <p:spPr/>
-        <p:txBody>
-          <a:bodyPr/>
-          <a:lstStyle/>
-          <a:p>
-            <a:endParaRPr lang="de-CH"/>
-          </a:p>
-        </p:txBody>
-      </p:sp>
-      <p:sp>
-        <p:nvSpPr>
-          <p:cNvPr id="9" name="Foliennummernplatzhalter 8"/>
-          <p:cNvSpPr>
-            <a:spLocks noGrp="1"/>
-          </p:cNvSpPr>
-          <p:nvPr>
-            <p:ph type="sldNum" sz="quarter" idx="12"/>
-          </p:nvPr>
-        </p:nvSpPr>
-        <p:spPr/>
-        <p:txBody>
-          <a:bodyPr/>
-          <a:lstStyle/>
-          <a:p>
-            <a:fld id="{0C3A96B5-96BD-4B6B-8AA8-FB31EC620ED8}" type="slidenum">
-              <a:rPr lang="de-CH" smtClean="0"/>
               <a:t>‹Nr.›</a:t>
             </a:fld>
-            <a:endParaRPr lang="de-CH"/>
+            <a:endParaRPr lang="de-DE"/>
           </a:p>
         </p:txBody>
       </p:sp>
     </p:spTree>
     <p:extLst>
       <p:ext uri="{BB962C8B-B14F-4D97-AF65-F5344CB8AC3E}">
-        <p14:creationId xmlns:p14="http://schemas.microsoft.com/office/powerpoint/2010/main" val="766283316"/>
+        <p14:creationId xmlns:p14="http://schemas.microsoft.com/office/powerpoint/2010/main" val="2105609935"/>
       </p:ext>
     </p:extLst>
   </p:cSld>
@@ -2531,6 +2572,51 @@
       </p:grpSpPr>
       <p:sp>
         <p:nvSpPr>
+          <p:cNvPr id="6" name="Rechteck 5"/>
+          <p:cNvSpPr/>
+          <p:nvPr userDrawn="1"/>
+        </p:nvSpPr>
+        <p:spPr>
+          <a:xfrm>
+            <a:off x="0" y="0"/>
+            <a:ext cx="9144000" cy="1512455"/>
+          </a:xfrm>
+          <a:prstGeom prst="rect">
+            <a:avLst/>
+          </a:prstGeom>
+          <a:solidFill>
+            <a:srgbClr val="AD0011"/>
+          </a:solidFill>
+          <a:ln>
+            <a:noFill/>
+          </a:ln>
+          <a:effectLst/>
+        </p:spPr>
+        <p:style>
+          <a:lnRef idx="1">
+            <a:schemeClr val="accent1"/>
+          </a:lnRef>
+          <a:fillRef idx="3">
+            <a:schemeClr val="accent1"/>
+          </a:fillRef>
+          <a:effectRef idx="2">
+            <a:schemeClr val="accent1"/>
+          </a:effectRef>
+          <a:fontRef idx="minor">
+            <a:schemeClr val="lt1"/>
+          </a:fontRef>
+        </p:style>
+        <p:txBody>
+          <a:bodyPr rtlCol="0" anchor="ctr"/>
+          <a:lstStyle/>
+          <a:p>
+            <a:pPr algn="ctr"/>
+            <a:endParaRPr lang="de-DE"/>
+          </a:p>
+        </p:txBody>
+      </p:sp>
+      <p:sp>
+        <p:nvSpPr>
           <p:cNvPr id="2" name="Titel 1"/>
           <p:cNvSpPr>
             <a:spLocks noGrp="1"/>
@@ -2542,36 +2628,44 @@
         <p:spPr/>
         <p:txBody>
           <a:bodyPr/>
-          <a:lstStyle/>
-          <a:p>
-            <a:r>
+          <a:lstStyle>
+            <a:lvl1pPr>
+              <a:defRPr>
+                <a:solidFill>
+                  <a:srgbClr val="FFFFFF"/>
+                </a:solidFill>
+              </a:defRPr>
+            </a:lvl1pPr>
+          </a:lstStyle>
+          <a:p>
+            <a:r>
+              <a:rPr lang="de-CH" dirty="0" smtClean="0"/>
+              <a:t>Mastertitelformat bearbeiten</a:t>
+            </a:r>
+            <a:endParaRPr lang="de-DE" dirty="0"/>
+          </a:p>
+        </p:txBody>
+      </p:sp>
+      <p:sp>
+        <p:nvSpPr>
+          <p:cNvPr id="3" name="Datumsplatzhalter 2"/>
+          <p:cNvSpPr>
+            <a:spLocks noGrp="1"/>
+          </p:cNvSpPr>
+          <p:nvPr>
+            <p:ph type="dt" sz="half" idx="10"/>
+          </p:nvPr>
+        </p:nvSpPr>
+        <p:spPr/>
+        <p:txBody>
+          <a:bodyPr/>
+          <a:lstStyle/>
+          <a:p>
+            <a:fld id="{550EA7F5-C048-764E-A1BB-BCA3DE93A146}" type="datetimeFigureOut">
               <a:rPr lang="de-DE" smtClean="0"/>
-              <a:t>Titelmasterformat durch Klicken bearbeiten</a:t>
-            </a:r>
-            <a:endParaRPr lang="de-CH"/>
-          </a:p>
-        </p:txBody>
-      </p:sp>
-      <p:sp>
-        <p:nvSpPr>
-          <p:cNvPr id="3" name="Datumsplatzhalter 2"/>
-          <p:cNvSpPr>
-            <a:spLocks noGrp="1"/>
-          </p:cNvSpPr>
-          <p:nvPr>
-            <p:ph type="dt" sz="half" idx="10"/>
-          </p:nvPr>
-        </p:nvSpPr>
-        <p:spPr/>
-        <p:txBody>
-          <a:bodyPr/>
-          <a:lstStyle/>
-          <a:p>
-            <a:fld id="{50577D00-0568-4CC9-8CEB-845F93FB100F}" type="datetimeFigureOut">
-              <a:rPr lang="de-CH" smtClean="0"/>
-              <a:t>08.06.2015</a:t>
+              <a:t>08.06.15</a:t>
             </a:fld>
-            <a:endParaRPr lang="de-CH"/>
+            <a:endParaRPr lang="de-DE"/>
           </a:p>
         </p:txBody>
       </p:sp>
@@ -2590,7 +2684,7 @@
           <a:bodyPr/>
           <a:lstStyle/>
           <a:p>
-            <a:endParaRPr lang="de-CH"/>
+            <a:endParaRPr lang="de-DE"/>
           </a:p>
         </p:txBody>
       </p:sp>
@@ -2609,18 +2703,18 @@
           <a:bodyPr/>
           <a:lstStyle/>
           <a:p>
-            <a:fld id="{0C3A96B5-96BD-4B6B-8AA8-FB31EC620ED8}" type="slidenum">
-              <a:rPr lang="de-CH" smtClean="0"/>
+            <a:fld id="{12B3F91D-C652-8F43-93D2-32C3EBD1B92B}" type="slidenum">
+              <a:rPr lang="de-DE" smtClean="0"/>
               <a:t>‹Nr.›</a:t>
             </a:fld>
-            <a:endParaRPr lang="de-CH"/>
+            <a:endParaRPr lang="de-DE"/>
           </a:p>
         </p:txBody>
       </p:sp>
     </p:spTree>
     <p:extLst>
       <p:ext uri="{BB962C8B-B14F-4D97-AF65-F5344CB8AC3E}">
-        <p14:creationId xmlns:p14="http://schemas.microsoft.com/office/powerpoint/2010/main" val="3404065297"/>
+        <p14:creationId xmlns:p14="http://schemas.microsoft.com/office/powerpoint/2010/main" val="4146837039"/>
       </p:ext>
     </p:extLst>
   </p:cSld>
@@ -2662,11 +2756,11 @@
           <a:bodyPr/>
           <a:lstStyle/>
           <a:p>
-            <a:fld id="{50577D00-0568-4CC9-8CEB-845F93FB100F}" type="datetimeFigureOut">
-              <a:rPr lang="de-CH" smtClean="0"/>
-              <a:t>08.06.2015</a:t>
+            <a:fld id="{550EA7F5-C048-764E-A1BB-BCA3DE93A146}" type="datetimeFigureOut">
+              <a:rPr lang="de-DE" smtClean="0"/>
+              <a:t>08.06.15</a:t>
             </a:fld>
-            <a:endParaRPr lang="de-CH"/>
+            <a:endParaRPr lang="de-DE"/>
           </a:p>
         </p:txBody>
       </p:sp>
@@ -2685,7 +2779,7 @@
           <a:bodyPr/>
           <a:lstStyle/>
           <a:p>
-            <a:endParaRPr lang="de-CH"/>
+            <a:endParaRPr lang="de-DE"/>
           </a:p>
         </p:txBody>
       </p:sp>
@@ -2704,18 +2798,18 @@
           <a:bodyPr/>
           <a:lstStyle/>
           <a:p>
-            <a:fld id="{0C3A96B5-96BD-4B6B-8AA8-FB31EC620ED8}" type="slidenum">
-              <a:rPr lang="de-CH" smtClean="0"/>
+            <a:fld id="{12B3F91D-C652-8F43-93D2-32C3EBD1B92B}" type="slidenum">
+              <a:rPr lang="de-DE" smtClean="0"/>
               <a:t>‹Nr.›</a:t>
             </a:fld>
-            <a:endParaRPr lang="de-CH"/>
+            <a:endParaRPr lang="de-DE"/>
           </a:p>
         </p:txBody>
       </p:sp>
     </p:spTree>
     <p:extLst>
       <p:ext uri="{BB962C8B-B14F-4D97-AF65-F5344CB8AC3E}">
-        <p14:creationId xmlns:p14="http://schemas.microsoft.com/office/powerpoint/2010/main" val="3477646385"/>
+        <p14:creationId xmlns:p14="http://schemas.microsoft.com/office/powerpoint/2010/main" val="462692533"/>
       </p:ext>
     </p:extLst>
   </p:cSld>
@@ -2727,7 +2821,7 @@
 
 <file path=ppt/slideLayouts/slideLayout8.xml><?xml version="1.0" encoding="utf-8"?>
 <p:sldLayout xmlns:a="http://schemas.openxmlformats.org/drawingml/2006/main" xmlns:r="http://schemas.openxmlformats.org/officeDocument/2006/relationships" xmlns:p="http://schemas.openxmlformats.org/presentationml/2006/main" type="objTx" preserve="1">
-  <p:cSld name="Inhalt mit Überschrift">
+  <p:cSld name="Inhalt mit Beschriftung">
     <p:spTree>
       <p:nvGrpSpPr>
         <p:cNvPr id="1" name=""/>
@@ -2754,23 +2848,23 @@
         </p:nvSpPr>
         <p:spPr>
           <a:xfrm>
-            <a:off x="839788" y="457200"/>
-            <a:ext cx="3932237" cy="1600200"/>
+            <a:off x="457200" y="273050"/>
+            <a:ext cx="3008313" cy="1162050"/>
           </a:xfrm>
         </p:spPr>
         <p:txBody>
           <a:bodyPr anchor="b"/>
           <a:lstStyle>
-            <a:lvl1pPr>
-              <a:defRPr sz="3200"/>
+            <a:lvl1pPr algn="l">
+              <a:defRPr sz="2000" b="1"/>
             </a:lvl1pPr>
           </a:lstStyle>
           <a:p>
             <a:r>
-              <a:rPr lang="de-DE" smtClean="0"/>
-              <a:t>Titelmasterformat durch Klicken bearbeiten</a:t>
-            </a:r>
-            <a:endParaRPr lang="de-CH"/>
+              <a:rPr lang="de-CH" smtClean="0"/>
+              <a:t>Mastertitelformat bearbeiten</a:t>
+            </a:r>
+            <a:endParaRPr lang="de-DE"/>
           </a:p>
         </p:txBody>
       </p:sp>
@@ -2786,8 +2880,8 @@
         </p:nvSpPr>
         <p:spPr>
           <a:xfrm>
-            <a:off x="5183188" y="987425"/>
-            <a:ext cx="6172200" cy="4873625"/>
+            <a:off x="3575050" y="273050"/>
+            <a:ext cx="5111750" cy="5853113"/>
           </a:xfrm>
         </p:spPr>
         <p:txBody>
@@ -2824,38 +2918,38 @@
           <a:p>
             <a:pPr lvl="0"/>
             <a:r>
-              <a:rPr lang="de-DE" smtClean="0"/>
-              <a:t>Textmasterformat bearbeiten</a:t>
+              <a:rPr lang="de-CH" smtClean="0"/>
+              <a:t>Mastertextformat bearbeiten</a:t>
             </a:r>
           </a:p>
           <a:p>
             <a:pPr lvl="1"/>
             <a:r>
-              <a:rPr lang="de-DE" smtClean="0"/>
+              <a:rPr lang="de-CH" smtClean="0"/>
               <a:t>Zweite Ebene</a:t>
             </a:r>
           </a:p>
           <a:p>
             <a:pPr lvl="2"/>
             <a:r>
-              <a:rPr lang="de-DE" smtClean="0"/>
+              <a:rPr lang="de-CH" smtClean="0"/>
               <a:t>Dritte Ebene</a:t>
             </a:r>
           </a:p>
           <a:p>
             <a:pPr lvl="3"/>
             <a:r>
-              <a:rPr lang="de-DE" smtClean="0"/>
+              <a:rPr lang="de-CH" smtClean="0"/>
               <a:t>Vierte Ebene</a:t>
             </a:r>
           </a:p>
           <a:p>
             <a:pPr lvl="4"/>
             <a:r>
-              <a:rPr lang="de-DE" smtClean="0"/>
+              <a:rPr lang="de-CH" smtClean="0"/>
               <a:t>Fünfte Ebene</a:t>
             </a:r>
-            <a:endParaRPr lang="de-CH"/>
+            <a:endParaRPr lang="de-DE"/>
           </a:p>
         </p:txBody>
       </p:sp>
@@ -2871,8 +2965,8 @@
         </p:nvSpPr>
         <p:spPr>
           <a:xfrm>
-            <a:off x="839788" y="2057400"/>
-            <a:ext cx="3932237" cy="3811588"/>
+            <a:off x="457200" y="1435100"/>
+            <a:ext cx="3008313" cy="4691063"/>
           </a:xfrm>
         </p:spPr>
         <p:txBody>
@@ -2880,70 +2974,70 @@
           <a:lstStyle>
             <a:lvl1pPr marL="0" indent="0">
               <a:buNone/>
-              <a:defRPr sz="1600"/>
+              <a:defRPr sz="1400"/>
             </a:lvl1pPr>
             <a:lvl2pPr marL="457200" indent="0">
               <a:buNone/>
-              <a:defRPr sz="1400"/>
+              <a:defRPr sz="1200"/>
             </a:lvl2pPr>
             <a:lvl3pPr marL="914400" indent="0">
               <a:buNone/>
-              <a:defRPr sz="1200"/>
+              <a:defRPr sz="1000"/>
             </a:lvl3pPr>
             <a:lvl4pPr marL="1371600" indent="0">
               <a:buNone/>
-              <a:defRPr sz="1000"/>
+              <a:defRPr sz="900"/>
             </a:lvl4pPr>
             <a:lvl5pPr marL="1828800" indent="0">
               <a:buNone/>
-              <a:defRPr sz="1000"/>
+              <a:defRPr sz="900"/>
             </a:lvl5pPr>
             <a:lvl6pPr marL="2286000" indent="0">
               <a:buNone/>
-              <a:defRPr sz="1000"/>
+              <a:defRPr sz="900"/>
             </a:lvl6pPr>
             <a:lvl7pPr marL="2743200" indent="0">
               <a:buNone/>
-              <a:defRPr sz="1000"/>
+              <a:defRPr sz="900"/>
             </a:lvl7pPr>
             <a:lvl8pPr marL="3200400" indent="0">
               <a:buNone/>
-              <a:defRPr sz="1000"/>
+              <a:defRPr sz="900"/>
             </a:lvl8pPr>
             <a:lvl9pPr marL="3657600" indent="0">
               <a:buNone/>
-              <a:defRPr sz="1000"/>
+              <a:defRPr sz="900"/>
             </a:lvl9pPr>
           </a:lstStyle>
           <a:p>
             <a:pPr lvl="0"/>
             <a:r>
+              <a:rPr lang="de-CH" smtClean="0"/>
+              <a:t>Mastertextformat bearbeiten</a:t>
+            </a:r>
+          </a:p>
+        </p:txBody>
+      </p:sp>
+      <p:sp>
+        <p:nvSpPr>
+          <p:cNvPr id="5" name="Datumsplatzhalter 4"/>
+          <p:cNvSpPr>
+            <a:spLocks noGrp="1"/>
+          </p:cNvSpPr>
+          <p:nvPr>
+            <p:ph type="dt" sz="half" idx="10"/>
+          </p:nvPr>
+        </p:nvSpPr>
+        <p:spPr/>
+        <p:txBody>
+          <a:bodyPr/>
+          <a:lstStyle/>
+          <a:p>
+            <a:fld id="{550EA7F5-C048-764E-A1BB-BCA3DE93A146}" type="datetimeFigureOut">
               <a:rPr lang="de-DE" smtClean="0"/>
-              <a:t>Textmasterformat bearbeiten</a:t>
-            </a:r>
-          </a:p>
-        </p:txBody>
-      </p:sp>
-      <p:sp>
-        <p:nvSpPr>
-          <p:cNvPr id="5" name="Datumsplatzhalter 4"/>
-          <p:cNvSpPr>
-            <a:spLocks noGrp="1"/>
-          </p:cNvSpPr>
-          <p:nvPr>
-            <p:ph type="dt" sz="half" idx="10"/>
-          </p:nvPr>
-        </p:nvSpPr>
-        <p:spPr/>
-        <p:txBody>
-          <a:bodyPr/>
-          <a:lstStyle/>
-          <a:p>
-            <a:fld id="{50577D00-0568-4CC9-8CEB-845F93FB100F}" type="datetimeFigureOut">
-              <a:rPr lang="de-CH" smtClean="0"/>
-              <a:t>08.06.2015</a:t>
+              <a:t>08.06.15</a:t>
             </a:fld>
-            <a:endParaRPr lang="de-CH"/>
+            <a:endParaRPr lang="de-DE"/>
           </a:p>
         </p:txBody>
       </p:sp>
@@ -2962,7 +3056,7 @@
           <a:bodyPr/>
           <a:lstStyle/>
           <a:p>
-            <a:endParaRPr lang="de-CH"/>
+            <a:endParaRPr lang="de-DE"/>
           </a:p>
         </p:txBody>
       </p:sp>
@@ -2981,18 +3075,18 @@
           <a:bodyPr/>
           <a:lstStyle/>
           <a:p>
-            <a:fld id="{0C3A96B5-96BD-4B6B-8AA8-FB31EC620ED8}" type="slidenum">
-              <a:rPr lang="de-CH" smtClean="0"/>
+            <a:fld id="{12B3F91D-C652-8F43-93D2-32C3EBD1B92B}" type="slidenum">
+              <a:rPr lang="de-DE" smtClean="0"/>
               <a:t>‹Nr.›</a:t>
             </a:fld>
-            <a:endParaRPr lang="de-CH"/>
+            <a:endParaRPr lang="de-DE"/>
           </a:p>
         </p:txBody>
       </p:sp>
     </p:spTree>
     <p:extLst>
       <p:ext uri="{BB962C8B-B14F-4D97-AF65-F5344CB8AC3E}">
-        <p14:creationId xmlns:p14="http://schemas.microsoft.com/office/powerpoint/2010/main" val="201753150"/>
+        <p14:creationId xmlns:p14="http://schemas.microsoft.com/office/powerpoint/2010/main" val="1904985844"/>
       </p:ext>
     </p:extLst>
   </p:cSld>
@@ -3004,7 +3098,7 @@
 
 <file path=ppt/slideLayouts/slideLayout9.xml><?xml version="1.0" encoding="utf-8"?>
 <p:sldLayout xmlns:a="http://schemas.openxmlformats.org/drawingml/2006/main" xmlns:r="http://schemas.openxmlformats.org/officeDocument/2006/relationships" xmlns:p="http://schemas.openxmlformats.org/presentationml/2006/main" type="picTx" preserve="1">
-  <p:cSld name="Bild mit Überschrift">
+  <p:cSld name="Bild mit Beschriftung">
     <p:spTree>
       <p:nvGrpSpPr>
         <p:cNvPr id="1" name=""/>
@@ -3031,23 +3125,23 @@
         </p:nvSpPr>
         <p:spPr>
           <a:xfrm>
-            <a:off x="839788" y="457200"/>
-            <a:ext cx="3932237" cy="1600200"/>
+            <a:off x="1792288" y="4800600"/>
+            <a:ext cx="5486400" cy="566738"/>
           </a:xfrm>
         </p:spPr>
         <p:txBody>
           <a:bodyPr anchor="b"/>
           <a:lstStyle>
-            <a:lvl1pPr>
-              <a:defRPr sz="3200"/>
+            <a:lvl1pPr algn="l">
+              <a:defRPr sz="2000" b="1"/>
             </a:lvl1pPr>
           </a:lstStyle>
           <a:p>
             <a:r>
-              <a:rPr lang="de-DE" smtClean="0"/>
-              <a:t>Titelmasterformat durch Klicken bearbeiten</a:t>
-            </a:r>
-            <a:endParaRPr lang="de-CH"/>
+              <a:rPr lang="de-CH" smtClean="0"/>
+              <a:t>Mastertitelformat bearbeiten</a:t>
+            </a:r>
+            <a:endParaRPr lang="de-DE"/>
           </a:p>
         </p:txBody>
       </p:sp>
@@ -3063,8 +3157,8 @@
         </p:nvSpPr>
         <p:spPr>
           <a:xfrm>
-            <a:off x="5183188" y="987425"/>
-            <a:ext cx="6172200" cy="4873625"/>
+            <a:off x="1792288" y="612775"/>
+            <a:ext cx="5486400" cy="4114800"/>
           </a:xfrm>
         </p:spPr>
         <p:txBody>
@@ -3108,7 +3202,7 @@
             </a:lvl9pPr>
           </a:lstStyle>
           <a:p>
-            <a:endParaRPr lang="de-CH"/>
+            <a:endParaRPr lang="de-DE"/>
           </a:p>
         </p:txBody>
       </p:sp>
@@ -3124,8 +3218,8 @@
         </p:nvSpPr>
         <p:spPr>
           <a:xfrm>
-            <a:off x="839788" y="2057400"/>
-            <a:ext cx="3932237" cy="3811588"/>
+            <a:off x="1792288" y="5367338"/>
+            <a:ext cx="5486400" cy="804862"/>
           </a:xfrm>
         </p:spPr>
         <p:txBody>
@@ -3133,70 +3227,70 @@
           <a:lstStyle>
             <a:lvl1pPr marL="0" indent="0">
               <a:buNone/>
-              <a:defRPr sz="1600"/>
+              <a:defRPr sz="1400"/>
             </a:lvl1pPr>
             <a:lvl2pPr marL="457200" indent="0">
               <a:buNone/>
-              <a:defRPr sz="1400"/>
+              <a:defRPr sz="1200"/>
             </a:lvl2pPr>
             <a:lvl3pPr marL="914400" indent="0">
               <a:buNone/>
-              <a:defRPr sz="1200"/>
+              <a:defRPr sz="1000"/>
             </a:lvl3pPr>
             <a:lvl4pPr marL="1371600" indent="0">
               <a:buNone/>
-              <a:defRPr sz="1000"/>
+              <a:defRPr sz="900"/>
             </a:lvl4pPr>
             <a:lvl5pPr marL="1828800" indent="0">
               <a:buNone/>
-              <a:defRPr sz="1000"/>
+              <a:defRPr sz="900"/>
             </a:lvl5pPr>
             <a:lvl6pPr marL="2286000" indent="0">
               <a:buNone/>
-              <a:defRPr sz="1000"/>
+              <a:defRPr sz="900"/>
             </a:lvl6pPr>
             <a:lvl7pPr marL="2743200" indent="0">
               <a:buNone/>
-              <a:defRPr sz="1000"/>
+              <a:defRPr sz="900"/>
             </a:lvl7pPr>
             <a:lvl8pPr marL="3200400" indent="0">
               <a:buNone/>
-              <a:defRPr sz="1000"/>
+              <a:defRPr sz="900"/>
             </a:lvl8pPr>
             <a:lvl9pPr marL="3657600" indent="0">
               <a:buNone/>
-              <a:defRPr sz="1000"/>
+              <a:defRPr sz="900"/>
             </a:lvl9pPr>
           </a:lstStyle>
           <a:p>
             <a:pPr lvl="0"/>
             <a:r>
+              <a:rPr lang="de-CH" smtClean="0"/>
+              <a:t>Mastertextformat bearbeiten</a:t>
+            </a:r>
+          </a:p>
+        </p:txBody>
+      </p:sp>
+      <p:sp>
+        <p:nvSpPr>
+          <p:cNvPr id="5" name="Datumsplatzhalter 4"/>
+          <p:cNvSpPr>
+            <a:spLocks noGrp="1"/>
+          </p:cNvSpPr>
+          <p:nvPr>
+            <p:ph type="dt" sz="half" idx="10"/>
+          </p:nvPr>
+        </p:nvSpPr>
+        <p:spPr/>
+        <p:txBody>
+          <a:bodyPr/>
+          <a:lstStyle/>
+          <a:p>
+            <a:fld id="{550EA7F5-C048-764E-A1BB-BCA3DE93A146}" type="datetimeFigureOut">
               <a:rPr lang="de-DE" smtClean="0"/>
-              <a:t>Textmasterformat bearbeiten</a:t>
-            </a:r>
-          </a:p>
-        </p:txBody>
-      </p:sp>
-      <p:sp>
-        <p:nvSpPr>
-          <p:cNvPr id="5" name="Datumsplatzhalter 4"/>
-          <p:cNvSpPr>
-            <a:spLocks noGrp="1"/>
-          </p:cNvSpPr>
-          <p:nvPr>
-            <p:ph type="dt" sz="half" idx="10"/>
-          </p:nvPr>
-        </p:nvSpPr>
-        <p:spPr/>
-        <p:txBody>
-          <a:bodyPr/>
-          <a:lstStyle/>
-          <a:p>
-            <a:fld id="{50577D00-0568-4CC9-8CEB-845F93FB100F}" type="datetimeFigureOut">
-              <a:rPr lang="de-CH" smtClean="0"/>
-              <a:t>08.06.2015</a:t>
+              <a:t>08.06.15</a:t>
             </a:fld>
-            <a:endParaRPr lang="de-CH"/>
+            <a:endParaRPr lang="de-DE"/>
           </a:p>
         </p:txBody>
       </p:sp>
@@ -3215,7 +3309,7 @@
           <a:bodyPr/>
           <a:lstStyle/>
           <a:p>
-            <a:endParaRPr lang="de-CH"/>
+            <a:endParaRPr lang="de-DE"/>
           </a:p>
         </p:txBody>
       </p:sp>
@@ -3234,18 +3328,18 @@
           <a:bodyPr/>
           <a:lstStyle/>
           <a:p>
-            <a:fld id="{0C3A96B5-96BD-4B6B-8AA8-FB31EC620ED8}" type="slidenum">
-              <a:rPr lang="de-CH" smtClean="0"/>
+            <a:fld id="{12B3F91D-C652-8F43-93D2-32C3EBD1B92B}" type="slidenum">
+              <a:rPr lang="de-DE" smtClean="0"/>
               <a:t>‹Nr.›</a:t>
             </a:fld>
-            <a:endParaRPr lang="de-CH"/>
+            <a:endParaRPr lang="de-DE"/>
           </a:p>
         </p:txBody>
       </p:sp>
     </p:spTree>
     <p:extLst>
       <p:ext uri="{BB962C8B-B14F-4D97-AF65-F5344CB8AC3E}">
-        <p14:creationId xmlns:p14="http://schemas.microsoft.com/office/powerpoint/2010/main" val="4019456513"/>
+        <p14:creationId xmlns:p14="http://schemas.microsoft.com/office/powerpoint/2010/main" val="1781396854"/>
       </p:ext>
     </p:extLst>
   </p:cSld>
@@ -3289,8 +3383,8 @@
         </p:nvSpPr>
         <p:spPr>
           <a:xfrm>
-            <a:off x="838200" y="365125"/>
-            <a:ext cx="10515600" cy="1325563"/>
+            <a:off x="457200" y="274638"/>
+            <a:ext cx="8229600" cy="1143000"/>
           </a:xfrm>
           <a:prstGeom prst="rect">
             <a:avLst/>
@@ -3303,10 +3397,10 @@
           <a:lstStyle/>
           <a:p>
             <a:r>
-              <a:rPr lang="de-DE" smtClean="0"/>
-              <a:t>Titelmasterformat durch Klicken bearbeiten</a:t>
-            </a:r>
-            <a:endParaRPr lang="de-CH"/>
+              <a:rPr lang="de-CH" smtClean="0"/>
+              <a:t>Mastertitelformat bearbeiten</a:t>
+            </a:r>
+            <a:endParaRPr lang="de-DE"/>
           </a:p>
         </p:txBody>
       </p:sp>
@@ -3322,8 +3416,8 @@
         </p:nvSpPr>
         <p:spPr>
           <a:xfrm>
-            <a:off x="838200" y="1825625"/>
-            <a:ext cx="10515600" cy="4351338"/>
+            <a:off x="457200" y="1600200"/>
+            <a:ext cx="8229600" cy="4525963"/>
           </a:xfrm>
           <a:prstGeom prst="rect">
             <a:avLst/>
@@ -3337,38 +3431,38 @@
           <a:p>
             <a:pPr lvl="0"/>
             <a:r>
-              <a:rPr lang="de-DE" smtClean="0"/>
-              <a:t>Textmasterformat bearbeiten</a:t>
+              <a:rPr lang="de-CH" smtClean="0"/>
+              <a:t>Mastertextformat bearbeiten</a:t>
             </a:r>
           </a:p>
           <a:p>
             <a:pPr lvl="1"/>
             <a:r>
-              <a:rPr lang="de-DE" smtClean="0"/>
+              <a:rPr lang="de-CH" smtClean="0"/>
               <a:t>Zweite Ebene</a:t>
             </a:r>
           </a:p>
           <a:p>
             <a:pPr lvl="2"/>
             <a:r>
-              <a:rPr lang="de-DE" smtClean="0"/>
+              <a:rPr lang="de-CH" smtClean="0"/>
               <a:t>Dritte Ebene</a:t>
             </a:r>
           </a:p>
           <a:p>
             <a:pPr lvl="3"/>
             <a:r>
-              <a:rPr lang="de-DE" smtClean="0"/>
+              <a:rPr lang="de-CH" smtClean="0"/>
               <a:t>Vierte Ebene</a:t>
             </a:r>
           </a:p>
           <a:p>
             <a:pPr lvl="4"/>
             <a:r>
-              <a:rPr lang="de-DE" smtClean="0"/>
+              <a:rPr lang="de-CH" smtClean="0"/>
               <a:t>Fünfte Ebene</a:t>
             </a:r>
-            <a:endParaRPr lang="de-CH"/>
+            <a:endParaRPr lang="de-DE"/>
           </a:p>
         </p:txBody>
       </p:sp>
@@ -3384,8 +3478,8 @@
         </p:nvSpPr>
         <p:spPr>
           <a:xfrm>
-            <a:off x="838200" y="6356350"/>
-            <a:ext cx="2743200" cy="365125"/>
+            <a:off x="457200" y="6356350"/>
+            <a:ext cx="2133600" cy="365125"/>
           </a:xfrm>
           <a:prstGeom prst="rect">
             <a:avLst/>
@@ -3405,11 +3499,11 @@
             </a:lvl1pPr>
           </a:lstStyle>
           <a:p>
-            <a:fld id="{50577D00-0568-4CC9-8CEB-845F93FB100F}" type="datetimeFigureOut">
-              <a:rPr lang="de-CH" smtClean="0"/>
-              <a:t>08.06.2015</a:t>
+            <a:fld id="{550EA7F5-C048-764E-A1BB-BCA3DE93A146}" type="datetimeFigureOut">
+              <a:rPr lang="de-DE" smtClean="0"/>
+              <a:t>08.06.15</a:t>
             </a:fld>
-            <a:endParaRPr lang="de-CH"/>
+            <a:endParaRPr lang="de-DE"/>
           </a:p>
         </p:txBody>
       </p:sp>
@@ -3425,8 +3519,8 @@
         </p:nvSpPr>
         <p:spPr>
           <a:xfrm>
-            <a:off x="4038600" y="6356350"/>
-            <a:ext cx="4114800" cy="365125"/>
+            <a:off x="3124200" y="6356350"/>
+            <a:ext cx="2895600" cy="365125"/>
           </a:xfrm>
           <a:prstGeom prst="rect">
             <a:avLst/>
@@ -3446,7 +3540,7 @@
             </a:lvl1pPr>
           </a:lstStyle>
           <a:p>
-            <a:endParaRPr lang="de-CH"/>
+            <a:endParaRPr lang="de-DE"/>
           </a:p>
         </p:txBody>
       </p:sp>
@@ -3462,8 +3556,8 @@
         </p:nvSpPr>
         <p:spPr>
           <a:xfrm>
-            <a:off x="8610600" y="6356350"/>
-            <a:ext cx="2743200" cy="365125"/>
+            <a:off x="6553200" y="6356350"/>
+            <a:ext cx="2133600" cy="365125"/>
           </a:xfrm>
           <a:prstGeom prst="rect">
             <a:avLst/>
@@ -3483,18 +3577,18 @@
             </a:lvl1pPr>
           </a:lstStyle>
           <a:p>
-            <a:fld id="{0C3A96B5-96BD-4B6B-8AA8-FB31EC620ED8}" type="slidenum">
-              <a:rPr lang="de-CH" smtClean="0"/>
+            <a:fld id="{12B3F91D-C652-8F43-93D2-32C3EBD1B92B}" type="slidenum">
+              <a:rPr lang="de-DE" smtClean="0"/>
               <a:t>‹Nr.›</a:t>
             </a:fld>
-            <a:endParaRPr lang="de-CH"/>
+            <a:endParaRPr lang="de-DE"/>
           </a:p>
         </p:txBody>
       </p:sp>
     </p:spTree>
     <p:extLst>
       <p:ext uri="{BB962C8B-B14F-4D97-AF65-F5344CB8AC3E}">
-        <p14:creationId xmlns:p14="http://schemas.microsoft.com/office/powerpoint/2010/main" val="3911369972"/>
+        <p14:creationId xmlns:p14="http://schemas.microsoft.com/office/powerpoint/2010/main" val="966582226"/>
       </p:ext>
     </p:extLst>
   </p:cSld>
@@ -3514,10 +3608,7 @@
   </p:sldLayoutIdLst>
   <p:txStyles>
     <p:titleStyle>
-      <a:lvl1pPr algn="l" defTabSz="914400" rtl="0" eaLnBrk="1" latinLnBrk="0" hangingPunct="1">
-        <a:lnSpc>
-          <a:spcPct val="90000"/>
-        </a:lnSpc>
+      <a:lvl1pPr algn="ctr" defTabSz="457200" rtl="0" eaLnBrk="1" latinLnBrk="0" hangingPunct="1">
         <a:spcBef>
           <a:spcPct val="0"/>
         </a:spcBef>
@@ -3533,15 +3624,27 @@
       </a:lvl1pPr>
     </p:titleStyle>
     <p:bodyStyle>
-      <a:lvl1pPr marL="228600" indent="-228600" algn="l" defTabSz="914400" rtl="0" eaLnBrk="1" latinLnBrk="0" hangingPunct="1">
-        <a:lnSpc>
-          <a:spcPct val="90000"/>
-        </a:lnSpc>
+      <a:lvl1pPr marL="342900" indent="-342900" algn="l" defTabSz="457200" rtl="0" eaLnBrk="1" latinLnBrk="0" hangingPunct="1">
         <a:spcBef>
-          <a:spcPts val="1000"/>
+          <a:spcPct val="20000"/>
         </a:spcBef>
-        <a:buFont typeface="Arial" panose="020B0604020202020204" pitchFamily="34" charset="0"/>
+        <a:buFont typeface="Arial"/>
         <a:buChar char="•"/>
+        <a:defRPr sz="3200" kern="1200">
+          <a:solidFill>
+            <a:schemeClr val="tx1"/>
+          </a:solidFill>
+          <a:latin typeface="+mn-lt"/>
+          <a:ea typeface="+mn-ea"/>
+          <a:cs typeface="+mn-cs"/>
+        </a:defRPr>
+      </a:lvl1pPr>
+      <a:lvl2pPr marL="742950" indent="-285750" algn="l" defTabSz="457200" rtl="0" eaLnBrk="1" latinLnBrk="0" hangingPunct="1">
+        <a:spcBef>
+          <a:spcPct val="20000"/>
+        </a:spcBef>
+        <a:buFont typeface="Arial"/>
+        <a:buChar char="–"/>
         <a:defRPr sz="2800" kern="1200">
           <a:solidFill>
             <a:schemeClr val="tx1"/>
@@ -3550,15 +3653,12 @@
           <a:ea typeface="+mn-ea"/>
           <a:cs typeface="+mn-cs"/>
         </a:defRPr>
-      </a:lvl1pPr>
-      <a:lvl2pPr marL="685800" indent="-228600" algn="l" defTabSz="914400" rtl="0" eaLnBrk="1" latinLnBrk="0" hangingPunct="1">
-        <a:lnSpc>
-          <a:spcPct val="90000"/>
-        </a:lnSpc>
+      </a:lvl2pPr>
+      <a:lvl3pPr marL="1143000" indent="-228600" algn="l" defTabSz="457200" rtl="0" eaLnBrk="1" latinLnBrk="0" hangingPunct="1">
         <a:spcBef>
-          <a:spcPts val="500"/>
+          <a:spcPct val="20000"/>
         </a:spcBef>
-        <a:buFont typeface="Arial" panose="020B0604020202020204" pitchFamily="34" charset="0"/>
+        <a:buFont typeface="Arial"/>
         <a:buChar char="•"/>
         <a:defRPr sz="2400" kern="1200">
           <a:solidFill>
@@ -3568,15 +3668,42 @@
           <a:ea typeface="+mn-ea"/>
           <a:cs typeface="+mn-cs"/>
         </a:defRPr>
-      </a:lvl2pPr>
-      <a:lvl3pPr marL="1143000" indent="-228600" algn="l" defTabSz="914400" rtl="0" eaLnBrk="1" latinLnBrk="0" hangingPunct="1">
-        <a:lnSpc>
-          <a:spcPct val="90000"/>
-        </a:lnSpc>
+      </a:lvl3pPr>
+      <a:lvl4pPr marL="1600200" indent="-228600" algn="l" defTabSz="457200" rtl="0" eaLnBrk="1" latinLnBrk="0" hangingPunct="1">
         <a:spcBef>
-          <a:spcPts val="500"/>
+          <a:spcPct val="20000"/>
         </a:spcBef>
-        <a:buFont typeface="Arial" panose="020B0604020202020204" pitchFamily="34" charset="0"/>
+        <a:buFont typeface="Arial"/>
+        <a:buChar char="–"/>
+        <a:defRPr sz="2000" kern="1200">
+          <a:solidFill>
+            <a:schemeClr val="tx1"/>
+          </a:solidFill>
+          <a:latin typeface="+mn-lt"/>
+          <a:ea typeface="+mn-ea"/>
+          <a:cs typeface="+mn-cs"/>
+        </a:defRPr>
+      </a:lvl4pPr>
+      <a:lvl5pPr marL="2057400" indent="-228600" algn="l" defTabSz="457200" rtl="0" eaLnBrk="1" latinLnBrk="0" hangingPunct="1">
+        <a:spcBef>
+          <a:spcPct val="20000"/>
+        </a:spcBef>
+        <a:buFont typeface="Arial"/>
+        <a:buChar char="»"/>
+        <a:defRPr sz="2000" kern="1200">
+          <a:solidFill>
+            <a:schemeClr val="tx1"/>
+          </a:solidFill>
+          <a:latin typeface="+mn-lt"/>
+          <a:ea typeface="+mn-ea"/>
+          <a:cs typeface="+mn-cs"/>
+        </a:defRPr>
+      </a:lvl5pPr>
+      <a:lvl6pPr marL="2514600" indent="-228600" algn="l" defTabSz="457200" rtl="0" eaLnBrk="1" latinLnBrk="0" hangingPunct="1">
+        <a:spcBef>
+          <a:spcPct val="20000"/>
+        </a:spcBef>
+        <a:buFont typeface="Arial"/>
         <a:buChar char="•"/>
         <a:defRPr sz="2000" kern="1200">
           <a:solidFill>
@@ -3586,71 +3713,14 @@
           <a:ea typeface="+mn-ea"/>
           <a:cs typeface="+mn-cs"/>
         </a:defRPr>
-      </a:lvl3pPr>
-      <a:lvl4pPr marL="1600200" indent="-228600" algn="l" defTabSz="914400" rtl="0" eaLnBrk="1" latinLnBrk="0" hangingPunct="1">
-        <a:lnSpc>
-          <a:spcPct val="90000"/>
-        </a:lnSpc>
+      </a:lvl6pPr>
+      <a:lvl7pPr marL="2971800" indent="-228600" algn="l" defTabSz="457200" rtl="0" eaLnBrk="1" latinLnBrk="0" hangingPunct="1">
         <a:spcBef>
-          <a:spcPts val="500"/>
+          <a:spcPct val="20000"/>
         </a:spcBef>
-        <a:buFont typeface="Arial" panose="020B0604020202020204" pitchFamily="34" charset="0"/>
+        <a:buFont typeface="Arial"/>
         <a:buChar char="•"/>
-        <a:defRPr sz="1800" kern="1200">
-          <a:solidFill>
-            <a:schemeClr val="tx1"/>
-          </a:solidFill>
-          <a:latin typeface="+mn-lt"/>
-          <a:ea typeface="+mn-ea"/>
-          <a:cs typeface="+mn-cs"/>
-        </a:defRPr>
-      </a:lvl4pPr>
-      <a:lvl5pPr marL="2057400" indent="-228600" algn="l" defTabSz="914400" rtl="0" eaLnBrk="1" latinLnBrk="0" hangingPunct="1">
-        <a:lnSpc>
-          <a:spcPct val="90000"/>
-        </a:lnSpc>
-        <a:spcBef>
-          <a:spcPts val="500"/>
-        </a:spcBef>
-        <a:buFont typeface="Arial" panose="020B0604020202020204" pitchFamily="34" charset="0"/>
-        <a:buChar char="•"/>
-        <a:defRPr sz="1800" kern="1200">
-          <a:solidFill>
-            <a:schemeClr val="tx1"/>
-          </a:solidFill>
-          <a:latin typeface="+mn-lt"/>
-          <a:ea typeface="+mn-ea"/>
-          <a:cs typeface="+mn-cs"/>
-        </a:defRPr>
-      </a:lvl5pPr>
-      <a:lvl6pPr marL="2514600" indent="-228600" algn="l" defTabSz="914400" rtl="0" eaLnBrk="1" latinLnBrk="0" hangingPunct="1">
-        <a:lnSpc>
-          <a:spcPct val="90000"/>
-        </a:lnSpc>
-        <a:spcBef>
-          <a:spcPts val="500"/>
-        </a:spcBef>
-        <a:buFont typeface="Arial" panose="020B0604020202020204" pitchFamily="34" charset="0"/>
-        <a:buChar char="•"/>
-        <a:defRPr sz="1800" kern="1200">
-          <a:solidFill>
-            <a:schemeClr val="tx1"/>
-          </a:solidFill>
-          <a:latin typeface="+mn-lt"/>
-          <a:ea typeface="+mn-ea"/>
-          <a:cs typeface="+mn-cs"/>
-        </a:defRPr>
-      </a:lvl6pPr>
-      <a:lvl7pPr marL="2971800" indent="-228600" algn="l" defTabSz="914400" rtl="0" eaLnBrk="1" latinLnBrk="0" hangingPunct="1">
-        <a:lnSpc>
-          <a:spcPct val="90000"/>
-        </a:lnSpc>
-        <a:spcBef>
-          <a:spcPts val="500"/>
-        </a:spcBef>
-        <a:buFont typeface="Arial" panose="020B0604020202020204" pitchFamily="34" charset="0"/>
-        <a:buChar char="•"/>
-        <a:defRPr sz="1800" kern="1200">
+        <a:defRPr sz="2000" kern="1200">
           <a:solidFill>
             <a:schemeClr val="tx1"/>
           </a:solidFill>
@@ -3659,16 +3729,13 @@
           <a:cs typeface="+mn-cs"/>
         </a:defRPr>
       </a:lvl7pPr>
-      <a:lvl8pPr marL="3429000" indent="-228600" algn="l" defTabSz="914400" rtl="0" eaLnBrk="1" latinLnBrk="0" hangingPunct="1">
-        <a:lnSpc>
-          <a:spcPct val="90000"/>
-        </a:lnSpc>
+      <a:lvl8pPr marL="3429000" indent="-228600" algn="l" defTabSz="457200" rtl="0" eaLnBrk="1" latinLnBrk="0" hangingPunct="1">
         <a:spcBef>
-          <a:spcPts val="500"/>
+          <a:spcPct val="20000"/>
         </a:spcBef>
-        <a:buFont typeface="Arial" panose="020B0604020202020204" pitchFamily="34" charset="0"/>
+        <a:buFont typeface="Arial"/>
         <a:buChar char="•"/>
-        <a:defRPr sz="1800" kern="1200">
+        <a:defRPr sz="2000" kern="1200">
           <a:solidFill>
             <a:schemeClr val="tx1"/>
           </a:solidFill>
@@ -3677,16 +3744,13 @@
           <a:cs typeface="+mn-cs"/>
         </a:defRPr>
       </a:lvl8pPr>
-      <a:lvl9pPr marL="3886200" indent="-228600" algn="l" defTabSz="914400" rtl="0" eaLnBrk="1" latinLnBrk="0" hangingPunct="1">
-        <a:lnSpc>
-          <a:spcPct val="90000"/>
-        </a:lnSpc>
+      <a:lvl9pPr marL="3886200" indent="-228600" algn="l" defTabSz="457200" rtl="0" eaLnBrk="1" latinLnBrk="0" hangingPunct="1">
         <a:spcBef>
-          <a:spcPts val="500"/>
+          <a:spcPct val="20000"/>
         </a:spcBef>
-        <a:buFont typeface="Arial" panose="020B0604020202020204" pitchFamily="34" charset="0"/>
+        <a:buFont typeface="Arial"/>
         <a:buChar char="•"/>
-        <a:defRPr sz="1800" kern="1200">
+        <a:defRPr sz="2000" kern="1200">
           <a:solidFill>
             <a:schemeClr val="tx1"/>
           </a:solidFill>
@@ -3700,7 +3764,7 @@
       <a:defPPr>
         <a:defRPr lang="de-DE"/>
       </a:defPPr>
-      <a:lvl1pPr marL="0" algn="l" defTabSz="914400" rtl="0" eaLnBrk="1" latinLnBrk="0" hangingPunct="1">
+      <a:lvl1pPr marL="0" algn="l" defTabSz="457200" rtl="0" eaLnBrk="1" latinLnBrk="0" hangingPunct="1">
         <a:defRPr sz="1800" kern="1200">
           <a:solidFill>
             <a:schemeClr val="tx1"/>
@@ -3710,7 +3774,7 @@
           <a:cs typeface="+mn-cs"/>
         </a:defRPr>
       </a:lvl1pPr>
-      <a:lvl2pPr marL="457200" algn="l" defTabSz="914400" rtl="0" eaLnBrk="1" latinLnBrk="0" hangingPunct="1">
+      <a:lvl2pPr marL="457200" algn="l" defTabSz="457200" rtl="0" eaLnBrk="1" latinLnBrk="0" hangingPunct="1">
         <a:defRPr sz="1800" kern="1200">
           <a:solidFill>
             <a:schemeClr val="tx1"/>
@@ -3720,7 +3784,7 @@
           <a:cs typeface="+mn-cs"/>
         </a:defRPr>
       </a:lvl2pPr>
-      <a:lvl3pPr marL="914400" algn="l" defTabSz="914400" rtl="0" eaLnBrk="1" latinLnBrk="0" hangingPunct="1">
+      <a:lvl3pPr marL="914400" algn="l" defTabSz="457200" rtl="0" eaLnBrk="1" latinLnBrk="0" hangingPunct="1">
         <a:defRPr sz="1800" kern="1200">
           <a:solidFill>
             <a:schemeClr val="tx1"/>
@@ -3730,7 +3794,7 @@
           <a:cs typeface="+mn-cs"/>
         </a:defRPr>
       </a:lvl3pPr>
-      <a:lvl4pPr marL="1371600" algn="l" defTabSz="914400" rtl="0" eaLnBrk="1" latinLnBrk="0" hangingPunct="1">
+      <a:lvl4pPr marL="1371600" algn="l" defTabSz="457200" rtl="0" eaLnBrk="1" latinLnBrk="0" hangingPunct="1">
         <a:defRPr sz="1800" kern="1200">
           <a:solidFill>
             <a:schemeClr val="tx1"/>
@@ -3740,7 +3804,7 @@
           <a:cs typeface="+mn-cs"/>
         </a:defRPr>
       </a:lvl4pPr>
-      <a:lvl5pPr marL="1828800" algn="l" defTabSz="914400" rtl="0" eaLnBrk="1" latinLnBrk="0" hangingPunct="1">
+      <a:lvl5pPr marL="1828800" algn="l" defTabSz="457200" rtl="0" eaLnBrk="1" latinLnBrk="0" hangingPunct="1">
         <a:defRPr sz="1800" kern="1200">
           <a:solidFill>
             <a:schemeClr val="tx1"/>
@@ -3750,7 +3814,7 @@
           <a:cs typeface="+mn-cs"/>
         </a:defRPr>
       </a:lvl5pPr>
-      <a:lvl6pPr marL="2286000" algn="l" defTabSz="914400" rtl="0" eaLnBrk="1" latinLnBrk="0" hangingPunct="1">
+      <a:lvl6pPr marL="2286000" algn="l" defTabSz="457200" rtl="0" eaLnBrk="1" latinLnBrk="0" hangingPunct="1">
         <a:defRPr sz="1800" kern="1200">
           <a:solidFill>
             <a:schemeClr val="tx1"/>
@@ -3760,7 +3824,7 @@
           <a:cs typeface="+mn-cs"/>
         </a:defRPr>
       </a:lvl6pPr>
-      <a:lvl7pPr marL="2743200" algn="l" defTabSz="914400" rtl="0" eaLnBrk="1" latinLnBrk="0" hangingPunct="1">
+      <a:lvl7pPr marL="2743200" algn="l" defTabSz="457200" rtl="0" eaLnBrk="1" latinLnBrk="0" hangingPunct="1">
         <a:defRPr sz="1800" kern="1200">
           <a:solidFill>
             <a:schemeClr val="tx1"/>
@@ -3770,7 +3834,7 @@
           <a:cs typeface="+mn-cs"/>
         </a:defRPr>
       </a:lvl7pPr>
-      <a:lvl8pPr marL="3200400" algn="l" defTabSz="914400" rtl="0" eaLnBrk="1" latinLnBrk="0" hangingPunct="1">
+      <a:lvl8pPr marL="3200400" algn="l" defTabSz="457200" rtl="0" eaLnBrk="1" latinLnBrk="0" hangingPunct="1">
         <a:defRPr sz="1800" kern="1200">
           <a:solidFill>
             <a:schemeClr val="tx1"/>
@@ -3780,7 +3844,7 @@
           <a:cs typeface="+mn-cs"/>
         </a:defRPr>
       </a:lvl8pPr>
-      <a:lvl9pPr marL="3657600" algn="l" defTabSz="914400" rtl="0" eaLnBrk="1" latinLnBrk="0" hangingPunct="1">
+      <a:lvl9pPr marL="3657600" algn="l" defTabSz="457200" rtl="0" eaLnBrk="1" latinLnBrk="0" hangingPunct="1">
         <a:defRPr sz="1800" kern="1200">
           <a:solidFill>
             <a:schemeClr val="tx1"/>
@@ -3822,30 +3886,16 @@
             <p:ph type="ctrTitle"/>
           </p:nvPr>
         </p:nvSpPr>
-        <p:spPr>
-          <a:xfrm>
-            <a:off x="1524000" y="2022249"/>
-            <a:ext cx="9144000" cy="2387600"/>
-          </a:xfrm>
-        </p:spPr>
-        <p:txBody>
-          <a:bodyPr>
-            <a:normAutofit/>
-          </a:bodyPr>
-          <a:lstStyle/>
-          <a:p>
-            <a:r>
-              <a:rPr lang="de-CH" sz="7200" b="1" dirty="0" smtClean="0"/>
-              <a:t/>
-            </a:r>
-            <a:br>
-              <a:rPr lang="de-CH" sz="7200" b="1" dirty="0" smtClean="0"/>
-            </a:br>
-            <a:r>
-              <a:rPr lang="de-CH" sz="7200" b="1" dirty="0" smtClean="0"/>
-              <a:t>PatientenApp</a:t>
-            </a:r>
-            <a:endParaRPr lang="de-CH" sz="7200" b="1" dirty="0"/>
+        <p:spPr/>
+        <p:txBody>
+          <a:bodyPr/>
+          <a:lstStyle/>
+          <a:p>
+            <a:r>
+              <a:rPr lang="de-DE" dirty="0" smtClean="0"/>
+              <a:t>Schlusspräsentation</a:t>
+            </a:r>
+            <a:endParaRPr lang="de-DE" dirty="0"/>
           </a:p>
         </p:txBody>
       </p:sp>
@@ -3859,47 +3909,16 @@
             <p:ph type="subTitle" idx="1"/>
           </p:nvPr>
         </p:nvSpPr>
-        <p:spPr>
-          <a:xfrm>
-            <a:off x="1524000" y="4501924"/>
-            <a:ext cx="9144000" cy="1655762"/>
-          </a:xfrm>
-        </p:spPr>
-        <p:txBody>
-          <a:bodyPr/>
-          <a:lstStyle/>
-          <a:p>
-            <a:r>
-              <a:rPr lang="de-CH" dirty="0" smtClean="0"/>
-              <a:t>Gruppe </a:t>
-            </a:r>
-            <a:r>
-              <a:rPr lang="de-CH" dirty="0" smtClean="0">
-                <a:solidFill>
-                  <a:srgbClr val="D10505"/>
-                </a:solidFill>
-              </a:rPr>
-              <a:t>ROT</a:t>
-            </a:r>
-            <a:r>
-              <a:rPr lang="de-CH" dirty="0" smtClean="0"/>
-              <a:t/>
-            </a:r>
-            <a:br>
-              <a:rPr lang="de-CH" dirty="0" smtClean="0"/>
-            </a:br>
-            <a:r>
-              <a:rPr lang="de-CH" dirty="0" smtClean="0"/>
-              <a:t/>
-            </a:r>
-            <a:br>
-              <a:rPr lang="de-CH" dirty="0" smtClean="0"/>
-            </a:br>
-            <a:r>
-              <a:rPr lang="de-CH" dirty="0" smtClean="0"/>
-              <a:t>James, Lukas, Markus, Filip, Stefan, Thomas</a:t>
-            </a:r>
-            <a:endParaRPr lang="de-CH" dirty="0"/>
+        <p:spPr/>
+        <p:txBody>
+          <a:bodyPr/>
+          <a:lstStyle/>
+          <a:p>
+            <a:r>
+              <a:rPr lang="de-DE" dirty="0" smtClean="0"/>
+              <a:t>James, Stefan, Thomas, Filip, Lukas, Markus</a:t>
+            </a:r>
+            <a:endParaRPr lang="de-DE" dirty="0"/>
           </a:p>
         </p:txBody>
       </p:sp>
@@ -3911,48 +3930,39 @@
         </p:nvSpPr>
         <p:spPr>
           <a:xfrm>
-            <a:off x="0" y="0"/>
-            <a:ext cx="12192000" cy="1481070"/>
+            <a:off x="2862910" y="575785"/>
+            <a:ext cx="4009174" cy="923330"/>
           </a:xfrm>
           <a:prstGeom prst="rect">
             <a:avLst/>
           </a:prstGeom>
-          <a:solidFill>
-            <a:srgbClr val="D10505"/>
-          </a:solidFill>
-          <a:ln>
-            <a:noFill/>
-          </a:ln>
         </p:spPr>
-        <p:style>
-          <a:lnRef idx="2">
-            <a:schemeClr val="accent1">
-              <a:shade val="50000"/>
-            </a:schemeClr>
-          </a:lnRef>
-          <a:fillRef idx="1">
-            <a:schemeClr val="accent1"/>
-          </a:fillRef>
-          <a:effectRef idx="0">
-            <a:schemeClr val="accent1"/>
-          </a:effectRef>
-          <a:fontRef idx="minor">
-            <a:schemeClr val="lt1"/>
-          </a:fontRef>
-        </p:style>
-        <p:txBody>
-          <a:bodyPr rtlCol="0" anchor="ctr"/>
-          <a:lstStyle/>
-          <a:p>
-            <a:pPr algn="ctr"/>
-            <a:endParaRPr lang="de-CH"/>
+        <p:txBody>
+          <a:bodyPr wrap="none">
+            <a:spAutoFit/>
+          </a:bodyPr>
+          <a:lstStyle/>
+          <a:p>
+            <a:r>
+              <a:rPr lang="de-DE" sz="5400" dirty="0" err="1" smtClean="0">
+                <a:solidFill>
+                  <a:srgbClr val="C00000"/>
+                </a:solidFill>
+              </a:rPr>
+              <a:t>PatientenApp</a:t>
+            </a:r>
+            <a:endParaRPr lang="de-DE" sz="5400" dirty="0">
+              <a:solidFill>
+                <a:srgbClr val="C00000"/>
+              </a:solidFill>
+            </a:endParaRPr>
           </a:p>
         </p:txBody>
       </p:sp>
     </p:spTree>
     <p:extLst>
       <p:ext uri="{BB962C8B-B14F-4D97-AF65-F5344CB8AC3E}">
-        <p14:creationId xmlns:p14="http://schemas.microsoft.com/office/powerpoint/2010/main" val="2848842981"/>
+        <p14:creationId xmlns:p14="http://schemas.microsoft.com/office/powerpoint/2010/main" val="1898173640"/>
       </p:ext>
     </p:extLst>
   </p:cSld>
@@ -3988,247 +3998,84 @@
       </p:grpSpPr>
       <p:sp>
         <p:nvSpPr>
-          <p:cNvPr id="4" name="Rechteck 3"/>
-          <p:cNvSpPr/>
-          <p:nvPr/>
-        </p:nvSpPr>
-        <p:spPr>
+          <p:cNvPr id="2" name="Title 1"/>
+          <p:cNvSpPr>
+            <a:spLocks noGrp="1"/>
+          </p:cNvSpPr>
+          <p:nvPr>
+            <p:ph type="title"/>
+          </p:nvPr>
+        </p:nvSpPr>
+        <p:spPr/>
+        <p:txBody>
+          <a:bodyPr/>
+          <a:lstStyle/>
+          <a:p>
+            <a:r>
+              <a:rPr lang="en-US" dirty="0" err="1" smtClean="0"/>
+              <a:t>Erfahrungen</a:t>
+            </a:r>
+            <a:r>
+              <a:rPr lang="en-US" dirty="0" smtClean="0"/>
+              <a:t>: James 3/5</a:t>
+            </a:r>
+            <a:endParaRPr lang="en-GB" dirty="0"/>
+          </a:p>
+        </p:txBody>
+      </p:sp>
+      <p:pic>
+        <p:nvPicPr>
+          <p:cNvPr id="6" name="Picture 2" descr="C:\Users\James\workspaceLuna\PatientApp\doc\task14\finalpresentation.png"/>
+          <p:cNvPicPr>
+            <a:picLocks noGrp="1" noChangeAspect="1" noChangeArrowheads="1"/>
+          </p:cNvPicPr>
+          <p:nvPr>
+            <p:ph idx="1"/>
+          </p:nvPr>
+        </p:nvPicPr>
+        <p:blipFill>
+          <a:blip r:embed="rId2">
+            <a:extLst>
+              <a:ext uri="{28A0092B-C50C-407E-A947-70E740481C1C}">
+                <a14:useLocalDpi xmlns:a14="http://schemas.microsoft.com/office/drawing/2010/main" val="0"/>
+              </a:ext>
+            </a:extLst>
+          </a:blip>
+          <a:srcRect/>
+          <a:stretch>
+            <a:fillRect/>
+          </a:stretch>
+        </p:blipFill>
+        <p:spPr bwMode="auto">
           <a:xfrm>
-            <a:off x="0" y="0"/>
-            <a:ext cx="12192000" cy="1481070"/>
+            <a:off x="182335" y="1716655"/>
+            <a:ext cx="8779329" cy="4587907"/>
           </a:xfrm>
           <a:prstGeom prst="rect">
             <a:avLst/>
           </a:prstGeom>
-          <a:solidFill>
-            <a:srgbClr val="D10505"/>
-          </a:solidFill>
-          <a:ln>
-            <a:noFill/>
-          </a:ln>
+          <a:noFill/>
+          <a:extLst>
+            <a:ext uri="{909E8E84-426E-40DD-AFC4-6F175D3DCCD1}">
+              <a14:hiddenFill xmlns:a14="http://schemas.microsoft.com/office/drawing/2010/main">
+                <a:solidFill>
+                  <a:srgbClr val="FFFFFF"/>
+                </a:solidFill>
+              </a14:hiddenFill>
+            </a:ext>
+          </a:extLst>
         </p:spPr>
-        <p:style>
-          <a:lnRef idx="2">
-            <a:schemeClr val="accent1">
-              <a:shade val="50000"/>
-            </a:schemeClr>
-          </a:lnRef>
-          <a:fillRef idx="1">
-            <a:schemeClr val="accent1"/>
-          </a:fillRef>
-          <a:effectRef idx="0">
-            <a:schemeClr val="accent1"/>
-          </a:effectRef>
-          <a:fontRef idx="minor">
-            <a:schemeClr val="lt1"/>
-          </a:fontRef>
-        </p:style>
-        <p:txBody>
-          <a:bodyPr rtlCol="0" anchor="ctr"/>
-          <a:lstStyle/>
-          <a:p>
-            <a:pPr algn="ctr"/>
-            <a:endParaRPr lang="de-CH"/>
-          </a:p>
-        </p:txBody>
-      </p:sp>
-      <p:sp>
-        <p:nvSpPr>
-          <p:cNvPr id="2" name="Titel 1"/>
-          <p:cNvSpPr>
-            <a:spLocks noGrp="1"/>
-          </p:cNvSpPr>
-          <p:nvPr>
-            <p:ph type="title"/>
-          </p:nvPr>
-        </p:nvSpPr>
-        <p:spPr/>
-        <p:txBody>
-          <a:bodyPr>
-            <a:normAutofit/>
-          </a:bodyPr>
-          <a:lstStyle/>
-          <a:p>
-            <a:pPr algn="l"/>
-            <a:r>
-              <a:rPr lang="en-US" sz="7200" b="1" smtClean="0">
-                <a:solidFill>
-                  <a:schemeClr val="bg1"/>
-                </a:solidFill>
-              </a:rPr>
-              <a:t>Scrum retrospective</a:t>
-            </a:r>
-            <a:endParaRPr lang="de-CH" sz="7200" b="1" dirty="0">
-              <a:solidFill>
-                <a:schemeClr val="bg1"/>
-              </a:solidFill>
-            </a:endParaRPr>
-          </a:p>
-        </p:txBody>
-      </p:sp>
-      <p:sp>
-        <p:nvSpPr>
-          <p:cNvPr id="3" name="Content Placeholder 2"/>
-          <p:cNvSpPr>
-            <a:spLocks noGrp="1"/>
-          </p:cNvSpPr>
-          <p:nvPr>
-            <p:ph idx="1"/>
-          </p:nvPr>
-        </p:nvSpPr>
-        <p:spPr/>
-        <p:txBody>
-          <a:bodyPr/>
-          <a:lstStyle/>
-          <a:p>
-            <a:r>
-              <a:rPr lang="en-US" dirty="0" err="1" smtClean="0"/>
-              <a:t>Gps</a:t>
-            </a:r>
-            <a:r>
-              <a:rPr lang="en-US" dirty="0" smtClean="0"/>
-              <a:t> Tracking </a:t>
-            </a:r>
-            <a:r>
-              <a:rPr lang="en-US" dirty="0" err="1" smtClean="0"/>
-              <a:t>mit</a:t>
-            </a:r>
-            <a:r>
-              <a:rPr lang="en-US" dirty="0" smtClean="0"/>
-              <a:t> Google Maps</a:t>
-            </a:r>
-          </a:p>
-          <a:p>
-            <a:r>
-              <a:rPr lang="en-US" dirty="0" err="1" smtClean="0"/>
-              <a:t>Berechnungen</a:t>
-            </a:r>
-            <a:endParaRPr lang="en-US" dirty="0" smtClean="0"/>
-          </a:p>
-          <a:p>
-            <a:pPr lvl="1"/>
-            <a:r>
-              <a:rPr lang="en-US" dirty="0" err="1" smtClean="0"/>
-              <a:t>Distanz</a:t>
-            </a:r>
-            <a:r>
-              <a:rPr lang="en-US" dirty="0" smtClean="0"/>
-              <a:t> </a:t>
-            </a:r>
-            <a:r>
-              <a:rPr lang="en-US" dirty="0" err="1" smtClean="0"/>
-              <a:t>bis</a:t>
-            </a:r>
-            <a:r>
-              <a:rPr lang="en-US" dirty="0" smtClean="0"/>
-              <a:t> </a:t>
-            </a:r>
-            <a:r>
-              <a:rPr lang="en-US" dirty="0" err="1" smtClean="0"/>
-              <a:t>zum</a:t>
-            </a:r>
-            <a:r>
-              <a:rPr lang="en-US" dirty="0" smtClean="0"/>
-              <a:t> </a:t>
-            </a:r>
-            <a:r>
-              <a:rPr lang="en-US" dirty="0" err="1" smtClean="0"/>
-              <a:t>Ziel</a:t>
-            </a:r>
-            <a:r>
-              <a:rPr lang="en-US" dirty="0" smtClean="0"/>
-              <a:t> </a:t>
-            </a:r>
-          </a:p>
-          <a:p>
-            <a:pPr lvl="1"/>
-            <a:r>
-              <a:rPr lang="en-US" dirty="0" err="1" smtClean="0"/>
-              <a:t>Optimales</a:t>
-            </a:r>
-            <a:r>
-              <a:rPr lang="en-US" dirty="0" smtClean="0"/>
-              <a:t> </a:t>
-            </a:r>
-            <a:r>
-              <a:rPr lang="en-US" dirty="0" err="1" smtClean="0"/>
-              <a:t>Zoomlevel</a:t>
-            </a:r>
-            <a:endParaRPr lang="en-US" dirty="0" smtClean="0"/>
-          </a:p>
-          <a:p>
-            <a:pPr lvl="1"/>
-            <a:r>
-              <a:rPr lang="en-US" dirty="0" err="1" smtClean="0"/>
-              <a:t>Kartenmitte</a:t>
-            </a:r>
-            <a:endParaRPr lang="en-US" dirty="0" smtClean="0"/>
-          </a:p>
-          <a:p>
-            <a:r>
-              <a:rPr lang="en-US" dirty="0" smtClean="0"/>
-              <a:t>Simulator </a:t>
-            </a:r>
-            <a:r>
-              <a:rPr lang="en-US" dirty="0" err="1" smtClean="0"/>
-              <a:t>für</a:t>
-            </a:r>
-            <a:r>
-              <a:rPr lang="en-US" dirty="0" smtClean="0"/>
-              <a:t> </a:t>
-            </a:r>
-            <a:r>
-              <a:rPr lang="en-US" dirty="0" err="1" smtClean="0"/>
-              <a:t>GpsLocation</a:t>
-            </a:r>
-            <a:r>
-              <a:rPr lang="en-US" dirty="0" smtClean="0"/>
-              <a:t> </a:t>
-            </a:r>
-          </a:p>
-          <a:p>
-            <a:r>
-              <a:rPr lang="en-US" dirty="0" err="1" smtClean="0"/>
-              <a:t>Bugfixing</a:t>
-            </a:r>
-            <a:r>
-              <a:rPr lang="en-US" dirty="0"/>
-              <a:t> </a:t>
-            </a:r>
-            <a:r>
-              <a:rPr lang="en-US" dirty="0" err="1" smtClean="0"/>
-              <a:t>Vaadin</a:t>
-            </a:r>
-            <a:r>
-              <a:rPr lang="en-US" dirty="0" smtClean="0"/>
-              <a:t> Google Maps </a:t>
-            </a:r>
-            <a:r>
-              <a:rPr lang="en-US" dirty="0" err="1" smtClean="0"/>
-              <a:t>Komponente</a:t>
-            </a:r>
-            <a:endParaRPr lang="de-CH" dirty="0"/>
-          </a:p>
-        </p:txBody>
-      </p:sp>
+      </p:pic>
     </p:spTree>
     <p:extLst>
       <p:ext uri="{BB962C8B-B14F-4D97-AF65-F5344CB8AC3E}">
-        <p14:creationId xmlns:p14="http://schemas.microsoft.com/office/powerpoint/2010/main" val="1468708032"/>
+        <p14:creationId xmlns:p14="http://schemas.microsoft.com/office/powerpoint/2010/main" val="661761152"/>
       </p:ext>
     </p:extLst>
   </p:cSld>
   <p:clrMapOvr>
     <a:masterClrMapping/>
   </p:clrMapOvr>
-  <mc:AlternateContent xmlns:mc="http://schemas.openxmlformats.org/markup-compatibility/2006">
-    <mc:Choice xmlns:p14="http://schemas.microsoft.com/office/powerpoint/2010/main" Requires="p14">
-      <p:transition spd="slow" p14:dur="2000"/>
-    </mc:Choice>
-    <mc:Fallback>
-      <p:transition spd="slow"/>
-    </mc:Fallback>
-  </mc:AlternateContent>
   <p:timing>
     <p:tnLst>
       <p:par>
@@ -4258,53 +4105,7 @@
       </p:grpSpPr>
       <p:sp>
         <p:nvSpPr>
-          <p:cNvPr id="4" name="Rechteck 3"/>
-          <p:cNvSpPr/>
-          <p:nvPr/>
-        </p:nvSpPr>
-        <p:spPr>
-          <a:xfrm>
-            <a:off x="0" y="0"/>
-            <a:ext cx="12192000" cy="1481070"/>
-          </a:xfrm>
-          <a:prstGeom prst="rect">
-            <a:avLst/>
-          </a:prstGeom>
-          <a:solidFill>
-            <a:srgbClr val="D10505"/>
-          </a:solidFill>
-          <a:ln>
-            <a:noFill/>
-          </a:ln>
-        </p:spPr>
-        <p:style>
-          <a:lnRef idx="2">
-            <a:schemeClr val="accent1">
-              <a:shade val="50000"/>
-            </a:schemeClr>
-          </a:lnRef>
-          <a:fillRef idx="1">
-            <a:schemeClr val="accent1"/>
-          </a:fillRef>
-          <a:effectRef idx="0">
-            <a:schemeClr val="accent1"/>
-          </a:effectRef>
-          <a:fontRef idx="minor">
-            <a:schemeClr val="lt1"/>
-          </a:fontRef>
-        </p:style>
-        <p:txBody>
-          <a:bodyPr rtlCol="0" anchor="ctr"/>
-          <a:lstStyle/>
-          <a:p>
-            <a:pPr algn="ctr"/>
-            <a:endParaRPr lang="de-CH"/>
-          </a:p>
-        </p:txBody>
-      </p:sp>
-      <p:sp>
-        <p:nvSpPr>
-          <p:cNvPr id="2" name="Titel 1"/>
+          <p:cNvPr id="2" name="Title 1"/>
           <p:cNvSpPr>
             <a:spLocks noGrp="1"/>
           </p:cNvSpPr>
@@ -4314,23 +4115,24 @@
         </p:nvSpPr>
         <p:spPr/>
         <p:txBody>
-          <a:bodyPr>
-            <a:normAutofit/>
-          </a:bodyPr>
-          <a:lstStyle/>
-          <a:p>
-            <a:pPr algn="l"/>
-            <a:endParaRPr lang="de-CH" sz="7200" b="1" dirty="0">
-              <a:solidFill>
-                <a:schemeClr val="bg1"/>
-              </a:solidFill>
-            </a:endParaRPr>
+          <a:bodyPr/>
+          <a:lstStyle/>
+          <a:p>
+            <a:r>
+              <a:rPr lang="en-US" dirty="0" err="1" smtClean="0"/>
+              <a:t>Erfahrungen</a:t>
+            </a:r>
+            <a:r>
+              <a:rPr lang="en-US" dirty="0" smtClean="0"/>
+              <a:t>: James 4/5</a:t>
+            </a:r>
+            <a:endParaRPr lang="en-GB" dirty="0"/>
           </a:p>
         </p:txBody>
       </p:sp>
       <p:pic>
         <p:nvPicPr>
-          <p:cNvPr id="1026" name="Picture 2" descr="C:\Users\James\workspaceLuna\PatientApp\doc\task14\finalpresentation.png"/>
+          <p:cNvPr id="6" name="Picture 2" descr="C:\Users\James\Desktop\Capturebettybossi.PNG"/>
           <p:cNvPicPr>
             <a:picLocks noGrp="1" noChangeAspect="1" noChangeArrowheads="1"/>
           </p:cNvPicPr>
@@ -4353,8 +4155,49 @@
         </p:blipFill>
         <p:spPr bwMode="auto">
           <a:xfrm>
-            <a:off x="21903" y="26348"/>
-            <a:ext cx="12170097" cy="6359857"/>
+            <a:off x="0" y="1960042"/>
+            <a:ext cx="8421192" cy="3727205"/>
+          </a:xfrm>
+          <a:prstGeom prst="rect">
+            <a:avLst/>
+          </a:prstGeom>
+          <a:noFill/>
+          <a:extLst>
+            <a:ext uri="{909E8E84-426E-40DD-AFC4-6F175D3DCCD1}">
+              <a14:hiddenFill xmlns:a14="http://schemas.microsoft.com/office/drawing/2010/main">
+                <a:solidFill>
+                  <a:srgbClr val="FFFFFF"/>
+                </a:solidFill>
+              </a14:hiddenFill>
+            </a:ext>
+          </a:extLst>
+        </p:spPr>
+      </p:pic>
+      <p:pic>
+        <p:nvPicPr>
+          <p:cNvPr id="7" name="Picture 2" descr="C:\Users\James\Desktop\havesine.PNG"/>
+          <p:cNvPicPr>
+            <a:picLocks noChangeAspect="1" noChangeArrowheads="1"/>
+          </p:cNvPicPr>
+          <p:nvPr/>
+        </p:nvPicPr>
+        <p:blipFill>
+          <a:blip r:embed="rId3">
+            <a:extLst>
+              <a:ext uri="{28A0092B-C50C-407E-A947-70E740481C1C}">
+                <a14:useLocalDpi xmlns:a14="http://schemas.microsoft.com/office/drawing/2010/main" val="0"/>
+              </a:ext>
+            </a:extLst>
+          </a:blip>
+          <a:srcRect/>
+          <a:stretch>
+            <a:fillRect/>
+          </a:stretch>
+        </p:blipFill>
+        <p:spPr bwMode="auto">
+          <a:xfrm>
+            <a:off x="4380840" y="2440216"/>
+            <a:ext cx="4773234" cy="613228"/>
           </a:xfrm>
           <a:prstGeom prst="rect">
             <a:avLst/>
@@ -4374,7 +4217,7 @@
     </p:spTree>
     <p:extLst>
       <p:ext uri="{BB962C8B-B14F-4D97-AF65-F5344CB8AC3E}">
-        <p14:creationId xmlns:p14="http://schemas.microsoft.com/office/powerpoint/2010/main" val="923453395"/>
+        <p14:creationId xmlns:p14="http://schemas.microsoft.com/office/powerpoint/2010/main" val="425245975"/>
       </p:ext>
     </p:extLst>
   </p:cSld>
@@ -4410,53 +4253,7 @@
       </p:grpSpPr>
       <p:sp>
         <p:nvSpPr>
-          <p:cNvPr id="4" name="Rechteck 3"/>
-          <p:cNvSpPr/>
-          <p:nvPr/>
-        </p:nvSpPr>
-        <p:spPr>
-          <a:xfrm>
-            <a:off x="0" y="0"/>
-            <a:ext cx="12192000" cy="1481070"/>
-          </a:xfrm>
-          <a:prstGeom prst="rect">
-            <a:avLst/>
-          </a:prstGeom>
-          <a:solidFill>
-            <a:srgbClr val="D10505"/>
-          </a:solidFill>
-          <a:ln>
-            <a:noFill/>
-          </a:ln>
-        </p:spPr>
-        <p:style>
-          <a:lnRef idx="2">
-            <a:schemeClr val="accent1">
-              <a:shade val="50000"/>
-            </a:schemeClr>
-          </a:lnRef>
-          <a:fillRef idx="1">
-            <a:schemeClr val="accent1"/>
-          </a:fillRef>
-          <a:effectRef idx="0">
-            <a:schemeClr val="accent1"/>
-          </a:effectRef>
-          <a:fontRef idx="minor">
-            <a:schemeClr val="lt1"/>
-          </a:fontRef>
-        </p:style>
-        <p:txBody>
-          <a:bodyPr rtlCol="0" anchor="ctr"/>
-          <a:lstStyle/>
-          <a:p>
-            <a:pPr algn="ctr"/>
-            <a:endParaRPr lang="de-CH"/>
-          </a:p>
-        </p:txBody>
-      </p:sp>
-      <p:sp>
-        <p:nvSpPr>
-          <p:cNvPr id="2" name="Titel 1"/>
+          <p:cNvPr id="2" name="Title 1"/>
           <p:cNvSpPr>
             <a:spLocks noGrp="1"/>
           </p:cNvSpPr>
@@ -4466,80 +4263,31 @@
         </p:nvSpPr>
         <p:spPr/>
         <p:txBody>
-          <a:bodyPr>
-            <a:normAutofit/>
-          </a:bodyPr>
-          <a:lstStyle/>
-          <a:p>
-            <a:pPr algn="l"/>
-            <a:r>
-              <a:rPr lang="en-US" sz="7200" b="1" dirty="0" err="1" smtClean="0">
-                <a:solidFill>
-                  <a:schemeClr val="bg1"/>
-                </a:solidFill>
-              </a:rPr>
-              <a:t>Distanz</a:t>
-            </a:r>
-            <a:r>
-              <a:rPr lang="en-US" sz="7200" b="1" dirty="0" smtClean="0">
-                <a:solidFill>
-                  <a:schemeClr val="bg1"/>
-                </a:solidFill>
-              </a:rPr>
-              <a:t> </a:t>
-            </a:r>
-            <a:r>
-              <a:rPr lang="en-US" sz="7200" b="1" dirty="0" err="1" smtClean="0">
-                <a:solidFill>
-                  <a:schemeClr val="bg1"/>
-                </a:solidFill>
-              </a:rPr>
-              <a:t>Gps</a:t>
-            </a:r>
-            <a:r>
-              <a:rPr lang="en-US" sz="7200" b="1" dirty="0" smtClean="0">
-                <a:solidFill>
-                  <a:schemeClr val="bg1"/>
-                </a:solidFill>
-              </a:rPr>
-              <a:t> </a:t>
-            </a:r>
-            <a:r>
-              <a:rPr lang="en-US" sz="7200" b="1" dirty="0" err="1" smtClean="0">
-                <a:solidFill>
-                  <a:schemeClr val="bg1"/>
-                </a:solidFill>
-              </a:rPr>
-              <a:t>Koordinaten</a:t>
-            </a:r>
-            <a:r>
-              <a:rPr lang="en-US" sz="7200" b="1" dirty="0" smtClean="0">
-                <a:solidFill>
-                  <a:schemeClr val="bg1"/>
-                </a:solidFill>
-              </a:rPr>
-              <a:t>	</a:t>
-            </a:r>
-            <a:endParaRPr lang="de-CH" sz="7200" b="1" dirty="0">
-              <a:solidFill>
-                <a:schemeClr val="bg1"/>
-              </a:solidFill>
-            </a:endParaRPr>
+          <a:bodyPr/>
+          <a:lstStyle/>
+          <a:p>
+            <a:r>
+              <a:rPr lang="en-US" dirty="0" err="1" smtClean="0"/>
+              <a:t>Erfahrungen</a:t>
+            </a:r>
+            <a:r>
+              <a:rPr lang="en-US" dirty="0" smtClean="0"/>
+              <a:t>: James 5/5</a:t>
+            </a:r>
+            <a:endParaRPr lang="en-GB" dirty="0"/>
           </a:p>
         </p:txBody>
       </p:sp>
       <p:pic>
         <p:nvPicPr>
-          <p:cNvPr id="2050" name="Picture 2" descr="C:\Users\James\Desktop\Capturebettybossi.PNG"/>
+          <p:cNvPr id="12" name="Picture 2" descr="C:\Users\James\Desktop\googleMapView.PNG"/>
           <p:cNvPicPr>
-            <a:picLocks noGrp="1" noChangeAspect="1" noChangeArrowheads="1"/>
+            <a:picLocks noChangeAspect="1" noChangeArrowheads="1"/>
           </p:cNvPicPr>
-          <p:nvPr>
-            <p:ph idx="1"/>
-          </p:nvPr>
+          <p:nvPr/>
         </p:nvPicPr>
         <p:blipFill>
-          <a:blip r:embed="rId3">
+          <a:blip r:embed="rId2">
             <a:extLst>
               <a:ext uri="{28A0092B-C50C-407E-A947-70E740481C1C}">
                 <a14:useLocalDpi xmlns:a14="http://schemas.microsoft.com/office/drawing/2010/main" val="0"/>
@@ -4553,8 +4301,8 @@
         </p:blipFill>
         <p:spPr bwMode="auto">
           <a:xfrm>
-            <a:off x="0" y="1862070"/>
-            <a:ext cx="10147238" cy="4491150"/>
+            <a:off x="457200" y="1802770"/>
+            <a:ext cx="4866605" cy="1450969"/>
           </a:xfrm>
           <a:prstGeom prst="rect">
             <a:avLst/>
@@ -4573,7 +4321,48 @@
       </p:pic>
       <p:pic>
         <p:nvPicPr>
-          <p:cNvPr id="1026" name="Picture 2" descr="C:\Users\James\Desktop\havesine.PNG"/>
+          <p:cNvPr id="13" name="Picture 3" descr="C:\Users\James\Desktop\setCenterMap.PNG"/>
+          <p:cNvPicPr>
+            <a:picLocks noChangeAspect="1" noChangeArrowheads="1"/>
+          </p:cNvPicPr>
+          <p:nvPr/>
+        </p:nvPicPr>
+        <p:blipFill>
+          <a:blip r:embed="rId3">
+            <a:extLst>
+              <a:ext uri="{28A0092B-C50C-407E-A947-70E740481C1C}">
+                <a14:useLocalDpi xmlns:a14="http://schemas.microsoft.com/office/drawing/2010/main" val="0"/>
+              </a:ext>
+            </a:extLst>
+          </a:blip>
+          <a:srcRect/>
+          <a:stretch>
+            <a:fillRect/>
+          </a:stretch>
+        </p:blipFill>
+        <p:spPr bwMode="auto">
+          <a:xfrm>
+            <a:off x="457200" y="3472274"/>
+            <a:ext cx="4324108" cy="333193"/>
+          </a:xfrm>
+          <a:prstGeom prst="rect">
+            <a:avLst/>
+          </a:prstGeom>
+          <a:noFill/>
+          <a:extLst>
+            <a:ext uri="{909E8E84-426E-40DD-AFC4-6F175D3DCCD1}">
+              <a14:hiddenFill xmlns:a14="http://schemas.microsoft.com/office/drawing/2010/main">
+                <a:solidFill>
+                  <a:srgbClr val="FFFFFF"/>
+                </a:solidFill>
+              </a14:hiddenFill>
+            </a:ext>
+          </a:extLst>
+        </p:spPr>
+      </p:pic>
+      <p:pic>
+        <p:nvPicPr>
+          <p:cNvPr id="14" name="Picture 4" descr="C:\Users\James\Desktop\mapspropertiesPNG.PNG"/>
           <p:cNvPicPr>
             <a:picLocks noChangeAspect="1" noChangeArrowheads="1"/>
           </p:cNvPicPr>
@@ -4594,8 +4383,49 @@
         </p:blipFill>
         <p:spPr bwMode="auto">
           <a:xfrm>
-            <a:off x="5626100" y="2374900"/>
-            <a:ext cx="5486400" cy="704850"/>
+            <a:off x="5683871" y="1948803"/>
+            <a:ext cx="3312894" cy="1151165"/>
+          </a:xfrm>
+          <a:prstGeom prst="rect">
+            <a:avLst/>
+          </a:prstGeom>
+          <a:noFill/>
+          <a:extLst>
+            <a:ext uri="{909E8E84-426E-40DD-AFC4-6F175D3DCCD1}">
+              <a14:hiddenFill xmlns:a14="http://schemas.microsoft.com/office/drawing/2010/main">
+                <a:solidFill>
+                  <a:srgbClr val="FFFFFF"/>
+                </a:solidFill>
+              </a14:hiddenFill>
+            </a:ext>
+          </a:extLst>
+        </p:spPr>
+      </p:pic>
+      <p:pic>
+        <p:nvPicPr>
+          <p:cNvPr id="15" name="Picture 5" descr="C:\Users\James\Desktop\addcomponent.PNG"/>
+          <p:cNvPicPr>
+            <a:picLocks noChangeAspect="1" noChangeArrowheads="1"/>
+          </p:cNvPicPr>
+          <p:nvPr/>
+        </p:nvPicPr>
+        <p:blipFill>
+          <a:blip r:embed="rId5">
+            <a:extLst>
+              <a:ext uri="{28A0092B-C50C-407E-A947-70E740481C1C}">
+                <a14:useLocalDpi xmlns:a14="http://schemas.microsoft.com/office/drawing/2010/main" val="0"/>
+              </a:ext>
+            </a:extLst>
+          </a:blip>
+          <a:srcRect/>
+          <a:stretch>
+            <a:fillRect/>
+          </a:stretch>
+        </p:blipFill>
+        <p:spPr bwMode="auto">
+          <a:xfrm>
+            <a:off x="5683871" y="3234469"/>
+            <a:ext cx="2643261" cy="307356"/>
           </a:xfrm>
           <a:prstGeom prst="rect">
             <a:avLst/>
@@ -4615,7 +4445,7 @@
     </p:spTree>
     <p:extLst>
       <p:ext uri="{BB962C8B-B14F-4D97-AF65-F5344CB8AC3E}">
-        <p14:creationId xmlns:p14="http://schemas.microsoft.com/office/powerpoint/2010/main" val="4248996124"/>
+        <p14:creationId xmlns:p14="http://schemas.microsoft.com/office/powerpoint/2010/main" val="235649157"/>
       </p:ext>
     </p:extLst>
   </p:cSld>
@@ -4651,53 +4481,7 @@
       </p:grpSpPr>
       <p:sp>
         <p:nvSpPr>
-          <p:cNvPr id="4" name="Rechteck 3"/>
-          <p:cNvSpPr/>
-          <p:nvPr/>
-        </p:nvSpPr>
-        <p:spPr>
-          <a:xfrm>
-            <a:off x="0" y="0"/>
-            <a:ext cx="12192000" cy="1481070"/>
-          </a:xfrm>
-          <a:prstGeom prst="rect">
-            <a:avLst/>
-          </a:prstGeom>
-          <a:solidFill>
-            <a:srgbClr val="D10505"/>
-          </a:solidFill>
-          <a:ln>
-            <a:noFill/>
-          </a:ln>
-        </p:spPr>
-        <p:style>
-          <a:lnRef idx="2">
-            <a:schemeClr val="accent1">
-              <a:shade val="50000"/>
-            </a:schemeClr>
-          </a:lnRef>
-          <a:fillRef idx="1">
-            <a:schemeClr val="accent1"/>
-          </a:fillRef>
-          <a:effectRef idx="0">
-            <a:schemeClr val="accent1"/>
-          </a:effectRef>
-          <a:fontRef idx="minor">
-            <a:schemeClr val="lt1"/>
-          </a:fontRef>
-        </p:style>
-        <p:txBody>
-          <a:bodyPr rtlCol="0" anchor="ctr"/>
-          <a:lstStyle/>
-          <a:p>
-            <a:pPr algn="ctr"/>
-            <a:endParaRPr lang="de-CH"/>
-          </a:p>
-        </p:txBody>
-      </p:sp>
-      <p:sp>
-        <p:nvSpPr>
-          <p:cNvPr id="2" name="Titel 1"/>
+          <p:cNvPr id="2" name="Title 1"/>
           <p:cNvSpPr>
             <a:spLocks noGrp="1"/>
           </p:cNvSpPr>
@@ -4707,204 +4491,61 @@
         </p:nvSpPr>
         <p:spPr/>
         <p:txBody>
-          <a:bodyPr>
-            <a:normAutofit/>
-          </a:bodyPr>
-          <a:lstStyle/>
-          <a:p>
-            <a:pPr algn="l"/>
-            <a:r>
-              <a:rPr lang="en-US" sz="7200" b="1" dirty="0" err="1" smtClean="0">
-                <a:solidFill>
-                  <a:schemeClr val="bg1"/>
-                </a:solidFill>
-              </a:rPr>
-              <a:t>Gps</a:t>
-            </a:r>
-            <a:r>
-              <a:rPr lang="en-US" sz="7200" b="1" dirty="0" smtClean="0">
-                <a:solidFill>
-                  <a:schemeClr val="bg1"/>
-                </a:solidFill>
-              </a:rPr>
-              <a:t> Activity Google Maps</a:t>
-            </a:r>
-            <a:endParaRPr lang="de-CH" sz="7200" b="1" dirty="0">
-              <a:solidFill>
-                <a:schemeClr val="bg1"/>
-              </a:solidFill>
-            </a:endParaRPr>
-          </a:p>
-        </p:txBody>
-      </p:sp>
-      <p:pic>
-        <p:nvPicPr>
-          <p:cNvPr id="3074" name="Picture 2" descr="C:\Users\James\Desktop\googleMapView.PNG"/>
-          <p:cNvPicPr>
-            <a:picLocks noChangeAspect="1" noChangeArrowheads="1"/>
-          </p:cNvPicPr>
-          <p:nvPr/>
-        </p:nvPicPr>
-        <p:blipFill>
-          <a:blip r:embed="rId3">
-            <a:extLst>
-              <a:ext uri="{28A0092B-C50C-407E-A947-70E740481C1C}">
-                <a14:useLocalDpi xmlns:a14="http://schemas.microsoft.com/office/drawing/2010/main" val="0"/>
-              </a:ext>
-            </a:extLst>
-          </a:blip>
-          <a:srcRect/>
-          <a:stretch>
-            <a:fillRect/>
-          </a:stretch>
-        </p:blipFill>
-        <p:spPr bwMode="auto">
-          <a:xfrm>
-            <a:off x="180546" y="1672141"/>
-            <a:ext cx="6611384" cy="1971172"/>
-          </a:xfrm>
-          <a:prstGeom prst="rect">
-            <a:avLst/>
-          </a:prstGeom>
-          <a:noFill/>
-          <a:extLst>
-            <a:ext uri="{909E8E84-426E-40DD-AFC4-6F175D3DCCD1}">
-              <a14:hiddenFill xmlns:a14="http://schemas.microsoft.com/office/drawing/2010/main">
-                <a:solidFill>
-                  <a:srgbClr val="FFFFFF"/>
-                </a:solidFill>
-              </a14:hiddenFill>
-            </a:ext>
-          </a:extLst>
-        </p:spPr>
-      </p:pic>
-      <p:pic>
-        <p:nvPicPr>
-          <p:cNvPr id="3075" name="Picture 3" descr="C:\Users\James\Desktop\setCenterMap.PNG"/>
-          <p:cNvPicPr>
-            <a:picLocks noChangeAspect="1" noChangeArrowheads="1"/>
-          </p:cNvPicPr>
-          <p:nvPr/>
-        </p:nvPicPr>
-        <p:blipFill>
-          <a:blip r:embed="rId4">
-            <a:extLst>
-              <a:ext uri="{28A0092B-C50C-407E-A947-70E740481C1C}">
-                <a14:useLocalDpi xmlns:a14="http://schemas.microsoft.com/office/drawing/2010/main" val="0"/>
-              </a:ext>
-            </a:extLst>
-          </a:blip>
-          <a:srcRect/>
-          <a:stretch>
-            <a:fillRect/>
-          </a:stretch>
-        </p:blipFill>
-        <p:spPr bwMode="auto">
-          <a:xfrm>
-            <a:off x="180546" y="3643313"/>
-            <a:ext cx="5874391" cy="452650"/>
-          </a:xfrm>
-          <a:prstGeom prst="rect">
-            <a:avLst/>
-          </a:prstGeom>
-          <a:noFill/>
-          <a:extLst>
-            <a:ext uri="{909E8E84-426E-40DD-AFC4-6F175D3DCCD1}">
-              <a14:hiddenFill xmlns:a14="http://schemas.microsoft.com/office/drawing/2010/main">
-                <a:solidFill>
-                  <a:srgbClr val="FFFFFF"/>
-                </a:solidFill>
-              </a14:hiddenFill>
-            </a:ext>
-          </a:extLst>
-        </p:spPr>
-      </p:pic>
-      <p:pic>
-        <p:nvPicPr>
-          <p:cNvPr id="3076" name="Picture 4" descr="C:\Users\James\Desktop\mapspropertiesPNG.PNG"/>
-          <p:cNvPicPr>
-            <a:picLocks noChangeAspect="1" noChangeArrowheads="1"/>
-          </p:cNvPicPr>
-          <p:nvPr/>
-        </p:nvPicPr>
-        <p:blipFill>
-          <a:blip r:embed="rId5">
-            <a:extLst>
-              <a:ext uri="{28A0092B-C50C-407E-A947-70E740481C1C}">
-                <a14:useLocalDpi xmlns:a14="http://schemas.microsoft.com/office/drawing/2010/main" val="0"/>
-              </a:ext>
-            </a:extLst>
-          </a:blip>
-          <a:srcRect/>
-          <a:stretch>
-            <a:fillRect/>
-          </a:stretch>
-        </p:blipFill>
-        <p:spPr bwMode="auto">
-          <a:xfrm>
-            <a:off x="6519425" y="2079431"/>
-            <a:ext cx="4500635" cy="1563881"/>
-          </a:xfrm>
-          <a:prstGeom prst="rect">
-            <a:avLst/>
-          </a:prstGeom>
-          <a:noFill/>
-          <a:extLst>
-            <a:ext uri="{909E8E84-426E-40DD-AFC4-6F175D3DCCD1}">
-              <a14:hiddenFill xmlns:a14="http://schemas.microsoft.com/office/drawing/2010/main">
-                <a:solidFill>
-                  <a:srgbClr val="FFFFFF"/>
-                </a:solidFill>
-              </a14:hiddenFill>
-            </a:ext>
-          </a:extLst>
-        </p:spPr>
-      </p:pic>
-      <p:pic>
-        <p:nvPicPr>
-          <p:cNvPr id="3077" name="Picture 5" descr="C:\Users\James\Desktop\addcomponent.PNG"/>
-          <p:cNvPicPr>
-            <a:picLocks noChangeAspect="1" noChangeArrowheads="1"/>
-          </p:cNvPicPr>
-          <p:nvPr/>
-        </p:nvPicPr>
-        <p:blipFill>
-          <a:blip r:embed="rId6">
-            <a:extLst>
-              <a:ext uri="{28A0092B-C50C-407E-A947-70E740481C1C}">
-                <a14:useLocalDpi xmlns:a14="http://schemas.microsoft.com/office/drawing/2010/main" val="0"/>
-              </a:ext>
-            </a:extLst>
-          </a:blip>
-          <a:srcRect/>
-          <a:stretch>
-            <a:fillRect/>
-          </a:stretch>
-        </p:blipFill>
-        <p:spPr bwMode="auto">
-          <a:xfrm>
-            <a:off x="6519426" y="3887189"/>
-            <a:ext cx="3590925" cy="417549"/>
-          </a:xfrm>
-          <a:prstGeom prst="rect">
-            <a:avLst/>
-          </a:prstGeom>
-          <a:noFill/>
-          <a:extLst>
-            <a:ext uri="{909E8E84-426E-40DD-AFC4-6F175D3DCCD1}">
-              <a14:hiddenFill xmlns:a14="http://schemas.microsoft.com/office/drawing/2010/main">
-                <a:solidFill>
-                  <a:srgbClr val="FFFFFF"/>
-                </a:solidFill>
-              </a14:hiddenFill>
-            </a:ext>
-          </a:extLst>
-        </p:spPr>
-      </p:pic>
+          <a:bodyPr/>
+          <a:lstStyle/>
+          <a:p>
+            <a:r>
+              <a:rPr lang="en-GB" dirty="0" err="1" smtClean="0"/>
+              <a:t>Erfahrungen</a:t>
+            </a:r>
+            <a:r>
+              <a:rPr lang="en-GB" dirty="0" smtClean="0"/>
+              <a:t>: Markus 1/3</a:t>
+            </a:r>
+            <a:endParaRPr lang="en-GB" dirty="0"/>
+          </a:p>
+        </p:txBody>
+      </p:sp>
+      <p:sp>
+        <p:nvSpPr>
+          <p:cNvPr id="5" name="Inhaltsplatzhalter 4"/>
+          <p:cNvSpPr>
+            <a:spLocks noGrp="1"/>
+          </p:cNvSpPr>
+          <p:nvPr>
+            <p:ph idx="1"/>
+          </p:nvPr>
+        </p:nvSpPr>
+        <p:spPr/>
+        <p:txBody>
+          <a:bodyPr/>
+          <a:lstStyle/>
+          <a:p>
+            <a:r>
+              <a:rPr lang="de-CH" dirty="0" err="1" smtClean="0"/>
+              <a:t>CalendarView</a:t>
+            </a:r>
+            <a:endParaRPr lang="de-CH" dirty="0" smtClean="0"/>
+          </a:p>
+          <a:p>
+            <a:r>
+              <a:rPr lang="de-CH" dirty="0" err="1" smtClean="0"/>
+              <a:t>CalendarUtils</a:t>
+            </a:r>
+            <a:endParaRPr lang="de-CH" dirty="0" smtClean="0"/>
+          </a:p>
+          <a:p>
+            <a:endParaRPr lang="en-US" dirty="0"/>
+          </a:p>
+          <a:p>
+            <a:endParaRPr lang="de-DE" dirty="0"/>
+          </a:p>
+        </p:txBody>
+      </p:sp>
     </p:spTree>
     <p:extLst>
       <p:ext uri="{BB962C8B-B14F-4D97-AF65-F5344CB8AC3E}">
-        <p14:creationId xmlns:p14="http://schemas.microsoft.com/office/powerpoint/2010/main" val="1807729712"/>
+        <p14:creationId xmlns:p14="http://schemas.microsoft.com/office/powerpoint/2010/main" val="1748806355"/>
       </p:ext>
     </p:extLst>
   </p:cSld>
@@ -4940,50 +4581,316 @@
       </p:grpSpPr>
       <p:sp>
         <p:nvSpPr>
-          <p:cNvPr id="4" name="Rechteck 3"/>
-          <p:cNvSpPr/>
-          <p:nvPr/>
-        </p:nvSpPr>
-        <p:spPr>
-          <a:xfrm>
-            <a:off x="0" y="0"/>
-            <a:ext cx="12192000" cy="1481070"/>
-          </a:xfrm>
-          <a:prstGeom prst="rect">
-            <a:avLst/>
-          </a:prstGeom>
-          <a:solidFill>
-            <a:srgbClr val="D10505"/>
-          </a:solidFill>
-          <a:ln>
-            <a:noFill/>
-          </a:ln>
-        </p:spPr>
-        <p:style>
-          <a:lnRef idx="2">
-            <a:schemeClr val="accent1">
-              <a:shade val="50000"/>
-            </a:schemeClr>
-          </a:lnRef>
-          <a:fillRef idx="1">
-            <a:schemeClr val="accent1"/>
-          </a:fillRef>
-          <a:effectRef idx="0">
-            <a:schemeClr val="accent1"/>
-          </a:effectRef>
-          <a:fontRef idx="minor">
-            <a:schemeClr val="lt1"/>
-          </a:fontRef>
-        </p:style>
-        <p:txBody>
-          <a:bodyPr rtlCol="0" anchor="ctr"/>
-          <a:lstStyle/>
-          <a:p>
-            <a:pPr algn="ctr"/>
-            <a:endParaRPr lang="de-CH"/>
-          </a:p>
-        </p:txBody>
-      </p:sp>
+          <p:cNvPr id="2" name="Title 1"/>
+          <p:cNvSpPr>
+            <a:spLocks noGrp="1"/>
+          </p:cNvSpPr>
+          <p:nvPr>
+            <p:ph type="title"/>
+          </p:nvPr>
+        </p:nvSpPr>
+        <p:spPr/>
+        <p:txBody>
+          <a:bodyPr/>
+          <a:lstStyle/>
+          <a:p>
+            <a:r>
+              <a:rPr lang="en-GB" dirty="0" err="1" smtClean="0"/>
+              <a:t>Erfahrungen</a:t>
+            </a:r>
+            <a:r>
+              <a:rPr lang="en-GB" dirty="0" smtClean="0"/>
+              <a:t>: Markus 2/3</a:t>
+            </a:r>
+            <a:endParaRPr lang="en-GB" dirty="0"/>
+          </a:p>
+        </p:txBody>
+      </p:sp>
+      <p:sp>
+        <p:nvSpPr>
+          <p:cNvPr id="5" name="Inhaltsplatzhalter 4"/>
+          <p:cNvSpPr>
+            <a:spLocks noGrp="1"/>
+          </p:cNvSpPr>
+          <p:nvPr>
+            <p:ph idx="1"/>
+          </p:nvPr>
+        </p:nvSpPr>
+        <p:spPr/>
+        <p:txBody>
+          <a:bodyPr/>
+          <a:lstStyle/>
+          <a:p>
+            <a:r>
+              <a:rPr lang="de-CH" dirty="0" smtClean="0"/>
+              <a:t>Nette </a:t>
+            </a:r>
+            <a:r>
+              <a:rPr lang="de-CH" dirty="0" err="1" smtClean="0"/>
+              <a:t>implementierung</a:t>
+            </a:r>
+            <a:r>
+              <a:rPr lang="de-CH" dirty="0" smtClean="0"/>
+              <a:t> mit </a:t>
+            </a:r>
+            <a:r>
+              <a:rPr lang="de-CH" dirty="0" err="1" smtClean="0"/>
+              <a:t>Vaadin</a:t>
+            </a:r>
+            <a:endParaRPr lang="de-CH" dirty="0" smtClean="0"/>
+          </a:p>
+          <a:p>
+            <a:pPr lvl="1"/>
+            <a:r>
+              <a:rPr lang="de-CH" dirty="0" smtClean="0"/>
+              <a:t>Generiert HTML</a:t>
+            </a:r>
+          </a:p>
+          <a:p>
+            <a:pPr lvl="1"/>
+            <a:r>
+              <a:rPr lang="de-CH" dirty="0" smtClean="0"/>
+              <a:t>Click-Event einfügen: funktioniert</a:t>
+            </a:r>
+          </a:p>
+          <a:p>
+            <a:pPr lvl="1"/>
+            <a:endParaRPr lang="de-CH" dirty="0" smtClean="0"/>
+          </a:p>
+          <a:p>
+            <a:endParaRPr lang="en-US" dirty="0"/>
+          </a:p>
+          <a:p>
+            <a:endParaRPr lang="de-DE" dirty="0"/>
+          </a:p>
+        </p:txBody>
+      </p:sp>
+    </p:spTree>
+    <p:extLst>
+      <p:ext uri="{BB962C8B-B14F-4D97-AF65-F5344CB8AC3E}">
+        <p14:creationId xmlns:p14="http://schemas.microsoft.com/office/powerpoint/2010/main" val="1336092622"/>
+      </p:ext>
+    </p:extLst>
+  </p:cSld>
+  <p:clrMapOvr>
+    <a:masterClrMapping/>
+  </p:clrMapOvr>
+  <p:timing>
+    <p:tnLst>
+      <p:par>
+        <p:cTn id="1" dur="indefinite" restart="never" nodeType="tmRoot"/>
+      </p:par>
+    </p:tnLst>
+  </p:timing>
+</p:sld>
+</file>
+
+<file path=ppt/slides/slide15.xml><?xml version="1.0" encoding="utf-8"?>
+<p:sld xmlns:a="http://schemas.openxmlformats.org/drawingml/2006/main" xmlns:r="http://schemas.openxmlformats.org/officeDocument/2006/relationships" xmlns:p="http://schemas.openxmlformats.org/presentationml/2006/main">
+  <p:cSld>
+    <p:spTree>
+      <p:nvGrpSpPr>
+        <p:cNvPr id="1" name=""/>
+        <p:cNvGrpSpPr/>
+        <p:nvPr/>
+      </p:nvGrpSpPr>
+      <p:grpSpPr>
+        <a:xfrm>
+          <a:off x="0" y="0"/>
+          <a:ext cx="0" cy="0"/>
+          <a:chOff x="0" y="0"/>
+          <a:chExt cx="0" cy="0"/>
+        </a:xfrm>
+      </p:grpSpPr>
+      <p:sp>
+        <p:nvSpPr>
+          <p:cNvPr id="2" name="Title 1"/>
+          <p:cNvSpPr>
+            <a:spLocks noGrp="1"/>
+          </p:cNvSpPr>
+          <p:nvPr>
+            <p:ph type="title"/>
+          </p:nvPr>
+        </p:nvSpPr>
+        <p:spPr/>
+        <p:txBody>
+          <a:bodyPr/>
+          <a:lstStyle/>
+          <a:p>
+            <a:r>
+              <a:rPr lang="en-GB" dirty="0" err="1" smtClean="0"/>
+              <a:t>Erfahrungen</a:t>
+            </a:r>
+            <a:r>
+              <a:rPr lang="en-GB" dirty="0" smtClean="0"/>
+              <a:t>: Markus 3/3</a:t>
+            </a:r>
+            <a:endParaRPr lang="en-GB" dirty="0"/>
+          </a:p>
+        </p:txBody>
+      </p:sp>
+      <p:sp>
+        <p:nvSpPr>
+          <p:cNvPr id="5" name="Inhaltsplatzhalter 4"/>
+          <p:cNvSpPr>
+            <a:spLocks noGrp="1"/>
+          </p:cNvSpPr>
+          <p:nvPr>
+            <p:ph idx="1"/>
+          </p:nvPr>
+        </p:nvSpPr>
+        <p:spPr/>
+        <p:txBody>
+          <a:bodyPr/>
+          <a:lstStyle/>
+          <a:p>
+            <a:r>
+              <a:rPr lang="de-CH" dirty="0" smtClean="0"/>
+              <a:t>Datumsvergleich Java</a:t>
+            </a:r>
+          </a:p>
+          <a:p>
+            <a:pPr lvl="1"/>
+            <a:r>
+              <a:rPr lang="de-CH" dirty="0" smtClean="0"/>
+              <a:t>Neues </a:t>
+            </a:r>
+            <a:r>
+              <a:rPr lang="de-CH" dirty="0" err="1" smtClean="0"/>
+              <a:t>Calendar</a:t>
+            </a:r>
+            <a:r>
+              <a:rPr lang="de-CH" dirty="0" smtClean="0"/>
+              <a:t>-Objekt erstellen</a:t>
+            </a:r>
+          </a:p>
+          <a:p>
+            <a:pPr lvl="2"/>
+            <a:r>
+              <a:rPr lang="de-CH" dirty="0" smtClean="0"/>
+              <a:t>Ära setzen</a:t>
+            </a:r>
+          </a:p>
+          <a:p>
+            <a:pPr lvl="2"/>
+            <a:r>
+              <a:rPr lang="de-CH" dirty="0" smtClean="0"/>
+              <a:t>Jahr setzen</a:t>
+            </a:r>
+          </a:p>
+          <a:p>
+            <a:pPr lvl="2"/>
+            <a:r>
+              <a:rPr lang="de-CH" dirty="0" smtClean="0"/>
+              <a:t>Monat setzen</a:t>
+            </a:r>
+          </a:p>
+          <a:p>
+            <a:pPr lvl="2"/>
+            <a:r>
+              <a:rPr lang="de-CH" dirty="0" smtClean="0"/>
+              <a:t>Tag setzen</a:t>
+            </a:r>
+          </a:p>
+          <a:p>
+            <a:pPr lvl="2"/>
+            <a:r>
+              <a:rPr lang="de-CH" dirty="0" smtClean="0"/>
+              <a:t>Schlussendlich: vergleichen</a:t>
+            </a:r>
+          </a:p>
+          <a:p>
+            <a:pPr lvl="2"/>
+            <a:endParaRPr lang="de-CH" dirty="0" smtClean="0"/>
+          </a:p>
+          <a:p>
+            <a:pPr marL="0" indent="0" algn="ctr">
+              <a:buNone/>
+            </a:pPr>
+            <a:r>
+              <a:rPr lang="en-US" b="1" dirty="0" err="1" smtClean="0"/>
+              <a:t>Wer</a:t>
+            </a:r>
+            <a:r>
+              <a:rPr lang="en-US" b="1" dirty="0" smtClean="0"/>
+              <a:t> </a:t>
+            </a:r>
+            <a:r>
+              <a:rPr lang="en-US" b="1" dirty="0" err="1" smtClean="0"/>
+              <a:t>denkt</a:t>
+            </a:r>
+            <a:r>
+              <a:rPr lang="en-US" b="1" dirty="0" smtClean="0"/>
+              <a:t> </a:t>
+            </a:r>
+            <a:r>
+              <a:rPr lang="en-US" b="1" dirty="0" err="1" smtClean="0"/>
+              <a:t>sich</a:t>
+            </a:r>
+            <a:r>
+              <a:rPr lang="en-US" b="1" dirty="0" smtClean="0"/>
+              <a:t> </a:t>
+            </a:r>
+            <a:r>
+              <a:rPr lang="en-US" b="1" dirty="0" err="1" smtClean="0"/>
+              <a:t>sowas</a:t>
+            </a:r>
+            <a:r>
+              <a:rPr lang="en-US" b="1" dirty="0" smtClean="0"/>
+              <a:t> </a:t>
+            </a:r>
+            <a:r>
+              <a:rPr lang="en-US" b="1" dirty="0" err="1" smtClean="0"/>
+              <a:t>aus</a:t>
+            </a:r>
+            <a:r>
+              <a:rPr lang="en-US" b="1" dirty="0" smtClean="0"/>
+              <a:t>???</a:t>
+            </a:r>
+            <a:endParaRPr lang="en-US" b="1" dirty="0"/>
+          </a:p>
+          <a:p>
+            <a:endParaRPr lang="de-DE" dirty="0"/>
+          </a:p>
+        </p:txBody>
+      </p:sp>
+    </p:spTree>
+    <p:extLst>
+      <p:ext uri="{BB962C8B-B14F-4D97-AF65-F5344CB8AC3E}">
+        <p14:creationId xmlns:p14="http://schemas.microsoft.com/office/powerpoint/2010/main" val="1130698571"/>
+      </p:ext>
+    </p:extLst>
+  </p:cSld>
+  <p:clrMapOvr>
+    <a:masterClrMapping/>
+  </p:clrMapOvr>
+  <p:timing>
+    <p:tnLst>
+      <p:par>
+        <p:cTn id="1" dur="indefinite" restart="never" nodeType="tmRoot"/>
+      </p:par>
+    </p:tnLst>
+  </p:timing>
+</p:sld>
+</file>
+
+<file path=ppt/slides/slide16.xml><?xml version="1.0" encoding="utf-8"?>
+<p:sld xmlns:a="http://schemas.openxmlformats.org/drawingml/2006/main" xmlns:r="http://schemas.openxmlformats.org/officeDocument/2006/relationships" xmlns:p="http://schemas.openxmlformats.org/presentationml/2006/main">
+  <p:cSld>
+    <p:spTree>
+      <p:nvGrpSpPr>
+        <p:cNvPr id="1" name=""/>
+        <p:cNvGrpSpPr/>
+        <p:nvPr/>
+      </p:nvGrpSpPr>
+      <p:grpSpPr>
+        <a:xfrm>
+          <a:off x="0" y="0"/>
+          <a:ext cx="0" cy="0"/>
+          <a:chOff x="0" y="0"/>
+          <a:chExt cx="0" cy="0"/>
+        </a:xfrm>
+      </p:grpSpPr>
       <p:sp>
         <p:nvSpPr>
           <p:cNvPr id="2" name="Titel 1"/>
@@ -5001,26 +4908,312 @@
           </a:bodyPr>
           <a:lstStyle/>
           <a:p>
-            <a:pPr algn="l"/>
-            <a:r>
-              <a:rPr lang="de-CH" sz="7200" b="1" dirty="0" smtClean="0">
-                <a:solidFill>
-                  <a:schemeClr val="bg1"/>
-                </a:solidFill>
-              </a:rPr>
+            <a:r>
+              <a:rPr lang="de-DE" dirty="0" err="1" smtClean="0"/>
+              <a:t>Scrum</a:t>
+            </a:r>
+            <a:r>
+              <a:rPr lang="de-DE" dirty="0" smtClean="0"/>
+              <a:t> retrospektive: Gutes</a:t>
+            </a:r>
+            <a:endParaRPr lang="de-DE" dirty="0"/>
+          </a:p>
+        </p:txBody>
+      </p:sp>
+      <p:sp>
+        <p:nvSpPr>
+          <p:cNvPr id="3" name="Inhaltsplatzhalter 2"/>
+          <p:cNvSpPr>
+            <a:spLocks noGrp="1"/>
+          </p:cNvSpPr>
+          <p:nvPr>
+            <p:ph idx="1"/>
+          </p:nvPr>
+        </p:nvSpPr>
+        <p:spPr/>
+        <p:txBody>
+          <a:bodyPr>
+            <a:normAutofit/>
+          </a:bodyPr>
+          <a:lstStyle/>
+          <a:p>
+            <a:r>
+              <a:rPr lang="de-DE" dirty="0" smtClean="0"/>
+              <a:t>Mit relativ wenig Aufwand ist etwas „in Ansätzen brauchbares“ entstanden</a:t>
+            </a:r>
+          </a:p>
+          <a:p>
+            <a:r>
+              <a:rPr lang="de-DE" dirty="0" smtClean="0"/>
+              <a:t>Trotz weniger Treffen strukturiertes vorgehen</a:t>
+            </a:r>
+          </a:p>
+          <a:p>
+            <a:r>
+              <a:rPr lang="de-DE" dirty="0" smtClean="0"/>
+              <a:t>Jeder hatte seine Aufgabe</a:t>
+            </a:r>
+          </a:p>
+          <a:p>
+            <a:endParaRPr lang="de-DE" dirty="0"/>
+          </a:p>
+        </p:txBody>
+      </p:sp>
+    </p:spTree>
+    <p:extLst>
+      <p:ext uri="{BB962C8B-B14F-4D97-AF65-F5344CB8AC3E}">
+        <p14:creationId xmlns:p14="http://schemas.microsoft.com/office/powerpoint/2010/main" val="1723578341"/>
+      </p:ext>
+    </p:extLst>
+  </p:cSld>
+  <p:clrMapOvr>
+    <a:masterClrMapping/>
+  </p:clrMapOvr>
+</p:sld>
+</file>
+
+<file path=ppt/slides/slide17.xml><?xml version="1.0" encoding="utf-8"?>
+<p:sld xmlns:a="http://schemas.openxmlformats.org/drawingml/2006/main" xmlns:r="http://schemas.openxmlformats.org/officeDocument/2006/relationships" xmlns:p="http://schemas.openxmlformats.org/presentationml/2006/main">
+  <p:cSld>
+    <p:spTree>
+      <p:nvGrpSpPr>
+        <p:cNvPr id="1" name=""/>
+        <p:cNvGrpSpPr/>
+        <p:nvPr/>
+      </p:nvGrpSpPr>
+      <p:grpSpPr>
+        <a:xfrm>
+          <a:off x="0" y="0"/>
+          <a:ext cx="0" cy="0"/>
+          <a:chOff x="0" y="0"/>
+          <a:chExt cx="0" cy="0"/>
+        </a:xfrm>
+      </p:grpSpPr>
+      <p:sp>
+        <p:nvSpPr>
+          <p:cNvPr id="2" name="Titel 1"/>
+          <p:cNvSpPr>
+            <a:spLocks noGrp="1"/>
+          </p:cNvSpPr>
+          <p:nvPr>
+            <p:ph type="title"/>
+          </p:nvPr>
+        </p:nvSpPr>
+        <p:spPr/>
+        <p:txBody>
+          <a:bodyPr>
+            <a:normAutofit/>
+          </a:bodyPr>
+          <a:lstStyle/>
+          <a:p>
+            <a:r>
+              <a:rPr lang="de-DE" dirty="0" err="1" smtClean="0"/>
+              <a:t>Scrum</a:t>
+            </a:r>
+            <a:r>
+              <a:rPr lang="de-DE" dirty="0" smtClean="0"/>
+              <a:t> retrospektive: Schlechtes</a:t>
+            </a:r>
+            <a:endParaRPr lang="de-DE" dirty="0"/>
+          </a:p>
+        </p:txBody>
+      </p:sp>
+      <p:sp>
+        <p:nvSpPr>
+          <p:cNvPr id="3" name="Inhaltsplatzhalter 2"/>
+          <p:cNvSpPr>
+            <a:spLocks noGrp="1"/>
+          </p:cNvSpPr>
+          <p:nvPr>
+            <p:ph idx="1"/>
+          </p:nvPr>
+        </p:nvSpPr>
+        <p:spPr/>
+        <p:txBody>
+          <a:bodyPr>
+            <a:normAutofit fontScale="85000" lnSpcReduction="20000"/>
+          </a:bodyPr>
+          <a:lstStyle/>
+          <a:p>
+            <a:r>
+              <a:rPr lang="de-DE" dirty="0" smtClean="0"/>
+              <a:t>Verantwortung wurde hin und her geschoben</a:t>
+            </a:r>
+          </a:p>
+          <a:p>
+            <a:r>
+              <a:rPr lang="de-DE" dirty="0" err="1" smtClean="0"/>
+              <a:t>Vaadin</a:t>
+            </a:r>
+            <a:r>
+              <a:rPr lang="de-DE" dirty="0" smtClean="0"/>
+              <a:t> steht </a:t>
+            </a:r>
+            <a:r>
+              <a:rPr lang="de-DE" smtClean="0"/>
+              <a:t>ab und zu im Weg</a:t>
+            </a:r>
+          </a:p>
+          <a:p>
+            <a:endParaRPr lang="de-DE" dirty="0" smtClean="0"/>
+          </a:p>
+          <a:p>
+            <a:r>
+              <a:rPr lang="de-DE" dirty="0" smtClean="0"/>
+              <a:t>Daten </a:t>
+            </a:r>
+            <a:r>
+              <a:rPr lang="de-DE" dirty="0"/>
+              <a:t>sammeln: Was ist in letzter Zeit geschehen? Was war gut? Was war schlecht? Welche harten Daten über Qualität/Produktivität etc. stehen zur Verfügung?</a:t>
+            </a:r>
+          </a:p>
+          <a:p>
+            <a:r>
+              <a:rPr lang="de-DE" dirty="0"/>
+              <a:t>Einsichten gewinnen: Warum sind die Dinge wie sie sind?</a:t>
+            </a:r>
+          </a:p>
+          <a:p>
+            <a:r>
+              <a:rPr lang="de-DE" dirty="0"/>
+              <a:t>Maßnahmen beschließen: Was wollen wir konkret wie ändern?</a:t>
+            </a:r>
+          </a:p>
+          <a:p>
+            <a:r>
+              <a:rPr lang="de-DE" dirty="0"/>
+              <a:t>Abschluss </a:t>
+            </a:r>
+          </a:p>
+          <a:p>
+            <a:endParaRPr lang="de-DE" dirty="0"/>
+          </a:p>
+        </p:txBody>
+      </p:sp>
+    </p:spTree>
+    <p:extLst>
+      <p:ext uri="{BB962C8B-B14F-4D97-AF65-F5344CB8AC3E}">
+        <p14:creationId xmlns:p14="http://schemas.microsoft.com/office/powerpoint/2010/main" val="111691313"/>
+      </p:ext>
+    </p:extLst>
+  </p:cSld>
+  <p:clrMapOvr>
+    <a:masterClrMapping/>
+  </p:clrMapOvr>
+</p:sld>
+</file>
+
+<file path=ppt/slides/slide18.xml><?xml version="1.0" encoding="utf-8"?>
+<p:sld xmlns:a="http://schemas.openxmlformats.org/drawingml/2006/main" xmlns:r="http://schemas.openxmlformats.org/officeDocument/2006/relationships" xmlns:p="http://schemas.openxmlformats.org/presentationml/2006/main">
+  <p:cSld>
+    <p:spTree>
+      <p:nvGrpSpPr>
+        <p:cNvPr id="1" name=""/>
+        <p:cNvGrpSpPr/>
+        <p:nvPr/>
+      </p:nvGrpSpPr>
+      <p:grpSpPr>
+        <a:xfrm>
+          <a:off x="0" y="0"/>
+          <a:ext cx="0" cy="0"/>
+          <a:chOff x="0" y="0"/>
+          <a:chExt cx="0" cy="0"/>
+        </a:xfrm>
+      </p:grpSpPr>
+      <p:sp>
+        <p:nvSpPr>
+          <p:cNvPr id="4" name="Titel 3"/>
+          <p:cNvSpPr>
+            <a:spLocks noGrp="1"/>
+          </p:cNvSpPr>
+          <p:nvPr>
+            <p:ph type="ctrTitle"/>
+          </p:nvPr>
+        </p:nvSpPr>
+        <p:spPr/>
+        <p:txBody>
+          <a:bodyPr/>
+          <a:lstStyle/>
+          <a:p>
+            <a:r>
+              <a:rPr lang="de-DE" dirty="0" smtClean="0"/>
               <a:t>Fragen?</a:t>
             </a:r>
-            <a:endParaRPr lang="de-CH" sz="7200" b="1" dirty="0">
-              <a:solidFill>
-                <a:schemeClr val="bg1"/>
-              </a:solidFill>
-            </a:endParaRPr>
+            <a:endParaRPr lang="de-DE" dirty="0"/>
+          </a:p>
+        </p:txBody>
+      </p:sp>
+      <p:sp>
+        <p:nvSpPr>
+          <p:cNvPr id="5" name="Untertitel 4"/>
+          <p:cNvSpPr>
+            <a:spLocks noGrp="1"/>
+          </p:cNvSpPr>
+          <p:nvPr>
+            <p:ph type="subTitle" idx="1"/>
+          </p:nvPr>
+        </p:nvSpPr>
+        <p:spPr/>
+        <p:txBody>
+          <a:bodyPr/>
+          <a:lstStyle/>
+          <a:p>
+            <a:endParaRPr lang="de-DE"/>
+          </a:p>
+        </p:txBody>
+      </p:sp>
+    </p:spTree>
+    <p:extLst>
+      <p:ext uri="{BB962C8B-B14F-4D97-AF65-F5344CB8AC3E}">
+        <p14:creationId xmlns:p14="http://schemas.microsoft.com/office/powerpoint/2010/main" val="1281830857"/>
+      </p:ext>
+    </p:extLst>
+  </p:cSld>
+  <p:clrMapOvr>
+    <a:masterClrMapping/>
+  </p:clrMapOvr>
+</p:sld>
+</file>
+
+<file path=ppt/slides/slide19.xml><?xml version="1.0" encoding="utf-8"?>
+<p:sld xmlns:a="http://schemas.openxmlformats.org/drawingml/2006/main" xmlns:r="http://schemas.openxmlformats.org/officeDocument/2006/relationships" xmlns:p="http://schemas.openxmlformats.org/presentationml/2006/main">
+  <p:cSld>
+    <p:spTree>
+      <p:nvGrpSpPr>
+        <p:cNvPr id="1" name=""/>
+        <p:cNvGrpSpPr/>
+        <p:nvPr/>
+      </p:nvGrpSpPr>
+      <p:grpSpPr>
+        <a:xfrm>
+          <a:off x="0" y="0"/>
+          <a:ext cx="0" cy="0"/>
+          <a:chOff x="0" y="0"/>
+          <a:chExt cx="0" cy="0"/>
+        </a:xfrm>
+      </p:grpSpPr>
+      <p:sp>
+        <p:nvSpPr>
+          <p:cNvPr id="2" name="Titel 1"/>
+          <p:cNvSpPr>
+            <a:spLocks noGrp="1"/>
+          </p:cNvSpPr>
+          <p:nvPr>
+            <p:ph type="title"/>
+          </p:nvPr>
+        </p:nvSpPr>
+        <p:spPr/>
+        <p:txBody>
+          <a:bodyPr/>
+          <a:lstStyle/>
+          <a:p>
+            <a:endParaRPr lang="de-DE" dirty="0"/>
           </a:p>
         </p:txBody>
       </p:sp>
       <p:pic>
         <p:nvPicPr>
-          <p:cNvPr id="4098" name="Picture 2" descr="C:\Users\James\Desktop\1uMcORN.jpg"/>
+          <p:cNvPr id="4" name="Picture 2" descr="C:\Users\James\Desktop\1uMcORN.jpg"/>
           <p:cNvPicPr>
             <a:picLocks noChangeAspect="1" noChangeArrowheads="1"/>
           </p:cNvPicPr>
@@ -5041,7 +5234,7 @@
         </p:blipFill>
         <p:spPr bwMode="auto">
           <a:xfrm>
-            <a:off x="977900" y="1646238"/>
+            <a:off x="703987" y="1793195"/>
             <a:ext cx="7736026" cy="4551362"/>
           </a:xfrm>
           <a:prstGeom prst="rect">
@@ -5062,20 +5255,13 @@
     </p:spTree>
     <p:extLst>
       <p:ext uri="{BB962C8B-B14F-4D97-AF65-F5344CB8AC3E}">
-        <p14:creationId xmlns:p14="http://schemas.microsoft.com/office/powerpoint/2010/main" val="3985901075"/>
+        <p14:creationId xmlns:p14="http://schemas.microsoft.com/office/powerpoint/2010/main" val="358532290"/>
       </p:ext>
     </p:extLst>
   </p:cSld>
   <p:clrMapOvr>
     <a:masterClrMapping/>
   </p:clrMapOvr>
-  <p:timing>
-    <p:tnLst>
-      <p:par>
-        <p:cTn id="1" dur="indefinite" restart="never" nodeType="tmRoot"/>
-      </p:par>
-    </p:tnLst>
-  </p:timing>
 </p:sld>
 </file>
 
@@ -5098,156 +5284,73 @@
       </p:grpSpPr>
       <p:sp>
         <p:nvSpPr>
-          <p:cNvPr id="4" name="Rechteck 3"/>
-          <p:cNvSpPr/>
-          <p:nvPr/>
+          <p:cNvPr id="2" name="Titel 1"/>
+          <p:cNvSpPr>
+            <a:spLocks noGrp="1"/>
+          </p:cNvSpPr>
+          <p:nvPr>
+            <p:ph type="title"/>
+          </p:nvPr>
+        </p:nvSpPr>
+        <p:spPr/>
+        <p:txBody>
+          <a:bodyPr/>
+          <a:lstStyle/>
+          <a:p>
+            <a:r>
+              <a:rPr lang="en-US" dirty="0" err="1" smtClean="0"/>
+              <a:t>Inhalt</a:t>
+            </a:r>
+            <a:endParaRPr lang="de-CH" dirty="0"/>
+          </a:p>
+        </p:txBody>
+      </p:sp>
+      <p:sp>
+        <p:nvSpPr>
+          <p:cNvPr id="3" name="Inhaltsplatzhalter 2"/>
+          <p:cNvSpPr>
+            <a:spLocks noGrp="1"/>
+          </p:cNvSpPr>
+          <p:nvPr>
+            <p:ph idx="1"/>
+          </p:nvPr>
         </p:nvSpPr>
         <p:spPr>
           <a:xfrm>
-            <a:off x="0" y="0"/>
-            <a:ext cx="12192000" cy="1481070"/>
-          </a:xfrm>
-          <a:prstGeom prst="rect">
-            <a:avLst/>
-          </a:prstGeom>
-          <a:solidFill>
-            <a:srgbClr val="D10505"/>
-          </a:solidFill>
-          <a:ln>
-            <a:noFill/>
-          </a:ln>
-        </p:spPr>
-        <p:style>
-          <a:lnRef idx="2">
-            <a:schemeClr val="accent1">
-              <a:shade val="50000"/>
-            </a:schemeClr>
-          </a:lnRef>
-          <a:fillRef idx="1">
-            <a:schemeClr val="accent1"/>
-          </a:fillRef>
-          <a:effectRef idx="0">
-            <a:schemeClr val="accent1"/>
-          </a:effectRef>
-          <a:fontRef idx="minor">
-            <a:schemeClr val="lt1"/>
-          </a:fontRef>
-        </p:style>
-        <p:txBody>
-          <a:bodyPr rtlCol="0" anchor="ctr"/>
-          <a:lstStyle/>
-          <a:p>
-            <a:pPr algn="ctr"/>
-            <a:endParaRPr lang="de-CH"/>
-          </a:p>
-        </p:txBody>
-      </p:sp>
-      <p:sp>
-        <p:nvSpPr>
-          <p:cNvPr id="2" name="Titel 1"/>
-          <p:cNvSpPr>
-            <a:spLocks noGrp="1"/>
-          </p:cNvSpPr>
-          <p:nvPr>
-            <p:ph type="ctrTitle"/>
-          </p:nvPr>
-        </p:nvSpPr>
-        <p:spPr>
-          <a:xfrm>
-            <a:off x="145142" y="117668"/>
-            <a:ext cx="9144000" cy="1245734"/>
+            <a:off x="457200" y="1885950"/>
+            <a:ext cx="8229600" cy="4525963"/>
           </a:xfrm>
         </p:spPr>
         <p:txBody>
-          <a:bodyPr>
-            <a:normAutofit/>
-          </a:bodyPr>
-          <a:lstStyle/>
-          <a:p>
-            <a:pPr algn="l"/>
-            <a:r>
-              <a:rPr lang="de-CH" sz="7200" b="1" dirty="0" smtClean="0">
-                <a:solidFill>
-                  <a:schemeClr val="bg1"/>
-                </a:solidFill>
-              </a:rPr>
-              <a:t>Inhalt</a:t>
-            </a:r>
-            <a:endParaRPr lang="de-CH" sz="7200" b="1" dirty="0">
-              <a:solidFill>
-                <a:schemeClr val="bg1"/>
-              </a:solidFill>
-            </a:endParaRPr>
-          </a:p>
-        </p:txBody>
-      </p:sp>
-      <p:sp>
-        <p:nvSpPr>
-          <p:cNvPr id="6" name="Textfeld 5"/>
-          <p:cNvSpPr txBox="1"/>
-          <p:nvPr/>
-        </p:nvSpPr>
-        <p:spPr>
-          <a:xfrm>
-            <a:off x="551542" y="1932567"/>
-            <a:ext cx="3226717" cy="2585323"/>
-          </a:xfrm>
-          <a:prstGeom prst="rect">
-            <a:avLst/>
-          </a:prstGeom>
-          <a:noFill/>
-        </p:spPr>
-        <p:txBody>
-          <a:bodyPr wrap="none" rtlCol="0">
-            <a:spAutoFit/>
-          </a:bodyPr>
-          <a:lstStyle/>
-          <a:p>
-            <a:pPr marL="285750" indent="-285750">
-              <a:lnSpc>
-                <a:spcPct val="150000"/>
-              </a:lnSpc>
-              <a:buFont typeface="Arial" panose="020B0604020202020204" pitchFamily="34" charset="0"/>
-              <a:buChar char="•"/>
-            </a:pPr>
-            <a:r>
-              <a:rPr lang="de-CH" sz="3600" dirty="0" smtClean="0"/>
+          <a:bodyPr/>
+          <a:lstStyle/>
+          <a:p>
+            <a:r>
+              <a:rPr lang="de-CH" dirty="0" smtClean="0"/>
               <a:t>Demo</a:t>
             </a:r>
-          </a:p>
-          <a:p>
-            <a:pPr marL="285750" indent="-285750">
-              <a:lnSpc>
-                <a:spcPct val="150000"/>
-              </a:lnSpc>
-              <a:buFont typeface="Arial" panose="020B0604020202020204" pitchFamily="34" charset="0"/>
-              <a:buChar char="•"/>
-            </a:pPr>
-            <a:r>
-              <a:rPr lang="de-CH" sz="3600" dirty="0" smtClean="0"/>
-              <a:t>Code-Einblicke</a:t>
-            </a:r>
-          </a:p>
-          <a:p>
-            <a:pPr marL="285750" indent="-285750">
-              <a:lnSpc>
-                <a:spcPct val="150000"/>
-              </a:lnSpc>
-              <a:buFont typeface="Arial" panose="020B0604020202020204" pitchFamily="34" charset="0"/>
-              <a:buChar char="•"/>
-            </a:pPr>
-            <a:r>
-              <a:rPr lang="de-CH" sz="3600" dirty="0" smtClean="0"/>
-              <a:t>Lessons learnt</a:t>
-            </a:r>
-            <a:endParaRPr lang="de-CH" sz="3600" dirty="0"/>
+            <a:endParaRPr lang="de-CH" dirty="0" smtClean="0"/>
+          </a:p>
+          <a:p>
+            <a:r>
+              <a:rPr lang="de-CH" dirty="0" smtClean="0"/>
+              <a:t>Codeschnipsel</a:t>
+            </a:r>
+            <a:endParaRPr lang="de-CH" dirty="0" smtClean="0"/>
+          </a:p>
+          <a:p>
+            <a:r>
+              <a:rPr lang="de-CH" dirty="0" smtClean="0"/>
+              <a:t>Gelerntes</a:t>
+            </a:r>
+            <a:endParaRPr lang="de-CH" dirty="0"/>
           </a:p>
         </p:txBody>
       </p:sp>
     </p:spTree>
     <p:extLst>
       <p:ext uri="{BB962C8B-B14F-4D97-AF65-F5344CB8AC3E}">
-        <p14:creationId xmlns:p14="http://schemas.microsoft.com/office/powerpoint/2010/main" val="814991811"/>
+        <p14:creationId xmlns:p14="http://schemas.microsoft.com/office/powerpoint/2010/main" val="3930703100"/>
       </p:ext>
     </p:extLst>
   </p:cSld>
@@ -5283,119 +5386,55 @@
       </p:grpSpPr>
       <p:sp>
         <p:nvSpPr>
-          <p:cNvPr id="4" name="Rechteck 3"/>
-          <p:cNvSpPr/>
-          <p:nvPr/>
+          <p:cNvPr id="2" name="Title 1"/>
+          <p:cNvSpPr>
+            <a:spLocks noGrp="1"/>
+          </p:cNvSpPr>
+          <p:nvPr>
+            <p:ph type="title"/>
+          </p:nvPr>
+        </p:nvSpPr>
+        <p:spPr/>
+        <p:txBody>
+          <a:bodyPr/>
+          <a:lstStyle/>
+          <a:p>
+            <a:r>
+              <a:rPr lang="de-CH" dirty="0" smtClean="0"/>
+              <a:t>Demo</a:t>
+            </a:r>
+            <a:endParaRPr lang="en-GB" dirty="0"/>
+          </a:p>
+        </p:txBody>
+      </p:sp>
+      <p:sp>
+        <p:nvSpPr>
+          <p:cNvPr id="3" name="Content Placeholder 2"/>
+          <p:cNvSpPr>
+            <a:spLocks noGrp="1"/>
+          </p:cNvSpPr>
+          <p:nvPr>
+            <p:ph idx="1"/>
+          </p:nvPr>
         </p:nvSpPr>
         <p:spPr>
           <a:xfrm>
-            <a:off x="0" y="0"/>
-            <a:ext cx="12192000" cy="1481070"/>
+            <a:off x="457200" y="1885960"/>
+            <a:ext cx="8229600" cy="4525963"/>
           </a:xfrm>
-          <a:prstGeom prst="rect">
-            <a:avLst/>
-          </a:prstGeom>
-          <a:solidFill>
-            <a:srgbClr val="D10505"/>
-          </a:solidFill>
-          <a:ln>
-            <a:noFill/>
-          </a:ln>
         </p:spPr>
-        <p:style>
-          <a:lnRef idx="2">
-            <a:schemeClr val="accent1">
-              <a:shade val="50000"/>
-            </a:schemeClr>
-          </a:lnRef>
-          <a:fillRef idx="1">
-            <a:schemeClr val="accent1"/>
-          </a:fillRef>
-          <a:effectRef idx="0">
-            <a:schemeClr val="accent1"/>
-          </a:effectRef>
-          <a:fontRef idx="minor">
-            <a:schemeClr val="lt1"/>
-          </a:fontRef>
-        </p:style>
-        <p:txBody>
-          <a:bodyPr rtlCol="0" anchor="ctr"/>
-          <a:lstStyle/>
-          <a:p>
-            <a:pPr algn="ctr"/>
-            <a:endParaRPr lang="de-CH"/>
-          </a:p>
-        </p:txBody>
-      </p:sp>
-      <p:sp>
-        <p:nvSpPr>
-          <p:cNvPr id="2" name="Titel 1"/>
-          <p:cNvSpPr>
-            <a:spLocks noGrp="1"/>
-          </p:cNvSpPr>
-          <p:nvPr>
-            <p:ph type="title"/>
-          </p:nvPr>
-        </p:nvSpPr>
-        <p:spPr/>
-        <p:txBody>
-          <a:bodyPr>
-            <a:normAutofit/>
-          </a:bodyPr>
-          <a:lstStyle/>
-          <a:p>
-            <a:pPr algn="l"/>
-            <a:r>
-              <a:rPr lang="de-CH" sz="7200" b="1" dirty="0" smtClean="0">
-                <a:solidFill>
-                  <a:schemeClr val="bg1"/>
-                </a:solidFill>
-              </a:rPr>
-              <a:t>Demo</a:t>
-            </a:r>
-            <a:endParaRPr lang="de-CH" sz="7200" b="1" dirty="0">
-              <a:solidFill>
-                <a:schemeClr val="bg1"/>
-              </a:solidFill>
-            </a:endParaRPr>
-          </a:p>
-        </p:txBody>
-      </p:sp>
-      <p:sp>
-        <p:nvSpPr>
-          <p:cNvPr id="3" name="Content Placeholder 2"/>
-          <p:cNvSpPr>
-            <a:spLocks noGrp="1"/>
-          </p:cNvSpPr>
-          <p:nvPr>
-            <p:ph idx="1"/>
-          </p:nvPr>
-        </p:nvSpPr>
-        <p:spPr/>
-        <p:txBody>
-          <a:bodyPr/>
-          <a:lstStyle/>
-          <a:p>
-            <a:r>
-              <a:rPr lang="de-CH" dirty="0" smtClean="0">
-                <a:solidFill>
-                  <a:srgbClr val="FF0000"/>
-                </a:solidFill>
-              </a:rPr>
-              <a:t>Insert Screencast here</a:t>
-            </a:r>
-            <a:endParaRPr lang="de-CH" dirty="0">
-              <a:solidFill>
-                <a:srgbClr val="FF0000"/>
-              </a:solidFill>
-            </a:endParaRPr>
+        <p:txBody>
+          <a:bodyPr/>
+          <a:lstStyle/>
+          <a:p>
+            <a:endParaRPr lang="en-GB" dirty="0"/>
           </a:p>
         </p:txBody>
       </p:sp>
     </p:spTree>
     <p:extLst>
       <p:ext uri="{BB962C8B-B14F-4D97-AF65-F5344CB8AC3E}">
-        <p14:creationId xmlns:p14="http://schemas.microsoft.com/office/powerpoint/2010/main" val="3735815208"/>
+        <p14:creationId xmlns:p14="http://schemas.microsoft.com/office/powerpoint/2010/main" val="1066177155"/>
       </p:ext>
     </p:extLst>
   </p:cSld>
@@ -5431,52 +5470,6 @@
       </p:grpSpPr>
       <p:sp>
         <p:nvSpPr>
-          <p:cNvPr id="4" name="Rechteck 3"/>
-          <p:cNvSpPr/>
-          <p:nvPr/>
-        </p:nvSpPr>
-        <p:spPr>
-          <a:xfrm>
-            <a:off x="0" y="0"/>
-            <a:ext cx="12192000" cy="1481070"/>
-          </a:xfrm>
-          <a:prstGeom prst="rect">
-            <a:avLst/>
-          </a:prstGeom>
-          <a:solidFill>
-            <a:srgbClr val="D10505"/>
-          </a:solidFill>
-          <a:ln>
-            <a:noFill/>
-          </a:ln>
-        </p:spPr>
-        <p:style>
-          <a:lnRef idx="2">
-            <a:schemeClr val="accent1">
-              <a:shade val="50000"/>
-            </a:schemeClr>
-          </a:lnRef>
-          <a:fillRef idx="1">
-            <a:schemeClr val="accent1"/>
-          </a:fillRef>
-          <a:effectRef idx="0">
-            <a:schemeClr val="accent1"/>
-          </a:effectRef>
-          <a:fontRef idx="minor">
-            <a:schemeClr val="lt1"/>
-          </a:fontRef>
-        </p:style>
-        <p:txBody>
-          <a:bodyPr rtlCol="0" anchor="ctr"/>
-          <a:lstStyle/>
-          <a:p>
-            <a:pPr algn="ctr"/>
-            <a:endParaRPr lang="de-CH"/>
-          </a:p>
-        </p:txBody>
-      </p:sp>
-      <p:sp>
-        <p:nvSpPr>
           <p:cNvPr id="2" name="Titel 1"/>
           <p:cNvSpPr>
             <a:spLocks noGrp="1"/>
@@ -5485,62 +5478,22 @@
             <p:ph type="title"/>
           </p:nvPr>
         </p:nvSpPr>
-        <p:spPr>
-          <a:xfrm>
-            <a:off x="838200" y="365125"/>
-            <a:ext cx="10820400" cy="1325563"/>
-          </a:xfrm>
-        </p:spPr>
-        <p:txBody>
-          <a:bodyPr>
-            <a:normAutofit/>
-          </a:bodyPr>
-          <a:lstStyle/>
-          <a:p>
-            <a:pPr algn="l"/>
-            <a:r>
-              <a:rPr lang="de-CH" sz="7200" b="1" dirty="0" err="1" smtClean="0">
-                <a:solidFill>
-                  <a:schemeClr val="bg1"/>
-                </a:solidFill>
-              </a:rPr>
-              <a:t>Lessons</a:t>
-            </a:r>
-            <a:r>
-              <a:rPr lang="de-CH" sz="7200" b="1" dirty="0" smtClean="0">
-                <a:solidFill>
-                  <a:schemeClr val="bg1"/>
-                </a:solidFill>
-              </a:rPr>
-              <a:t> </a:t>
-            </a:r>
-            <a:r>
-              <a:rPr lang="de-CH" sz="7200" b="1" dirty="0" err="1" smtClean="0">
-                <a:solidFill>
-                  <a:schemeClr val="bg1"/>
-                </a:solidFill>
-              </a:rPr>
-              <a:t>learnt</a:t>
-            </a:r>
-            <a:r>
-              <a:rPr lang="de-CH" sz="7200" b="1" dirty="0" smtClean="0">
-                <a:solidFill>
-                  <a:schemeClr val="bg1"/>
-                </a:solidFill>
-              </a:rPr>
-              <a:t> SE</a:t>
-            </a:r>
-            <a:endParaRPr lang="de-CH" sz="7200" b="1" dirty="0">
-              <a:solidFill>
-                <a:schemeClr val="bg1"/>
-              </a:solidFill>
-            </a:endParaRPr>
-          </a:p>
-        </p:txBody>
-      </p:sp>
-      <p:sp>
-        <p:nvSpPr>
-          <p:cNvPr id="3" name="Content Placeholder 2"/>
+        <p:spPr/>
+        <p:txBody>
+          <a:bodyPr/>
+          <a:lstStyle/>
+          <a:p>
+            <a:r>
+              <a:rPr lang="de-DE" dirty="0" smtClean="0"/>
+              <a:t>Gelerntes: im Modul</a:t>
+            </a:r>
+            <a:endParaRPr lang="de-DE" dirty="0"/>
+          </a:p>
+        </p:txBody>
+      </p:sp>
+      <p:sp>
+        <p:nvSpPr>
+          <p:cNvPr id="5" name="Inhaltsplatzhalter 4"/>
           <p:cNvSpPr>
             <a:spLocks noGrp="1"/>
           </p:cNvSpPr>
@@ -5548,12 +5501,7 @@
             <p:ph idx="1"/>
           </p:nvPr>
         </p:nvSpPr>
-        <p:spPr>
-          <a:xfrm>
-            <a:off x="838200" y="1698625"/>
-            <a:ext cx="10515600" cy="4351338"/>
-          </a:xfrm>
-        </p:spPr>
+        <p:spPr/>
         <p:txBody>
           <a:bodyPr/>
           <a:lstStyle/>
@@ -5578,59 +5526,39 @@
           </a:p>
           <a:p>
             <a:r>
-              <a:rPr lang="de-CH" dirty="0"/>
+              <a:rPr lang="de-CH" dirty="0" smtClean="0"/>
               <a:t>Mit </a:t>
             </a:r>
             <a:r>
-              <a:rPr lang="de-CH" dirty="0" err="1"/>
+              <a:rPr lang="de-CH" dirty="0" err="1" smtClean="0"/>
               <a:t>Scrum</a:t>
             </a:r>
             <a:r>
-              <a:rPr lang="de-CH" dirty="0"/>
-              <a:t> können arbeiten gut priorisiert werden</a:t>
-            </a:r>
-            <a:r>
               <a:rPr lang="de-CH" dirty="0" smtClean="0"/>
-              <a:t>.</a:t>
-            </a:r>
-          </a:p>
-          <a:p>
-            <a:r>
-              <a:rPr lang="de-CH" dirty="0"/>
-              <a:t>Ein gutes Design beschleunigt den Implementierungsprozess enorm, da es viele Unklarheiten im Voraus aus dem Weg räumt</a:t>
-            </a:r>
+              <a:t> können arbeiten gut priorisiert werden.</a:t>
+            </a:r>
+          </a:p>
+          <a:p>
             <a:r>
               <a:rPr lang="de-CH" dirty="0" smtClean="0"/>
-              <a:t>.</a:t>
-            </a:r>
-          </a:p>
-          <a:p>
-            <a:r>
-              <a:rPr lang="de-CH" dirty="0"/>
+              <a:t>Ein gutes Design beschleunigt den Implementierungsprozess enorm, da es viele Unklarheiten im Voraus aus dem Weg räumt.</a:t>
+            </a:r>
+          </a:p>
+          <a:p>
+            <a:r>
+              <a:rPr lang="de-CH" dirty="0" smtClean="0"/>
               <a:t>Der Kunde muss zum Beginn des Projekts stark einbezogen werden.</a:t>
             </a:r>
           </a:p>
           <a:p>
-            <a:endParaRPr lang="de-CH" dirty="0"/>
-          </a:p>
-          <a:p>
-            <a:endParaRPr lang="de-CH" dirty="0"/>
-          </a:p>
-          <a:p>
-            <a:endParaRPr lang="en-US" dirty="0" smtClean="0"/>
-          </a:p>
-          <a:p>
-            <a:endParaRPr lang="en-US" dirty="0" smtClean="0"/>
-          </a:p>
-          <a:p>
-            <a:endParaRPr lang="en-US" dirty="0" smtClean="0"/>
+            <a:endParaRPr lang="de-DE" dirty="0"/>
           </a:p>
         </p:txBody>
       </p:sp>
     </p:spTree>
     <p:extLst>
       <p:ext uri="{BB962C8B-B14F-4D97-AF65-F5344CB8AC3E}">
-        <p14:creationId xmlns:p14="http://schemas.microsoft.com/office/powerpoint/2010/main" val="2791926581"/>
+        <p14:creationId xmlns:p14="http://schemas.microsoft.com/office/powerpoint/2010/main" val="2809093334"/>
       </p:ext>
     </p:extLst>
   </p:cSld>
@@ -5666,52 +5594,6 @@
       </p:grpSpPr>
       <p:sp>
         <p:nvSpPr>
-          <p:cNvPr id="4" name="Rechteck 3"/>
-          <p:cNvSpPr/>
-          <p:nvPr/>
-        </p:nvSpPr>
-        <p:spPr>
-          <a:xfrm>
-            <a:off x="0" y="0"/>
-            <a:ext cx="12192000" cy="1481070"/>
-          </a:xfrm>
-          <a:prstGeom prst="rect">
-            <a:avLst/>
-          </a:prstGeom>
-          <a:solidFill>
-            <a:srgbClr val="D10505"/>
-          </a:solidFill>
-          <a:ln>
-            <a:noFill/>
-          </a:ln>
-        </p:spPr>
-        <p:style>
-          <a:lnRef idx="2">
-            <a:schemeClr val="accent1">
-              <a:shade val="50000"/>
-            </a:schemeClr>
-          </a:lnRef>
-          <a:fillRef idx="1">
-            <a:schemeClr val="accent1"/>
-          </a:fillRef>
-          <a:effectRef idx="0">
-            <a:schemeClr val="accent1"/>
-          </a:effectRef>
-          <a:fontRef idx="minor">
-            <a:schemeClr val="lt1"/>
-          </a:fontRef>
-        </p:style>
-        <p:txBody>
-          <a:bodyPr rtlCol="0" anchor="ctr"/>
-          <a:lstStyle/>
-          <a:p>
-            <a:pPr algn="ctr"/>
-            <a:endParaRPr lang="de-CH"/>
-          </a:p>
-        </p:txBody>
-      </p:sp>
-      <p:sp>
-        <p:nvSpPr>
           <p:cNvPr id="2" name="Titel 1"/>
           <p:cNvSpPr>
             <a:spLocks noGrp="1"/>
@@ -5720,46 +5602,30 @@
             <p:ph type="title"/>
           </p:nvPr>
         </p:nvSpPr>
-        <p:spPr>
-          <a:xfrm>
-            <a:off x="838200" y="365125"/>
-            <a:ext cx="10820400" cy="1325563"/>
-          </a:xfrm>
-        </p:spPr>
-        <p:txBody>
-          <a:bodyPr>
-            <a:normAutofit/>
-          </a:bodyPr>
-          <a:lstStyle/>
-          <a:p>
-            <a:pPr algn="l"/>
-            <a:r>
-              <a:rPr lang="en-US" sz="7200" b="1" dirty="0" err="1" smtClean="0">
-                <a:solidFill>
-                  <a:schemeClr val="bg1"/>
-                </a:solidFill>
-              </a:rPr>
-              <a:t>Lession</a:t>
-            </a:r>
-            <a:r>
-              <a:rPr lang="en-US" sz="7200" b="1" dirty="0" smtClean="0">
-                <a:solidFill>
-                  <a:schemeClr val="bg1"/>
-                </a:solidFill>
-              </a:rPr>
-              <a:t> learnt Team </a:t>
-            </a:r>
-            <a:endParaRPr lang="de-CH" sz="7200" b="1" dirty="0">
-              <a:solidFill>
-                <a:schemeClr val="bg1"/>
-              </a:solidFill>
-            </a:endParaRPr>
-          </a:p>
-        </p:txBody>
-      </p:sp>
-      <p:sp>
-        <p:nvSpPr>
-          <p:cNvPr id="3" name="Content Placeholder 2"/>
+        <p:spPr/>
+        <p:txBody>
+          <a:bodyPr/>
+          <a:lstStyle/>
+          <a:p>
+            <a:r>
+              <a:rPr lang="de-DE" dirty="0" smtClean="0"/>
+              <a:t>Gelerntes: </a:t>
+            </a:r>
+            <a:r>
+              <a:rPr lang="de-DE" dirty="0" smtClean="0"/>
+              <a:t>im </a:t>
+            </a:r>
+            <a:r>
+              <a:rPr lang="de-DE" dirty="0" smtClean="0"/>
+              <a:t>Team</a:t>
+            </a:r>
+            <a:endParaRPr lang="de-CH" dirty="0"/>
+          </a:p>
+        </p:txBody>
+      </p:sp>
+      <p:sp>
+        <p:nvSpPr>
+          <p:cNvPr id="5" name="Inhaltsplatzhalter 4"/>
           <p:cNvSpPr>
             <a:spLocks noGrp="1"/>
           </p:cNvSpPr>
@@ -5767,130 +5633,113 @@
             <p:ph idx="1"/>
           </p:nvPr>
         </p:nvSpPr>
-        <p:spPr>
-          <a:xfrm>
-            <a:off x="838200" y="1698625"/>
-            <a:ext cx="10515600" cy="4351338"/>
-          </a:xfrm>
-        </p:spPr>
-        <p:txBody>
-          <a:bodyPr/>
-          <a:lstStyle/>
-          <a:p>
-            <a:r>
-              <a:rPr lang="en-US" dirty="0" err="1" smtClean="0"/>
+        <p:spPr/>
+        <p:txBody>
+          <a:bodyPr/>
+          <a:lstStyle/>
+          <a:p>
+            <a:r>
+              <a:rPr lang="en-US" dirty="0" err="1"/>
               <a:t>Arbeiten</a:t>
             </a:r>
             <a:r>
-              <a:rPr lang="en-US" dirty="0" smtClean="0"/>
+              <a:rPr lang="en-US" dirty="0"/>
               <a:t> </a:t>
             </a:r>
             <a:r>
-              <a:rPr lang="en-US" dirty="0" err="1" smtClean="0"/>
+              <a:rPr lang="en-US" dirty="0" err="1"/>
               <a:t>klar</a:t>
             </a:r>
             <a:r>
-              <a:rPr lang="en-US" dirty="0" smtClean="0"/>
+              <a:rPr lang="en-US" dirty="0"/>
               <a:t> </a:t>
             </a:r>
             <a:r>
-              <a:rPr lang="en-US" dirty="0" err="1" smtClean="0"/>
+              <a:rPr lang="en-US" dirty="0" err="1"/>
               <a:t>verteilen</a:t>
             </a:r>
             <a:r>
-              <a:rPr lang="en-US" dirty="0" smtClean="0"/>
+              <a:rPr lang="en-US" dirty="0"/>
               <a:t> – </a:t>
             </a:r>
             <a:r>
-              <a:rPr lang="en-US" dirty="0" err="1" smtClean="0"/>
+              <a:rPr lang="en-US" dirty="0" err="1"/>
               <a:t>Sonst</a:t>
             </a:r>
             <a:r>
-              <a:rPr lang="en-US" dirty="0" smtClean="0"/>
+              <a:rPr lang="en-US" dirty="0"/>
               <a:t> </a:t>
             </a:r>
             <a:r>
-              <a:rPr lang="en-US" dirty="0" err="1" smtClean="0"/>
+              <a:rPr lang="en-US" dirty="0" err="1"/>
               <a:t>fühlt</a:t>
             </a:r>
             <a:r>
-              <a:rPr lang="en-US" dirty="0" smtClean="0"/>
+              <a:rPr lang="en-US" dirty="0"/>
               <a:t> </a:t>
             </a:r>
             <a:r>
-              <a:rPr lang="en-US" dirty="0" err="1" smtClean="0"/>
+              <a:rPr lang="en-US" dirty="0" err="1"/>
               <a:t>sich</a:t>
             </a:r>
             <a:r>
-              <a:rPr lang="en-US" dirty="0" smtClean="0"/>
+              <a:rPr lang="en-US" dirty="0"/>
               <a:t> </a:t>
             </a:r>
             <a:r>
-              <a:rPr lang="en-US" dirty="0" err="1" smtClean="0"/>
+              <a:rPr lang="en-US" dirty="0" err="1"/>
               <a:t>niemand</a:t>
             </a:r>
             <a:r>
-              <a:rPr lang="en-US" dirty="0" smtClean="0"/>
+              <a:rPr lang="en-US" dirty="0"/>
               <a:t> </a:t>
             </a:r>
             <a:r>
-              <a:rPr lang="en-US" dirty="0" err="1" smtClean="0"/>
+              <a:rPr lang="en-US" dirty="0" err="1"/>
               <a:t>verantwortlich</a:t>
             </a:r>
-            <a:endParaRPr lang="en-US" dirty="0" smtClean="0"/>
-          </a:p>
-          <a:p>
-            <a:r>
-              <a:rPr lang="en-US" dirty="0" err="1" smtClean="0"/>
+            <a:endParaRPr lang="en-US" dirty="0"/>
+          </a:p>
+          <a:p>
+            <a:r>
+              <a:rPr lang="en-US" dirty="0" err="1"/>
               <a:t>Git</a:t>
             </a:r>
             <a:r>
-              <a:rPr lang="en-US" dirty="0" smtClean="0"/>
+              <a:rPr lang="en-US" dirty="0"/>
               <a:t> </a:t>
             </a:r>
             <a:r>
-              <a:rPr lang="en-US" dirty="0" err="1" smtClean="0"/>
+              <a:rPr lang="en-US" dirty="0" err="1"/>
               <a:t>Crashkurs</a:t>
             </a:r>
             <a:r>
-              <a:rPr lang="en-US" dirty="0" smtClean="0"/>
+              <a:rPr lang="en-US" dirty="0"/>
               <a:t> </a:t>
             </a:r>
             <a:r>
-              <a:rPr lang="en-US" dirty="0" err="1" smtClean="0"/>
+              <a:rPr lang="en-US" dirty="0" err="1"/>
               <a:t>wäre</a:t>
             </a:r>
             <a:r>
-              <a:rPr lang="en-US" dirty="0" smtClean="0"/>
+              <a:rPr lang="en-US" dirty="0"/>
               <a:t> </a:t>
             </a:r>
             <a:r>
-              <a:rPr lang="en-US" dirty="0" err="1" smtClean="0"/>
+              <a:rPr lang="en-US" dirty="0" err="1"/>
               <a:t>sinnvoll</a:t>
             </a:r>
-            <a:endParaRPr lang="en-US" dirty="0" smtClean="0"/>
-          </a:p>
-          <a:p>
-            <a:endParaRPr lang="en-US" dirty="0" smtClean="0"/>
-          </a:p>
-          <a:p>
-            <a:endParaRPr lang="de-CH" dirty="0"/>
-          </a:p>
-          <a:p>
-            <a:endParaRPr lang="en-US" dirty="0" smtClean="0"/>
-          </a:p>
-          <a:p>
-            <a:endParaRPr lang="en-US" dirty="0" smtClean="0"/>
-          </a:p>
-          <a:p>
-            <a:endParaRPr lang="en-US" dirty="0" smtClean="0"/>
+            <a:endParaRPr lang="en-US" dirty="0"/>
+          </a:p>
+          <a:p>
+            <a:endParaRPr lang="de-DE" dirty="0"/>
           </a:p>
         </p:txBody>
       </p:sp>
     </p:spTree>
     <p:extLst>
       <p:ext uri="{BB962C8B-B14F-4D97-AF65-F5344CB8AC3E}">
-        <p14:creationId xmlns:p14="http://schemas.microsoft.com/office/powerpoint/2010/main" val="1774990997"/>
+        <p14:creationId xmlns:p14="http://schemas.microsoft.com/office/powerpoint/2010/main" val="1872523557"/>
       </p:ext>
     </p:extLst>
   </p:cSld>
@@ -5926,53 +5775,7 @@
       </p:grpSpPr>
       <p:sp>
         <p:nvSpPr>
-          <p:cNvPr id="4" name="Rechteck 3"/>
-          <p:cNvSpPr/>
-          <p:nvPr/>
-        </p:nvSpPr>
-        <p:spPr>
-          <a:xfrm>
-            <a:off x="0" y="0"/>
-            <a:ext cx="12192000" cy="1481070"/>
-          </a:xfrm>
-          <a:prstGeom prst="rect">
-            <a:avLst/>
-          </a:prstGeom>
-          <a:solidFill>
-            <a:srgbClr val="D10505"/>
-          </a:solidFill>
-          <a:ln>
-            <a:noFill/>
-          </a:ln>
-        </p:spPr>
-        <p:style>
-          <a:lnRef idx="2">
-            <a:schemeClr val="accent1">
-              <a:shade val="50000"/>
-            </a:schemeClr>
-          </a:lnRef>
-          <a:fillRef idx="1">
-            <a:schemeClr val="accent1"/>
-          </a:fillRef>
-          <a:effectRef idx="0">
-            <a:schemeClr val="accent1"/>
-          </a:effectRef>
-          <a:fontRef idx="minor">
-            <a:schemeClr val="lt1"/>
-          </a:fontRef>
-        </p:style>
-        <p:txBody>
-          <a:bodyPr rtlCol="0" anchor="ctr"/>
-          <a:lstStyle/>
-          <a:p>
-            <a:pPr algn="ctr"/>
-            <a:endParaRPr lang="de-CH"/>
-          </a:p>
-        </p:txBody>
-      </p:sp>
-      <p:sp>
-        <p:nvSpPr>
-          <p:cNvPr id="2" name="Titel 1"/>
+          <p:cNvPr id="2" name="Title 1"/>
           <p:cNvSpPr>
             <a:spLocks noGrp="1"/>
           </p:cNvSpPr>
@@ -5980,46 +5783,22 @@
             <p:ph type="title"/>
           </p:nvPr>
         </p:nvSpPr>
-        <p:spPr>
-          <a:xfrm>
-            <a:off x="838200" y="365125"/>
-            <a:ext cx="10820400" cy="1325563"/>
-          </a:xfrm>
-        </p:spPr>
-        <p:txBody>
-          <a:bodyPr>
-            <a:normAutofit/>
-          </a:bodyPr>
-          <a:lstStyle/>
-          <a:p>
-            <a:pPr algn="l"/>
-            <a:r>
-              <a:rPr lang="en-US" sz="7200" b="1" dirty="0" err="1" smtClean="0">
-                <a:solidFill>
-                  <a:schemeClr val="bg1"/>
-                </a:solidFill>
-              </a:rPr>
-              <a:t>Lession</a:t>
-            </a:r>
-            <a:r>
-              <a:rPr lang="en-US" sz="7200" b="1" dirty="0" smtClean="0">
-                <a:solidFill>
-                  <a:schemeClr val="bg1"/>
-                </a:solidFill>
-              </a:rPr>
-              <a:t> learnt Course</a:t>
-            </a:r>
-            <a:endParaRPr lang="de-CH" sz="7200" b="1" dirty="0">
-              <a:solidFill>
-                <a:schemeClr val="bg1"/>
-              </a:solidFill>
-            </a:endParaRPr>
-          </a:p>
-        </p:txBody>
-      </p:sp>
-      <p:sp>
-        <p:nvSpPr>
-          <p:cNvPr id="3" name="Content Placeholder 2"/>
+        <p:spPr/>
+        <p:txBody>
+          <a:bodyPr/>
+          <a:lstStyle/>
+          <a:p>
+            <a:r>
+              <a:rPr lang="de-CH" dirty="0" smtClean="0"/>
+              <a:t>Gelerntes: im Kurs</a:t>
+            </a:r>
+            <a:endParaRPr lang="en-GB" dirty="0"/>
+          </a:p>
+        </p:txBody>
+      </p:sp>
+      <p:sp>
+        <p:nvSpPr>
+          <p:cNvPr id="5" name="Inhaltsplatzhalter 4"/>
           <p:cNvSpPr>
             <a:spLocks noGrp="1"/>
           </p:cNvSpPr>
@@ -6027,84 +5806,64 @@
             <p:ph idx="1"/>
           </p:nvPr>
         </p:nvSpPr>
-        <p:spPr>
-          <a:xfrm>
-            <a:off x="838200" y="1698625"/>
-            <a:ext cx="10515600" cy="4351338"/>
-          </a:xfrm>
-        </p:spPr>
-        <p:txBody>
-          <a:bodyPr/>
-          <a:lstStyle/>
-          <a:p>
-            <a:r>
-              <a:rPr lang="en-US" dirty="0" smtClean="0"/>
+        <p:spPr/>
+        <p:txBody>
+          <a:bodyPr/>
+          <a:lstStyle/>
+          <a:p>
+            <a:r>
+              <a:rPr lang="en-US" dirty="0"/>
               <a:t>Maven top, </a:t>
             </a:r>
             <a:r>
-              <a:rPr lang="en-US" dirty="0" err="1" smtClean="0"/>
+              <a:rPr lang="en-US" dirty="0" err="1"/>
               <a:t>Vaadin</a:t>
             </a:r>
             <a:r>
-              <a:rPr lang="en-US" dirty="0" smtClean="0"/>
+              <a:rPr lang="en-US" dirty="0"/>
               <a:t> flop</a:t>
             </a:r>
           </a:p>
           <a:p>
             <a:r>
-              <a:rPr lang="en-US" dirty="0" err="1" smtClean="0"/>
+              <a:rPr lang="en-US" dirty="0" err="1"/>
               <a:t>Projekt</a:t>
             </a:r>
             <a:r>
-              <a:rPr lang="en-US" dirty="0" smtClean="0"/>
+              <a:rPr lang="en-US" dirty="0"/>
               <a:t>: </a:t>
             </a:r>
             <a:r>
-              <a:rPr lang="en-US" dirty="0" err="1" smtClean="0"/>
+              <a:rPr lang="en-US" dirty="0" err="1"/>
               <a:t>zu</a:t>
             </a:r>
             <a:r>
-              <a:rPr lang="en-US" dirty="0" smtClean="0"/>
+              <a:rPr lang="en-US" dirty="0"/>
               <a:t> </a:t>
             </a:r>
             <a:r>
-              <a:rPr lang="en-US" dirty="0" err="1" smtClean="0"/>
+              <a:rPr lang="en-US" dirty="0" err="1"/>
               <a:t>viele</a:t>
             </a:r>
             <a:r>
-              <a:rPr lang="en-US" dirty="0" smtClean="0"/>
+              <a:rPr lang="en-US" dirty="0"/>
               <a:t> </a:t>
             </a:r>
             <a:r>
-              <a:rPr lang="en-US" dirty="0" err="1" smtClean="0"/>
+              <a:rPr lang="en-US" dirty="0" err="1"/>
               <a:t>Einschränkungen</a:t>
             </a:r>
-            <a:endParaRPr lang="en-US" dirty="0" smtClean="0"/>
-          </a:p>
-          <a:p>
-            <a:endParaRPr lang="en-US" dirty="0" smtClean="0"/>
-          </a:p>
-          <a:p>
-            <a:endParaRPr lang="en-US" dirty="0" smtClean="0"/>
-          </a:p>
-          <a:p>
-            <a:endParaRPr lang="de-CH" dirty="0"/>
-          </a:p>
-          <a:p>
-            <a:endParaRPr lang="en-US" dirty="0" smtClean="0"/>
-          </a:p>
-          <a:p>
-            <a:endParaRPr lang="en-US" dirty="0" smtClean="0"/>
-          </a:p>
-          <a:p>
-            <a:endParaRPr lang="en-US" dirty="0" smtClean="0"/>
+            <a:endParaRPr lang="en-US" dirty="0"/>
+          </a:p>
+          <a:p>
+            <a:endParaRPr lang="de-DE" dirty="0"/>
           </a:p>
         </p:txBody>
       </p:sp>
     </p:spTree>
     <p:extLst>
       <p:ext uri="{BB962C8B-B14F-4D97-AF65-F5344CB8AC3E}">
-        <p14:creationId xmlns:p14="http://schemas.microsoft.com/office/powerpoint/2010/main" val="1306967977"/>
+        <p14:creationId xmlns:p14="http://schemas.microsoft.com/office/powerpoint/2010/main" val="324266122"/>
       </p:ext>
     </p:extLst>
   </p:cSld>
@@ -6140,53 +5899,7 @@
       </p:grpSpPr>
       <p:sp>
         <p:nvSpPr>
-          <p:cNvPr id="4" name="Rechteck 3"/>
-          <p:cNvSpPr/>
-          <p:nvPr/>
-        </p:nvSpPr>
-        <p:spPr>
-          <a:xfrm>
-            <a:off x="0" y="0"/>
-            <a:ext cx="12192000" cy="1481070"/>
-          </a:xfrm>
-          <a:prstGeom prst="rect">
-            <a:avLst/>
-          </a:prstGeom>
-          <a:solidFill>
-            <a:srgbClr val="D10505"/>
-          </a:solidFill>
-          <a:ln>
-            <a:noFill/>
-          </a:ln>
-        </p:spPr>
-        <p:style>
-          <a:lnRef idx="2">
-            <a:schemeClr val="accent1">
-              <a:shade val="50000"/>
-            </a:schemeClr>
-          </a:lnRef>
-          <a:fillRef idx="1">
-            <a:schemeClr val="accent1"/>
-          </a:fillRef>
-          <a:effectRef idx="0">
-            <a:schemeClr val="accent1"/>
-          </a:effectRef>
-          <a:fontRef idx="minor">
-            <a:schemeClr val="lt1"/>
-          </a:fontRef>
-        </p:style>
-        <p:txBody>
-          <a:bodyPr rtlCol="0" anchor="ctr"/>
-          <a:lstStyle/>
-          <a:p>
-            <a:pPr algn="ctr"/>
-            <a:endParaRPr lang="de-CH"/>
-          </a:p>
-        </p:txBody>
-      </p:sp>
-      <p:sp>
-        <p:nvSpPr>
-          <p:cNvPr id="2" name="Titel 1"/>
+          <p:cNvPr id="2" name="Title 1"/>
           <p:cNvSpPr>
             <a:spLocks noGrp="1"/>
           </p:cNvSpPr>
@@ -6196,31 +5909,20 @@
         </p:nvSpPr>
         <p:spPr/>
         <p:txBody>
-          <a:bodyPr>
-            <a:normAutofit/>
-          </a:bodyPr>
-          <a:lstStyle/>
-          <a:p>
-            <a:pPr algn="l"/>
-            <a:r>
-              <a:rPr lang="de-CH" sz="7200" b="1" dirty="0" smtClean="0">
-                <a:solidFill>
-                  <a:schemeClr val="bg1"/>
-                </a:solidFill>
-              </a:rPr>
-              <a:t>Code-Einblicke</a:t>
-            </a:r>
-            <a:endParaRPr lang="de-CH" sz="7200" b="1" dirty="0">
-              <a:solidFill>
-                <a:schemeClr val="bg1"/>
-              </a:solidFill>
-            </a:endParaRPr>
+          <a:bodyPr/>
+          <a:lstStyle/>
+          <a:p>
+            <a:r>
+              <a:rPr lang="de-CH" dirty="0" smtClean="0"/>
+              <a:t>Erfahrungen</a:t>
+            </a:r>
+            <a:endParaRPr lang="en-GB" dirty="0"/>
           </a:p>
         </p:txBody>
       </p:sp>
       <p:pic>
         <p:nvPicPr>
-          <p:cNvPr id="1026" name="Picture 2" descr="Code Review"/>
+          <p:cNvPr id="4" name="Picture 2" descr="Code Review"/>
           <p:cNvPicPr>
             <a:picLocks noGrp="1" noChangeAspect="1" noChangeArrowheads="1"/>
           </p:cNvPicPr>
@@ -6243,7 +5945,7 @@
         </p:blipFill>
         <p:spPr bwMode="auto">
           <a:xfrm>
-            <a:off x="3476625" y="1939131"/>
+            <a:off x="1952625" y="2053431"/>
             <a:ext cx="5238750" cy="4124325"/>
           </a:xfrm>
           <a:prstGeom prst="rect">
@@ -6264,7 +5966,7 @@
     </p:spTree>
     <p:extLst>
       <p:ext uri="{BB962C8B-B14F-4D97-AF65-F5344CB8AC3E}">
-        <p14:creationId xmlns:p14="http://schemas.microsoft.com/office/powerpoint/2010/main" val="3221784127"/>
+        <p14:creationId xmlns:p14="http://schemas.microsoft.com/office/powerpoint/2010/main" val="4213743414"/>
       </p:ext>
     </p:extLst>
   </p:cSld>
@@ -6300,53 +6002,7 @@
       </p:grpSpPr>
       <p:sp>
         <p:nvSpPr>
-          <p:cNvPr id="4" name="Rechteck 3"/>
-          <p:cNvSpPr/>
-          <p:nvPr/>
-        </p:nvSpPr>
-        <p:spPr>
-          <a:xfrm>
-            <a:off x="0" y="0"/>
-            <a:ext cx="12192000" cy="1481070"/>
-          </a:xfrm>
-          <a:prstGeom prst="rect">
-            <a:avLst/>
-          </a:prstGeom>
-          <a:solidFill>
-            <a:srgbClr val="D10505"/>
-          </a:solidFill>
-          <a:ln>
-            <a:noFill/>
-          </a:ln>
-        </p:spPr>
-        <p:style>
-          <a:lnRef idx="2">
-            <a:schemeClr val="accent1">
-              <a:shade val="50000"/>
-            </a:schemeClr>
-          </a:lnRef>
-          <a:fillRef idx="1">
-            <a:schemeClr val="accent1"/>
-          </a:fillRef>
-          <a:effectRef idx="0">
-            <a:schemeClr val="accent1"/>
-          </a:effectRef>
-          <a:fontRef idx="minor">
-            <a:schemeClr val="lt1"/>
-          </a:fontRef>
-        </p:style>
-        <p:txBody>
-          <a:bodyPr rtlCol="0" anchor="ctr"/>
-          <a:lstStyle/>
-          <a:p>
-            <a:pPr algn="ctr"/>
-            <a:endParaRPr lang="de-CH"/>
-          </a:p>
-        </p:txBody>
-      </p:sp>
-      <p:sp>
-        <p:nvSpPr>
-          <p:cNvPr id="2" name="Titel 1"/>
+          <p:cNvPr id="2" name="Title 1"/>
           <p:cNvSpPr>
             <a:spLocks noGrp="1"/>
           </p:cNvSpPr>
@@ -6356,31 +6012,24 @@
         </p:nvSpPr>
         <p:spPr/>
         <p:txBody>
-          <a:bodyPr>
-            <a:normAutofit/>
-          </a:bodyPr>
-          <a:lstStyle/>
-          <a:p>
-            <a:pPr algn="l"/>
-            <a:r>
-              <a:rPr lang="en-US" sz="7200" b="1" dirty="0" smtClean="0">
-                <a:solidFill>
-                  <a:schemeClr val="bg1"/>
-                </a:solidFill>
-              </a:rPr>
-              <a:t>James</a:t>
-            </a:r>
-            <a:endParaRPr lang="de-CH" sz="7200" b="1" dirty="0">
-              <a:solidFill>
-                <a:schemeClr val="bg1"/>
-              </a:solidFill>
-            </a:endParaRPr>
-          </a:p>
-        </p:txBody>
-      </p:sp>
-      <p:sp>
-        <p:nvSpPr>
-          <p:cNvPr id="3" name="Content Placeholder 2"/>
+          <a:bodyPr/>
+          <a:lstStyle/>
+          <a:p>
+            <a:r>
+              <a:rPr lang="en-GB" dirty="0" err="1" smtClean="0"/>
+              <a:t>Erfahrungen</a:t>
+            </a:r>
+            <a:r>
+              <a:rPr lang="en-GB" dirty="0" smtClean="0"/>
+              <a:t>: James 1/5</a:t>
+            </a:r>
+            <a:endParaRPr lang="en-GB" dirty="0"/>
+          </a:p>
+        </p:txBody>
+      </p:sp>
+      <p:sp>
+        <p:nvSpPr>
+          <p:cNvPr id="5" name="Inhaltsplatzhalter 4"/>
           <p:cNvSpPr>
             <a:spLocks noGrp="1"/>
           </p:cNvSpPr>
@@ -6394,47 +6043,50 @@
           <a:lstStyle/>
           <a:p>
             <a:r>
-              <a:rPr lang="en-US" dirty="0" smtClean="0"/>
+              <a:rPr lang="en-US" dirty="0"/>
               <a:t>Generic Reminder</a:t>
             </a:r>
           </a:p>
           <a:p>
             <a:r>
-              <a:rPr lang="en-US" dirty="0" err="1" smtClean="0"/>
+              <a:rPr lang="en-US" dirty="0" err="1"/>
               <a:t>MongoDb</a:t>
             </a:r>
             <a:r>
-              <a:rPr lang="en-US" dirty="0" smtClean="0"/>
+              <a:rPr lang="en-US" dirty="0"/>
               <a:t> Adapter</a:t>
             </a:r>
           </a:p>
           <a:p>
             <a:r>
-              <a:rPr lang="en-US" dirty="0" err="1" smtClean="0"/>
+              <a:rPr lang="en-US" dirty="0" err="1"/>
               <a:t>Grundstruktur</a:t>
             </a:r>
             <a:r>
-              <a:rPr lang="en-US" dirty="0" smtClean="0"/>
+              <a:rPr lang="en-US" dirty="0"/>
               <a:t> </a:t>
             </a:r>
             <a:r>
-              <a:rPr lang="en-US" dirty="0" err="1" smtClean="0"/>
+              <a:rPr lang="en-US" dirty="0" err="1"/>
               <a:t>Applikation</a:t>
             </a:r>
             <a:endParaRPr lang="de-CH" dirty="0"/>
           </a:p>
           <a:p>
             <a:r>
-              <a:rPr lang="en-US" dirty="0" smtClean="0"/>
+              <a:rPr lang="en-US" dirty="0"/>
               <a:t>Google Maps implementation</a:t>
             </a:r>
+          </a:p>
+          <a:p>
+            <a:endParaRPr lang="de-DE" dirty="0"/>
           </a:p>
         </p:txBody>
       </p:sp>
     </p:spTree>
     <p:extLst>
       <p:ext uri="{BB962C8B-B14F-4D97-AF65-F5344CB8AC3E}">
-        <p14:creationId xmlns:p14="http://schemas.microsoft.com/office/powerpoint/2010/main" val="1170155008"/>
+        <p14:creationId xmlns:p14="http://schemas.microsoft.com/office/powerpoint/2010/main" val="2562459407"/>
       </p:ext>
     </p:extLst>
   </p:cSld>
@@ -6470,53 +6122,7 @@
       </p:grpSpPr>
       <p:sp>
         <p:nvSpPr>
-          <p:cNvPr id="4" name="Rechteck 3"/>
-          <p:cNvSpPr/>
-          <p:nvPr/>
-        </p:nvSpPr>
-        <p:spPr>
-          <a:xfrm>
-            <a:off x="0" y="0"/>
-            <a:ext cx="12192000" cy="1481070"/>
-          </a:xfrm>
-          <a:prstGeom prst="rect">
-            <a:avLst/>
-          </a:prstGeom>
-          <a:solidFill>
-            <a:srgbClr val="D10505"/>
-          </a:solidFill>
-          <a:ln>
-            <a:noFill/>
-          </a:ln>
-        </p:spPr>
-        <p:style>
-          <a:lnRef idx="2">
-            <a:schemeClr val="accent1">
-              <a:shade val="50000"/>
-            </a:schemeClr>
-          </a:lnRef>
-          <a:fillRef idx="1">
-            <a:schemeClr val="accent1"/>
-          </a:fillRef>
-          <a:effectRef idx="0">
-            <a:schemeClr val="accent1"/>
-          </a:effectRef>
-          <a:fontRef idx="minor">
-            <a:schemeClr val="lt1"/>
-          </a:fontRef>
-        </p:style>
-        <p:txBody>
-          <a:bodyPr rtlCol="0" anchor="ctr"/>
-          <a:lstStyle/>
-          <a:p>
-            <a:pPr algn="ctr"/>
-            <a:endParaRPr lang="de-CH"/>
-          </a:p>
-        </p:txBody>
-      </p:sp>
-      <p:sp>
-        <p:nvSpPr>
-          <p:cNvPr id="2" name="Titel 1"/>
+          <p:cNvPr id="2" name="Title 1"/>
           <p:cNvSpPr>
             <a:spLocks noGrp="1"/>
           </p:cNvSpPr>
@@ -6526,199 +6132,179 @@
         </p:nvSpPr>
         <p:spPr/>
         <p:txBody>
-          <a:bodyPr>
-            <a:normAutofit/>
-          </a:bodyPr>
-          <a:lstStyle/>
-          <a:p>
-            <a:pPr algn="l"/>
-            <a:r>
-              <a:rPr lang="en-US" sz="7200" b="1" dirty="0" err="1" smtClean="0">
-                <a:solidFill>
-                  <a:schemeClr val="bg1"/>
-                </a:solidFill>
-              </a:rPr>
+          <a:bodyPr/>
+          <a:lstStyle/>
+          <a:p>
+            <a:r>
+              <a:rPr lang="en-US" dirty="0" err="1" smtClean="0"/>
+              <a:t>Erfahrungen</a:t>
+            </a:r>
+            <a:r>
+              <a:rPr lang="en-US" dirty="0" smtClean="0"/>
+              <a:t>: James 2/5</a:t>
+            </a:r>
+            <a:endParaRPr lang="en-GB" dirty="0"/>
+          </a:p>
+        </p:txBody>
+      </p:sp>
+      <p:sp>
+        <p:nvSpPr>
+          <p:cNvPr id="5" name="Inhaltsplatzhalter 4"/>
+          <p:cNvSpPr>
+            <a:spLocks noGrp="1"/>
+          </p:cNvSpPr>
+          <p:nvPr>
+            <p:ph idx="1"/>
+          </p:nvPr>
+        </p:nvSpPr>
+        <p:spPr/>
+        <p:txBody>
+          <a:bodyPr/>
+          <a:lstStyle/>
+          <a:p>
+            <a:r>
+              <a:rPr lang="en-US" dirty="0" err="1"/>
               <a:t>Gps</a:t>
             </a:r>
             <a:r>
-              <a:rPr lang="en-US" sz="7200" b="1" dirty="0" smtClean="0">
-                <a:solidFill>
-                  <a:schemeClr val="bg1"/>
-                </a:solidFill>
-              </a:rPr>
-              <a:t> Activity Google Maps</a:t>
-            </a:r>
-            <a:endParaRPr lang="de-CH" sz="7200" b="1" dirty="0">
-              <a:solidFill>
-                <a:schemeClr val="bg1"/>
-              </a:solidFill>
-            </a:endParaRPr>
-          </a:p>
-        </p:txBody>
-      </p:sp>
-      <p:sp>
-        <p:nvSpPr>
-          <p:cNvPr id="3" name="Content Placeholder 2"/>
-          <p:cNvSpPr>
-            <a:spLocks noGrp="1"/>
-          </p:cNvSpPr>
-          <p:nvPr>
-            <p:ph idx="1"/>
-          </p:nvPr>
-        </p:nvSpPr>
-        <p:spPr/>
-        <p:txBody>
-          <a:bodyPr/>
-          <a:lstStyle/>
-          <a:p>
-            <a:r>
-              <a:rPr lang="en-US" dirty="0" err="1" smtClean="0"/>
-              <a:t>Gps</a:t>
-            </a:r>
-            <a:r>
-              <a:rPr lang="en-US" dirty="0" smtClean="0"/>
+              <a:rPr lang="en-US" dirty="0"/>
               <a:t> Tracking </a:t>
             </a:r>
             <a:r>
-              <a:rPr lang="en-US" dirty="0" err="1" smtClean="0"/>
+              <a:rPr lang="en-US" dirty="0" err="1"/>
               <a:t>mit</a:t>
             </a:r>
             <a:r>
-              <a:rPr lang="en-US" dirty="0" smtClean="0"/>
+              <a:rPr lang="en-US" dirty="0"/>
               <a:t> Google Maps</a:t>
             </a:r>
           </a:p>
           <a:p>
             <a:r>
-              <a:rPr lang="en-US" dirty="0" err="1" smtClean="0"/>
+              <a:rPr lang="en-US" dirty="0" err="1"/>
               <a:t>Berechnungen</a:t>
             </a:r>
-            <a:endParaRPr lang="en-US" dirty="0" smtClean="0"/>
+            <a:endParaRPr lang="en-US" dirty="0"/>
           </a:p>
           <a:p>
             <a:pPr lvl="1"/>
             <a:r>
-              <a:rPr lang="en-US" dirty="0" err="1" smtClean="0"/>
+              <a:rPr lang="en-US" dirty="0" err="1"/>
               <a:t>Distanz</a:t>
-            </a:r>
-            <a:r>
-              <a:rPr lang="en-US" dirty="0" smtClean="0"/>
-              <a:t> </a:t>
-            </a:r>
-            <a:r>
-              <a:rPr lang="en-US" dirty="0" err="1" smtClean="0"/>
-              <a:t>bis</a:t>
-            </a:r>
-            <a:r>
-              <a:rPr lang="en-US" dirty="0" smtClean="0"/>
-              <a:t> </a:t>
-            </a:r>
-            <a:r>
-              <a:rPr lang="en-US" dirty="0" err="1" smtClean="0"/>
-              <a:t>zum</a:t>
-            </a:r>
-            <a:r>
-              <a:rPr lang="en-US" dirty="0" smtClean="0"/>
-              <a:t> </a:t>
-            </a:r>
-            <a:r>
-              <a:rPr lang="en-US" dirty="0" err="1" smtClean="0"/>
-              <a:t>Ziel</a:t>
-            </a:r>
-            <a:r>
-              <a:rPr lang="en-US" dirty="0" smtClean="0"/>
-              <a:t> </a:t>
-            </a:r>
-          </a:p>
-          <a:p>
-            <a:pPr lvl="1"/>
-            <a:r>
-              <a:rPr lang="en-US" dirty="0" err="1" smtClean="0"/>
-              <a:t>Optimales</a:t>
-            </a:r>
-            <a:r>
-              <a:rPr lang="en-US" dirty="0" smtClean="0"/>
-              <a:t> </a:t>
-            </a:r>
-            <a:r>
-              <a:rPr lang="en-US" dirty="0" err="1" smtClean="0"/>
-              <a:t>Zoomlevel</a:t>
-            </a:r>
-            <a:endParaRPr lang="en-US" dirty="0" smtClean="0"/>
-          </a:p>
-          <a:p>
-            <a:pPr lvl="1"/>
-            <a:r>
-              <a:rPr lang="en-US" dirty="0" err="1" smtClean="0"/>
-              <a:t>Kartenmitte</a:t>
-            </a:r>
-            <a:endParaRPr lang="en-US" dirty="0" smtClean="0"/>
-          </a:p>
-          <a:p>
-            <a:r>
-              <a:rPr lang="en-US" dirty="0" smtClean="0"/>
-              <a:t>Simulator </a:t>
-            </a:r>
-            <a:r>
-              <a:rPr lang="en-US" dirty="0" err="1" smtClean="0"/>
-              <a:t>für</a:t>
-            </a:r>
-            <a:r>
-              <a:rPr lang="en-US" dirty="0" smtClean="0"/>
-              <a:t> </a:t>
-            </a:r>
-            <a:r>
-              <a:rPr lang="en-US" dirty="0" err="1" smtClean="0"/>
-              <a:t>GpsLocation</a:t>
-            </a:r>
-            <a:r>
-              <a:rPr lang="en-US" dirty="0" smtClean="0"/>
-              <a:t> </a:t>
-            </a:r>
-          </a:p>
-          <a:p>
-            <a:r>
-              <a:rPr lang="en-US" dirty="0" err="1" smtClean="0"/>
-              <a:t>Bugfixing</a:t>
             </a:r>
             <a:r>
               <a:rPr lang="en-US" dirty="0"/>
               <a:t> </a:t>
             </a:r>
             <a:r>
-              <a:rPr lang="en-US" dirty="0" err="1" smtClean="0"/>
+              <a:rPr lang="en-US" dirty="0" err="1"/>
+              <a:t>bis</a:t>
+            </a:r>
+            <a:r>
+              <a:rPr lang="en-US" dirty="0"/>
+              <a:t> </a:t>
+            </a:r>
+            <a:r>
+              <a:rPr lang="en-US" dirty="0" err="1"/>
+              <a:t>zum</a:t>
+            </a:r>
+            <a:r>
+              <a:rPr lang="en-US" dirty="0"/>
+              <a:t> </a:t>
+            </a:r>
+            <a:r>
+              <a:rPr lang="en-US" dirty="0" err="1"/>
+              <a:t>Ziel</a:t>
+            </a:r>
+            <a:r>
+              <a:rPr lang="en-US" dirty="0"/>
+              <a:t> </a:t>
+            </a:r>
+          </a:p>
+          <a:p>
+            <a:pPr lvl="1"/>
+            <a:r>
+              <a:rPr lang="en-US" dirty="0" err="1"/>
+              <a:t>Optimales</a:t>
+            </a:r>
+            <a:r>
+              <a:rPr lang="en-US" dirty="0"/>
+              <a:t> </a:t>
+            </a:r>
+            <a:r>
+              <a:rPr lang="en-US" dirty="0" err="1"/>
+              <a:t>Zoomlevel</a:t>
+            </a:r>
+            <a:endParaRPr lang="en-US" dirty="0"/>
+          </a:p>
+          <a:p>
+            <a:pPr lvl="1"/>
+            <a:r>
+              <a:rPr lang="en-US" dirty="0" err="1"/>
+              <a:t>Kartenmitte</a:t>
+            </a:r>
+            <a:endParaRPr lang="en-US" dirty="0"/>
+          </a:p>
+          <a:p>
+            <a:r>
+              <a:rPr lang="en-US" dirty="0"/>
+              <a:t>Simulator </a:t>
+            </a:r>
+            <a:r>
+              <a:rPr lang="en-US" dirty="0" err="1"/>
+              <a:t>für</a:t>
+            </a:r>
+            <a:r>
+              <a:rPr lang="en-US" dirty="0"/>
+              <a:t> </a:t>
+            </a:r>
+            <a:r>
+              <a:rPr lang="en-US" dirty="0" err="1"/>
+              <a:t>GpsLocation</a:t>
+            </a:r>
+            <a:r>
+              <a:rPr lang="en-US" dirty="0"/>
+              <a:t> </a:t>
+            </a:r>
+          </a:p>
+          <a:p>
+            <a:r>
+              <a:rPr lang="en-US" dirty="0" err="1"/>
+              <a:t>Bugfixing</a:t>
+            </a:r>
+            <a:r>
+              <a:rPr lang="en-US" dirty="0"/>
+              <a:t> </a:t>
+            </a:r>
+            <a:r>
+              <a:rPr lang="en-US" dirty="0" err="1"/>
               <a:t>Vaadin</a:t>
             </a:r>
             <a:r>
-              <a:rPr lang="en-US" dirty="0" smtClean="0"/>
+              <a:rPr lang="en-US" dirty="0"/>
               <a:t> Google Maps </a:t>
             </a:r>
             <a:r>
-              <a:rPr lang="en-US" dirty="0" err="1" smtClean="0"/>
+              <a:rPr lang="en-US" dirty="0" err="1"/>
               <a:t>Komponente</a:t>
             </a:r>
             <a:endParaRPr lang="de-CH" dirty="0"/>
+          </a:p>
+          <a:p>
+            <a:endParaRPr lang="de-DE" dirty="0"/>
           </a:p>
         </p:txBody>
       </p:sp>
     </p:spTree>
     <p:extLst>
       <p:ext uri="{BB962C8B-B14F-4D97-AF65-F5344CB8AC3E}">
-        <p14:creationId xmlns:p14="http://schemas.microsoft.com/office/powerpoint/2010/main" val="3360321972"/>
+        <p14:creationId xmlns:p14="http://schemas.microsoft.com/office/powerpoint/2010/main" val="2685341740"/>
       </p:ext>
     </p:extLst>
   </p:cSld>
   <p:clrMapOvr>
     <a:masterClrMapping/>
   </p:clrMapOvr>
-  <mc:AlternateContent xmlns:mc="http://schemas.openxmlformats.org/markup-compatibility/2006">
-    <mc:Choice xmlns:p14="http://schemas.microsoft.com/office/powerpoint/2010/main" Requires="p14">
-      <p:transition spd="slow" p14:dur="2000"/>
-    </mc:Choice>
-    <mc:Fallback>
-      <p:transition spd="slow"/>
-    </mc:Fallback>
-  </mc:AlternateContent>
   <p:timing>
     <p:tnLst>
       <p:par>
@@ -6730,7 +6316,7 @@
 </file>
 
 <file path=ppt/theme/theme1.xml><?xml version="1.0" encoding="utf-8"?>
-<a:theme xmlns:a="http://schemas.openxmlformats.org/drawingml/2006/main" name="Office Theme">
+<a:theme xmlns:a="http://schemas.openxmlformats.org/drawingml/2006/main" name="Office-Design">
   <a:themeElements>
     <a:clrScheme name="Office">
       <a:dk1>
@@ -6740,39 +6326,39 @@
         <a:sysClr val="window" lastClr="FFFFFF"/>
       </a:lt1>
       <a:dk2>
-        <a:srgbClr val="44546A"/>
+        <a:srgbClr val="1F497D"/>
       </a:dk2>
       <a:lt2>
-        <a:srgbClr val="E7E6E6"/>
+        <a:srgbClr val="EEECE1"/>
       </a:lt2>
       <a:accent1>
-        <a:srgbClr val="5B9BD5"/>
+        <a:srgbClr val="4F81BD"/>
       </a:accent1>
       <a:accent2>
-        <a:srgbClr val="ED7D31"/>
+        <a:srgbClr val="C0504D"/>
       </a:accent2>
       <a:accent3>
-        <a:srgbClr val="A5A5A5"/>
+        <a:srgbClr val="9BBB59"/>
       </a:accent3>
       <a:accent4>
-        <a:srgbClr val="FFC000"/>
+        <a:srgbClr val="8064A2"/>
       </a:accent4>
       <a:accent5>
-        <a:srgbClr val="4472C4"/>
+        <a:srgbClr val="4BACC6"/>
       </a:accent5>
       <a:accent6>
-        <a:srgbClr val="70AD47"/>
+        <a:srgbClr val="F79646"/>
       </a:accent6>
       <a:hlink>
-        <a:srgbClr val="0563C1"/>
+        <a:srgbClr val="0000FF"/>
       </a:hlink>
       <a:folHlink>
-        <a:srgbClr val="954F72"/>
+        <a:srgbClr val="800080"/>
       </a:folHlink>
     </a:clrScheme>
     <a:fontScheme name="Office">
       <a:majorFont>
-        <a:latin typeface="Calibri Light" panose="020F0302020204030204"/>
+        <a:latin typeface="Calibri"/>
         <a:ea typeface=""/>
         <a:cs typeface=""/>
         <a:font script="Jpan" typeface="ＭＳ Ｐゴシック"/>
@@ -6807,7 +6393,7 @@
         <a:font script="Geor" typeface="Sylfaen"/>
       </a:majorFont>
       <a:minorFont>
-        <a:latin typeface="Calibri" panose="020F0502020204030204"/>
+        <a:latin typeface="Calibri"/>
         <a:ea typeface=""/>
         <a:cs typeface=""/>
         <a:font script="Jpan" typeface="ＭＳ Ｐゴシック"/>
@@ -6851,142 +6437,201 @@
           <a:gsLst>
             <a:gs pos="0">
               <a:schemeClr val="phClr">
-                <a:lumMod val="110000"/>
-                <a:satMod val="105000"/>
-                <a:tint val="67000"/>
+                <a:tint val="50000"/>
+                <a:satMod val="300000"/>
               </a:schemeClr>
             </a:gs>
-            <a:gs pos="50000">
+            <a:gs pos="35000">
               <a:schemeClr val="phClr">
-                <a:lumMod val="105000"/>
-                <a:satMod val="103000"/>
-                <a:tint val="73000"/>
+                <a:tint val="37000"/>
+                <a:satMod val="300000"/>
               </a:schemeClr>
             </a:gs>
             <a:gs pos="100000">
               <a:schemeClr val="phClr">
-                <a:lumMod val="105000"/>
-                <a:satMod val="109000"/>
-                <a:tint val="81000"/>
+                <a:tint val="15000"/>
+                <a:satMod val="350000"/>
               </a:schemeClr>
             </a:gs>
           </a:gsLst>
-          <a:lin ang="5400000" scaled="0"/>
+          <a:lin ang="16200000" scaled="1"/>
         </a:gradFill>
         <a:gradFill rotWithShape="1">
           <a:gsLst>
             <a:gs pos="0">
               <a:schemeClr val="phClr">
-                <a:satMod val="103000"/>
-                <a:lumMod val="102000"/>
-                <a:tint val="94000"/>
-              </a:schemeClr>
-            </a:gs>
-            <a:gs pos="50000">
-              <a:schemeClr val="phClr">
-                <a:satMod val="110000"/>
-                <a:lumMod val="100000"/>
+                <a:tint val="100000"/>
                 <a:shade val="100000"/>
+                <a:satMod val="130000"/>
               </a:schemeClr>
             </a:gs>
             <a:gs pos="100000">
               <a:schemeClr val="phClr">
-                <a:lumMod val="99000"/>
-                <a:satMod val="120000"/>
-                <a:shade val="78000"/>
+                <a:tint val="50000"/>
+                <a:shade val="100000"/>
+                <a:satMod val="350000"/>
               </a:schemeClr>
             </a:gs>
           </a:gsLst>
-          <a:lin ang="5400000" scaled="0"/>
+          <a:lin ang="16200000" scaled="0"/>
         </a:gradFill>
       </a:fillStyleLst>
       <a:lnStyleLst>
-        <a:ln w="6350" cap="flat" cmpd="sng" algn="ctr">
+        <a:ln w="9525" cap="flat" cmpd="sng" algn="ctr">
+          <a:solidFill>
+            <a:schemeClr val="phClr">
+              <a:shade val="95000"/>
+              <a:satMod val="105000"/>
+            </a:schemeClr>
+          </a:solidFill>
+          <a:prstDash val="solid"/>
+        </a:ln>
+        <a:ln w="25400" cap="flat" cmpd="sng" algn="ctr">
           <a:solidFill>
             <a:schemeClr val="phClr"/>
           </a:solidFill>
           <a:prstDash val="solid"/>
-          <a:miter lim="800000"/>
         </a:ln>
-        <a:ln w="12700" cap="flat" cmpd="sng" algn="ctr">
+        <a:ln w="38100" cap="flat" cmpd="sng" algn="ctr">
           <a:solidFill>
             <a:schemeClr val="phClr"/>
           </a:solidFill>
           <a:prstDash val="solid"/>
-          <a:miter lim="800000"/>
-        </a:ln>
-        <a:ln w="19050" cap="flat" cmpd="sng" algn="ctr">
-          <a:solidFill>
-            <a:schemeClr val="phClr"/>
-          </a:solidFill>
-          <a:prstDash val="solid"/>
-          <a:miter lim="800000"/>
         </a:ln>
       </a:lnStyleLst>
       <a:effectStyleLst>
         <a:effectStyle>
-          <a:effectLst/>
-        </a:effectStyle>
-        <a:effectStyle>
-          <a:effectLst/>
+          <a:effectLst>
+            <a:outerShdw blurRad="40000" dist="20000" dir="5400000" rotWithShape="0">
+              <a:srgbClr val="000000">
+                <a:alpha val="38000"/>
+              </a:srgbClr>
+            </a:outerShdw>
+          </a:effectLst>
         </a:effectStyle>
         <a:effectStyle>
           <a:effectLst>
-            <a:outerShdw blurRad="57150" dist="19050" dir="5400000" algn="ctr" rotWithShape="0">
+            <a:outerShdw blurRad="40000" dist="23000" dir="5400000" rotWithShape="0">
               <a:srgbClr val="000000">
-                <a:alpha val="63000"/>
+                <a:alpha val="35000"/>
               </a:srgbClr>
             </a:outerShdw>
           </a:effectLst>
+        </a:effectStyle>
+        <a:effectStyle>
+          <a:effectLst>
+            <a:outerShdw blurRad="40000" dist="23000" dir="5400000" rotWithShape="0">
+              <a:srgbClr val="000000">
+                <a:alpha val="35000"/>
+              </a:srgbClr>
+            </a:outerShdw>
+          </a:effectLst>
+          <a:scene3d>
+            <a:camera prst="orthographicFront">
+              <a:rot lat="0" lon="0" rev="0"/>
+            </a:camera>
+            <a:lightRig rig="threePt" dir="t">
+              <a:rot lat="0" lon="0" rev="1200000"/>
+            </a:lightRig>
+          </a:scene3d>
+          <a:sp3d>
+            <a:bevelT w="63500" h="25400"/>
+          </a:sp3d>
         </a:effectStyle>
       </a:effectStyleLst>
       <a:bgFillStyleLst>
         <a:solidFill>
           <a:schemeClr val="phClr"/>
         </a:solidFill>
-        <a:solidFill>
-          <a:schemeClr val="phClr">
-            <a:tint val="95000"/>
-            <a:satMod val="170000"/>
-          </a:schemeClr>
-        </a:solidFill>
         <a:gradFill rotWithShape="1">
           <a:gsLst>
             <a:gs pos="0">
               <a:schemeClr val="phClr">
-                <a:tint val="93000"/>
-                <a:satMod val="150000"/>
-                <a:shade val="98000"/>
-                <a:lumMod val="102000"/>
+                <a:tint val="40000"/>
+                <a:satMod val="350000"/>
               </a:schemeClr>
             </a:gs>
-            <a:gs pos="50000">
+            <a:gs pos="40000">
               <a:schemeClr val="phClr">
-                <a:tint val="98000"/>
-                <a:satMod val="130000"/>
-                <a:shade val="90000"/>
-                <a:lumMod val="103000"/>
+                <a:tint val="45000"/>
+                <a:shade val="99000"/>
+                <a:satMod val="350000"/>
               </a:schemeClr>
             </a:gs>
             <a:gs pos="100000">
               <a:schemeClr val="phClr">
-                <a:shade val="63000"/>
-                <a:satMod val="120000"/>
+                <a:shade val="20000"/>
+                <a:satMod val="255000"/>
               </a:schemeClr>
             </a:gs>
           </a:gsLst>
-          <a:lin ang="5400000" scaled="0"/>
+          <a:path path="circle">
+            <a:fillToRect l="50000" t="-80000" r="50000" b="180000"/>
+          </a:path>
+        </a:gradFill>
+        <a:gradFill rotWithShape="1">
+          <a:gsLst>
+            <a:gs pos="0">
+              <a:schemeClr val="phClr">
+                <a:tint val="80000"/>
+                <a:satMod val="300000"/>
+              </a:schemeClr>
+            </a:gs>
+            <a:gs pos="100000">
+              <a:schemeClr val="phClr">
+                <a:shade val="30000"/>
+                <a:satMod val="200000"/>
+              </a:schemeClr>
+            </a:gs>
+          </a:gsLst>
+          <a:path path="circle">
+            <a:fillToRect l="50000" t="50000" r="50000" b="50000"/>
+          </a:path>
         </a:gradFill>
       </a:bgFillStyleLst>
     </a:fmtScheme>
   </a:themeElements>
-  <a:objectDefaults/>
+  <a:objectDefaults>
+    <a:spDef>
+      <a:spPr/>
+      <a:bodyPr/>
+      <a:lstStyle/>
+      <a:style>
+        <a:lnRef idx="1">
+          <a:schemeClr val="accent1"/>
+        </a:lnRef>
+        <a:fillRef idx="3">
+          <a:schemeClr val="accent1"/>
+        </a:fillRef>
+        <a:effectRef idx="2">
+          <a:schemeClr val="accent1"/>
+        </a:effectRef>
+        <a:fontRef idx="minor">
+          <a:schemeClr val="lt1"/>
+        </a:fontRef>
+      </a:style>
+    </a:spDef>
+    <a:lnDef>
+      <a:spPr/>
+      <a:bodyPr/>
+      <a:lstStyle/>
+      <a:style>
+        <a:lnRef idx="2">
+          <a:schemeClr val="accent1"/>
+        </a:lnRef>
+        <a:fillRef idx="0">
+          <a:schemeClr val="accent1"/>
+        </a:fillRef>
+        <a:effectRef idx="1">
+          <a:schemeClr val="accent1"/>
+        </a:effectRef>
+        <a:fontRef idx="minor">
+          <a:schemeClr val="tx1"/>
+        </a:fontRef>
+      </a:style>
+    </a:lnDef>
+  </a:objectDefaults>
   <a:extraClrSchemeLst/>
-  <a:extLst>
-    <a:ext uri="{05A4C25C-085E-4340-85A3-A5531E510DB2}">
-      <thm15:themeFamily xmlns="" xmlns:thm15="http://schemas.microsoft.com/office/thememl/2012/main" name="Office Theme" id="{62F939B6-93AF-4DB8-9C6B-D6C7DFDC589F}" vid="{4A3C46E8-61CC-4603-A589-7422A47A8E4A}"/>
-    </a:ext>
-  </a:extLst>
 </a:theme>
 </file>
 

--- a/doc/task14/Schlusspräsentation.pptx
+++ b/doc/task14/Schlusspräsentation.pptx
@@ -5,7 +5,7 @@
     <p:sldMasterId id="2147483648" r:id="rId1"/>
   </p:sldMasterIdLst>
   <p:notesMasterIdLst>
-    <p:notesMasterId r:id="rId21"/>
+    <p:notesMasterId r:id="rId23"/>
   </p:notesMasterIdLst>
   <p:sldIdLst>
     <p:sldId id="256" r:id="rId2"/>
@@ -23,10 +23,12 @@
     <p:sldId id="286" r:id="rId14"/>
     <p:sldId id="287" r:id="rId15"/>
     <p:sldId id="288" r:id="rId16"/>
-    <p:sldId id="289" r:id="rId17"/>
-    <p:sldId id="290" r:id="rId18"/>
-    <p:sldId id="285" r:id="rId19"/>
-    <p:sldId id="284" r:id="rId20"/>
+    <p:sldId id="291" r:id="rId17"/>
+    <p:sldId id="292" r:id="rId18"/>
+    <p:sldId id="289" r:id="rId19"/>
+    <p:sldId id="290" r:id="rId20"/>
+    <p:sldId id="285" r:id="rId21"/>
+    <p:sldId id="284" r:id="rId22"/>
   </p:sldIdLst>
   <p:sldSz cx="9144000" cy="6858000" type="screen4x3"/>
   <p:notesSz cx="6858000" cy="9144000"/>
@@ -226,7 +228,7 @@
           <a:p>
             <a:fld id="{886089FC-270D-4247-A68F-0C2F3B33D2DF}" type="datetimeFigureOut">
               <a:rPr lang="de-CH" smtClean="0"/>
-              <a:t>08.06.15</a:t>
+              <a:t>08.06.2015</a:t>
             </a:fld>
             <a:endParaRPr lang="de-CH"/>
           </a:p>
@@ -812,7 +814,7 @@
           <a:p>
             <a:fld id="{550EA7F5-C048-764E-A1BB-BCA3DE93A146}" type="datetimeFigureOut">
               <a:rPr lang="de-DE" smtClean="0"/>
-              <a:t>08.06.15</a:t>
+              <a:t>08.06.2015</a:t>
             </a:fld>
             <a:endParaRPr lang="de-DE"/>
           </a:p>
@@ -982,7 +984,7 @@
           <a:p>
             <a:fld id="{550EA7F5-C048-764E-A1BB-BCA3DE93A146}" type="datetimeFigureOut">
               <a:rPr lang="de-DE" smtClean="0"/>
-              <a:t>08.06.15</a:t>
+              <a:t>08.06.2015</a:t>
             </a:fld>
             <a:endParaRPr lang="de-DE"/>
           </a:p>
@@ -1162,7 +1164,7 @@
           <a:p>
             <a:fld id="{550EA7F5-C048-764E-A1BB-BCA3DE93A146}" type="datetimeFigureOut">
               <a:rPr lang="de-DE" smtClean="0"/>
-              <a:t>08.06.15</a:t>
+              <a:t>08.06.2015</a:t>
             </a:fld>
             <a:endParaRPr lang="de-DE"/>
           </a:p>
@@ -1385,7 +1387,7 @@
           <a:p>
             <a:fld id="{550EA7F5-C048-764E-A1BB-BCA3DE93A146}" type="datetimeFigureOut">
               <a:rPr lang="de-DE" smtClean="0"/>
-              <a:t>08.06.15</a:t>
+              <a:t>08.06.2015</a:t>
             </a:fld>
             <a:endParaRPr lang="de-DE"/>
           </a:p>
@@ -1680,7 +1682,7 @@
           <a:p>
             <a:fld id="{550EA7F5-C048-764E-A1BB-BCA3DE93A146}" type="datetimeFigureOut">
               <a:rPr lang="de-DE" smtClean="0"/>
-              <a:t>08.06.15</a:t>
+              <a:t>08.06.2015</a:t>
             </a:fld>
             <a:endParaRPr lang="de-DE"/>
           </a:p>
@@ -2021,7 +2023,7 @@
           <a:p>
             <a:fld id="{550EA7F5-C048-764E-A1BB-BCA3DE93A146}" type="datetimeFigureOut">
               <a:rPr lang="de-DE" smtClean="0"/>
-              <a:t>08.06.15</a:t>
+              <a:t>08.06.2015</a:t>
             </a:fld>
             <a:endParaRPr lang="de-DE"/>
           </a:p>
@@ -2492,7 +2494,7 @@
           <a:p>
             <a:fld id="{550EA7F5-C048-764E-A1BB-BCA3DE93A146}" type="datetimeFigureOut">
               <a:rPr lang="de-DE" smtClean="0"/>
-              <a:t>08.06.15</a:t>
+              <a:t>08.06.2015</a:t>
             </a:fld>
             <a:endParaRPr lang="de-DE"/>
           </a:p>
@@ -2663,7 +2665,7 @@
           <a:p>
             <a:fld id="{550EA7F5-C048-764E-A1BB-BCA3DE93A146}" type="datetimeFigureOut">
               <a:rPr lang="de-DE" smtClean="0"/>
-              <a:t>08.06.15</a:t>
+              <a:t>08.06.2015</a:t>
             </a:fld>
             <a:endParaRPr lang="de-DE"/>
           </a:p>
@@ -2758,7 +2760,7 @@
           <a:p>
             <a:fld id="{550EA7F5-C048-764E-A1BB-BCA3DE93A146}" type="datetimeFigureOut">
               <a:rPr lang="de-DE" smtClean="0"/>
-              <a:t>08.06.15</a:t>
+              <a:t>08.06.2015</a:t>
             </a:fld>
             <a:endParaRPr lang="de-DE"/>
           </a:p>
@@ -3035,7 +3037,7 @@
           <a:p>
             <a:fld id="{550EA7F5-C048-764E-A1BB-BCA3DE93A146}" type="datetimeFigureOut">
               <a:rPr lang="de-DE" smtClean="0"/>
-              <a:t>08.06.15</a:t>
+              <a:t>08.06.2015</a:t>
             </a:fld>
             <a:endParaRPr lang="de-DE"/>
           </a:p>
@@ -3288,7 +3290,7 @@
           <a:p>
             <a:fld id="{550EA7F5-C048-764E-A1BB-BCA3DE93A146}" type="datetimeFigureOut">
               <a:rPr lang="de-DE" smtClean="0"/>
-              <a:t>08.06.15</a:t>
+              <a:t>08.06.2015</a:t>
             </a:fld>
             <a:endParaRPr lang="de-DE"/>
           </a:p>
@@ -3501,7 +3503,7 @@
           <a:p>
             <a:fld id="{550EA7F5-C048-764E-A1BB-BCA3DE93A146}" type="datetimeFigureOut">
               <a:rPr lang="de-DE" smtClean="0"/>
-              <a:t>08.06.15</a:t>
+              <a:t>08.06.2015</a:t>
             </a:fld>
             <a:endParaRPr lang="de-DE"/>
           </a:p>
@@ -4903,20 +4905,14 @@
         </p:nvSpPr>
         <p:spPr/>
         <p:txBody>
-          <a:bodyPr>
-            <a:normAutofit/>
-          </a:bodyPr>
-          <a:lstStyle/>
-          <a:p>
-            <a:r>
-              <a:rPr lang="de-DE" dirty="0" err="1" smtClean="0"/>
-              <a:t>Scrum</a:t>
-            </a:r>
-            <a:r>
-              <a:rPr lang="de-DE" dirty="0" smtClean="0"/>
-              <a:t> retrospektive: Gutes</a:t>
-            </a:r>
-            <a:endParaRPr lang="de-DE" dirty="0"/>
+          <a:bodyPr/>
+          <a:lstStyle/>
+          <a:p>
+            <a:r>
+              <a:rPr lang="de-CH" dirty="0" smtClean="0"/>
+              <a:t>Erfahrungen: Thomas 1/2</a:t>
+            </a:r>
+            <a:endParaRPr lang="de-CH" dirty="0"/>
           </a:p>
         </p:txBody>
       </p:sp>
@@ -4932,37 +4928,49 @@
         </p:nvSpPr>
         <p:spPr/>
         <p:txBody>
-          <a:bodyPr>
-            <a:normAutofit/>
-          </a:bodyPr>
-          <a:lstStyle/>
-          <a:p>
-            <a:r>
-              <a:rPr lang="de-DE" dirty="0" smtClean="0"/>
-              <a:t>Mit relativ wenig Aufwand ist etwas „in Ansätzen brauchbares“ entstanden</a:t>
-            </a:r>
-          </a:p>
-          <a:p>
-            <a:r>
-              <a:rPr lang="de-DE" dirty="0" smtClean="0"/>
-              <a:t>Trotz weniger Treffen strukturiertes vorgehen</a:t>
-            </a:r>
-          </a:p>
-          <a:p>
-            <a:r>
-              <a:rPr lang="de-DE" dirty="0" smtClean="0"/>
-              <a:t>Jeder hatte seine Aufgabe</a:t>
-            </a:r>
-          </a:p>
-          <a:p>
-            <a:endParaRPr lang="de-DE" dirty="0"/>
+          <a:bodyPr/>
+          <a:lstStyle/>
+          <a:p>
+            <a:r>
+              <a:rPr lang="de-CH" dirty="0" err="1" smtClean="0"/>
+              <a:t>LifeUp</a:t>
+            </a:r>
+            <a:endParaRPr lang="de-CH" dirty="0" smtClean="0"/>
+          </a:p>
+          <a:p>
+            <a:pPr lvl="1"/>
+            <a:r>
+              <a:rPr lang="de-CH" dirty="0" err="1" smtClean="0"/>
+              <a:t>DailyView</a:t>
+            </a:r>
+            <a:endParaRPr lang="de-CH" dirty="0" smtClean="0"/>
+          </a:p>
+          <a:p>
+            <a:pPr lvl="1"/>
+            <a:r>
+              <a:rPr lang="de-CH" dirty="0" err="1" smtClean="0"/>
+              <a:t>Overview</a:t>
+            </a:r>
+            <a:endParaRPr lang="de-CH" dirty="0" smtClean="0"/>
+          </a:p>
+          <a:p>
+            <a:pPr lvl="1"/>
+            <a:r>
+              <a:rPr lang="de-CH" dirty="0" smtClean="0"/>
+              <a:t>Detail </a:t>
+            </a:r>
+            <a:r>
+              <a:rPr lang="de-CH" dirty="0" err="1" smtClean="0"/>
+              <a:t>view</a:t>
+            </a:r>
+            <a:endParaRPr lang="de-CH" dirty="0" smtClean="0"/>
           </a:p>
         </p:txBody>
       </p:sp>
     </p:spTree>
     <p:extLst>
       <p:ext uri="{BB962C8B-B14F-4D97-AF65-F5344CB8AC3E}">
-        <p14:creationId xmlns:p14="http://schemas.microsoft.com/office/powerpoint/2010/main" val="1723578341"/>
+        <p14:creationId xmlns:p14="http://schemas.microsoft.com/office/powerpoint/2010/main" val="3409764593"/>
       </p:ext>
     </p:extLst>
   </p:cSld>
@@ -5001,20 +5009,18 @@
         </p:nvSpPr>
         <p:spPr/>
         <p:txBody>
-          <a:bodyPr>
-            <a:normAutofit/>
-          </a:bodyPr>
-          <a:lstStyle/>
-          <a:p>
-            <a:r>
-              <a:rPr lang="de-DE" dirty="0" err="1" smtClean="0"/>
-              <a:t>Scrum</a:t>
-            </a:r>
-            <a:r>
-              <a:rPr lang="de-DE" dirty="0" smtClean="0"/>
-              <a:t> retrospektive: Schlechtes</a:t>
-            </a:r>
-            <a:endParaRPr lang="de-DE" dirty="0"/>
+          <a:bodyPr/>
+          <a:lstStyle/>
+          <a:p>
+            <a:r>
+              <a:rPr lang="de-CH" dirty="0"/>
+              <a:t>Erfahrungen: Thomas </a:t>
+            </a:r>
+            <a:r>
+              <a:rPr lang="de-CH" dirty="0" smtClean="0"/>
+              <a:t>2/2</a:t>
+            </a:r>
+            <a:endParaRPr lang="de-CH" dirty="0"/>
           </a:p>
         </p:txBody>
       </p:sp>
@@ -5030,70 +5036,39 @@
         </p:nvSpPr>
         <p:spPr/>
         <p:txBody>
-          <a:bodyPr>
-            <a:normAutofit fontScale="85000" lnSpcReduction="20000"/>
-          </a:bodyPr>
-          <a:lstStyle/>
-          <a:p>
-            <a:r>
-              <a:rPr lang="de-DE" dirty="0" smtClean="0"/>
-              <a:t>Verantwortung wurde hin und her geschoben</a:t>
-            </a:r>
-          </a:p>
-          <a:p>
-            <a:r>
-              <a:rPr lang="de-DE" dirty="0" err="1" smtClean="0"/>
-              <a:t>Vaadin</a:t>
-            </a:r>
-            <a:r>
-              <a:rPr lang="de-DE" dirty="0" smtClean="0"/>
-              <a:t> steht </a:t>
-            </a:r>
-            <a:r>
-              <a:rPr lang="de-DE" smtClean="0"/>
-              <a:t>ab und zu im Weg</a:t>
-            </a:r>
-          </a:p>
-          <a:p>
-            <a:endParaRPr lang="de-DE" dirty="0" smtClean="0"/>
-          </a:p>
-          <a:p>
-            <a:r>
-              <a:rPr lang="de-DE" dirty="0" smtClean="0"/>
-              <a:t>Daten </a:t>
-            </a:r>
-            <a:r>
-              <a:rPr lang="de-DE" dirty="0"/>
-              <a:t>sammeln: Was ist in letzter Zeit geschehen? Was war gut? Was war schlecht? Welche harten Daten über Qualität/Produktivität etc. stehen zur Verfügung?</a:t>
-            </a:r>
-          </a:p>
-          <a:p>
-            <a:r>
-              <a:rPr lang="de-DE" dirty="0"/>
-              <a:t>Einsichten gewinnen: Warum sind die Dinge wie sie sind?</a:t>
-            </a:r>
-          </a:p>
-          <a:p>
-            <a:r>
-              <a:rPr lang="de-DE" dirty="0"/>
-              <a:t>Maßnahmen beschließen: Was wollen wir konkret wie ändern?</a:t>
-            </a:r>
-          </a:p>
-          <a:p>
-            <a:r>
-              <a:rPr lang="de-DE" dirty="0"/>
-              <a:t>Abschluss </a:t>
-            </a:r>
-          </a:p>
-          <a:p>
-            <a:endParaRPr lang="de-DE" dirty="0"/>
+          <a:bodyPr/>
+          <a:lstStyle/>
+          <a:p>
+            <a:r>
+              <a:rPr lang="de-CH" dirty="0" smtClean="0"/>
+              <a:t>Gelerntes</a:t>
+            </a:r>
+          </a:p>
+          <a:p>
+            <a:pPr lvl="1"/>
+            <a:r>
+              <a:rPr lang="de-CH" dirty="0" smtClean="0"/>
+              <a:t>Im Team entwickeln</a:t>
+            </a:r>
+          </a:p>
+          <a:p>
+            <a:pPr lvl="1"/>
+            <a:r>
+              <a:rPr lang="de-CH" dirty="0" err="1" smtClean="0"/>
+              <a:t>Versionierung</a:t>
+            </a:r>
+            <a:r>
+              <a:rPr lang="de-CH" dirty="0" smtClean="0"/>
+              <a:t> brauchen</a:t>
+            </a:r>
+            <a:endParaRPr lang="de-CH" dirty="0"/>
           </a:p>
         </p:txBody>
       </p:sp>
     </p:spTree>
     <p:extLst>
       <p:ext uri="{BB962C8B-B14F-4D97-AF65-F5344CB8AC3E}">
-        <p14:creationId xmlns:p14="http://schemas.microsoft.com/office/powerpoint/2010/main" val="111691313"/>
+        <p14:creationId xmlns:p14="http://schemas.microsoft.com/office/powerpoint/2010/main" val="2683168938"/>
       </p:ext>
     </p:extLst>
   </p:cSld>
@@ -5122,6 +5097,335 @@
       </p:grpSpPr>
       <p:sp>
         <p:nvSpPr>
+          <p:cNvPr id="2" name="Titel 1"/>
+          <p:cNvSpPr>
+            <a:spLocks noGrp="1"/>
+          </p:cNvSpPr>
+          <p:nvPr>
+            <p:ph type="title"/>
+          </p:nvPr>
+        </p:nvSpPr>
+        <p:spPr/>
+        <p:txBody>
+          <a:bodyPr>
+            <a:normAutofit/>
+          </a:bodyPr>
+          <a:lstStyle/>
+          <a:p>
+            <a:r>
+              <a:rPr lang="de-DE" dirty="0" err="1" smtClean="0"/>
+              <a:t>Scrum</a:t>
+            </a:r>
+            <a:r>
+              <a:rPr lang="de-DE" dirty="0" smtClean="0"/>
+              <a:t> retrospektive: Gutes</a:t>
+            </a:r>
+            <a:endParaRPr lang="de-DE" dirty="0"/>
+          </a:p>
+        </p:txBody>
+      </p:sp>
+      <p:sp>
+        <p:nvSpPr>
+          <p:cNvPr id="3" name="Inhaltsplatzhalter 2"/>
+          <p:cNvSpPr>
+            <a:spLocks noGrp="1"/>
+          </p:cNvSpPr>
+          <p:nvPr>
+            <p:ph idx="1"/>
+          </p:nvPr>
+        </p:nvSpPr>
+        <p:spPr/>
+        <p:txBody>
+          <a:bodyPr>
+            <a:normAutofit/>
+          </a:bodyPr>
+          <a:lstStyle/>
+          <a:p>
+            <a:r>
+              <a:rPr lang="de-DE" dirty="0" smtClean="0"/>
+              <a:t>Mit relativ wenig Aufwand ist etwas „in Ansätzen brauchbares“ entstanden</a:t>
+            </a:r>
+          </a:p>
+          <a:p>
+            <a:r>
+              <a:rPr lang="de-DE" dirty="0" smtClean="0"/>
+              <a:t>Trotz weniger Treffen strukturiertes vorgehen</a:t>
+            </a:r>
+          </a:p>
+          <a:p>
+            <a:r>
+              <a:rPr lang="de-DE" dirty="0" smtClean="0"/>
+              <a:t>Jeder hatte seine Aufgabe</a:t>
+            </a:r>
+          </a:p>
+          <a:p>
+            <a:endParaRPr lang="de-DE" dirty="0"/>
+          </a:p>
+        </p:txBody>
+      </p:sp>
+    </p:spTree>
+    <p:extLst>
+      <p:ext uri="{BB962C8B-B14F-4D97-AF65-F5344CB8AC3E}">
+        <p14:creationId xmlns:p14="http://schemas.microsoft.com/office/powerpoint/2010/main" val="1723578341"/>
+      </p:ext>
+    </p:extLst>
+  </p:cSld>
+  <p:clrMapOvr>
+    <a:masterClrMapping/>
+  </p:clrMapOvr>
+</p:sld>
+</file>
+
+<file path=ppt/slides/slide19.xml><?xml version="1.0" encoding="utf-8"?>
+<p:sld xmlns:a="http://schemas.openxmlformats.org/drawingml/2006/main" xmlns:r="http://schemas.openxmlformats.org/officeDocument/2006/relationships" xmlns:p="http://schemas.openxmlformats.org/presentationml/2006/main">
+  <p:cSld>
+    <p:spTree>
+      <p:nvGrpSpPr>
+        <p:cNvPr id="1" name=""/>
+        <p:cNvGrpSpPr/>
+        <p:nvPr/>
+      </p:nvGrpSpPr>
+      <p:grpSpPr>
+        <a:xfrm>
+          <a:off x="0" y="0"/>
+          <a:ext cx="0" cy="0"/>
+          <a:chOff x="0" y="0"/>
+          <a:chExt cx="0" cy="0"/>
+        </a:xfrm>
+      </p:grpSpPr>
+      <p:sp>
+        <p:nvSpPr>
+          <p:cNvPr id="2" name="Titel 1"/>
+          <p:cNvSpPr>
+            <a:spLocks noGrp="1"/>
+          </p:cNvSpPr>
+          <p:nvPr>
+            <p:ph type="title"/>
+          </p:nvPr>
+        </p:nvSpPr>
+        <p:spPr/>
+        <p:txBody>
+          <a:bodyPr>
+            <a:normAutofit/>
+          </a:bodyPr>
+          <a:lstStyle/>
+          <a:p>
+            <a:r>
+              <a:rPr lang="de-DE" dirty="0" err="1" smtClean="0"/>
+              <a:t>Scrum</a:t>
+            </a:r>
+            <a:r>
+              <a:rPr lang="de-DE" dirty="0" smtClean="0"/>
+              <a:t> retrospektive: Schlechtes</a:t>
+            </a:r>
+            <a:endParaRPr lang="de-DE" dirty="0"/>
+          </a:p>
+        </p:txBody>
+      </p:sp>
+      <p:sp>
+        <p:nvSpPr>
+          <p:cNvPr id="3" name="Inhaltsplatzhalter 2"/>
+          <p:cNvSpPr>
+            <a:spLocks noGrp="1"/>
+          </p:cNvSpPr>
+          <p:nvPr>
+            <p:ph idx="1"/>
+          </p:nvPr>
+        </p:nvSpPr>
+        <p:spPr/>
+        <p:txBody>
+          <a:bodyPr>
+            <a:normAutofit fontScale="85000" lnSpcReduction="20000"/>
+          </a:bodyPr>
+          <a:lstStyle/>
+          <a:p>
+            <a:r>
+              <a:rPr lang="de-DE" dirty="0" smtClean="0"/>
+              <a:t>Verantwortung wurde hin und her geschoben</a:t>
+            </a:r>
+          </a:p>
+          <a:p>
+            <a:r>
+              <a:rPr lang="de-DE" dirty="0" err="1" smtClean="0"/>
+              <a:t>Vaadin</a:t>
+            </a:r>
+            <a:r>
+              <a:rPr lang="de-DE" dirty="0" smtClean="0"/>
+              <a:t> steht </a:t>
+            </a:r>
+            <a:r>
+              <a:rPr lang="de-DE" smtClean="0"/>
+              <a:t>ab und zu im Weg</a:t>
+            </a:r>
+          </a:p>
+          <a:p>
+            <a:endParaRPr lang="de-DE" dirty="0" smtClean="0"/>
+          </a:p>
+          <a:p>
+            <a:r>
+              <a:rPr lang="de-DE" dirty="0" smtClean="0"/>
+              <a:t>Daten </a:t>
+            </a:r>
+            <a:r>
+              <a:rPr lang="de-DE" dirty="0"/>
+              <a:t>sammeln: Was ist in letzter Zeit geschehen? Was war gut? Was war schlecht? Welche harten Daten über Qualität/Produktivität etc. stehen zur Verfügung?</a:t>
+            </a:r>
+          </a:p>
+          <a:p>
+            <a:r>
+              <a:rPr lang="de-DE" dirty="0"/>
+              <a:t>Einsichten gewinnen: Warum sind die Dinge wie sie sind?</a:t>
+            </a:r>
+          </a:p>
+          <a:p>
+            <a:r>
+              <a:rPr lang="de-DE" dirty="0"/>
+              <a:t>Maßnahmen beschließen: Was wollen wir konkret wie ändern?</a:t>
+            </a:r>
+          </a:p>
+          <a:p>
+            <a:r>
+              <a:rPr lang="de-DE" dirty="0"/>
+              <a:t>Abschluss </a:t>
+            </a:r>
+          </a:p>
+          <a:p>
+            <a:endParaRPr lang="de-DE" dirty="0"/>
+          </a:p>
+        </p:txBody>
+      </p:sp>
+    </p:spTree>
+    <p:extLst>
+      <p:ext uri="{BB962C8B-B14F-4D97-AF65-F5344CB8AC3E}">
+        <p14:creationId xmlns:p14="http://schemas.microsoft.com/office/powerpoint/2010/main" val="111691313"/>
+      </p:ext>
+    </p:extLst>
+  </p:cSld>
+  <p:clrMapOvr>
+    <a:masterClrMapping/>
+  </p:clrMapOvr>
+</p:sld>
+</file>
+
+<file path=ppt/slides/slide2.xml><?xml version="1.0" encoding="utf-8"?>
+<p:sld xmlns:a="http://schemas.openxmlformats.org/drawingml/2006/main" xmlns:r="http://schemas.openxmlformats.org/officeDocument/2006/relationships" xmlns:p="http://schemas.openxmlformats.org/presentationml/2006/main">
+  <p:cSld>
+    <p:spTree>
+      <p:nvGrpSpPr>
+        <p:cNvPr id="1" name=""/>
+        <p:cNvGrpSpPr/>
+        <p:nvPr/>
+      </p:nvGrpSpPr>
+      <p:grpSpPr>
+        <a:xfrm>
+          <a:off x="0" y="0"/>
+          <a:ext cx="0" cy="0"/>
+          <a:chOff x="0" y="0"/>
+          <a:chExt cx="0" cy="0"/>
+        </a:xfrm>
+      </p:grpSpPr>
+      <p:sp>
+        <p:nvSpPr>
+          <p:cNvPr id="2" name="Titel 1"/>
+          <p:cNvSpPr>
+            <a:spLocks noGrp="1"/>
+          </p:cNvSpPr>
+          <p:nvPr>
+            <p:ph type="title"/>
+          </p:nvPr>
+        </p:nvSpPr>
+        <p:spPr/>
+        <p:txBody>
+          <a:bodyPr/>
+          <a:lstStyle/>
+          <a:p>
+            <a:r>
+              <a:rPr lang="en-US" dirty="0" err="1" smtClean="0"/>
+              <a:t>Inhalt</a:t>
+            </a:r>
+            <a:endParaRPr lang="de-CH" dirty="0"/>
+          </a:p>
+        </p:txBody>
+      </p:sp>
+      <p:sp>
+        <p:nvSpPr>
+          <p:cNvPr id="3" name="Inhaltsplatzhalter 2"/>
+          <p:cNvSpPr>
+            <a:spLocks noGrp="1"/>
+          </p:cNvSpPr>
+          <p:nvPr>
+            <p:ph idx="1"/>
+          </p:nvPr>
+        </p:nvSpPr>
+        <p:spPr>
+          <a:xfrm>
+            <a:off x="457200" y="1885950"/>
+            <a:ext cx="8229600" cy="4525963"/>
+          </a:xfrm>
+        </p:spPr>
+        <p:txBody>
+          <a:bodyPr/>
+          <a:lstStyle/>
+          <a:p>
+            <a:r>
+              <a:rPr lang="de-CH" dirty="0" smtClean="0"/>
+              <a:t>Demo</a:t>
+            </a:r>
+          </a:p>
+          <a:p>
+            <a:r>
+              <a:rPr lang="de-CH" dirty="0" smtClean="0"/>
+              <a:t>Codeschnipsel</a:t>
+            </a:r>
+          </a:p>
+          <a:p>
+            <a:r>
+              <a:rPr lang="de-CH" dirty="0" smtClean="0"/>
+              <a:t>Gelerntes</a:t>
+            </a:r>
+            <a:endParaRPr lang="de-CH" dirty="0"/>
+          </a:p>
+        </p:txBody>
+      </p:sp>
+    </p:spTree>
+    <p:extLst>
+      <p:ext uri="{BB962C8B-B14F-4D97-AF65-F5344CB8AC3E}">
+        <p14:creationId xmlns:p14="http://schemas.microsoft.com/office/powerpoint/2010/main" val="3930703100"/>
+      </p:ext>
+    </p:extLst>
+  </p:cSld>
+  <p:clrMapOvr>
+    <a:masterClrMapping/>
+  </p:clrMapOvr>
+  <p:timing>
+    <p:tnLst>
+      <p:par>
+        <p:cTn id="1" dur="indefinite" restart="never" nodeType="tmRoot"/>
+      </p:par>
+    </p:tnLst>
+  </p:timing>
+</p:sld>
+</file>
+
+<file path=ppt/slides/slide20.xml><?xml version="1.0" encoding="utf-8"?>
+<p:sld xmlns:a="http://schemas.openxmlformats.org/drawingml/2006/main" xmlns:r="http://schemas.openxmlformats.org/officeDocument/2006/relationships" xmlns:p="http://schemas.openxmlformats.org/presentationml/2006/main">
+  <p:cSld>
+    <p:spTree>
+      <p:nvGrpSpPr>
+        <p:cNvPr id="1" name=""/>
+        <p:cNvGrpSpPr/>
+        <p:nvPr/>
+      </p:nvGrpSpPr>
+      <p:grpSpPr>
+        <a:xfrm>
+          <a:off x="0" y="0"/>
+          <a:ext cx="0" cy="0"/>
+          <a:chOff x="0" y="0"/>
+          <a:chExt cx="0" cy="0"/>
+        </a:xfrm>
+      </p:grpSpPr>
+      <p:sp>
+        <p:nvSpPr>
           <p:cNvPr id="4" name="Titel 3"/>
           <p:cNvSpPr>
             <a:spLocks noGrp="1"/>
@@ -5175,7 +5479,7 @@
 </p:sld>
 </file>
 
-<file path=ppt/slides/slide19.xml><?xml version="1.0" encoding="utf-8"?>
+<file path=ppt/slides/slide21.xml><?xml version="1.0" encoding="utf-8"?>
 <p:sld xmlns:a="http://schemas.openxmlformats.org/drawingml/2006/main" xmlns:r="http://schemas.openxmlformats.org/officeDocument/2006/relationships" xmlns:p="http://schemas.openxmlformats.org/presentationml/2006/main">
   <p:cSld>
     <p:spTree>
@@ -5265,108 +5569,6 @@
 </p:sld>
 </file>
 
-<file path=ppt/slides/slide2.xml><?xml version="1.0" encoding="utf-8"?>
-<p:sld xmlns:a="http://schemas.openxmlformats.org/drawingml/2006/main" xmlns:r="http://schemas.openxmlformats.org/officeDocument/2006/relationships" xmlns:p="http://schemas.openxmlformats.org/presentationml/2006/main">
-  <p:cSld>
-    <p:spTree>
-      <p:nvGrpSpPr>
-        <p:cNvPr id="1" name=""/>
-        <p:cNvGrpSpPr/>
-        <p:nvPr/>
-      </p:nvGrpSpPr>
-      <p:grpSpPr>
-        <a:xfrm>
-          <a:off x="0" y="0"/>
-          <a:ext cx="0" cy="0"/>
-          <a:chOff x="0" y="0"/>
-          <a:chExt cx="0" cy="0"/>
-        </a:xfrm>
-      </p:grpSpPr>
-      <p:sp>
-        <p:nvSpPr>
-          <p:cNvPr id="2" name="Titel 1"/>
-          <p:cNvSpPr>
-            <a:spLocks noGrp="1"/>
-          </p:cNvSpPr>
-          <p:nvPr>
-            <p:ph type="title"/>
-          </p:nvPr>
-        </p:nvSpPr>
-        <p:spPr/>
-        <p:txBody>
-          <a:bodyPr/>
-          <a:lstStyle/>
-          <a:p>
-            <a:r>
-              <a:rPr lang="en-US" dirty="0" err="1" smtClean="0"/>
-              <a:t>Inhalt</a:t>
-            </a:r>
-            <a:endParaRPr lang="de-CH" dirty="0"/>
-          </a:p>
-        </p:txBody>
-      </p:sp>
-      <p:sp>
-        <p:nvSpPr>
-          <p:cNvPr id="3" name="Inhaltsplatzhalter 2"/>
-          <p:cNvSpPr>
-            <a:spLocks noGrp="1"/>
-          </p:cNvSpPr>
-          <p:nvPr>
-            <p:ph idx="1"/>
-          </p:nvPr>
-        </p:nvSpPr>
-        <p:spPr>
-          <a:xfrm>
-            <a:off x="457200" y="1885950"/>
-            <a:ext cx="8229600" cy="4525963"/>
-          </a:xfrm>
-        </p:spPr>
-        <p:txBody>
-          <a:bodyPr/>
-          <a:lstStyle/>
-          <a:p>
-            <a:r>
-              <a:rPr lang="de-CH" dirty="0" smtClean="0"/>
-              <a:t>Demo</a:t>
-            </a:r>
-            <a:endParaRPr lang="de-CH" dirty="0" smtClean="0"/>
-          </a:p>
-          <a:p>
-            <a:r>
-              <a:rPr lang="de-CH" dirty="0" smtClean="0"/>
-              <a:t>Codeschnipsel</a:t>
-            </a:r>
-            <a:endParaRPr lang="de-CH" dirty="0" smtClean="0"/>
-          </a:p>
-          <a:p>
-            <a:r>
-              <a:rPr lang="de-CH" dirty="0" smtClean="0"/>
-              <a:t>Gelerntes</a:t>
-            </a:r>
-            <a:endParaRPr lang="de-CH" dirty="0"/>
-          </a:p>
-        </p:txBody>
-      </p:sp>
-    </p:spTree>
-    <p:extLst>
-      <p:ext uri="{BB962C8B-B14F-4D97-AF65-F5344CB8AC3E}">
-        <p14:creationId xmlns:p14="http://schemas.microsoft.com/office/powerpoint/2010/main" val="3930703100"/>
-      </p:ext>
-    </p:extLst>
-  </p:cSld>
-  <p:clrMapOvr>
-    <a:masterClrMapping/>
-  </p:clrMapOvr>
-  <p:timing>
-    <p:tnLst>
-      <p:par>
-        <p:cTn id="1" dur="indefinite" restart="never" nodeType="tmRoot"/>
-      </p:par>
-    </p:tnLst>
-  </p:timing>
-</p:sld>
-</file>
-
 <file path=ppt/slides/slide3.xml><?xml version="1.0" encoding="utf-8"?>
 <p:sld xmlns:a="http://schemas.openxmlformats.org/drawingml/2006/main" xmlns:r="http://schemas.openxmlformats.org/officeDocument/2006/relationships" xmlns:p="http://schemas.openxmlformats.org/presentationml/2006/main">
   <p:cSld>
@@ -5535,7 +5737,15 @@
             </a:r>
             <a:r>
               <a:rPr lang="de-CH" dirty="0" smtClean="0"/>
-              <a:t> können arbeiten gut priorisiert werden.</a:t>
+              <a:t> können </a:t>
+            </a:r>
+            <a:r>
+              <a:rPr lang="de-CH" dirty="0" smtClean="0"/>
+              <a:t>Arbeiten </a:t>
+            </a:r>
+            <a:r>
+              <a:rPr lang="de-CH" dirty="0" smtClean="0"/>
+              <a:t>gut priorisiert werden.</a:t>
             </a:r>
           </a:p>
           <a:p>
@@ -5609,15 +5819,7 @@
           <a:p>
             <a:r>
               <a:rPr lang="de-DE" dirty="0" smtClean="0"/>
-              <a:t>Gelerntes: </a:t>
-            </a:r>
-            <a:r>
-              <a:rPr lang="de-DE" dirty="0" smtClean="0"/>
-              <a:t>im </a:t>
-            </a:r>
-            <a:r>
-              <a:rPr lang="de-DE" dirty="0" smtClean="0"/>
-              <a:t>Team</a:t>
+              <a:t>Gelerntes: im Team</a:t>
             </a:r>
             <a:endParaRPr lang="de-CH" dirty="0"/>
           </a:p>

--- a/doc/task14/Schlusspräsentation.pptx
+++ b/doc/task14/Schlusspräsentation.pptx
@@ -5,7 +5,7 @@
     <p:sldMasterId id="2147483648" r:id="rId1"/>
   </p:sldMasterIdLst>
   <p:notesMasterIdLst>
-    <p:notesMasterId r:id="rId23"/>
+    <p:notesMasterId r:id="rId24"/>
   </p:notesMasterIdLst>
   <p:sldIdLst>
     <p:sldId id="256" r:id="rId2"/>
@@ -27,8 +27,9 @@
     <p:sldId id="292" r:id="rId18"/>
     <p:sldId id="289" r:id="rId19"/>
     <p:sldId id="290" r:id="rId20"/>
-    <p:sldId id="285" r:id="rId21"/>
-    <p:sldId id="284" r:id="rId22"/>
+    <p:sldId id="293" r:id="rId21"/>
+    <p:sldId id="285" r:id="rId22"/>
+    <p:sldId id="284" r:id="rId23"/>
   </p:sldIdLst>
   <p:sldSz cx="9144000" cy="6858000" type="screen4x3"/>
   <p:notesSz cx="6858000" cy="9144000"/>
@@ -228,7 +229,7 @@
           <a:p>
             <a:fld id="{886089FC-270D-4247-A68F-0C2F3B33D2DF}" type="datetimeFigureOut">
               <a:rPr lang="de-CH" smtClean="0"/>
-              <a:t>08.06.2015</a:t>
+              <a:t>09.06.15</a:t>
             </a:fld>
             <a:endParaRPr lang="de-CH"/>
           </a:p>
@@ -814,7 +815,7 @@
           <a:p>
             <a:fld id="{550EA7F5-C048-764E-A1BB-BCA3DE93A146}" type="datetimeFigureOut">
               <a:rPr lang="de-DE" smtClean="0"/>
-              <a:t>08.06.2015</a:t>
+              <a:t>09.06.15</a:t>
             </a:fld>
             <a:endParaRPr lang="de-DE"/>
           </a:p>
@@ -984,7 +985,7 @@
           <a:p>
             <a:fld id="{550EA7F5-C048-764E-A1BB-BCA3DE93A146}" type="datetimeFigureOut">
               <a:rPr lang="de-DE" smtClean="0"/>
-              <a:t>08.06.2015</a:t>
+              <a:t>09.06.15</a:t>
             </a:fld>
             <a:endParaRPr lang="de-DE"/>
           </a:p>
@@ -1164,7 +1165,7 @@
           <a:p>
             <a:fld id="{550EA7F5-C048-764E-A1BB-BCA3DE93A146}" type="datetimeFigureOut">
               <a:rPr lang="de-DE" smtClean="0"/>
-              <a:t>08.06.2015</a:t>
+              <a:t>09.06.15</a:t>
             </a:fld>
             <a:endParaRPr lang="de-DE"/>
           </a:p>
@@ -1387,7 +1388,7 @@
           <a:p>
             <a:fld id="{550EA7F5-C048-764E-A1BB-BCA3DE93A146}" type="datetimeFigureOut">
               <a:rPr lang="de-DE" smtClean="0"/>
-              <a:t>08.06.2015</a:t>
+              <a:t>09.06.15</a:t>
             </a:fld>
             <a:endParaRPr lang="de-DE"/>
           </a:p>
@@ -1682,7 +1683,7 @@
           <a:p>
             <a:fld id="{550EA7F5-C048-764E-A1BB-BCA3DE93A146}" type="datetimeFigureOut">
               <a:rPr lang="de-DE" smtClean="0"/>
-              <a:t>08.06.2015</a:t>
+              <a:t>09.06.15</a:t>
             </a:fld>
             <a:endParaRPr lang="de-DE"/>
           </a:p>
@@ -2023,7 +2024,7 @@
           <a:p>
             <a:fld id="{550EA7F5-C048-764E-A1BB-BCA3DE93A146}" type="datetimeFigureOut">
               <a:rPr lang="de-DE" smtClean="0"/>
-              <a:t>08.06.2015</a:t>
+              <a:t>09.06.15</a:t>
             </a:fld>
             <a:endParaRPr lang="de-DE"/>
           </a:p>
@@ -2494,7 +2495,7 @@
           <a:p>
             <a:fld id="{550EA7F5-C048-764E-A1BB-BCA3DE93A146}" type="datetimeFigureOut">
               <a:rPr lang="de-DE" smtClean="0"/>
-              <a:t>08.06.2015</a:t>
+              <a:t>09.06.15</a:t>
             </a:fld>
             <a:endParaRPr lang="de-DE"/>
           </a:p>
@@ -2665,7 +2666,7 @@
           <a:p>
             <a:fld id="{550EA7F5-C048-764E-A1BB-BCA3DE93A146}" type="datetimeFigureOut">
               <a:rPr lang="de-DE" smtClean="0"/>
-              <a:t>08.06.2015</a:t>
+              <a:t>09.06.15</a:t>
             </a:fld>
             <a:endParaRPr lang="de-DE"/>
           </a:p>
@@ -2760,7 +2761,7 @@
           <a:p>
             <a:fld id="{550EA7F5-C048-764E-A1BB-BCA3DE93A146}" type="datetimeFigureOut">
               <a:rPr lang="de-DE" smtClean="0"/>
-              <a:t>08.06.2015</a:t>
+              <a:t>09.06.15</a:t>
             </a:fld>
             <a:endParaRPr lang="de-DE"/>
           </a:p>
@@ -3037,7 +3038,7 @@
           <a:p>
             <a:fld id="{550EA7F5-C048-764E-A1BB-BCA3DE93A146}" type="datetimeFigureOut">
               <a:rPr lang="de-DE" smtClean="0"/>
-              <a:t>08.06.2015</a:t>
+              <a:t>09.06.15</a:t>
             </a:fld>
             <a:endParaRPr lang="de-DE"/>
           </a:p>
@@ -3290,7 +3291,7 @@
           <a:p>
             <a:fld id="{550EA7F5-C048-764E-A1BB-BCA3DE93A146}" type="datetimeFigureOut">
               <a:rPr lang="de-DE" smtClean="0"/>
-              <a:t>08.06.2015</a:t>
+              <a:t>09.06.15</a:t>
             </a:fld>
             <a:endParaRPr lang="de-DE"/>
           </a:p>
@@ -3503,7 +3504,7 @@
           <a:p>
             <a:fld id="{550EA7F5-C048-764E-A1BB-BCA3DE93A146}" type="datetimeFigureOut">
               <a:rPr lang="de-DE" smtClean="0"/>
-              <a:t>08.06.2015</a:t>
+              <a:t>09.06.15</a:t>
             </a:fld>
             <a:endParaRPr lang="de-DE"/>
           </a:p>
@@ -5235,7 +5236,7 @@
         <p:spPr/>
         <p:txBody>
           <a:bodyPr>
-            <a:normAutofit fontScale="85000" lnSpcReduction="20000"/>
+            <a:normAutofit/>
           </a:bodyPr>
           <a:lstStyle/>
           <a:p>
@@ -5251,46 +5252,13 @@
             </a:r>
             <a:r>
               <a:rPr lang="de-DE" dirty="0" smtClean="0"/>
-              <a:t> steht </a:t>
-            </a:r>
-            <a:r>
-              <a:rPr lang="de-DE" smtClean="0"/>
-              <a:t>ab und zu im Weg</a:t>
-            </a:r>
-          </a:p>
-          <a:p>
+              <a:t> steht ab und zu im </a:t>
+            </a:r>
+            <a:r>
+              <a:rPr lang="de-DE" dirty="0" smtClean="0"/>
+              <a:t>Weg</a:t>
+            </a:r>
             <a:endParaRPr lang="de-DE" dirty="0" smtClean="0"/>
-          </a:p>
-          <a:p>
-            <a:r>
-              <a:rPr lang="de-DE" dirty="0" smtClean="0"/>
-              <a:t>Daten </a:t>
-            </a:r>
-            <a:r>
-              <a:rPr lang="de-DE" dirty="0"/>
-              <a:t>sammeln: Was ist in letzter Zeit geschehen? Was war gut? Was war schlecht? Welche harten Daten über Qualität/Produktivität etc. stehen zur Verfügung?</a:t>
-            </a:r>
-          </a:p>
-          <a:p>
-            <a:r>
-              <a:rPr lang="de-DE" dirty="0"/>
-              <a:t>Einsichten gewinnen: Warum sind die Dinge wie sie sind?</a:t>
-            </a:r>
-          </a:p>
-          <a:p>
-            <a:r>
-              <a:rPr lang="de-DE" dirty="0"/>
-              <a:t>Maßnahmen beschließen: Was wollen wir konkret wie ändern?</a:t>
-            </a:r>
-          </a:p>
-          <a:p>
-            <a:r>
-              <a:rPr lang="de-DE" dirty="0"/>
-              <a:t>Abschluss </a:t>
-            </a:r>
-          </a:p>
-          <a:p>
-            <a:endParaRPr lang="de-DE" dirty="0"/>
           </a:p>
         </p:txBody>
       </p:sp>
@@ -5371,18 +5339,31 @@
               <a:rPr lang="de-CH" dirty="0" smtClean="0"/>
               <a:t>Demo</a:t>
             </a:r>
-          </a:p>
-          <a:p>
-            <a:r>
-              <a:rPr lang="de-CH" dirty="0" smtClean="0"/>
-              <a:t>Codeschnipsel</a:t>
-            </a:r>
+            <a:endParaRPr lang="de-CH" dirty="0" smtClean="0"/>
           </a:p>
           <a:p>
             <a:r>
               <a:rPr lang="de-CH" dirty="0" smtClean="0"/>
               <a:t>Gelerntes</a:t>
             </a:r>
+          </a:p>
+          <a:p>
+            <a:r>
+              <a:rPr lang="de-CH" dirty="0" smtClean="0"/>
+              <a:t>Erfahrungen</a:t>
+            </a:r>
+          </a:p>
+          <a:p>
+            <a:r>
+              <a:rPr lang="de-CH" dirty="0" err="1" smtClean="0"/>
+              <a:t>Scrum</a:t>
+            </a:r>
+            <a:r>
+              <a:rPr lang="de-CH" dirty="0" smtClean="0"/>
+              <a:t> Retrospektive</a:t>
+            </a:r>
+          </a:p>
+          <a:p>
             <a:endParaRPr lang="de-CH" dirty="0"/>
           </a:p>
         </p:txBody>
@@ -5426,6 +5407,106 @@
       </p:grpSpPr>
       <p:sp>
         <p:nvSpPr>
+          <p:cNvPr id="2" name="Titel 1"/>
+          <p:cNvSpPr>
+            <a:spLocks noGrp="1"/>
+          </p:cNvSpPr>
+          <p:nvPr>
+            <p:ph type="title"/>
+          </p:nvPr>
+        </p:nvSpPr>
+        <p:spPr/>
+        <p:txBody>
+          <a:bodyPr/>
+          <a:lstStyle/>
+          <a:p>
+            <a:r>
+              <a:rPr lang="de-DE" dirty="0" err="1" smtClean="0"/>
+              <a:t>Scrum</a:t>
+            </a:r>
+            <a:r>
+              <a:rPr lang="de-DE" dirty="0" smtClean="0"/>
+              <a:t> retrospektive: Änderungen</a:t>
+            </a:r>
+            <a:endParaRPr lang="de-DE" dirty="0"/>
+          </a:p>
+        </p:txBody>
+      </p:sp>
+      <p:sp>
+        <p:nvSpPr>
+          <p:cNvPr id="3" name="Inhaltsplatzhalter 2"/>
+          <p:cNvSpPr>
+            <a:spLocks noGrp="1"/>
+          </p:cNvSpPr>
+          <p:nvPr>
+            <p:ph idx="1"/>
+          </p:nvPr>
+        </p:nvSpPr>
+        <p:spPr/>
+        <p:txBody>
+          <a:bodyPr/>
+          <a:lstStyle/>
+          <a:p>
+            <a:r>
+              <a:rPr lang="de-DE" dirty="0" err="1" smtClean="0"/>
+              <a:t>MongoDb</a:t>
+            </a:r>
+            <a:r>
+              <a:rPr lang="de-DE" dirty="0" smtClean="0"/>
+              <a:t>: das </a:t>
+            </a:r>
+            <a:r>
+              <a:rPr lang="de-DE" dirty="0" err="1" smtClean="0"/>
+              <a:t>MongoDbObject</a:t>
+            </a:r>
+            <a:r>
+              <a:rPr lang="de-DE" dirty="0" smtClean="0"/>
+              <a:t> direkt vererben und Objekte direkt speichern</a:t>
+            </a:r>
+          </a:p>
+          <a:p>
+            <a:r>
+              <a:rPr lang="de-DE" dirty="0" smtClean="0"/>
+              <a:t>Verantwortung wird pro Task festgelegt</a:t>
+            </a:r>
+          </a:p>
+          <a:p>
+            <a:endParaRPr lang="de-DE" dirty="0"/>
+          </a:p>
+        </p:txBody>
+      </p:sp>
+    </p:spTree>
+    <p:extLst>
+      <p:ext uri="{BB962C8B-B14F-4D97-AF65-F5344CB8AC3E}">
+        <p14:creationId xmlns:p14="http://schemas.microsoft.com/office/powerpoint/2010/main" val="2001100545"/>
+      </p:ext>
+    </p:extLst>
+  </p:cSld>
+  <p:clrMapOvr>
+    <a:masterClrMapping/>
+  </p:clrMapOvr>
+</p:sld>
+</file>
+
+<file path=ppt/slides/slide21.xml><?xml version="1.0" encoding="utf-8"?>
+<p:sld xmlns:a="http://schemas.openxmlformats.org/drawingml/2006/main" xmlns:r="http://schemas.openxmlformats.org/officeDocument/2006/relationships" xmlns:p="http://schemas.openxmlformats.org/presentationml/2006/main">
+  <p:cSld>
+    <p:spTree>
+      <p:nvGrpSpPr>
+        <p:cNvPr id="1" name=""/>
+        <p:cNvGrpSpPr/>
+        <p:nvPr/>
+      </p:nvGrpSpPr>
+      <p:grpSpPr>
+        <a:xfrm>
+          <a:off x="0" y="0"/>
+          <a:ext cx="0" cy="0"/>
+          <a:chOff x="0" y="0"/>
+          <a:chExt cx="0" cy="0"/>
+        </a:xfrm>
+      </p:grpSpPr>
+      <p:sp>
+        <p:nvSpPr>
           <p:cNvPr id="4" name="Titel 3"/>
           <p:cNvSpPr>
             <a:spLocks noGrp="1"/>
@@ -5479,7 +5560,7 @@
 </p:sld>
 </file>
 
-<file path=ppt/slides/slide21.xml><?xml version="1.0" encoding="utf-8"?>
+<file path=ppt/slides/slide22.xml><?xml version="1.0" encoding="utf-8"?>
 <p:sld xmlns:a="http://schemas.openxmlformats.org/drawingml/2006/main" xmlns:r="http://schemas.openxmlformats.org/officeDocument/2006/relationships" xmlns:p="http://schemas.openxmlformats.org/presentationml/2006/main">
   <p:cSld>
     <p:spTree>
@@ -5737,15 +5818,7 @@
             </a:r>
             <a:r>
               <a:rPr lang="de-CH" dirty="0" smtClean="0"/>
-              <a:t> können </a:t>
-            </a:r>
-            <a:r>
-              <a:rPr lang="de-CH" dirty="0" smtClean="0"/>
-              <a:t>Arbeiten </a:t>
-            </a:r>
-            <a:r>
-              <a:rPr lang="de-CH" dirty="0" smtClean="0"/>
-              <a:t>gut priorisiert werden.</a:t>
+              <a:t> können Arbeiten gut priorisiert werden.</a:t>
             </a:r>
           </a:p>
           <a:p>

--- a/doc/task14/Schlusspräsentation.pptx
+++ b/doc/task14/Schlusspräsentation.pptx
@@ -5,7 +5,7 @@
     <p:sldMasterId id="2147483648" r:id="rId1"/>
   </p:sldMasterIdLst>
   <p:notesMasterIdLst>
-    <p:notesMasterId r:id="rId24"/>
+    <p:notesMasterId r:id="rId28"/>
   </p:notesMasterIdLst>
   <p:sldIdLst>
     <p:sldId id="256" r:id="rId2"/>
@@ -25,11 +25,15 @@
     <p:sldId id="288" r:id="rId16"/>
     <p:sldId id="291" r:id="rId17"/>
     <p:sldId id="292" r:id="rId18"/>
-    <p:sldId id="289" r:id="rId19"/>
-    <p:sldId id="290" r:id="rId20"/>
-    <p:sldId id="293" r:id="rId21"/>
-    <p:sldId id="285" r:id="rId22"/>
-    <p:sldId id="284" r:id="rId23"/>
+    <p:sldId id="294" r:id="rId19"/>
+    <p:sldId id="295" r:id="rId20"/>
+    <p:sldId id="296" r:id="rId21"/>
+    <p:sldId id="297" r:id="rId22"/>
+    <p:sldId id="289" r:id="rId23"/>
+    <p:sldId id="290" r:id="rId24"/>
+    <p:sldId id="293" r:id="rId25"/>
+    <p:sldId id="285" r:id="rId26"/>
+    <p:sldId id="284" r:id="rId27"/>
   </p:sldIdLst>
   <p:sldSz cx="9144000" cy="6858000" type="screen4x3"/>
   <p:notesSz cx="6858000" cy="9144000"/>
@@ -229,7 +233,7 @@
           <a:p>
             <a:fld id="{886089FC-270D-4247-A68F-0C2F3B33D2DF}" type="datetimeFigureOut">
               <a:rPr lang="de-CH" smtClean="0"/>
-              <a:t>09.06.15</a:t>
+              <a:t>09.06.2015</a:t>
             </a:fld>
             <a:endParaRPr lang="de-CH"/>
           </a:p>
@@ -581,6 +585,90 @@
 </p:notes>
 </file>
 
+<file path=ppt/notesSlides/notesSlide2.xml><?xml version="1.0" encoding="utf-8"?>
+<p:notes xmlns:a="http://schemas.openxmlformats.org/drawingml/2006/main" xmlns:r="http://schemas.openxmlformats.org/officeDocument/2006/relationships" xmlns:p="http://schemas.openxmlformats.org/presentationml/2006/main">
+  <p:cSld>
+    <p:spTree>
+      <p:nvGrpSpPr>
+        <p:cNvPr id="1" name=""/>
+        <p:cNvGrpSpPr/>
+        <p:nvPr/>
+      </p:nvGrpSpPr>
+      <p:grpSpPr>
+        <a:xfrm>
+          <a:off x="0" y="0"/>
+          <a:ext cx="0" cy="0"/>
+          <a:chOff x="0" y="0"/>
+          <a:chExt cx="0" cy="0"/>
+        </a:xfrm>
+      </p:grpSpPr>
+      <p:sp>
+        <p:nvSpPr>
+          <p:cNvPr id="2" name="Folienbildplatzhalter 1"/>
+          <p:cNvSpPr>
+            <a:spLocks noGrp="1" noRot="1" noChangeAspect="1"/>
+          </p:cNvSpPr>
+          <p:nvPr>
+            <p:ph type="sldImg"/>
+          </p:nvPr>
+        </p:nvSpPr>
+        <p:spPr/>
+      </p:sp>
+      <p:sp>
+        <p:nvSpPr>
+          <p:cNvPr id="3" name="Notizenplatzhalter 2"/>
+          <p:cNvSpPr>
+            <a:spLocks noGrp="1"/>
+          </p:cNvSpPr>
+          <p:nvPr>
+            <p:ph type="body" idx="1"/>
+          </p:nvPr>
+        </p:nvSpPr>
+        <p:spPr/>
+        <p:txBody>
+          <a:bodyPr/>
+          <a:lstStyle/>
+          <a:p>
+            <a:endParaRPr lang="de-CH" dirty="0"/>
+          </a:p>
+        </p:txBody>
+      </p:sp>
+      <p:sp>
+        <p:nvSpPr>
+          <p:cNvPr id="4" name="Foliennummernplatzhalter 3"/>
+          <p:cNvSpPr>
+            <a:spLocks noGrp="1"/>
+          </p:cNvSpPr>
+          <p:nvPr>
+            <p:ph type="sldNum" sz="quarter" idx="10"/>
+          </p:nvPr>
+        </p:nvSpPr>
+        <p:spPr/>
+        <p:txBody>
+          <a:bodyPr/>
+          <a:lstStyle/>
+          <a:p>
+            <a:fld id="{9A061F0F-BF1A-47A6-BC67-894693F926E4}" type="slidenum">
+              <a:rPr lang="de-CH" smtClean="0"/>
+              <a:t>20</a:t>
+            </a:fld>
+            <a:endParaRPr lang="de-CH"/>
+          </a:p>
+        </p:txBody>
+      </p:sp>
+    </p:spTree>
+    <p:extLst>
+      <p:ext uri="{BB962C8B-B14F-4D97-AF65-F5344CB8AC3E}">
+        <p14:creationId xmlns:p14="http://schemas.microsoft.com/office/powerpoint/2010/main" val="2743059366"/>
+      </p:ext>
+    </p:extLst>
+  </p:cSld>
+  <p:clrMapOvr>
+    <a:masterClrMapping/>
+  </p:clrMapOvr>
+</p:notes>
+</file>
+
 <file path=ppt/slideLayouts/slideLayout1.xml><?xml version="1.0" encoding="utf-8"?>
 <p:sldLayout xmlns:a="http://schemas.openxmlformats.org/drawingml/2006/main" xmlns:r="http://schemas.openxmlformats.org/officeDocument/2006/relationships" xmlns:p="http://schemas.openxmlformats.org/presentationml/2006/main" type="title" preserve="1">
   <p:cSld name="Titelfolie">
@@ -815,7 +903,7 @@
           <a:p>
             <a:fld id="{550EA7F5-C048-764E-A1BB-BCA3DE93A146}" type="datetimeFigureOut">
               <a:rPr lang="de-DE" smtClean="0"/>
-              <a:t>09.06.15</a:t>
+              <a:t>09.06.2015</a:t>
             </a:fld>
             <a:endParaRPr lang="de-DE"/>
           </a:p>
@@ -985,7 +1073,7 @@
           <a:p>
             <a:fld id="{550EA7F5-C048-764E-A1BB-BCA3DE93A146}" type="datetimeFigureOut">
               <a:rPr lang="de-DE" smtClean="0"/>
-              <a:t>09.06.15</a:t>
+              <a:t>09.06.2015</a:t>
             </a:fld>
             <a:endParaRPr lang="de-DE"/>
           </a:p>
@@ -1165,7 +1253,7 @@
           <a:p>
             <a:fld id="{550EA7F5-C048-764E-A1BB-BCA3DE93A146}" type="datetimeFigureOut">
               <a:rPr lang="de-DE" smtClean="0"/>
-              <a:t>09.06.15</a:t>
+              <a:t>09.06.2015</a:t>
             </a:fld>
             <a:endParaRPr lang="de-DE"/>
           </a:p>
@@ -1388,7 +1476,7 @@
           <a:p>
             <a:fld id="{550EA7F5-C048-764E-A1BB-BCA3DE93A146}" type="datetimeFigureOut">
               <a:rPr lang="de-DE" smtClean="0"/>
-              <a:t>09.06.15</a:t>
+              <a:t>09.06.2015</a:t>
             </a:fld>
             <a:endParaRPr lang="de-DE"/>
           </a:p>
@@ -1683,7 +1771,7 @@
           <a:p>
             <a:fld id="{550EA7F5-C048-764E-A1BB-BCA3DE93A146}" type="datetimeFigureOut">
               <a:rPr lang="de-DE" smtClean="0"/>
-              <a:t>09.06.15</a:t>
+              <a:t>09.06.2015</a:t>
             </a:fld>
             <a:endParaRPr lang="de-DE"/>
           </a:p>
@@ -2024,7 +2112,7 @@
           <a:p>
             <a:fld id="{550EA7F5-C048-764E-A1BB-BCA3DE93A146}" type="datetimeFigureOut">
               <a:rPr lang="de-DE" smtClean="0"/>
-              <a:t>09.06.15</a:t>
+              <a:t>09.06.2015</a:t>
             </a:fld>
             <a:endParaRPr lang="de-DE"/>
           </a:p>
@@ -2495,7 +2583,7 @@
           <a:p>
             <a:fld id="{550EA7F5-C048-764E-A1BB-BCA3DE93A146}" type="datetimeFigureOut">
               <a:rPr lang="de-DE" smtClean="0"/>
-              <a:t>09.06.15</a:t>
+              <a:t>09.06.2015</a:t>
             </a:fld>
             <a:endParaRPr lang="de-DE"/>
           </a:p>
@@ -2666,7 +2754,7 @@
           <a:p>
             <a:fld id="{550EA7F5-C048-764E-A1BB-BCA3DE93A146}" type="datetimeFigureOut">
               <a:rPr lang="de-DE" smtClean="0"/>
-              <a:t>09.06.15</a:t>
+              <a:t>09.06.2015</a:t>
             </a:fld>
             <a:endParaRPr lang="de-DE"/>
           </a:p>
@@ -2761,7 +2849,7 @@
           <a:p>
             <a:fld id="{550EA7F5-C048-764E-A1BB-BCA3DE93A146}" type="datetimeFigureOut">
               <a:rPr lang="de-DE" smtClean="0"/>
-              <a:t>09.06.15</a:t>
+              <a:t>09.06.2015</a:t>
             </a:fld>
             <a:endParaRPr lang="de-DE"/>
           </a:p>
@@ -3038,7 +3126,7 @@
           <a:p>
             <a:fld id="{550EA7F5-C048-764E-A1BB-BCA3DE93A146}" type="datetimeFigureOut">
               <a:rPr lang="de-DE" smtClean="0"/>
-              <a:t>09.06.15</a:t>
+              <a:t>09.06.2015</a:t>
             </a:fld>
             <a:endParaRPr lang="de-DE"/>
           </a:p>
@@ -3291,7 +3379,7 @@
           <a:p>
             <a:fld id="{550EA7F5-C048-764E-A1BB-BCA3DE93A146}" type="datetimeFigureOut">
               <a:rPr lang="de-DE" smtClean="0"/>
-              <a:t>09.06.15</a:t>
+              <a:t>09.06.2015</a:t>
             </a:fld>
             <a:endParaRPr lang="de-DE"/>
           </a:p>
@@ -3504,7 +3592,7 @@
           <a:p>
             <a:fld id="{550EA7F5-C048-764E-A1BB-BCA3DE93A146}" type="datetimeFigureOut">
               <a:rPr lang="de-DE" smtClean="0"/>
-              <a:t>09.06.15</a:t>
+              <a:t>09.06.2015</a:t>
             </a:fld>
             <a:endParaRPr lang="de-DE"/>
           </a:p>
@@ -4978,6 +5066,13 @@
   <p:clrMapOvr>
     <a:masterClrMapping/>
   </p:clrMapOvr>
+  <p:timing>
+    <p:tnLst>
+      <p:par>
+        <p:cTn id="1" dur="indefinite" restart="never" nodeType="tmRoot"/>
+      </p:par>
+    </p:tnLst>
+  </p:timing>
 </p:sld>
 </file>
 
@@ -5076,6 +5171,13 @@
   <p:clrMapOvr>
     <a:masterClrMapping/>
   </p:clrMapOvr>
+  <p:timing>
+    <p:tnLst>
+      <p:par>
+        <p:cTn id="1" dur="indefinite" restart="never" nodeType="tmRoot"/>
+      </p:par>
+    </p:tnLst>
+  </p:timing>
 </p:sld>
 </file>
 
@@ -5098,7 +5200,7 @@
       </p:grpSpPr>
       <p:sp>
         <p:nvSpPr>
-          <p:cNvPr id="2" name="Titel 1"/>
+          <p:cNvPr id="2" name="Title 1"/>
           <p:cNvSpPr>
             <a:spLocks noGrp="1"/>
           </p:cNvSpPr>
@@ -5108,26 +5210,28 @@
         </p:nvSpPr>
         <p:spPr/>
         <p:txBody>
-          <a:bodyPr>
-            <a:normAutofit/>
-          </a:bodyPr>
-          <a:lstStyle/>
-          <a:p>
-            <a:r>
-              <a:rPr lang="de-DE" dirty="0" err="1" smtClean="0"/>
-              <a:t>Scrum</a:t>
-            </a:r>
-            <a:r>
-              <a:rPr lang="de-DE" dirty="0" smtClean="0"/>
-              <a:t> retrospektive: Gutes</a:t>
-            </a:r>
-            <a:endParaRPr lang="de-DE" dirty="0"/>
-          </a:p>
-        </p:txBody>
-      </p:sp>
-      <p:sp>
-        <p:nvSpPr>
-          <p:cNvPr id="3" name="Inhaltsplatzhalter 2"/>
+          <a:bodyPr/>
+          <a:lstStyle/>
+          <a:p>
+            <a:r>
+              <a:rPr lang="en-GB" dirty="0" err="1" smtClean="0"/>
+              <a:t>Erfahrungen</a:t>
+            </a:r>
+            <a:r>
+              <a:rPr lang="en-GB" dirty="0" smtClean="0"/>
+              <a:t>: </a:t>
+            </a:r>
+            <a:r>
+              <a:rPr lang="en-GB" dirty="0" smtClean="0"/>
+              <a:t>Stefan 1/3</a:t>
+            </a:r>
+            <a:endParaRPr lang="en-GB" dirty="0"/>
+          </a:p>
+        </p:txBody>
+      </p:sp>
+      <p:sp>
+        <p:nvSpPr>
+          <p:cNvPr id="5" name="Inhaltsplatzhalter 4"/>
           <p:cNvSpPr>
             <a:spLocks noGrp="1"/>
           </p:cNvSpPr>
@@ -5137,27 +5241,31 @@
         </p:nvSpPr>
         <p:spPr/>
         <p:txBody>
-          <a:bodyPr>
-            <a:normAutofit/>
-          </a:bodyPr>
-          <a:lstStyle/>
-          <a:p>
-            <a:r>
-              <a:rPr lang="de-DE" dirty="0" smtClean="0"/>
-              <a:t>Mit relativ wenig Aufwand ist etwas „in Ansätzen brauchbares“ entstanden</a:t>
-            </a:r>
-          </a:p>
-          <a:p>
-            <a:r>
-              <a:rPr lang="de-DE" dirty="0" smtClean="0"/>
-              <a:t>Trotz weniger Treffen strukturiertes vorgehen</a:t>
-            </a:r>
-          </a:p>
-          <a:p>
-            <a:r>
-              <a:rPr lang="de-DE" dirty="0" smtClean="0"/>
-              <a:t>Jeder hatte seine Aufgabe</a:t>
-            </a:r>
+          <a:bodyPr/>
+          <a:lstStyle/>
+          <a:p>
+            <a:r>
+              <a:rPr lang="de-CH" dirty="0" err="1" smtClean="0"/>
+              <a:t>StatePattern</a:t>
+            </a:r>
+            <a:endParaRPr lang="de-CH" dirty="0" smtClean="0"/>
+          </a:p>
+          <a:p>
+            <a:r>
+              <a:rPr lang="de-CH" dirty="0" err="1" smtClean="0"/>
+              <a:t>StartPage</a:t>
+            </a:r>
+            <a:endParaRPr lang="de-CH" dirty="0" smtClean="0"/>
+          </a:p>
+          <a:p>
+            <a:r>
+              <a:rPr lang="de-CH" dirty="0" err="1" smtClean="0"/>
+              <a:t>LifeUpProgress</a:t>
+            </a:r>
+            <a:endParaRPr lang="de-CH" dirty="0" smtClean="0"/>
+          </a:p>
+          <a:p>
+            <a:endParaRPr lang="en-US" dirty="0"/>
           </a:p>
           <a:p>
             <a:endParaRPr lang="de-DE" dirty="0"/>
@@ -5167,13 +5275,20 @@
     </p:spTree>
     <p:extLst>
       <p:ext uri="{BB962C8B-B14F-4D97-AF65-F5344CB8AC3E}">
-        <p14:creationId xmlns:p14="http://schemas.microsoft.com/office/powerpoint/2010/main" val="1723578341"/>
+        <p14:creationId xmlns:p14="http://schemas.microsoft.com/office/powerpoint/2010/main" val="683510244"/>
       </p:ext>
     </p:extLst>
   </p:cSld>
   <p:clrMapOvr>
     <a:masterClrMapping/>
   </p:clrMapOvr>
+  <p:timing>
+    <p:tnLst>
+      <p:par>
+        <p:cTn id="1" dur="indefinite" restart="never" nodeType="tmRoot"/>
+      </p:par>
+    </p:tnLst>
+  </p:timing>
 </p:sld>
 </file>
 
@@ -5196,7 +5311,7 @@
       </p:grpSpPr>
       <p:sp>
         <p:nvSpPr>
-          <p:cNvPr id="2" name="Titel 1"/>
+          <p:cNvPr id="2" name="Title 1"/>
           <p:cNvSpPr>
             <a:spLocks noGrp="1"/>
           </p:cNvSpPr>
@@ -5206,72 +5321,303 @@
         </p:nvSpPr>
         <p:spPr/>
         <p:txBody>
-          <a:bodyPr>
+          <a:bodyPr/>
+          <a:lstStyle/>
+          <a:p>
+            <a:r>
+              <a:rPr lang="en-GB" dirty="0" err="1" smtClean="0"/>
+              <a:t>Erfahrungen</a:t>
+            </a:r>
+            <a:r>
+              <a:rPr lang="en-GB" dirty="0" smtClean="0"/>
+              <a:t>: </a:t>
+            </a:r>
+            <a:r>
+              <a:rPr lang="en-GB" dirty="0" smtClean="0"/>
+              <a:t>Stefan 2/3</a:t>
+            </a:r>
+            <a:endParaRPr lang="en-GB" dirty="0"/>
+          </a:p>
+        </p:txBody>
+      </p:sp>
+      <p:sp>
+        <p:nvSpPr>
+          <p:cNvPr id="5" name="Inhaltsplatzhalter 4"/>
+          <p:cNvSpPr>
+            <a:spLocks noGrp="1"/>
+          </p:cNvSpPr>
+          <p:nvPr>
+            <p:ph idx="1"/>
+          </p:nvPr>
+        </p:nvSpPr>
+        <p:spPr>
+          <a:xfrm>
+            <a:off x="457200" y="1600201"/>
+            <a:ext cx="8229600" cy="1957388"/>
+          </a:xfrm>
+        </p:spPr>
+        <p:txBody>
+          <a:bodyPr/>
+          <a:lstStyle/>
+          <a:p>
+            <a:r>
+              <a:rPr lang="de-CH" dirty="0" smtClean="0"/>
+              <a:t>GIT</a:t>
+            </a:r>
+            <a:endParaRPr lang="de-CH" dirty="0" smtClean="0"/>
+          </a:p>
+          <a:p>
+            <a:pPr lvl="1"/>
+            <a:r>
+              <a:rPr lang="de-CH" dirty="0" smtClean="0"/>
+              <a:t>Am Anfang schwierig</a:t>
+            </a:r>
+            <a:endParaRPr lang="de-CH" dirty="0" smtClean="0"/>
+          </a:p>
+          <a:p>
+            <a:pPr lvl="1"/>
+            <a:r>
+              <a:rPr lang="de-CH" dirty="0" smtClean="0"/>
+              <a:t>Mit </a:t>
+            </a:r>
+            <a:r>
+              <a:rPr lang="de-CH" dirty="0" err="1" smtClean="0"/>
+              <a:t>Eclipse</a:t>
+            </a:r>
+            <a:r>
+              <a:rPr lang="de-CH" dirty="0" smtClean="0"/>
+              <a:t> mühsam</a:t>
+            </a:r>
+            <a:endParaRPr lang="de-CH" dirty="0" smtClean="0"/>
+          </a:p>
+          <a:p>
+            <a:pPr lvl="1"/>
+            <a:endParaRPr lang="de-CH" dirty="0" smtClean="0"/>
+          </a:p>
+          <a:p>
+            <a:endParaRPr lang="en-US" dirty="0"/>
+          </a:p>
+          <a:p>
+            <a:endParaRPr lang="de-DE" dirty="0"/>
+          </a:p>
+        </p:txBody>
+      </p:sp>
+      <p:sp>
+        <p:nvSpPr>
+          <p:cNvPr id="4" name="Inhaltsplatzhalter 4"/>
+          <p:cNvSpPr txBox="1">
+            <a:spLocks/>
+          </p:cNvSpPr>
+          <p:nvPr/>
+        </p:nvSpPr>
+        <p:spPr>
+          <a:xfrm>
+            <a:off x="457200" y="3524252"/>
+            <a:ext cx="8229600" cy="1957388"/>
+          </a:xfrm>
+          <a:prstGeom prst="rect">
+            <a:avLst/>
+          </a:prstGeom>
+        </p:spPr>
+        <p:txBody>
+          <a:bodyPr vert="horz" lIns="91440" tIns="45720" rIns="91440" bIns="45720" rtlCol="0">
             <a:normAutofit/>
           </a:bodyPr>
-          <a:lstStyle/>
-          <a:p>
-            <a:r>
-              <a:rPr lang="de-DE" dirty="0" err="1" smtClean="0"/>
-              <a:t>Scrum</a:t>
-            </a:r>
-            <a:r>
-              <a:rPr lang="de-DE" dirty="0" smtClean="0"/>
-              <a:t> retrospektive: Schlechtes</a:t>
-            </a:r>
+          <a:lstStyle>
+            <a:lvl1pPr marL="342900" indent="-342900" algn="l" defTabSz="457200" rtl="0" eaLnBrk="1" latinLnBrk="0" hangingPunct="1">
+              <a:spcBef>
+                <a:spcPct val="20000"/>
+              </a:spcBef>
+              <a:buFont typeface="Arial"/>
+              <a:buChar char="•"/>
+              <a:defRPr sz="3200" kern="1200">
+                <a:solidFill>
+                  <a:schemeClr val="tx1"/>
+                </a:solidFill>
+                <a:latin typeface="+mn-lt"/>
+                <a:ea typeface="+mn-ea"/>
+                <a:cs typeface="+mn-cs"/>
+              </a:defRPr>
+            </a:lvl1pPr>
+            <a:lvl2pPr marL="742950" indent="-285750" algn="l" defTabSz="457200" rtl="0" eaLnBrk="1" latinLnBrk="0" hangingPunct="1">
+              <a:spcBef>
+                <a:spcPct val="20000"/>
+              </a:spcBef>
+              <a:buFont typeface="Arial"/>
+              <a:buChar char="–"/>
+              <a:defRPr sz="2800" kern="1200">
+                <a:solidFill>
+                  <a:schemeClr val="tx1"/>
+                </a:solidFill>
+                <a:latin typeface="+mn-lt"/>
+                <a:ea typeface="+mn-ea"/>
+                <a:cs typeface="+mn-cs"/>
+              </a:defRPr>
+            </a:lvl2pPr>
+            <a:lvl3pPr marL="1143000" indent="-228600" algn="l" defTabSz="457200" rtl="0" eaLnBrk="1" latinLnBrk="0" hangingPunct="1">
+              <a:spcBef>
+                <a:spcPct val="20000"/>
+              </a:spcBef>
+              <a:buFont typeface="Arial"/>
+              <a:buChar char="•"/>
+              <a:defRPr sz="2400" kern="1200">
+                <a:solidFill>
+                  <a:schemeClr val="tx1"/>
+                </a:solidFill>
+                <a:latin typeface="+mn-lt"/>
+                <a:ea typeface="+mn-ea"/>
+                <a:cs typeface="+mn-cs"/>
+              </a:defRPr>
+            </a:lvl3pPr>
+            <a:lvl4pPr marL="1600200" indent="-228600" algn="l" defTabSz="457200" rtl="0" eaLnBrk="1" latinLnBrk="0" hangingPunct="1">
+              <a:spcBef>
+                <a:spcPct val="20000"/>
+              </a:spcBef>
+              <a:buFont typeface="Arial"/>
+              <a:buChar char="–"/>
+              <a:defRPr sz="2000" kern="1200">
+                <a:solidFill>
+                  <a:schemeClr val="tx1"/>
+                </a:solidFill>
+                <a:latin typeface="+mn-lt"/>
+                <a:ea typeface="+mn-ea"/>
+                <a:cs typeface="+mn-cs"/>
+              </a:defRPr>
+            </a:lvl4pPr>
+            <a:lvl5pPr marL="2057400" indent="-228600" algn="l" defTabSz="457200" rtl="0" eaLnBrk="1" latinLnBrk="0" hangingPunct="1">
+              <a:spcBef>
+                <a:spcPct val="20000"/>
+              </a:spcBef>
+              <a:buFont typeface="Arial"/>
+              <a:buChar char="»"/>
+              <a:defRPr sz="2000" kern="1200">
+                <a:solidFill>
+                  <a:schemeClr val="tx1"/>
+                </a:solidFill>
+                <a:latin typeface="+mn-lt"/>
+                <a:ea typeface="+mn-ea"/>
+                <a:cs typeface="+mn-cs"/>
+              </a:defRPr>
+            </a:lvl5pPr>
+            <a:lvl6pPr marL="2514600" indent="-228600" algn="l" defTabSz="457200" rtl="0" eaLnBrk="1" latinLnBrk="0" hangingPunct="1">
+              <a:spcBef>
+                <a:spcPct val="20000"/>
+              </a:spcBef>
+              <a:buFont typeface="Arial"/>
+              <a:buChar char="•"/>
+              <a:defRPr sz="2000" kern="1200">
+                <a:solidFill>
+                  <a:schemeClr val="tx1"/>
+                </a:solidFill>
+                <a:latin typeface="+mn-lt"/>
+                <a:ea typeface="+mn-ea"/>
+                <a:cs typeface="+mn-cs"/>
+              </a:defRPr>
+            </a:lvl6pPr>
+            <a:lvl7pPr marL="2971800" indent="-228600" algn="l" defTabSz="457200" rtl="0" eaLnBrk="1" latinLnBrk="0" hangingPunct="1">
+              <a:spcBef>
+                <a:spcPct val="20000"/>
+              </a:spcBef>
+              <a:buFont typeface="Arial"/>
+              <a:buChar char="•"/>
+              <a:defRPr sz="2000" kern="1200">
+                <a:solidFill>
+                  <a:schemeClr val="tx1"/>
+                </a:solidFill>
+                <a:latin typeface="+mn-lt"/>
+                <a:ea typeface="+mn-ea"/>
+                <a:cs typeface="+mn-cs"/>
+              </a:defRPr>
+            </a:lvl7pPr>
+            <a:lvl8pPr marL="3429000" indent="-228600" algn="l" defTabSz="457200" rtl="0" eaLnBrk="1" latinLnBrk="0" hangingPunct="1">
+              <a:spcBef>
+                <a:spcPct val="20000"/>
+              </a:spcBef>
+              <a:buFont typeface="Arial"/>
+              <a:buChar char="•"/>
+              <a:defRPr sz="2000" kern="1200">
+                <a:solidFill>
+                  <a:schemeClr val="tx1"/>
+                </a:solidFill>
+                <a:latin typeface="+mn-lt"/>
+                <a:ea typeface="+mn-ea"/>
+                <a:cs typeface="+mn-cs"/>
+              </a:defRPr>
+            </a:lvl8pPr>
+            <a:lvl9pPr marL="3886200" indent="-228600" algn="l" defTabSz="457200" rtl="0" eaLnBrk="1" latinLnBrk="0" hangingPunct="1">
+              <a:spcBef>
+                <a:spcPct val="20000"/>
+              </a:spcBef>
+              <a:buFont typeface="Arial"/>
+              <a:buChar char="•"/>
+              <a:defRPr sz="2000" kern="1200">
+                <a:solidFill>
+                  <a:schemeClr val="tx1"/>
+                </a:solidFill>
+                <a:latin typeface="+mn-lt"/>
+                <a:ea typeface="+mn-ea"/>
+                <a:cs typeface="+mn-cs"/>
+              </a:defRPr>
+            </a:lvl9pPr>
+          </a:lstStyle>
+          <a:p>
+            <a:r>
+              <a:rPr lang="de-CH" dirty="0" err="1" smtClean="0"/>
+              <a:t>Maven</a:t>
+            </a:r>
+            <a:r>
+              <a:rPr lang="de-CH" dirty="0" smtClean="0"/>
+              <a:t> &amp; </a:t>
+            </a:r>
+            <a:r>
+              <a:rPr lang="de-CH" dirty="0" err="1" smtClean="0"/>
+              <a:t>Vaadin</a:t>
+            </a:r>
+            <a:endParaRPr lang="de-CH" dirty="0" smtClean="0"/>
+          </a:p>
+          <a:p>
+            <a:pPr lvl="1"/>
+            <a:r>
+              <a:rPr lang="de-CH" dirty="0" smtClean="0"/>
+              <a:t>Alles neu</a:t>
+            </a:r>
+          </a:p>
+          <a:p>
+            <a:pPr lvl="1"/>
+            <a:r>
+              <a:rPr lang="de-CH" dirty="0" smtClean="0"/>
+              <a:t>Potenzial noch nicht ausschöpfbar</a:t>
+            </a:r>
+          </a:p>
+          <a:p>
+            <a:pPr lvl="1"/>
+            <a:endParaRPr lang="de-CH" dirty="0" smtClean="0"/>
+          </a:p>
+          <a:p>
+            <a:endParaRPr lang="en-US" dirty="0" smtClean="0"/>
+          </a:p>
+          <a:p>
             <a:endParaRPr lang="de-DE" dirty="0"/>
-          </a:p>
-        </p:txBody>
-      </p:sp>
-      <p:sp>
-        <p:nvSpPr>
-          <p:cNvPr id="3" name="Inhaltsplatzhalter 2"/>
-          <p:cNvSpPr>
-            <a:spLocks noGrp="1"/>
-          </p:cNvSpPr>
-          <p:nvPr>
-            <p:ph idx="1"/>
-          </p:nvPr>
-        </p:nvSpPr>
-        <p:spPr/>
-        <p:txBody>
-          <a:bodyPr>
-            <a:normAutofit/>
-          </a:bodyPr>
-          <a:lstStyle/>
-          <a:p>
-            <a:r>
-              <a:rPr lang="de-DE" dirty="0" smtClean="0"/>
-              <a:t>Verantwortung wurde hin und her geschoben</a:t>
-            </a:r>
-          </a:p>
-          <a:p>
-            <a:r>
-              <a:rPr lang="de-DE" dirty="0" err="1" smtClean="0"/>
-              <a:t>Vaadin</a:t>
-            </a:r>
-            <a:r>
-              <a:rPr lang="de-DE" dirty="0" smtClean="0"/>
-              <a:t> steht ab und zu im </a:t>
-            </a:r>
-            <a:r>
-              <a:rPr lang="de-DE" dirty="0" smtClean="0"/>
-              <a:t>Weg</a:t>
-            </a:r>
-            <a:endParaRPr lang="de-DE" dirty="0" smtClean="0"/>
           </a:p>
         </p:txBody>
       </p:sp>
     </p:spTree>
     <p:extLst>
       <p:ext uri="{BB962C8B-B14F-4D97-AF65-F5344CB8AC3E}">
-        <p14:creationId xmlns:p14="http://schemas.microsoft.com/office/powerpoint/2010/main" val="111691313"/>
+        <p14:creationId xmlns:p14="http://schemas.microsoft.com/office/powerpoint/2010/main" val="3264324934"/>
       </p:ext>
     </p:extLst>
   </p:cSld>
   <p:clrMapOvr>
     <a:masterClrMapping/>
   </p:clrMapOvr>
+  <p:timing>
+    <p:tnLst>
+      <p:par>
+        <p:cTn id="1" dur="indefinite" restart="never" nodeType="tmRoot"/>
+      </p:par>
+    </p:tnLst>
+  </p:timing>
 </p:sld>
 </file>
 
@@ -5339,7 +5685,6 @@
               <a:rPr lang="de-CH" dirty="0" smtClean="0"/>
               <a:t>Demo</a:t>
             </a:r>
-            <a:endParaRPr lang="de-CH" dirty="0" smtClean="0"/>
           </a:p>
           <a:p>
             <a:r>
@@ -5407,7 +5752,7 @@
       </p:grpSpPr>
       <p:sp>
         <p:nvSpPr>
-          <p:cNvPr id="2" name="Titel 1"/>
+          <p:cNvPr id="2" name="Title 1"/>
           <p:cNvSpPr>
             <a:spLocks noGrp="1"/>
           </p:cNvSpPr>
@@ -5421,20 +5766,24 @@
           <a:lstStyle/>
           <a:p>
             <a:r>
-              <a:rPr lang="de-DE" dirty="0" err="1" smtClean="0"/>
-              <a:t>Scrum</a:t>
-            </a:r>
-            <a:r>
-              <a:rPr lang="de-DE" dirty="0" smtClean="0"/>
-              <a:t> retrospektive: Änderungen</a:t>
-            </a:r>
-            <a:endParaRPr lang="de-DE" dirty="0"/>
-          </a:p>
-        </p:txBody>
-      </p:sp>
-      <p:sp>
-        <p:nvSpPr>
-          <p:cNvPr id="3" name="Inhaltsplatzhalter 2"/>
+              <a:rPr lang="en-GB" dirty="0" err="1" smtClean="0"/>
+              <a:t>Erfahrungen</a:t>
+            </a:r>
+            <a:r>
+              <a:rPr lang="en-GB" dirty="0" smtClean="0"/>
+              <a:t>: </a:t>
+            </a:r>
+            <a:r>
+              <a:rPr lang="en-GB" dirty="0" smtClean="0"/>
+              <a:t>Stefan 3/3</a:t>
+            </a:r>
+            <a:endParaRPr lang="en-GB" dirty="0"/>
+          </a:p>
+        </p:txBody>
+      </p:sp>
+      <p:sp>
+        <p:nvSpPr>
+          <p:cNvPr id="5" name="Inhaltsplatzhalter 4"/>
           <p:cNvSpPr>
             <a:spLocks noGrp="1"/>
           </p:cNvSpPr>
@@ -5444,47 +5793,103 @@
         </p:nvSpPr>
         <p:spPr/>
         <p:txBody>
-          <a:bodyPr/>
-          <a:lstStyle/>
-          <a:p>
-            <a:r>
-              <a:rPr lang="de-DE" dirty="0" err="1" smtClean="0"/>
-              <a:t>MongoDb</a:t>
-            </a:r>
-            <a:r>
-              <a:rPr lang="de-DE" dirty="0" smtClean="0"/>
-              <a:t>: das </a:t>
-            </a:r>
-            <a:r>
-              <a:rPr lang="de-DE" dirty="0" err="1" smtClean="0"/>
-              <a:t>MongoDbObject</a:t>
-            </a:r>
-            <a:r>
-              <a:rPr lang="de-DE" dirty="0" smtClean="0"/>
-              <a:t> direkt vererben und Objekte direkt speichern</a:t>
-            </a:r>
-          </a:p>
-          <a:p>
-            <a:r>
-              <a:rPr lang="de-DE" dirty="0" smtClean="0"/>
-              <a:t>Verantwortung wird pro Task festgelegt</a:t>
-            </a:r>
-          </a:p>
-          <a:p>
-            <a:endParaRPr lang="de-DE" dirty="0"/>
-          </a:p>
-        </p:txBody>
-      </p:sp>
+          <a:bodyPr>
+            <a:normAutofit/>
+          </a:bodyPr>
+          <a:lstStyle/>
+          <a:p>
+            <a:r>
+              <a:rPr lang="de-CH" dirty="0" smtClean="0"/>
+              <a:t>GSON </a:t>
+            </a:r>
+            <a:r>
+              <a:rPr lang="de-CH" dirty="0" err="1" smtClean="0"/>
+              <a:t>Deserialisierung</a:t>
+            </a:r>
+            <a:endParaRPr lang="de-CH" dirty="0" smtClean="0"/>
+          </a:p>
+          <a:p>
+            <a:pPr lvl="1"/>
+            <a:r>
+              <a:rPr lang="de-CH" dirty="0" smtClean="0"/>
+              <a:t>Probleme bei abstrakten Klassen</a:t>
+            </a:r>
+          </a:p>
+          <a:p>
+            <a:pPr lvl="1"/>
+            <a:r>
+              <a:rPr lang="de-CH" dirty="0" smtClean="0"/>
+              <a:t>Probleme bei Kreisreferenzen</a:t>
+            </a:r>
+            <a:endParaRPr lang="de-CH" dirty="0" smtClean="0"/>
+          </a:p>
+        </p:txBody>
+      </p:sp>
+      <p:pic>
+        <p:nvPicPr>
+          <p:cNvPr id="3" name="Grafik 2"/>
+          <p:cNvPicPr>
+            <a:picLocks noChangeAspect="1"/>
+          </p:cNvPicPr>
+          <p:nvPr/>
+        </p:nvPicPr>
+        <p:blipFill>
+          <a:blip r:embed="rId3"/>
+          <a:stretch>
+            <a:fillRect/>
+          </a:stretch>
+        </p:blipFill>
+        <p:spPr>
+          <a:xfrm>
+            <a:off x="175815" y="3990960"/>
+            <a:ext cx="8396629" cy="377193"/>
+          </a:xfrm>
+          <a:prstGeom prst="rect">
+            <a:avLst/>
+          </a:prstGeom>
+        </p:spPr>
+      </p:pic>
+      <p:pic>
+        <p:nvPicPr>
+          <p:cNvPr id="4" name="Grafik 3"/>
+          <p:cNvPicPr>
+            <a:picLocks noChangeAspect="1"/>
+          </p:cNvPicPr>
+          <p:nvPr/>
+        </p:nvPicPr>
+        <p:blipFill>
+          <a:blip r:embed="rId4"/>
+          <a:stretch>
+            <a:fillRect/>
+          </a:stretch>
+        </p:blipFill>
+        <p:spPr>
+          <a:xfrm>
+            <a:off x="175815" y="4839299"/>
+            <a:ext cx="8968185" cy="1098452"/>
+          </a:xfrm>
+          <a:prstGeom prst="rect">
+            <a:avLst/>
+          </a:prstGeom>
+        </p:spPr>
+      </p:pic>
     </p:spTree>
     <p:extLst>
       <p:ext uri="{BB962C8B-B14F-4D97-AF65-F5344CB8AC3E}">
-        <p14:creationId xmlns:p14="http://schemas.microsoft.com/office/powerpoint/2010/main" val="2001100545"/>
+        <p14:creationId xmlns:p14="http://schemas.microsoft.com/office/powerpoint/2010/main" val="2477736250"/>
       </p:ext>
     </p:extLst>
   </p:cSld>
   <p:clrMapOvr>
     <a:masterClrMapping/>
   </p:clrMapOvr>
+  <p:timing>
+    <p:tnLst>
+      <p:par>
+        <p:cTn id="1" dur="indefinite" restart="never" nodeType="tmRoot"/>
+      </p:par>
+    </p:tnLst>
+  </p:timing>
 </p:sld>
 </file>
 
@@ -5507,6 +5912,415 @@
       </p:grpSpPr>
       <p:sp>
         <p:nvSpPr>
+          <p:cNvPr id="2" name="Titel 1"/>
+          <p:cNvSpPr>
+            <a:spLocks noGrp="1"/>
+          </p:cNvSpPr>
+          <p:nvPr>
+            <p:ph type="title"/>
+          </p:nvPr>
+        </p:nvSpPr>
+        <p:spPr/>
+        <p:txBody>
+          <a:bodyPr/>
+          <a:lstStyle/>
+          <a:p>
+            <a:endParaRPr lang="de-DE" dirty="0"/>
+          </a:p>
+        </p:txBody>
+      </p:sp>
+      <p:pic>
+        <p:nvPicPr>
+          <p:cNvPr id="4" name="Picture 2" descr="C:\Users\James\Desktop\1uMcORN.jpg"/>
+          <p:cNvPicPr>
+            <a:picLocks noChangeAspect="1" noChangeArrowheads="1"/>
+          </p:cNvPicPr>
+          <p:nvPr/>
+        </p:nvPicPr>
+        <p:blipFill>
+          <a:blip r:embed="rId2">
+            <a:extLst>
+              <a:ext uri="{28A0092B-C50C-407E-A947-70E740481C1C}">
+                <a14:useLocalDpi xmlns:a14="http://schemas.microsoft.com/office/drawing/2010/main" val="0"/>
+              </a:ext>
+            </a:extLst>
+          </a:blip>
+          <a:srcRect/>
+          <a:stretch>
+            <a:fillRect/>
+          </a:stretch>
+        </p:blipFill>
+        <p:spPr bwMode="auto">
+          <a:xfrm>
+            <a:off x="703987" y="1793195"/>
+            <a:ext cx="7736026" cy="4551362"/>
+          </a:xfrm>
+          <a:prstGeom prst="rect">
+            <a:avLst/>
+          </a:prstGeom>
+          <a:noFill/>
+          <a:extLst>
+            <a:ext uri="{909E8E84-426E-40DD-AFC4-6F175D3DCCD1}">
+              <a14:hiddenFill xmlns:a14="http://schemas.microsoft.com/office/drawing/2010/main">
+                <a:solidFill>
+                  <a:srgbClr val="FFFFFF"/>
+                </a:solidFill>
+              </a14:hiddenFill>
+            </a:ext>
+          </a:extLst>
+        </p:spPr>
+      </p:pic>
+    </p:spTree>
+    <p:extLst>
+      <p:ext uri="{BB962C8B-B14F-4D97-AF65-F5344CB8AC3E}">
+        <p14:creationId xmlns:p14="http://schemas.microsoft.com/office/powerpoint/2010/main" val="3624240542"/>
+      </p:ext>
+    </p:extLst>
+  </p:cSld>
+  <p:clrMapOvr>
+    <a:masterClrMapping/>
+  </p:clrMapOvr>
+  <p:timing>
+    <p:tnLst>
+      <p:par>
+        <p:cTn id="1" dur="indefinite" restart="never" nodeType="tmRoot"/>
+      </p:par>
+    </p:tnLst>
+  </p:timing>
+</p:sld>
+</file>
+
+<file path=ppt/slides/slide22.xml><?xml version="1.0" encoding="utf-8"?>
+<p:sld xmlns:a="http://schemas.openxmlformats.org/drawingml/2006/main" xmlns:r="http://schemas.openxmlformats.org/officeDocument/2006/relationships" xmlns:p="http://schemas.openxmlformats.org/presentationml/2006/main">
+  <p:cSld>
+    <p:spTree>
+      <p:nvGrpSpPr>
+        <p:cNvPr id="1" name=""/>
+        <p:cNvGrpSpPr/>
+        <p:nvPr/>
+      </p:nvGrpSpPr>
+      <p:grpSpPr>
+        <a:xfrm>
+          <a:off x="0" y="0"/>
+          <a:ext cx="0" cy="0"/>
+          <a:chOff x="0" y="0"/>
+          <a:chExt cx="0" cy="0"/>
+        </a:xfrm>
+      </p:grpSpPr>
+      <p:sp>
+        <p:nvSpPr>
+          <p:cNvPr id="2" name="Titel 1"/>
+          <p:cNvSpPr>
+            <a:spLocks noGrp="1"/>
+          </p:cNvSpPr>
+          <p:nvPr>
+            <p:ph type="title"/>
+          </p:nvPr>
+        </p:nvSpPr>
+        <p:spPr/>
+        <p:txBody>
+          <a:bodyPr>
+            <a:normAutofit/>
+          </a:bodyPr>
+          <a:lstStyle/>
+          <a:p>
+            <a:r>
+              <a:rPr lang="de-DE" dirty="0" err="1" smtClean="0"/>
+              <a:t>Scrum</a:t>
+            </a:r>
+            <a:r>
+              <a:rPr lang="de-DE" dirty="0" smtClean="0"/>
+              <a:t> retrospektive: Gutes</a:t>
+            </a:r>
+            <a:endParaRPr lang="de-DE" dirty="0"/>
+          </a:p>
+        </p:txBody>
+      </p:sp>
+      <p:sp>
+        <p:nvSpPr>
+          <p:cNvPr id="3" name="Inhaltsplatzhalter 2"/>
+          <p:cNvSpPr>
+            <a:spLocks noGrp="1"/>
+          </p:cNvSpPr>
+          <p:nvPr>
+            <p:ph idx="1"/>
+          </p:nvPr>
+        </p:nvSpPr>
+        <p:spPr/>
+        <p:txBody>
+          <a:bodyPr>
+            <a:normAutofit/>
+          </a:bodyPr>
+          <a:lstStyle/>
+          <a:p>
+            <a:r>
+              <a:rPr lang="de-DE" dirty="0" smtClean="0"/>
+              <a:t>Mit relativ wenig Aufwand ist etwas „in Ansätzen brauchbares“ entstanden</a:t>
+            </a:r>
+          </a:p>
+          <a:p>
+            <a:r>
+              <a:rPr lang="de-DE" dirty="0" smtClean="0"/>
+              <a:t>Trotz weniger Treffen strukturiertes vorgehen</a:t>
+            </a:r>
+          </a:p>
+          <a:p>
+            <a:r>
+              <a:rPr lang="de-DE" dirty="0" smtClean="0"/>
+              <a:t>Jeder hatte seine Aufgabe</a:t>
+            </a:r>
+          </a:p>
+          <a:p>
+            <a:endParaRPr lang="de-DE" dirty="0"/>
+          </a:p>
+        </p:txBody>
+      </p:sp>
+    </p:spTree>
+    <p:extLst>
+      <p:ext uri="{BB962C8B-B14F-4D97-AF65-F5344CB8AC3E}">
+        <p14:creationId xmlns:p14="http://schemas.microsoft.com/office/powerpoint/2010/main" val="1723578341"/>
+      </p:ext>
+    </p:extLst>
+  </p:cSld>
+  <p:clrMapOvr>
+    <a:masterClrMapping/>
+  </p:clrMapOvr>
+  <p:timing>
+    <p:tnLst>
+      <p:par>
+        <p:cTn id="1" dur="indefinite" restart="never" nodeType="tmRoot"/>
+      </p:par>
+    </p:tnLst>
+  </p:timing>
+</p:sld>
+</file>
+
+<file path=ppt/slides/slide23.xml><?xml version="1.0" encoding="utf-8"?>
+<p:sld xmlns:a="http://schemas.openxmlformats.org/drawingml/2006/main" xmlns:r="http://schemas.openxmlformats.org/officeDocument/2006/relationships" xmlns:p="http://schemas.openxmlformats.org/presentationml/2006/main">
+  <p:cSld>
+    <p:spTree>
+      <p:nvGrpSpPr>
+        <p:cNvPr id="1" name=""/>
+        <p:cNvGrpSpPr/>
+        <p:nvPr/>
+      </p:nvGrpSpPr>
+      <p:grpSpPr>
+        <a:xfrm>
+          <a:off x="0" y="0"/>
+          <a:ext cx="0" cy="0"/>
+          <a:chOff x="0" y="0"/>
+          <a:chExt cx="0" cy="0"/>
+        </a:xfrm>
+      </p:grpSpPr>
+      <p:sp>
+        <p:nvSpPr>
+          <p:cNvPr id="2" name="Titel 1"/>
+          <p:cNvSpPr>
+            <a:spLocks noGrp="1"/>
+          </p:cNvSpPr>
+          <p:nvPr>
+            <p:ph type="title"/>
+          </p:nvPr>
+        </p:nvSpPr>
+        <p:spPr/>
+        <p:txBody>
+          <a:bodyPr>
+            <a:normAutofit/>
+          </a:bodyPr>
+          <a:lstStyle/>
+          <a:p>
+            <a:r>
+              <a:rPr lang="de-DE" dirty="0" err="1" smtClean="0"/>
+              <a:t>Scrum</a:t>
+            </a:r>
+            <a:r>
+              <a:rPr lang="de-DE" dirty="0" smtClean="0"/>
+              <a:t> retrospektive: Schlechtes</a:t>
+            </a:r>
+            <a:endParaRPr lang="de-DE" dirty="0"/>
+          </a:p>
+        </p:txBody>
+      </p:sp>
+      <p:sp>
+        <p:nvSpPr>
+          <p:cNvPr id="3" name="Inhaltsplatzhalter 2"/>
+          <p:cNvSpPr>
+            <a:spLocks noGrp="1"/>
+          </p:cNvSpPr>
+          <p:nvPr>
+            <p:ph idx="1"/>
+          </p:nvPr>
+        </p:nvSpPr>
+        <p:spPr/>
+        <p:txBody>
+          <a:bodyPr>
+            <a:normAutofit/>
+          </a:bodyPr>
+          <a:lstStyle/>
+          <a:p>
+            <a:r>
+              <a:rPr lang="de-DE" dirty="0" smtClean="0"/>
+              <a:t>Verantwortung wurde hin und her geschoben</a:t>
+            </a:r>
+          </a:p>
+          <a:p>
+            <a:r>
+              <a:rPr lang="de-DE" dirty="0" err="1" smtClean="0"/>
+              <a:t>Vaadin</a:t>
+            </a:r>
+            <a:r>
+              <a:rPr lang="de-DE" dirty="0" smtClean="0"/>
+              <a:t> steht ab und zu im Weg</a:t>
+            </a:r>
+          </a:p>
+        </p:txBody>
+      </p:sp>
+    </p:spTree>
+    <p:extLst>
+      <p:ext uri="{BB962C8B-B14F-4D97-AF65-F5344CB8AC3E}">
+        <p14:creationId xmlns:p14="http://schemas.microsoft.com/office/powerpoint/2010/main" val="111691313"/>
+      </p:ext>
+    </p:extLst>
+  </p:cSld>
+  <p:clrMapOvr>
+    <a:masterClrMapping/>
+  </p:clrMapOvr>
+  <p:timing>
+    <p:tnLst>
+      <p:par>
+        <p:cTn id="1" dur="indefinite" restart="never" nodeType="tmRoot"/>
+      </p:par>
+    </p:tnLst>
+  </p:timing>
+</p:sld>
+</file>
+
+<file path=ppt/slides/slide24.xml><?xml version="1.0" encoding="utf-8"?>
+<p:sld xmlns:a="http://schemas.openxmlformats.org/drawingml/2006/main" xmlns:r="http://schemas.openxmlformats.org/officeDocument/2006/relationships" xmlns:p="http://schemas.openxmlformats.org/presentationml/2006/main">
+  <p:cSld>
+    <p:spTree>
+      <p:nvGrpSpPr>
+        <p:cNvPr id="1" name=""/>
+        <p:cNvGrpSpPr/>
+        <p:nvPr/>
+      </p:nvGrpSpPr>
+      <p:grpSpPr>
+        <a:xfrm>
+          <a:off x="0" y="0"/>
+          <a:ext cx="0" cy="0"/>
+          <a:chOff x="0" y="0"/>
+          <a:chExt cx="0" cy="0"/>
+        </a:xfrm>
+      </p:grpSpPr>
+      <p:sp>
+        <p:nvSpPr>
+          <p:cNvPr id="2" name="Titel 1"/>
+          <p:cNvSpPr>
+            <a:spLocks noGrp="1"/>
+          </p:cNvSpPr>
+          <p:nvPr>
+            <p:ph type="title"/>
+          </p:nvPr>
+        </p:nvSpPr>
+        <p:spPr/>
+        <p:txBody>
+          <a:bodyPr/>
+          <a:lstStyle/>
+          <a:p>
+            <a:r>
+              <a:rPr lang="de-DE" dirty="0" err="1" smtClean="0"/>
+              <a:t>Scrum</a:t>
+            </a:r>
+            <a:r>
+              <a:rPr lang="de-DE" dirty="0" smtClean="0"/>
+              <a:t> retrospektive: Änderungen</a:t>
+            </a:r>
+            <a:endParaRPr lang="de-DE" dirty="0"/>
+          </a:p>
+        </p:txBody>
+      </p:sp>
+      <p:sp>
+        <p:nvSpPr>
+          <p:cNvPr id="3" name="Inhaltsplatzhalter 2"/>
+          <p:cNvSpPr>
+            <a:spLocks noGrp="1"/>
+          </p:cNvSpPr>
+          <p:nvPr>
+            <p:ph idx="1"/>
+          </p:nvPr>
+        </p:nvSpPr>
+        <p:spPr/>
+        <p:txBody>
+          <a:bodyPr/>
+          <a:lstStyle/>
+          <a:p>
+            <a:r>
+              <a:rPr lang="de-DE" dirty="0" err="1" smtClean="0"/>
+              <a:t>MongoDb</a:t>
+            </a:r>
+            <a:r>
+              <a:rPr lang="de-DE" dirty="0" smtClean="0"/>
+              <a:t>: das </a:t>
+            </a:r>
+            <a:r>
+              <a:rPr lang="de-DE" dirty="0" err="1" smtClean="0"/>
+              <a:t>MongoDbObject</a:t>
+            </a:r>
+            <a:r>
+              <a:rPr lang="de-DE" dirty="0" smtClean="0"/>
+              <a:t> direkt vererben und Objekte direkt speichern</a:t>
+            </a:r>
+          </a:p>
+          <a:p>
+            <a:r>
+              <a:rPr lang="de-DE" dirty="0" smtClean="0"/>
+              <a:t>Verantwortung wird pro Task festgelegt</a:t>
+            </a:r>
+          </a:p>
+          <a:p>
+            <a:endParaRPr lang="de-DE" dirty="0"/>
+          </a:p>
+        </p:txBody>
+      </p:sp>
+    </p:spTree>
+    <p:extLst>
+      <p:ext uri="{BB962C8B-B14F-4D97-AF65-F5344CB8AC3E}">
+        <p14:creationId xmlns:p14="http://schemas.microsoft.com/office/powerpoint/2010/main" val="2001100545"/>
+      </p:ext>
+    </p:extLst>
+  </p:cSld>
+  <p:clrMapOvr>
+    <a:masterClrMapping/>
+  </p:clrMapOvr>
+  <p:timing>
+    <p:tnLst>
+      <p:par>
+        <p:cTn id="1" dur="indefinite" restart="never" nodeType="tmRoot"/>
+      </p:par>
+    </p:tnLst>
+  </p:timing>
+</p:sld>
+</file>
+
+<file path=ppt/slides/slide25.xml><?xml version="1.0" encoding="utf-8"?>
+<p:sld xmlns:a="http://schemas.openxmlformats.org/drawingml/2006/main" xmlns:r="http://schemas.openxmlformats.org/officeDocument/2006/relationships" xmlns:p="http://schemas.openxmlformats.org/presentationml/2006/main">
+  <p:cSld>
+    <p:spTree>
+      <p:nvGrpSpPr>
+        <p:cNvPr id="1" name=""/>
+        <p:cNvGrpSpPr/>
+        <p:nvPr/>
+      </p:nvGrpSpPr>
+      <p:grpSpPr>
+        <a:xfrm>
+          <a:off x="0" y="0"/>
+          <a:ext cx="0" cy="0"/>
+          <a:chOff x="0" y="0"/>
+          <a:chExt cx="0" cy="0"/>
+        </a:xfrm>
+      </p:grpSpPr>
+      <p:sp>
+        <p:nvSpPr>
           <p:cNvPr id="4" name="Titel 3"/>
           <p:cNvSpPr>
             <a:spLocks noGrp="1"/>
@@ -5557,10 +6371,17 @@
   <p:clrMapOvr>
     <a:masterClrMapping/>
   </p:clrMapOvr>
+  <p:timing>
+    <p:tnLst>
+      <p:par>
+        <p:cTn id="1" dur="indefinite" restart="never" nodeType="tmRoot"/>
+      </p:par>
+    </p:tnLst>
+  </p:timing>
 </p:sld>
 </file>
 
-<file path=ppt/slides/slide22.xml><?xml version="1.0" encoding="utf-8"?>
+<file path=ppt/slides/slide26.xml><?xml version="1.0" encoding="utf-8"?>
 <p:sld xmlns:a="http://schemas.openxmlformats.org/drawingml/2006/main" xmlns:r="http://schemas.openxmlformats.org/officeDocument/2006/relationships" xmlns:p="http://schemas.openxmlformats.org/presentationml/2006/main">
   <p:cSld>
     <p:spTree>
@@ -5647,6 +6468,13 @@
   <p:clrMapOvr>
     <a:masterClrMapping/>
   </p:clrMapOvr>
+  <p:timing>
+    <p:tnLst>
+      <p:par>
+        <p:cTn id="1" dur="indefinite" restart="never" nodeType="tmRoot"/>
+      </p:par>
+    </p:tnLst>
+  </p:timing>
 </p:sld>
 </file>
 

--- a/doc/task14/Schlusspräsentation.pptx
+++ b/doc/task14/Schlusspräsentation.pptx
@@ -5,7 +5,7 @@
     <p:sldMasterId id="2147483648" r:id="rId1"/>
   </p:sldMasterIdLst>
   <p:notesMasterIdLst>
-    <p:notesMasterId r:id="rId28"/>
+    <p:notesMasterId r:id="rId29"/>
   </p:notesMasterIdLst>
   <p:sldIdLst>
     <p:sldId id="256" r:id="rId2"/>
@@ -15,25 +15,26 @@
     <p:sldId id="276" r:id="rId6"/>
     <p:sldId id="273" r:id="rId7"/>
     <p:sldId id="278" r:id="rId8"/>
-    <p:sldId id="275" r:id="rId9"/>
-    <p:sldId id="279" r:id="rId10"/>
-    <p:sldId id="281" r:id="rId11"/>
-    <p:sldId id="282" r:id="rId12"/>
-    <p:sldId id="283" r:id="rId13"/>
-    <p:sldId id="286" r:id="rId14"/>
-    <p:sldId id="287" r:id="rId15"/>
-    <p:sldId id="288" r:id="rId16"/>
-    <p:sldId id="291" r:id="rId17"/>
-    <p:sldId id="292" r:id="rId18"/>
-    <p:sldId id="294" r:id="rId19"/>
-    <p:sldId id="295" r:id="rId20"/>
-    <p:sldId id="296" r:id="rId21"/>
-    <p:sldId id="297" r:id="rId22"/>
-    <p:sldId id="289" r:id="rId23"/>
-    <p:sldId id="290" r:id="rId24"/>
-    <p:sldId id="293" r:id="rId25"/>
-    <p:sldId id="285" r:id="rId26"/>
-    <p:sldId id="284" r:id="rId27"/>
+    <p:sldId id="298" r:id="rId9"/>
+    <p:sldId id="299" r:id="rId10"/>
+    <p:sldId id="275" r:id="rId11"/>
+    <p:sldId id="279" r:id="rId12"/>
+    <p:sldId id="281" r:id="rId13"/>
+    <p:sldId id="282" r:id="rId14"/>
+    <p:sldId id="283" r:id="rId15"/>
+    <p:sldId id="286" r:id="rId16"/>
+    <p:sldId id="287" r:id="rId17"/>
+    <p:sldId id="288" r:id="rId18"/>
+    <p:sldId id="291" r:id="rId19"/>
+    <p:sldId id="292" r:id="rId20"/>
+    <p:sldId id="294" r:id="rId21"/>
+    <p:sldId id="295" r:id="rId22"/>
+    <p:sldId id="296" r:id="rId23"/>
+    <p:sldId id="289" r:id="rId24"/>
+    <p:sldId id="290" r:id="rId25"/>
+    <p:sldId id="293" r:id="rId26"/>
+    <p:sldId id="285" r:id="rId27"/>
+    <p:sldId id="284" r:id="rId28"/>
   </p:sldIdLst>
   <p:sldSz cx="9144000" cy="6858000" type="screen4x3"/>
   <p:notesSz cx="6858000" cy="9144000"/>
@@ -134,7 +135,7 @@
   </p:defaultTextStyle>
   <p:extLst>
     <p:ext uri="{EFAFB233-063F-42B5-8137-9DF3F51BA10A}">
-      <p15:sldGuideLst xmlns:p15="http://schemas.microsoft.com/office/powerpoint/2012/main">
+      <p15:sldGuideLst xmlns:p15="http://schemas.microsoft.com/office/powerpoint/2012/main" xmlns="">
         <p15:guide id="1" orient="horz" pos="2160">
           <p15:clr>
             <a:srgbClr val="A4A3A4"/>
@@ -650,7 +651,7 @@
           <a:p>
             <a:fld id="{9A061F0F-BF1A-47A6-BC67-894693F926E4}" type="slidenum">
               <a:rPr lang="de-CH" smtClean="0"/>
-              <a:t>20</a:t>
+              <a:t>22</a:t>
             </a:fld>
             <a:endParaRPr lang="de-CH"/>
           </a:p>
@@ -4103,6 +4104,338 @@
           <a:lstStyle/>
           <a:p>
             <a:r>
+              <a:rPr lang="en-GB" dirty="0" err="1" smtClean="0"/>
+              <a:t>Erfahrungen</a:t>
+            </a:r>
+            <a:r>
+              <a:rPr lang="en-GB" dirty="0" smtClean="0"/>
+              <a:t>: James 1/5</a:t>
+            </a:r>
+            <a:endParaRPr lang="en-GB" dirty="0"/>
+          </a:p>
+        </p:txBody>
+      </p:sp>
+      <p:sp>
+        <p:nvSpPr>
+          <p:cNvPr id="5" name="Inhaltsplatzhalter 4"/>
+          <p:cNvSpPr>
+            <a:spLocks noGrp="1"/>
+          </p:cNvSpPr>
+          <p:nvPr>
+            <p:ph idx="1"/>
+          </p:nvPr>
+        </p:nvSpPr>
+        <p:spPr/>
+        <p:txBody>
+          <a:bodyPr/>
+          <a:lstStyle/>
+          <a:p>
+            <a:r>
+              <a:rPr lang="en-US" dirty="0"/>
+              <a:t>Generic Reminder</a:t>
+            </a:r>
+          </a:p>
+          <a:p>
+            <a:r>
+              <a:rPr lang="en-US" dirty="0" err="1"/>
+              <a:t>MongoDb</a:t>
+            </a:r>
+            <a:r>
+              <a:rPr lang="en-US" dirty="0"/>
+              <a:t> Adapter</a:t>
+            </a:r>
+          </a:p>
+          <a:p>
+            <a:r>
+              <a:rPr lang="en-US" dirty="0" err="1"/>
+              <a:t>Grundstruktur</a:t>
+            </a:r>
+            <a:r>
+              <a:rPr lang="en-US" dirty="0"/>
+              <a:t> </a:t>
+            </a:r>
+            <a:r>
+              <a:rPr lang="en-US" dirty="0" err="1"/>
+              <a:t>Applikation</a:t>
+            </a:r>
+            <a:endParaRPr lang="de-CH" dirty="0"/>
+          </a:p>
+          <a:p>
+            <a:r>
+              <a:rPr lang="en-US" dirty="0"/>
+              <a:t>Google Maps implementation</a:t>
+            </a:r>
+          </a:p>
+          <a:p>
+            <a:endParaRPr lang="de-DE" dirty="0"/>
+          </a:p>
+        </p:txBody>
+      </p:sp>
+    </p:spTree>
+    <p:extLst>
+      <p:ext uri="{BB962C8B-B14F-4D97-AF65-F5344CB8AC3E}">
+        <p14:creationId xmlns:p14="http://schemas.microsoft.com/office/powerpoint/2010/main" val="2562459407"/>
+      </p:ext>
+    </p:extLst>
+  </p:cSld>
+  <p:clrMapOvr>
+    <a:masterClrMapping/>
+  </p:clrMapOvr>
+  <p:timing>
+    <p:tnLst>
+      <p:par>
+        <p:cTn id="1" dur="indefinite" restart="never" nodeType="tmRoot"/>
+      </p:par>
+    </p:tnLst>
+  </p:timing>
+</p:sld>
+</file>
+
+<file path=ppt/slides/slide11.xml><?xml version="1.0" encoding="utf-8"?>
+<p:sld xmlns:a="http://schemas.openxmlformats.org/drawingml/2006/main" xmlns:r="http://schemas.openxmlformats.org/officeDocument/2006/relationships" xmlns:p="http://schemas.openxmlformats.org/presentationml/2006/main">
+  <p:cSld>
+    <p:spTree>
+      <p:nvGrpSpPr>
+        <p:cNvPr id="1" name=""/>
+        <p:cNvGrpSpPr/>
+        <p:nvPr/>
+      </p:nvGrpSpPr>
+      <p:grpSpPr>
+        <a:xfrm>
+          <a:off x="0" y="0"/>
+          <a:ext cx="0" cy="0"/>
+          <a:chOff x="0" y="0"/>
+          <a:chExt cx="0" cy="0"/>
+        </a:xfrm>
+      </p:grpSpPr>
+      <p:sp>
+        <p:nvSpPr>
+          <p:cNvPr id="2" name="Title 1"/>
+          <p:cNvSpPr>
+            <a:spLocks noGrp="1"/>
+          </p:cNvSpPr>
+          <p:nvPr>
+            <p:ph type="title"/>
+          </p:nvPr>
+        </p:nvSpPr>
+        <p:spPr/>
+        <p:txBody>
+          <a:bodyPr/>
+          <a:lstStyle/>
+          <a:p>
+            <a:r>
+              <a:rPr lang="en-US" dirty="0" err="1" smtClean="0"/>
+              <a:t>Erfahrungen</a:t>
+            </a:r>
+            <a:r>
+              <a:rPr lang="en-US" dirty="0" smtClean="0"/>
+              <a:t>: James 2/5</a:t>
+            </a:r>
+            <a:endParaRPr lang="en-GB" dirty="0"/>
+          </a:p>
+        </p:txBody>
+      </p:sp>
+      <p:sp>
+        <p:nvSpPr>
+          <p:cNvPr id="5" name="Inhaltsplatzhalter 4"/>
+          <p:cNvSpPr>
+            <a:spLocks noGrp="1"/>
+          </p:cNvSpPr>
+          <p:nvPr>
+            <p:ph idx="1"/>
+          </p:nvPr>
+        </p:nvSpPr>
+        <p:spPr/>
+        <p:txBody>
+          <a:bodyPr/>
+          <a:lstStyle/>
+          <a:p>
+            <a:r>
+              <a:rPr lang="en-US" dirty="0" err="1"/>
+              <a:t>Gps</a:t>
+            </a:r>
+            <a:r>
+              <a:rPr lang="en-US" dirty="0"/>
+              <a:t> Tracking </a:t>
+            </a:r>
+            <a:r>
+              <a:rPr lang="en-US" dirty="0" err="1"/>
+              <a:t>mit</a:t>
+            </a:r>
+            <a:r>
+              <a:rPr lang="en-US" dirty="0"/>
+              <a:t> Google Maps</a:t>
+            </a:r>
+          </a:p>
+          <a:p>
+            <a:r>
+              <a:rPr lang="en-US" dirty="0" err="1"/>
+              <a:t>Berechnungen</a:t>
+            </a:r>
+            <a:endParaRPr lang="en-US" dirty="0"/>
+          </a:p>
+          <a:p>
+            <a:pPr lvl="1"/>
+            <a:r>
+              <a:rPr lang="en-US" dirty="0" err="1"/>
+              <a:t>Distanz</a:t>
+            </a:r>
+            <a:r>
+              <a:rPr lang="en-US" dirty="0"/>
+              <a:t> </a:t>
+            </a:r>
+            <a:r>
+              <a:rPr lang="en-US" dirty="0" err="1"/>
+              <a:t>bis</a:t>
+            </a:r>
+            <a:r>
+              <a:rPr lang="en-US" dirty="0"/>
+              <a:t> </a:t>
+            </a:r>
+            <a:r>
+              <a:rPr lang="en-US" dirty="0" err="1"/>
+              <a:t>zum</a:t>
+            </a:r>
+            <a:r>
+              <a:rPr lang="en-US" dirty="0"/>
+              <a:t> </a:t>
+            </a:r>
+            <a:r>
+              <a:rPr lang="en-US" dirty="0" err="1"/>
+              <a:t>Ziel</a:t>
+            </a:r>
+            <a:r>
+              <a:rPr lang="en-US" dirty="0"/>
+              <a:t> </a:t>
+            </a:r>
+          </a:p>
+          <a:p>
+            <a:pPr lvl="1"/>
+            <a:r>
+              <a:rPr lang="en-US" dirty="0" err="1"/>
+              <a:t>Optimales</a:t>
+            </a:r>
+            <a:r>
+              <a:rPr lang="en-US" dirty="0"/>
+              <a:t> </a:t>
+            </a:r>
+            <a:r>
+              <a:rPr lang="en-US" dirty="0" err="1"/>
+              <a:t>Zoomlevel</a:t>
+            </a:r>
+            <a:endParaRPr lang="en-US" dirty="0"/>
+          </a:p>
+          <a:p>
+            <a:pPr lvl="1"/>
+            <a:r>
+              <a:rPr lang="en-US" dirty="0" err="1"/>
+              <a:t>Kartenmitte</a:t>
+            </a:r>
+            <a:endParaRPr lang="en-US" dirty="0"/>
+          </a:p>
+          <a:p>
+            <a:r>
+              <a:rPr lang="en-US" dirty="0"/>
+              <a:t>Simulator </a:t>
+            </a:r>
+            <a:r>
+              <a:rPr lang="en-US" dirty="0" err="1"/>
+              <a:t>für</a:t>
+            </a:r>
+            <a:r>
+              <a:rPr lang="en-US" dirty="0"/>
+              <a:t> </a:t>
+            </a:r>
+            <a:r>
+              <a:rPr lang="en-US" dirty="0" err="1"/>
+              <a:t>GpsLocation</a:t>
+            </a:r>
+            <a:r>
+              <a:rPr lang="en-US" dirty="0"/>
+              <a:t> </a:t>
+            </a:r>
+          </a:p>
+          <a:p>
+            <a:r>
+              <a:rPr lang="en-US" dirty="0" err="1"/>
+              <a:t>Bugfixing</a:t>
+            </a:r>
+            <a:r>
+              <a:rPr lang="en-US" dirty="0"/>
+              <a:t> </a:t>
+            </a:r>
+            <a:r>
+              <a:rPr lang="en-US" dirty="0" err="1"/>
+              <a:t>Vaadin</a:t>
+            </a:r>
+            <a:r>
+              <a:rPr lang="en-US" dirty="0"/>
+              <a:t> Google Maps </a:t>
+            </a:r>
+            <a:r>
+              <a:rPr lang="en-US" dirty="0" err="1"/>
+              <a:t>Komponente</a:t>
+            </a:r>
+            <a:endParaRPr lang="de-CH" dirty="0"/>
+          </a:p>
+          <a:p>
+            <a:endParaRPr lang="de-DE" dirty="0"/>
+          </a:p>
+        </p:txBody>
+      </p:sp>
+    </p:spTree>
+    <p:extLst>
+      <p:ext uri="{BB962C8B-B14F-4D97-AF65-F5344CB8AC3E}">
+        <p14:creationId xmlns:p14="http://schemas.microsoft.com/office/powerpoint/2010/main" val="2685341740"/>
+      </p:ext>
+    </p:extLst>
+  </p:cSld>
+  <p:clrMapOvr>
+    <a:masterClrMapping/>
+  </p:clrMapOvr>
+  <p:timing>
+    <p:tnLst>
+      <p:par>
+        <p:cTn id="1" dur="indefinite" restart="never" nodeType="tmRoot"/>
+      </p:par>
+    </p:tnLst>
+  </p:timing>
+</p:sld>
+</file>
+
+<file path=ppt/slides/slide12.xml><?xml version="1.0" encoding="utf-8"?>
+<p:sld xmlns:a="http://schemas.openxmlformats.org/drawingml/2006/main" xmlns:r="http://schemas.openxmlformats.org/officeDocument/2006/relationships" xmlns:p="http://schemas.openxmlformats.org/presentationml/2006/main">
+  <p:cSld>
+    <p:spTree>
+      <p:nvGrpSpPr>
+        <p:cNvPr id="1" name=""/>
+        <p:cNvGrpSpPr/>
+        <p:nvPr/>
+      </p:nvGrpSpPr>
+      <p:grpSpPr>
+        <a:xfrm>
+          <a:off x="0" y="0"/>
+          <a:ext cx="0" cy="0"/>
+          <a:chOff x="0" y="0"/>
+          <a:chExt cx="0" cy="0"/>
+        </a:xfrm>
+      </p:grpSpPr>
+      <p:sp>
+        <p:nvSpPr>
+          <p:cNvPr id="2" name="Title 1"/>
+          <p:cNvSpPr>
+            <a:spLocks noGrp="1"/>
+          </p:cNvSpPr>
+          <p:nvPr>
+            <p:ph type="title"/>
+          </p:nvPr>
+        </p:nvSpPr>
+        <p:spPr/>
+        <p:txBody>
+          <a:bodyPr/>
+          <a:lstStyle/>
+          <a:p>
+            <a:r>
               <a:rPr lang="en-US" dirty="0" err="1" smtClean="0"/>
               <a:t>Erfahrungen</a:t>
             </a:r>
@@ -4177,7 +4510,7 @@
 </p:sld>
 </file>
 
-<file path=ppt/slides/slide11.xml><?xml version="1.0" encoding="utf-8"?>
+<file path=ppt/slides/slide13.xml><?xml version="1.0" encoding="utf-8"?>
 <p:sld xmlns:a="http://schemas.openxmlformats.org/drawingml/2006/main" xmlns:r="http://schemas.openxmlformats.org/officeDocument/2006/relationships" xmlns:p="http://schemas.openxmlformats.org/presentationml/2006/main">
   <p:cSld>
     <p:spTree>
@@ -4325,7 +4658,7 @@
 </p:sld>
 </file>
 
-<file path=ppt/slides/slide12.xml><?xml version="1.0" encoding="utf-8"?>
+<file path=ppt/slides/slide14.xml><?xml version="1.0" encoding="utf-8"?>
 <p:sld xmlns:a="http://schemas.openxmlformats.org/drawingml/2006/main" xmlns:r="http://schemas.openxmlformats.org/officeDocument/2006/relationships" xmlns:p="http://schemas.openxmlformats.org/presentationml/2006/main">
   <p:cSld>
     <p:spTree>
@@ -4553,229 +4886,6 @@
 </p:sld>
 </file>
 
-<file path=ppt/slides/slide13.xml><?xml version="1.0" encoding="utf-8"?>
-<p:sld xmlns:a="http://schemas.openxmlformats.org/drawingml/2006/main" xmlns:r="http://schemas.openxmlformats.org/officeDocument/2006/relationships" xmlns:p="http://schemas.openxmlformats.org/presentationml/2006/main">
-  <p:cSld>
-    <p:spTree>
-      <p:nvGrpSpPr>
-        <p:cNvPr id="1" name=""/>
-        <p:cNvGrpSpPr/>
-        <p:nvPr/>
-      </p:nvGrpSpPr>
-      <p:grpSpPr>
-        <a:xfrm>
-          <a:off x="0" y="0"/>
-          <a:ext cx="0" cy="0"/>
-          <a:chOff x="0" y="0"/>
-          <a:chExt cx="0" cy="0"/>
-        </a:xfrm>
-      </p:grpSpPr>
-      <p:sp>
-        <p:nvSpPr>
-          <p:cNvPr id="2" name="Title 1"/>
-          <p:cNvSpPr>
-            <a:spLocks noGrp="1"/>
-          </p:cNvSpPr>
-          <p:nvPr>
-            <p:ph type="title"/>
-          </p:nvPr>
-        </p:nvSpPr>
-        <p:spPr/>
-        <p:txBody>
-          <a:bodyPr/>
-          <a:lstStyle/>
-          <a:p>
-            <a:r>
-              <a:rPr lang="en-GB" dirty="0" err="1" smtClean="0"/>
-              <a:t>Erfahrungen</a:t>
-            </a:r>
-            <a:r>
-              <a:rPr lang="en-GB" dirty="0" smtClean="0"/>
-              <a:t>: Markus 1/3</a:t>
-            </a:r>
-            <a:endParaRPr lang="en-GB" dirty="0"/>
-          </a:p>
-        </p:txBody>
-      </p:sp>
-      <p:sp>
-        <p:nvSpPr>
-          <p:cNvPr id="5" name="Inhaltsplatzhalter 4"/>
-          <p:cNvSpPr>
-            <a:spLocks noGrp="1"/>
-          </p:cNvSpPr>
-          <p:nvPr>
-            <p:ph idx="1"/>
-          </p:nvPr>
-        </p:nvSpPr>
-        <p:spPr/>
-        <p:txBody>
-          <a:bodyPr/>
-          <a:lstStyle/>
-          <a:p>
-            <a:r>
-              <a:rPr lang="de-CH" dirty="0" err="1" smtClean="0"/>
-              <a:t>CalendarView</a:t>
-            </a:r>
-            <a:endParaRPr lang="de-CH" dirty="0" smtClean="0"/>
-          </a:p>
-          <a:p>
-            <a:r>
-              <a:rPr lang="de-CH" dirty="0" err="1" smtClean="0"/>
-              <a:t>CalendarUtils</a:t>
-            </a:r>
-            <a:endParaRPr lang="de-CH" dirty="0" smtClean="0"/>
-          </a:p>
-          <a:p>
-            <a:endParaRPr lang="en-US" dirty="0"/>
-          </a:p>
-          <a:p>
-            <a:endParaRPr lang="de-DE" dirty="0"/>
-          </a:p>
-        </p:txBody>
-      </p:sp>
-    </p:spTree>
-    <p:extLst>
-      <p:ext uri="{BB962C8B-B14F-4D97-AF65-F5344CB8AC3E}">
-        <p14:creationId xmlns:p14="http://schemas.microsoft.com/office/powerpoint/2010/main" val="1748806355"/>
-      </p:ext>
-    </p:extLst>
-  </p:cSld>
-  <p:clrMapOvr>
-    <a:masterClrMapping/>
-  </p:clrMapOvr>
-  <p:timing>
-    <p:tnLst>
-      <p:par>
-        <p:cTn id="1" dur="indefinite" restart="never" nodeType="tmRoot"/>
-      </p:par>
-    </p:tnLst>
-  </p:timing>
-</p:sld>
-</file>
-
-<file path=ppt/slides/slide14.xml><?xml version="1.0" encoding="utf-8"?>
-<p:sld xmlns:a="http://schemas.openxmlformats.org/drawingml/2006/main" xmlns:r="http://schemas.openxmlformats.org/officeDocument/2006/relationships" xmlns:p="http://schemas.openxmlformats.org/presentationml/2006/main">
-  <p:cSld>
-    <p:spTree>
-      <p:nvGrpSpPr>
-        <p:cNvPr id="1" name=""/>
-        <p:cNvGrpSpPr/>
-        <p:nvPr/>
-      </p:nvGrpSpPr>
-      <p:grpSpPr>
-        <a:xfrm>
-          <a:off x="0" y="0"/>
-          <a:ext cx="0" cy="0"/>
-          <a:chOff x="0" y="0"/>
-          <a:chExt cx="0" cy="0"/>
-        </a:xfrm>
-      </p:grpSpPr>
-      <p:sp>
-        <p:nvSpPr>
-          <p:cNvPr id="2" name="Title 1"/>
-          <p:cNvSpPr>
-            <a:spLocks noGrp="1"/>
-          </p:cNvSpPr>
-          <p:nvPr>
-            <p:ph type="title"/>
-          </p:nvPr>
-        </p:nvSpPr>
-        <p:spPr/>
-        <p:txBody>
-          <a:bodyPr/>
-          <a:lstStyle/>
-          <a:p>
-            <a:r>
-              <a:rPr lang="en-GB" dirty="0" err="1" smtClean="0"/>
-              <a:t>Erfahrungen</a:t>
-            </a:r>
-            <a:r>
-              <a:rPr lang="en-GB" dirty="0" smtClean="0"/>
-              <a:t>: Markus 2/3</a:t>
-            </a:r>
-            <a:endParaRPr lang="en-GB" dirty="0"/>
-          </a:p>
-        </p:txBody>
-      </p:sp>
-      <p:sp>
-        <p:nvSpPr>
-          <p:cNvPr id="5" name="Inhaltsplatzhalter 4"/>
-          <p:cNvSpPr>
-            <a:spLocks noGrp="1"/>
-          </p:cNvSpPr>
-          <p:nvPr>
-            <p:ph idx="1"/>
-          </p:nvPr>
-        </p:nvSpPr>
-        <p:spPr/>
-        <p:txBody>
-          <a:bodyPr/>
-          <a:lstStyle/>
-          <a:p>
-            <a:r>
-              <a:rPr lang="de-CH" dirty="0" smtClean="0"/>
-              <a:t>Nette </a:t>
-            </a:r>
-            <a:r>
-              <a:rPr lang="de-CH" dirty="0" err="1" smtClean="0"/>
-              <a:t>implementierung</a:t>
-            </a:r>
-            <a:r>
-              <a:rPr lang="de-CH" dirty="0" smtClean="0"/>
-              <a:t> mit </a:t>
-            </a:r>
-            <a:r>
-              <a:rPr lang="de-CH" dirty="0" err="1" smtClean="0"/>
-              <a:t>Vaadin</a:t>
-            </a:r>
-            <a:endParaRPr lang="de-CH" dirty="0" smtClean="0"/>
-          </a:p>
-          <a:p>
-            <a:pPr lvl="1"/>
-            <a:r>
-              <a:rPr lang="de-CH" dirty="0" smtClean="0"/>
-              <a:t>Generiert HTML</a:t>
-            </a:r>
-          </a:p>
-          <a:p>
-            <a:pPr lvl="1"/>
-            <a:r>
-              <a:rPr lang="de-CH" dirty="0" smtClean="0"/>
-              <a:t>Click-Event einfügen: funktioniert</a:t>
-            </a:r>
-          </a:p>
-          <a:p>
-            <a:pPr lvl="1"/>
-            <a:endParaRPr lang="de-CH" dirty="0" smtClean="0"/>
-          </a:p>
-          <a:p>
-            <a:endParaRPr lang="en-US" dirty="0"/>
-          </a:p>
-          <a:p>
-            <a:endParaRPr lang="de-DE" dirty="0"/>
-          </a:p>
-        </p:txBody>
-      </p:sp>
-    </p:spTree>
-    <p:extLst>
-      <p:ext uri="{BB962C8B-B14F-4D97-AF65-F5344CB8AC3E}">
-        <p14:creationId xmlns:p14="http://schemas.microsoft.com/office/powerpoint/2010/main" val="1336092622"/>
-      </p:ext>
-    </p:extLst>
-  </p:cSld>
-  <p:clrMapOvr>
-    <a:masterClrMapping/>
-  </p:clrMapOvr>
-  <p:timing>
-    <p:tnLst>
-      <p:par>
-        <p:cTn id="1" dur="indefinite" restart="never" nodeType="tmRoot"/>
-      </p:par>
-    </p:tnLst>
-  </p:timing>
-</p:sld>
-</file>
-
 <file path=ppt/slides/slide15.xml><?xml version="1.0" encoding="utf-8"?>
 <p:sld xmlns:a="http://schemas.openxmlformats.org/drawingml/2006/main" xmlns:r="http://schemas.openxmlformats.org/officeDocument/2006/relationships" xmlns:p="http://schemas.openxmlformats.org/presentationml/2006/main">
   <p:cSld>
@@ -4814,7 +4924,7 @@
             </a:r>
             <a:r>
               <a:rPr lang="en-GB" dirty="0" smtClean="0"/>
-              <a:t>: Markus 3/3</a:t>
+              <a:t>: Markus 1/3</a:t>
             </a:r>
             <a:endParaRPr lang="en-GB" dirty="0"/>
           </a:p>
@@ -4836,109 +4946,20 @@
           <a:lstStyle/>
           <a:p>
             <a:r>
-              <a:rPr lang="de-CH" dirty="0" smtClean="0"/>
-              <a:t>Datumsvergleich Java</a:t>
-            </a:r>
-          </a:p>
-          <a:p>
-            <a:pPr lvl="1"/>
-            <a:r>
-              <a:rPr lang="de-CH" dirty="0" smtClean="0"/>
-              <a:t>Neues </a:t>
-            </a:r>
-            <a:r>
               <a:rPr lang="de-CH" dirty="0" err="1" smtClean="0"/>
-              <a:t>Calendar</a:t>
-            </a:r>
-            <a:r>
-              <a:rPr lang="de-CH" dirty="0" smtClean="0"/>
-              <a:t>-Objekt erstellen</a:t>
-            </a:r>
-          </a:p>
-          <a:p>
-            <a:pPr lvl="2"/>
-            <a:r>
-              <a:rPr lang="de-CH" dirty="0" smtClean="0"/>
-              <a:t>Ära setzen</a:t>
-            </a:r>
-          </a:p>
-          <a:p>
-            <a:pPr lvl="2"/>
-            <a:r>
-              <a:rPr lang="de-CH" dirty="0" smtClean="0"/>
-              <a:t>Jahr setzen</a:t>
-            </a:r>
-          </a:p>
-          <a:p>
-            <a:pPr lvl="2"/>
-            <a:r>
-              <a:rPr lang="de-CH" dirty="0" smtClean="0"/>
-              <a:t>Monat setzen</a:t>
-            </a:r>
-          </a:p>
-          <a:p>
-            <a:pPr lvl="2"/>
-            <a:r>
-              <a:rPr lang="de-CH" dirty="0" smtClean="0"/>
-              <a:t>Tag setzen</a:t>
-            </a:r>
-          </a:p>
-          <a:p>
-            <a:pPr lvl="2"/>
-            <a:r>
-              <a:rPr lang="de-CH" dirty="0" smtClean="0"/>
-              <a:t>Schlussendlich: vergleichen</a:t>
-            </a:r>
-          </a:p>
-          <a:p>
-            <a:pPr lvl="2"/>
+              <a:t>CalendarView</a:t>
+            </a:r>
             <a:endParaRPr lang="de-CH" dirty="0" smtClean="0"/>
           </a:p>
           <a:p>
-            <a:pPr marL="0" indent="0" algn="ctr">
-              <a:buNone/>
-            </a:pPr>
-            <a:r>
-              <a:rPr lang="en-US" b="1" dirty="0" err="1" smtClean="0"/>
-              <a:t>Wer</a:t>
-            </a:r>
-            <a:r>
-              <a:rPr lang="en-US" b="1" dirty="0" smtClean="0"/>
-              <a:t> </a:t>
-            </a:r>
-            <a:r>
-              <a:rPr lang="en-US" b="1" dirty="0" err="1" smtClean="0"/>
-              <a:t>denkt</a:t>
-            </a:r>
-            <a:r>
-              <a:rPr lang="en-US" b="1" dirty="0" smtClean="0"/>
-              <a:t> </a:t>
-            </a:r>
-            <a:r>
-              <a:rPr lang="en-US" b="1" dirty="0" err="1" smtClean="0"/>
-              <a:t>sich</a:t>
-            </a:r>
-            <a:r>
-              <a:rPr lang="en-US" b="1" dirty="0" smtClean="0"/>
-              <a:t> </a:t>
-            </a:r>
-            <a:r>
-              <a:rPr lang="en-US" b="1" dirty="0" err="1" smtClean="0"/>
-              <a:t>sowas</a:t>
-            </a:r>
-            <a:r>
-              <a:rPr lang="en-US" b="1" dirty="0" smtClean="0"/>
-              <a:t> </a:t>
-            </a:r>
-            <a:r>
-              <a:rPr lang="en-US" b="1" dirty="0" err="1" smtClean="0"/>
-              <a:t>aus</a:t>
-            </a:r>
-            <a:r>
-              <a:rPr lang="en-US" b="1" dirty="0" smtClean="0"/>
-              <a:t>???</a:t>
-            </a:r>
-            <a:endParaRPr lang="en-US" b="1" dirty="0"/>
+            <a:r>
+              <a:rPr lang="de-CH" dirty="0" err="1" smtClean="0"/>
+              <a:t>CalendarUtils</a:t>
+            </a:r>
+            <a:endParaRPr lang="de-CH" dirty="0" smtClean="0"/>
+          </a:p>
+          <a:p>
+            <a:endParaRPr lang="en-US" dirty="0"/>
           </a:p>
           <a:p>
             <a:endParaRPr lang="de-DE" dirty="0"/>
@@ -4948,7 +4969,7 @@
     </p:spTree>
     <p:extLst>
       <p:ext uri="{BB962C8B-B14F-4D97-AF65-F5344CB8AC3E}">
-        <p14:creationId xmlns:p14="http://schemas.microsoft.com/office/powerpoint/2010/main" val="1130698571"/>
+        <p14:creationId xmlns:p14="http://schemas.microsoft.com/office/powerpoint/2010/main" val="1748806355"/>
       </p:ext>
     </p:extLst>
   </p:cSld>
@@ -4984,7 +5005,7 @@
       </p:grpSpPr>
       <p:sp>
         <p:nvSpPr>
-          <p:cNvPr id="2" name="Titel 1"/>
+          <p:cNvPr id="2" name="Title 1"/>
           <p:cNvSpPr>
             <a:spLocks noGrp="1"/>
           </p:cNvSpPr>
@@ -4998,68 +5019,80 @@
           <a:lstStyle/>
           <a:p>
             <a:r>
+              <a:rPr lang="en-GB" dirty="0" err="1" smtClean="0"/>
+              <a:t>Erfahrungen</a:t>
+            </a:r>
+            <a:r>
+              <a:rPr lang="en-GB" dirty="0" smtClean="0"/>
+              <a:t>: Markus 2/3</a:t>
+            </a:r>
+            <a:endParaRPr lang="en-GB" dirty="0"/>
+          </a:p>
+        </p:txBody>
+      </p:sp>
+      <p:sp>
+        <p:nvSpPr>
+          <p:cNvPr id="5" name="Inhaltsplatzhalter 4"/>
+          <p:cNvSpPr>
+            <a:spLocks noGrp="1"/>
+          </p:cNvSpPr>
+          <p:nvPr>
+            <p:ph idx="1"/>
+          </p:nvPr>
+        </p:nvSpPr>
+        <p:spPr/>
+        <p:txBody>
+          <a:bodyPr/>
+          <a:lstStyle/>
+          <a:p>
+            <a:r>
               <a:rPr lang="de-CH" dirty="0" smtClean="0"/>
-              <a:t>Erfahrungen: Thomas 1/2</a:t>
-            </a:r>
-            <a:endParaRPr lang="de-CH" dirty="0"/>
-          </a:p>
-        </p:txBody>
-      </p:sp>
-      <p:sp>
-        <p:nvSpPr>
-          <p:cNvPr id="3" name="Inhaltsplatzhalter 2"/>
-          <p:cNvSpPr>
-            <a:spLocks noGrp="1"/>
-          </p:cNvSpPr>
-          <p:nvPr>
-            <p:ph idx="1"/>
-          </p:nvPr>
-        </p:nvSpPr>
-        <p:spPr/>
-        <p:txBody>
-          <a:bodyPr/>
-          <a:lstStyle/>
-          <a:p>
+              <a:t>Nette </a:t>
+            </a:r>
             <a:r>
               <a:rPr lang="de-CH" dirty="0" err="1" smtClean="0"/>
-              <a:t>LifeUp</a:t>
+              <a:t>implementierung</a:t>
+            </a:r>
+            <a:r>
+              <a:rPr lang="de-CH" dirty="0" smtClean="0"/>
+              <a:t> mit </a:t>
+            </a:r>
+            <a:r>
+              <a:rPr lang="de-CH" dirty="0" err="1" smtClean="0"/>
+              <a:t>Vaadin</a:t>
             </a:r>
             <a:endParaRPr lang="de-CH" dirty="0" smtClean="0"/>
           </a:p>
           <a:p>
             <a:pPr lvl="1"/>
             <a:r>
-              <a:rPr lang="de-CH" dirty="0" err="1" smtClean="0"/>
-              <a:t>DailyView</a:t>
-            </a:r>
+              <a:rPr lang="de-CH" dirty="0" smtClean="0"/>
+              <a:t>Generiert HTML</a:t>
+            </a:r>
+          </a:p>
+          <a:p>
+            <a:pPr lvl="1"/>
+            <a:r>
+              <a:rPr lang="de-CH" dirty="0" smtClean="0"/>
+              <a:t>Click-Event einfügen: funktioniert</a:t>
+            </a:r>
+          </a:p>
+          <a:p>
+            <a:pPr lvl="1"/>
             <a:endParaRPr lang="de-CH" dirty="0" smtClean="0"/>
           </a:p>
           <a:p>
-            <a:pPr lvl="1"/>
-            <a:r>
-              <a:rPr lang="de-CH" dirty="0" err="1" smtClean="0"/>
-              <a:t>Overview</a:t>
-            </a:r>
-            <a:endParaRPr lang="de-CH" dirty="0" smtClean="0"/>
-          </a:p>
-          <a:p>
-            <a:pPr lvl="1"/>
-            <a:r>
-              <a:rPr lang="de-CH" dirty="0" smtClean="0"/>
-              <a:t>Detail </a:t>
-            </a:r>
-            <a:r>
-              <a:rPr lang="de-CH" dirty="0" err="1" smtClean="0"/>
-              <a:t>view</a:t>
-            </a:r>
-            <a:endParaRPr lang="de-CH" dirty="0" smtClean="0"/>
+            <a:endParaRPr lang="en-US" dirty="0"/>
+          </a:p>
+          <a:p>
+            <a:endParaRPr lang="de-DE" dirty="0"/>
           </a:p>
         </p:txBody>
       </p:sp>
     </p:spTree>
     <p:extLst>
       <p:ext uri="{BB962C8B-B14F-4D97-AF65-F5344CB8AC3E}">
-        <p14:creationId xmlns:p14="http://schemas.microsoft.com/office/powerpoint/2010/main" val="3409764593"/>
+        <p14:creationId xmlns:p14="http://schemas.microsoft.com/office/powerpoint/2010/main" val="1336092622"/>
       </p:ext>
     </p:extLst>
   </p:cSld>
@@ -5095,7 +5128,7 @@
       </p:grpSpPr>
       <p:sp>
         <p:nvSpPr>
-          <p:cNvPr id="2" name="Titel 1"/>
+          <p:cNvPr id="2" name="Title 1"/>
           <p:cNvSpPr>
             <a:spLocks noGrp="1"/>
           </p:cNvSpPr>
@@ -5109,62 +5142,146 @@
           <a:lstStyle/>
           <a:p>
             <a:r>
-              <a:rPr lang="de-CH" dirty="0"/>
-              <a:t>Erfahrungen: Thomas </a:t>
-            </a:r>
+              <a:rPr lang="en-GB" dirty="0" err="1" smtClean="0"/>
+              <a:t>Erfahrungen</a:t>
+            </a:r>
+            <a:r>
+              <a:rPr lang="en-GB" dirty="0" smtClean="0"/>
+              <a:t>: Markus 3/3</a:t>
+            </a:r>
+            <a:endParaRPr lang="en-GB" dirty="0"/>
+          </a:p>
+        </p:txBody>
+      </p:sp>
+      <p:sp>
+        <p:nvSpPr>
+          <p:cNvPr id="5" name="Inhaltsplatzhalter 4"/>
+          <p:cNvSpPr>
+            <a:spLocks noGrp="1"/>
+          </p:cNvSpPr>
+          <p:nvPr>
+            <p:ph idx="1"/>
+          </p:nvPr>
+        </p:nvSpPr>
+        <p:spPr/>
+        <p:txBody>
+          <a:bodyPr/>
+          <a:lstStyle/>
+          <a:p>
             <a:r>
               <a:rPr lang="de-CH" dirty="0" smtClean="0"/>
-              <a:t>2/2</a:t>
-            </a:r>
-            <a:endParaRPr lang="de-CH" dirty="0"/>
-          </a:p>
-        </p:txBody>
-      </p:sp>
-      <p:sp>
-        <p:nvSpPr>
-          <p:cNvPr id="3" name="Inhaltsplatzhalter 2"/>
-          <p:cNvSpPr>
-            <a:spLocks noGrp="1"/>
-          </p:cNvSpPr>
-          <p:nvPr>
-            <p:ph idx="1"/>
-          </p:nvPr>
-        </p:nvSpPr>
-        <p:spPr/>
-        <p:txBody>
-          <a:bodyPr/>
-          <a:lstStyle/>
-          <a:p>
+              <a:t>Datumsvergleich Java</a:t>
+            </a:r>
+          </a:p>
+          <a:p>
+            <a:pPr lvl="1"/>
             <a:r>
               <a:rPr lang="de-CH" dirty="0" smtClean="0"/>
-              <a:t>Gelerntes</a:t>
-            </a:r>
-          </a:p>
-          <a:p>
-            <a:pPr lvl="1"/>
+              <a:t>Neues </a:t>
+            </a:r>
+            <a:r>
+              <a:rPr lang="de-CH" dirty="0" err="1" smtClean="0"/>
+              <a:t>Calendar</a:t>
+            </a:r>
             <a:r>
               <a:rPr lang="de-CH" dirty="0" smtClean="0"/>
-              <a:t>Im Team entwickeln</a:t>
-            </a:r>
-          </a:p>
-          <a:p>
-            <a:pPr lvl="1"/>
-            <a:r>
-              <a:rPr lang="de-CH" dirty="0" err="1" smtClean="0"/>
-              <a:t>Versionierung</a:t>
-            </a:r>
+              <a:t>-Objekt erstellen</a:t>
+            </a:r>
+          </a:p>
+          <a:p>
+            <a:pPr lvl="2"/>
             <a:r>
               <a:rPr lang="de-CH" dirty="0" smtClean="0"/>
-              <a:t> brauchen</a:t>
-            </a:r>
-            <a:endParaRPr lang="de-CH" dirty="0"/>
+              <a:t>Ära setzen</a:t>
+            </a:r>
+          </a:p>
+          <a:p>
+            <a:pPr lvl="2"/>
+            <a:r>
+              <a:rPr lang="de-CH" dirty="0" smtClean="0"/>
+              <a:t>Jahr setzen</a:t>
+            </a:r>
+          </a:p>
+          <a:p>
+            <a:pPr lvl="2"/>
+            <a:r>
+              <a:rPr lang="de-CH" dirty="0" smtClean="0"/>
+              <a:t>Monat setzen</a:t>
+            </a:r>
+          </a:p>
+          <a:p>
+            <a:pPr lvl="2"/>
+            <a:r>
+              <a:rPr lang="de-CH" dirty="0" smtClean="0"/>
+              <a:t>Tag setzen</a:t>
+            </a:r>
+          </a:p>
+          <a:p>
+            <a:pPr lvl="2"/>
+            <a:r>
+              <a:rPr lang="de-CH" dirty="0" smtClean="0"/>
+              <a:t>Schlussendlich: vergleichen</a:t>
+            </a:r>
+          </a:p>
+          <a:p>
+            <a:pPr lvl="2"/>
+            <a:endParaRPr lang="de-CH" dirty="0" smtClean="0"/>
+          </a:p>
+          <a:p>
+            <a:pPr marL="0" indent="0" algn="ctr">
+              <a:buNone/>
+            </a:pPr>
+            <a:r>
+              <a:rPr lang="en-US" b="1" dirty="0" err="1" smtClean="0"/>
+              <a:t>Wer</a:t>
+            </a:r>
+            <a:r>
+              <a:rPr lang="en-US" b="1" dirty="0" smtClean="0"/>
+              <a:t> </a:t>
+            </a:r>
+            <a:r>
+              <a:rPr lang="en-US" b="1" dirty="0" err="1" smtClean="0"/>
+              <a:t>denkt</a:t>
+            </a:r>
+            <a:r>
+              <a:rPr lang="en-US" b="1" dirty="0" smtClean="0"/>
+              <a:t> </a:t>
+            </a:r>
+            <a:r>
+              <a:rPr lang="en-US" b="1" dirty="0" err="1" smtClean="0"/>
+              <a:t>sich</a:t>
+            </a:r>
+            <a:r>
+              <a:rPr lang="en-US" b="1" dirty="0" smtClean="0"/>
+              <a:t> </a:t>
+            </a:r>
+            <a:r>
+              <a:rPr lang="en-US" b="1" dirty="0" err="1" smtClean="0"/>
+              <a:t>sowas</a:t>
+            </a:r>
+            <a:r>
+              <a:rPr lang="en-US" b="1" dirty="0" smtClean="0"/>
+              <a:t> </a:t>
+            </a:r>
+            <a:r>
+              <a:rPr lang="en-US" b="1" dirty="0" err="1" smtClean="0"/>
+              <a:t>aus</a:t>
+            </a:r>
+            <a:r>
+              <a:rPr lang="en-US" b="1" dirty="0" smtClean="0"/>
+              <a:t>???</a:t>
+            </a:r>
+            <a:endParaRPr lang="en-US" b="1" dirty="0"/>
+          </a:p>
+          <a:p>
+            <a:endParaRPr lang="de-DE" dirty="0"/>
           </a:p>
         </p:txBody>
       </p:sp>
     </p:spTree>
     <p:extLst>
       <p:ext uri="{BB962C8B-B14F-4D97-AF65-F5344CB8AC3E}">
-        <p14:creationId xmlns:p14="http://schemas.microsoft.com/office/powerpoint/2010/main" val="2683168938"/>
+        <p14:creationId xmlns:p14="http://schemas.microsoft.com/office/powerpoint/2010/main" val="1130698571"/>
       </p:ext>
     </p:extLst>
   </p:cSld>
@@ -5200,7 +5317,7 @@
       </p:grpSpPr>
       <p:sp>
         <p:nvSpPr>
-          <p:cNvPr id="2" name="Title 1"/>
+          <p:cNvPr id="2" name="Titel 1"/>
           <p:cNvSpPr>
             <a:spLocks noGrp="1"/>
           </p:cNvSpPr>
@@ -5214,24 +5331,16 @@
           <a:lstStyle/>
           <a:p>
             <a:r>
-              <a:rPr lang="en-GB" dirty="0" err="1" smtClean="0"/>
-              <a:t>Erfahrungen</a:t>
-            </a:r>
-            <a:r>
-              <a:rPr lang="en-GB" dirty="0" smtClean="0"/>
-              <a:t>: </a:t>
-            </a:r>
-            <a:r>
-              <a:rPr lang="en-GB" dirty="0" smtClean="0"/>
-              <a:t>Stefan 1/3</a:t>
-            </a:r>
-            <a:endParaRPr lang="en-GB" dirty="0"/>
-          </a:p>
-        </p:txBody>
-      </p:sp>
-      <p:sp>
-        <p:nvSpPr>
-          <p:cNvPr id="5" name="Inhaltsplatzhalter 4"/>
+              <a:rPr lang="de-CH" dirty="0" smtClean="0"/>
+              <a:t>Erfahrungen: Thomas 1/2</a:t>
+            </a:r>
+            <a:endParaRPr lang="de-CH" dirty="0"/>
+          </a:p>
+        </p:txBody>
+      </p:sp>
+      <p:sp>
+        <p:nvSpPr>
+          <p:cNvPr id="3" name="Inhaltsplatzhalter 2"/>
           <p:cNvSpPr>
             <a:spLocks noGrp="1"/>
           </p:cNvSpPr>
@@ -5246,36 +5355,44 @@
           <a:p>
             <a:r>
               <a:rPr lang="de-CH" dirty="0" err="1" smtClean="0"/>
-              <a:t>StatePattern</a:t>
+              <a:t>LifeUp</a:t>
             </a:r>
             <a:endParaRPr lang="de-CH" dirty="0" smtClean="0"/>
           </a:p>
           <a:p>
+            <a:pPr lvl="1"/>
             <a:r>
               <a:rPr lang="de-CH" dirty="0" err="1" smtClean="0"/>
-              <a:t>StartPage</a:t>
+              <a:t>DailyView</a:t>
             </a:r>
             <a:endParaRPr lang="de-CH" dirty="0" smtClean="0"/>
           </a:p>
           <a:p>
+            <a:pPr lvl="1"/>
             <a:r>
               <a:rPr lang="de-CH" dirty="0" err="1" smtClean="0"/>
-              <a:t>LifeUpProgress</a:t>
+              <a:t>Overview</a:t>
             </a:r>
             <a:endParaRPr lang="de-CH" dirty="0" smtClean="0"/>
           </a:p>
           <a:p>
-            <a:endParaRPr lang="en-US" dirty="0"/>
-          </a:p>
-          <a:p>
-            <a:endParaRPr lang="de-DE" dirty="0"/>
+            <a:pPr lvl="1"/>
+            <a:r>
+              <a:rPr lang="de-CH" dirty="0" smtClean="0"/>
+              <a:t>Detail </a:t>
+            </a:r>
+            <a:r>
+              <a:rPr lang="de-CH" dirty="0" err="1" smtClean="0"/>
+              <a:t>view</a:t>
+            </a:r>
+            <a:endParaRPr lang="de-CH" dirty="0" smtClean="0"/>
           </a:p>
         </p:txBody>
       </p:sp>
     </p:spTree>
     <p:extLst>
       <p:ext uri="{BB962C8B-B14F-4D97-AF65-F5344CB8AC3E}">
-        <p14:creationId xmlns:p14="http://schemas.microsoft.com/office/powerpoint/2010/main" val="683510244"/>
+        <p14:creationId xmlns:p14="http://schemas.microsoft.com/office/powerpoint/2010/main" val="3409764593"/>
       </p:ext>
     </p:extLst>
   </p:cSld>
@@ -5311,6 +5428,223 @@
       </p:grpSpPr>
       <p:sp>
         <p:nvSpPr>
+          <p:cNvPr id="2" name="Titel 1"/>
+          <p:cNvSpPr>
+            <a:spLocks noGrp="1"/>
+          </p:cNvSpPr>
+          <p:nvPr>
+            <p:ph type="title"/>
+          </p:nvPr>
+        </p:nvSpPr>
+        <p:spPr/>
+        <p:txBody>
+          <a:bodyPr/>
+          <a:lstStyle/>
+          <a:p>
+            <a:r>
+              <a:rPr lang="de-CH" dirty="0"/>
+              <a:t>Erfahrungen: Thomas </a:t>
+            </a:r>
+            <a:r>
+              <a:rPr lang="de-CH" dirty="0" smtClean="0"/>
+              <a:t>2/2</a:t>
+            </a:r>
+            <a:endParaRPr lang="de-CH" dirty="0"/>
+          </a:p>
+        </p:txBody>
+      </p:sp>
+      <p:sp>
+        <p:nvSpPr>
+          <p:cNvPr id="3" name="Inhaltsplatzhalter 2"/>
+          <p:cNvSpPr>
+            <a:spLocks noGrp="1"/>
+          </p:cNvSpPr>
+          <p:nvPr>
+            <p:ph idx="1"/>
+          </p:nvPr>
+        </p:nvSpPr>
+        <p:spPr/>
+        <p:txBody>
+          <a:bodyPr/>
+          <a:lstStyle/>
+          <a:p>
+            <a:r>
+              <a:rPr lang="de-CH" dirty="0" smtClean="0"/>
+              <a:t>Gelerntes</a:t>
+            </a:r>
+          </a:p>
+          <a:p>
+            <a:pPr lvl="1"/>
+            <a:r>
+              <a:rPr lang="de-CH" dirty="0" smtClean="0"/>
+              <a:t>Im Team entwickeln</a:t>
+            </a:r>
+          </a:p>
+          <a:p>
+            <a:pPr lvl="1"/>
+            <a:r>
+              <a:rPr lang="de-CH" dirty="0" err="1" smtClean="0"/>
+              <a:t>Versionierung</a:t>
+            </a:r>
+            <a:r>
+              <a:rPr lang="de-CH" dirty="0" smtClean="0"/>
+              <a:t> brauchen</a:t>
+            </a:r>
+            <a:endParaRPr lang="de-CH" dirty="0"/>
+          </a:p>
+        </p:txBody>
+      </p:sp>
+    </p:spTree>
+    <p:extLst>
+      <p:ext uri="{BB962C8B-B14F-4D97-AF65-F5344CB8AC3E}">
+        <p14:creationId xmlns:p14="http://schemas.microsoft.com/office/powerpoint/2010/main" val="2683168938"/>
+      </p:ext>
+    </p:extLst>
+  </p:cSld>
+  <p:clrMapOvr>
+    <a:masterClrMapping/>
+  </p:clrMapOvr>
+  <p:timing>
+    <p:tnLst>
+      <p:par>
+        <p:cTn id="1" dur="indefinite" restart="never" nodeType="tmRoot"/>
+      </p:par>
+    </p:tnLst>
+  </p:timing>
+</p:sld>
+</file>
+
+<file path=ppt/slides/slide2.xml><?xml version="1.0" encoding="utf-8"?>
+<p:sld xmlns:a="http://schemas.openxmlformats.org/drawingml/2006/main" xmlns:r="http://schemas.openxmlformats.org/officeDocument/2006/relationships" xmlns:p="http://schemas.openxmlformats.org/presentationml/2006/main">
+  <p:cSld>
+    <p:spTree>
+      <p:nvGrpSpPr>
+        <p:cNvPr id="1" name=""/>
+        <p:cNvGrpSpPr/>
+        <p:nvPr/>
+      </p:nvGrpSpPr>
+      <p:grpSpPr>
+        <a:xfrm>
+          <a:off x="0" y="0"/>
+          <a:ext cx="0" cy="0"/>
+          <a:chOff x="0" y="0"/>
+          <a:chExt cx="0" cy="0"/>
+        </a:xfrm>
+      </p:grpSpPr>
+      <p:sp>
+        <p:nvSpPr>
+          <p:cNvPr id="2" name="Titel 1"/>
+          <p:cNvSpPr>
+            <a:spLocks noGrp="1"/>
+          </p:cNvSpPr>
+          <p:nvPr>
+            <p:ph type="title"/>
+          </p:nvPr>
+        </p:nvSpPr>
+        <p:spPr/>
+        <p:txBody>
+          <a:bodyPr/>
+          <a:lstStyle/>
+          <a:p>
+            <a:r>
+              <a:rPr lang="en-US" dirty="0" err="1" smtClean="0"/>
+              <a:t>Inhalt</a:t>
+            </a:r>
+            <a:endParaRPr lang="de-CH" dirty="0"/>
+          </a:p>
+        </p:txBody>
+      </p:sp>
+      <p:sp>
+        <p:nvSpPr>
+          <p:cNvPr id="3" name="Inhaltsplatzhalter 2"/>
+          <p:cNvSpPr>
+            <a:spLocks noGrp="1"/>
+          </p:cNvSpPr>
+          <p:nvPr>
+            <p:ph idx="1"/>
+          </p:nvPr>
+        </p:nvSpPr>
+        <p:spPr>
+          <a:xfrm>
+            <a:off x="457200" y="1885950"/>
+            <a:ext cx="8229600" cy="4525963"/>
+          </a:xfrm>
+        </p:spPr>
+        <p:txBody>
+          <a:bodyPr/>
+          <a:lstStyle/>
+          <a:p>
+            <a:r>
+              <a:rPr lang="de-CH" dirty="0" smtClean="0"/>
+              <a:t>Demo</a:t>
+            </a:r>
+          </a:p>
+          <a:p>
+            <a:r>
+              <a:rPr lang="de-CH" dirty="0" smtClean="0"/>
+              <a:t>Gelerntes</a:t>
+            </a:r>
+          </a:p>
+          <a:p>
+            <a:r>
+              <a:rPr lang="de-CH" dirty="0" smtClean="0"/>
+              <a:t>Erfahrungen</a:t>
+            </a:r>
+          </a:p>
+          <a:p>
+            <a:r>
+              <a:rPr lang="de-CH" dirty="0" err="1" smtClean="0"/>
+              <a:t>Scrum</a:t>
+            </a:r>
+            <a:r>
+              <a:rPr lang="de-CH" dirty="0" smtClean="0"/>
+              <a:t> Retrospektive</a:t>
+            </a:r>
+          </a:p>
+          <a:p>
+            <a:endParaRPr lang="de-CH" dirty="0"/>
+          </a:p>
+        </p:txBody>
+      </p:sp>
+    </p:spTree>
+    <p:extLst>
+      <p:ext uri="{BB962C8B-B14F-4D97-AF65-F5344CB8AC3E}">
+        <p14:creationId xmlns:p14="http://schemas.microsoft.com/office/powerpoint/2010/main" val="3930703100"/>
+      </p:ext>
+    </p:extLst>
+  </p:cSld>
+  <p:clrMapOvr>
+    <a:masterClrMapping/>
+  </p:clrMapOvr>
+  <p:timing>
+    <p:tnLst>
+      <p:par>
+        <p:cTn id="1" dur="indefinite" restart="never" nodeType="tmRoot"/>
+      </p:par>
+    </p:tnLst>
+  </p:timing>
+</p:sld>
+</file>
+
+<file path=ppt/slides/slide20.xml><?xml version="1.0" encoding="utf-8"?>
+<p:sld xmlns:a="http://schemas.openxmlformats.org/drawingml/2006/main" xmlns:r="http://schemas.openxmlformats.org/officeDocument/2006/relationships" xmlns:p="http://schemas.openxmlformats.org/presentationml/2006/main">
+  <p:cSld>
+    <p:spTree>
+      <p:nvGrpSpPr>
+        <p:cNvPr id="1" name=""/>
+        <p:cNvGrpSpPr/>
+        <p:nvPr/>
+      </p:nvGrpSpPr>
+      <p:grpSpPr>
+        <a:xfrm>
+          <a:off x="0" y="0"/>
+          <a:ext cx="0" cy="0"/>
+          <a:chOff x="0" y="0"/>
+          <a:chExt cx="0" cy="0"/>
+        </a:xfrm>
+      </p:grpSpPr>
+      <p:sp>
+        <p:nvSpPr>
           <p:cNvPr id="2" name="Title 1"/>
           <p:cNvSpPr>
             <a:spLocks noGrp="1"/>
@@ -5330,11 +5664,114 @@
             </a:r>
             <a:r>
               <a:rPr lang="en-GB" dirty="0" smtClean="0"/>
-              <a:t>: </a:t>
+              <a:t>: Stefan 1/3</a:t>
+            </a:r>
+            <a:endParaRPr lang="en-GB" dirty="0"/>
+          </a:p>
+        </p:txBody>
+      </p:sp>
+      <p:sp>
+        <p:nvSpPr>
+          <p:cNvPr id="5" name="Inhaltsplatzhalter 4"/>
+          <p:cNvSpPr>
+            <a:spLocks noGrp="1"/>
+          </p:cNvSpPr>
+          <p:nvPr>
+            <p:ph idx="1"/>
+          </p:nvPr>
+        </p:nvSpPr>
+        <p:spPr/>
+        <p:txBody>
+          <a:bodyPr/>
+          <a:lstStyle/>
+          <a:p>
+            <a:r>
+              <a:rPr lang="de-CH" dirty="0" err="1" smtClean="0"/>
+              <a:t>StatePattern</a:t>
+            </a:r>
+            <a:endParaRPr lang="de-CH" dirty="0" smtClean="0"/>
+          </a:p>
+          <a:p>
+            <a:r>
+              <a:rPr lang="de-CH" dirty="0" err="1" smtClean="0"/>
+              <a:t>StartPage</a:t>
+            </a:r>
+            <a:endParaRPr lang="de-CH" dirty="0" smtClean="0"/>
+          </a:p>
+          <a:p>
+            <a:r>
+              <a:rPr lang="de-CH" dirty="0" err="1" smtClean="0"/>
+              <a:t>LifeUpProgress</a:t>
+            </a:r>
+            <a:endParaRPr lang="de-CH" dirty="0" smtClean="0"/>
+          </a:p>
+          <a:p>
+            <a:endParaRPr lang="en-US" dirty="0"/>
+          </a:p>
+          <a:p>
+            <a:endParaRPr lang="de-DE" dirty="0"/>
+          </a:p>
+        </p:txBody>
+      </p:sp>
+    </p:spTree>
+    <p:extLst>
+      <p:ext uri="{BB962C8B-B14F-4D97-AF65-F5344CB8AC3E}">
+        <p14:creationId xmlns:p14="http://schemas.microsoft.com/office/powerpoint/2010/main" val="683510244"/>
+      </p:ext>
+    </p:extLst>
+  </p:cSld>
+  <p:clrMapOvr>
+    <a:masterClrMapping/>
+  </p:clrMapOvr>
+  <p:timing>
+    <p:tnLst>
+      <p:par>
+        <p:cTn id="1" dur="indefinite" restart="never" nodeType="tmRoot"/>
+      </p:par>
+    </p:tnLst>
+  </p:timing>
+</p:sld>
+</file>
+
+<file path=ppt/slides/slide21.xml><?xml version="1.0" encoding="utf-8"?>
+<p:sld xmlns:a="http://schemas.openxmlformats.org/drawingml/2006/main" xmlns:r="http://schemas.openxmlformats.org/officeDocument/2006/relationships" xmlns:p="http://schemas.openxmlformats.org/presentationml/2006/main">
+  <p:cSld>
+    <p:spTree>
+      <p:nvGrpSpPr>
+        <p:cNvPr id="1" name=""/>
+        <p:cNvGrpSpPr/>
+        <p:nvPr/>
+      </p:nvGrpSpPr>
+      <p:grpSpPr>
+        <a:xfrm>
+          <a:off x="0" y="0"/>
+          <a:ext cx="0" cy="0"/>
+          <a:chOff x="0" y="0"/>
+          <a:chExt cx="0" cy="0"/>
+        </a:xfrm>
+      </p:grpSpPr>
+      <p:sp>
+        <p:nvSpPr>
+          <p:cNvPr id="2" name="Title 1"/>
+          <p:cNvSpPr>
+            <a:spLocks noGrp="1"/>
+          </p:cNvSpPr>
+          <p:nvPr>
+            <p:ph type="title"/>
+          </p:nvPr>
+        </p:nvSpPr>
+        <p:spPr/>
+        <p:txBody>
+          <a:bodyPr/>
+          <a:lstStyle/>
+          <a:p>
+            <a:r>
+              <a:rPr lang="en-GB" dirty="0" err="1" smtClean="0"/>
+              <a:t>Erfahrungen</a:t>
             </a:r>
             <a:r>
               <a:rPr lang="en-GB" dirty="0" smtClean="0"/>
-              <a:t>Stefan 2/3</a:t>
+              <a:t>: Stefan 2/3</a:t>
             </a:r>
             <a:endParaRPr lang="en-GB" dirty="0"/>
           </a:p>
@@ -5364,7 +5801,6 @@
               <a:rPr lang="de-CH" dirty="0" smtClean="0"/>
               <a:t>GIT</a:t>
             </a:r>
-            <a:endParaRPr lang="de-CH" dirty="0" smtClean="0"/>
           </a:p>
           <a:p>
             <a:pPr lvl="1"/>
@@ -5372,7 +5808,6 @@
               <a:rPr lang="de-CH" dirty="0" smtClean="0"/>
               <a:t>Am Anfang schwierig</a:t>
             </a:r>
-            <a:endParaRPr lang="de-CH" dirty="0" smtClean="0"/>
           </a:p>
           <a:p>
             <a:pPr lvl="1"/>
@@ -5388,7 +5823,6 @@
               <a:rPr lang="de-CH" dirty="0" smtClean="0"/>
               <a:t> mühsam</a:t>
             </a:r>
-            <a:endParaRPr lang="de-CH" dirty="0" smtClean="0"/>
           </a:p>
           <a:p>
             <a:pPr lvl="1"/>
@@ -5621,7 +6055,7 @@
 </p:sld>
 </file>
 
-<file path=ppt/slides/slide2.xml><?xml version="1.0" encoding="utf-8"?>
+<file path=ppt/slides/slide22.xml><?xml version="1.0" encoding="utf-8"?>
 <p:sld xmlns:a="http://schemas.openxmlformats.org/drawingml/2006/main" xmlns:r="http://schemas.openxmlformats.org/officeDocument/2006/relationships" xmlns:p="http://schemas.openxmlformats.org/presentationml/2006/main">
   <p:cSld>
     <p:spTree>
@@ -5640,118 +6074,6 @@
       </p:grpSpPr>
       <p:sp>
         <p:nvSpPr>
-          <p:cNvPr id="2" name="Titel 1"/>
-          <p:cNvSpPr>
-            <a:spLocks noGrp="1"/>
-          </p:cNvSpPr>
-          <p:nvPr>
-            <p:ph type="title"/>
-          </p:nvPr>
-        </p:nvSpPr>
-        <p:spPr/>
-        <p:txBody>
-          <a:bodyPr/>
-          <a:lstStyle/>
-          <a:p>
-            <a:r>
-              <a:rPr lang="en-US" dirty="0" err="1" smtClean="0"/>
-              <a:t>Inhalt</a:t>
-            </a:r>
-            <a:endParaRPr lang="de-CH" dirty="0"/>
-          </a:p>
-        </p:txBody>
-      </p:sp>
-      <p:sp>
-        <p:nvSpPr>
-          <p:cNvPr id="3" name="Inhaltsplatzhalter 2"/>
-          <p:cNvSpPr>
-            <a:spLocks noGrp="1"/>
-          </p:cNvSpPr>
-          <p:nvPr>
-            <p:ph idx="1"/>
-          </p:nvPr>
-        </p:nvSpPr>
-        <p:spPr>
-          <a:xfrm>
-            <a:off x="457200" y="1885950"/>
-            <a:ext cx="8229600" cy="4525963"/>
-          </a:xfrm>
-        </p:spPr>
-        <p:txBody>
-          <a:bodyPr/>
-          <a:lstStyle/>
-          <a:p>
-            <a:r>
-              <a:rPr lang="de-CH" dirty="0" smtClean="0"/>
-              <a:t>Demo</a:t>
-            </a:r>
-          </a:p>
-          <a:p>
-            <a:r>
-              <a:rPr lang="de-CH" dirty="0" smtClean="0"/>
-              <a:t>Gelerntes</a:t>
-            </a:r>
-          </a:p>
-          <a:p>
-            <a:r>
-              <a:rPr lang="de-CH" dirty="0" smtClean="0"/>
-              <a:t>Erfahrungen</a:t>
-            </a:r>
-          </a:p>
-          <a:p>
-            <a:r>
-              <a:rPr lang="de-CH" dirty="0" err="1" smtClean="0"/>
-              <a:t>Scrum</a:t>
-            </a:r>
-            <a:r>
-              <a:rPr lang="de-CH" dirty="0" smtClean="0"/>
-              <a:t> Retrospektive</a:t>
-            </a:r>
-          </a:p>
-          <a:p>
-            <a:endParaRPr lang="de-CH" dirty="0"/>
-          </a:p>
-        </p:txBody>
-      </p:sp>
-    </p:spTree>
-    <p:extLst>
-      <p:ext uri="{BB962C8B-B14F-4D97-AF65-F5344CB8AC3E}">
-        <p14:creationId xmlns:p14="http://schemas.microsoft.com/office/powerpoint/2010/main" val="3930703100"/>
-      </p:ext>
-    </p:extLst>
-  </p:cSld>
-  <p:clrMapOvr>
-    <a:masterClrMapping/>
-  </p:clrMapOvr>
-  <p:timing>
-    <p:tnLst>
-      <p:par>
-        <p:cTn id="1" dur="indefinite" restart="never" nodeType="tmRoot"/>
-      </p:par>
-    </p:tnLst>
-  </p:timing>
-</p:sld>
-</file>
-
-<file path=ppt/slides/slide20.xml><?xml version="1.0" encoding="utf-8"?>
-<p:sld xmlns:a="http://schemas.openxmlformats.org/drawingml/2006/main" xmlns:r="http://schemas.openxmlformats.org/officeDocument/2006/relationships" xmlns:p="http://schemas.openxmlformats.org/presentationml/2006/main">
-  <p:cSld>
-    <p:spTree>
-      <p:nvGrpSpPr>
-        <p:cNvPr id="1" name=""/>
-        <p:cNvGrpSpPr/>
-        <p:nvPr/>
-      </p:nvGrpSpPr>
-      <p:grpSpPr>
-        <a:xfrm>
-          <a:off x="0" y="0"/>
-          <a:ext cx="0" cy="0"/>
-          <a:chOff x="0" y="0"/>
-          <a:chExt cx="0" cy="0"/>
-        </a:xfrm>
-      </p:grpSpPr>
-      <p:sp>
-        <p:nvSpPr>
           <p:cNvPr id="2" name="Title 1"/>
           <p:cNvSpPr>
             <a:spLocks noGrp="1"/>
@@ -5771,11 +6093,7 @@
             </a:r>
             <a:r>
               <a:rPr lang="en-GB" dirty="0" smtClean="0"/>
-              <a:t>: </a:t>
-            </a:r>
-            <a:r>
-              <a:rPr lang="en-GB" dirty="0" smtClean="0"/>
-              <a:t>Stefan 3/3</a:t>
+              <a:t>: Stefan 3/3</a:t>
             </a:r>
             <a:endParaRPr lang="en-GB" dirty="0"/>
           </a:p>
@@ -5821,7 +6139,6 @@
               <a:rPr lang="de-CH" dirty="0" smtClean="0"/>
               <a:t>Probleme bei Kreisreferenzen</a:t>
             </a:r>
-            <a:endParaRPr lang="de-CH" dirty="0" smtClean="0"/>
           </a:p>
         </p:txBody>
       </p:sp>
@@ -5893,208 +6210,6 @@
 </p:sld>
 </file>
 
-<file path=ppt/slides/slide21.xml><?xml version="1.0" encoding="utf-8"?>
-<p:sld xmlns:a="http://schemas.openxmlformats.org/drawingml/2006/main" xmlns:r="http://schemas.openxmlformats.org/officeDocument/2006/relationships" xmlns:p="http://schemas.openxmlformats.org/presentationml/2006/main">
-  <p:cSld>
-    <p:spTree>
-      <p:nvGrpSpPr>
-        <p:cNvPr id="1" name=""/>
-        <p:cNvGrpSpPr/>
-        <p:nvPr/>
-      </p:nvGrpSpPr>
-      <p:grpSpPr>
-        <a:xfrm>
-          <a:off x="0" y="0"/>
-          <a:ext cx="0" cy="0"/>
-          <a:chOff x="0" y="0"/>
-          <a:chExt cx="0" cy="0"/>
-        </a:xfrm>
-      </p:grpSpPr>
-      <p:sp>
-        <p:nvSpPr>
-          <p:cNvPr id="2" name="Titel 1"/>
-          <p:cNvSpPr>
-            <a:spLocks noGrp="1"/>
-          </p:cNvSpPr>
-          <p:nvPr>
-            <p:ph type="title"/>
-          </p:nvPr>
-        </p:nvSpPr>
-        <p:spPr/>
-        <p:txBody>
-          <a:bodyPr/>
-          <a:lstStyle/>
-          <a:p>
-            <a:endParaRPr lang="de-DE" dirty="0"/>
-          </a:p>
-        </p:txBody>
-      </p:sp>
-      <p:pic>
-        <p:nvPicPr>
-          <p:cNvPr id="4" name="Picture 2" descr="C:\Users\James\Desktop\1uMcORN.jpg"/>
-          <p:cNvPicPr>
-            <a:picLocks noChangeAspect="1" noChangeArrowheads="1"/>
-          </p:cNvPicPr>
-          <p:nvPr/>
-        </p:nvPicPr>
-        <p:blipFill>
-          <a:blip r:embed="rId2">
-            <a:extLst>
-              <a:ext uri="{28A0092B-C50C-407E-A947-70E740481C1C}">
-                <a14:useLocalDpi xmlns:a14="http://schemas.microsoft.com/office/drawing/2010/main" val="0"/>
-              </a:ext>
-            </a:extLst>
-          </a:blip>
-          <a:srcRect/>
-          <a:stretch>
-            <a:fillRect/>
-          </a:stretch>
-        </p:blipFill>
-        <p:spPr bwMode="auto">
-          <a:xfrm>
-            <a:off x="703987" y="1793195"/>
-            <a:ext cx="7736026" cy="4551362"/>
-          </a:xfrm>
-          <a:prstGeom prst="rect">
-            <a:avLst/>
-          </a:prstGeom>
-          <a:noFill/>
-          <a:extLst>
-            <a:ext uri="{909E8E84-426E-40DD-AFC4-6F175D3DCCD1}">
-              <a14:hiddenFill xmlns:a14="http://schemas.microsoft.com/office/drawing/2010/main">
-                <a:solidFill>
-                  <a:srgbClr val="FFFFFF"/>
-                </a:solidFill>
-              </a14:hiddenFill>
-            </a:ext>
-          </a:extLst>
-        </p:spPr>
-      </p:pic>
-    </p:spTree>
-    <p:extLst>
-      <p:ext uri="{BB962C8B-B14F-4D97-AF65-F5344CB8AC3E}">
-        <p14:creationId xmlns:p14="http://schemas.microsoft.com/office/powerpoint/2010/main" val="3624240542"/>
-      </p:ext>
-    </p:extLst>
-  </p:cSld>
-  <p:clrMapOvr>
-    <a:masterClrMapping/>
-  </p:clrMapOvr>
-  <p:timing>
-    <p:tnLst>
-      <p:par>
-        <p:cTn id="1" dur="indefinite" restart="never" nodeType="tmRoot"/>
-      </p:par>
-    </p:tnLst>
-  </p:timing>
-</p:sld>
-</file>
-
-<file path=ppt/slides/slide22.xml><?xml version="1.0" encoding="utf-8"?>
-<p:sld xmlns:a="http://schemas.openxmlformats.org/drawingml/2006/main" xmlns:r="http://schemas.openxmlformats.org/officeDocument/2006/relationships" xmlns:p="http://schemas.openxmlformats.org/presentationml/2006/main">
-  <p:cSld>
-    <p:spTree>
-      <p:nvGrpSpPr>
-        <p:cNvPr id="1" name=""/>
-        <p:cNvGrpSpPr/>
-        <p:nvPr/>
-      </p:nvGrpSpPr>
-      <p:grpSpPr>
-        <a:xfrm>
-          <a:off x="0" y="0"/>
-          <a:ext cx="0" cy="0"/>
-          <a:chOff x="0" y="0"/>
-          <a:chExt cx="0" cy="0"/>
-        </a:xfrm>
-      </p:grpSpPr>
-      <p:sp>
-        <p:nvSpPr>
-          <p:cNvPr id="2" name="Titel 1"/>
-          <p:cNvSpPr>
-            <a:spLocks noGrp="1"/>
-          </p:cNvSpPr>
-          <p:nvPr>
-            <p:ph type="title"/>
-          </p:nvPr>
-        </p:nvSpPr>
-        <p:spPr/>
-        <p:txBody>
-          <a:bodyPr>
-            <a:normAutofit/>
-          </a:bodyPr>
-          <a:lstStyle/>
-          <a:p>
-            <a:r>
-              <a:rPr lang="de-DE" dirty="0" err="1" smtClean="0"/>
-              <a:t>Scrum</a:t>
-            </a:r>
-            <a:r>
-              <a:rPr lang="de-DE" dirty="0" smtClean="0"/>
-              <a:t> retrospektive: Gutes</a:t>
-            </a:r>
-            <a:endParaRPr lang="de-DE" dirty="0"/>
-          </a:p>
-        </p:txBody>
-      </p:sp>
-      <p:sp>
-        <p:nvSpPr>
-          <p:cNvPr id="3" name="Inhaltsplatzhalter 2"/>
-          <p:cNvSpPr>
-            <a:spLocks noGrp="1"/>
-          </p:cNvSpPr>
-          <p:nvPr>
-            <p:ph idx="1"/>
-          </p:nvPr>
-        </p:nvSpPr>
-        <p:spPr/>
-        <p:txBody>
-          <a:bodyPr>
-            <a:normAutofit/>
-          </a:bodyPr>
-          <a:lstStyle/>
-          <a:p>
-            <a:r>
-              <a:rPr lang="de-DE" dirty="0" smtClean="0"/>
-              <a:t>Mit relativ wenig Aufwand ist etwas „in Ansätzen brauchbares“ entstanden</a:t>
-            </a:r>
-          </a:p>
-          <a:p>
-            <a:r>
-              <a:rPr lang="de-DE" dirty="0" smtClean="0"/>
-              <a:t>Trotz weniger Treffen strukturiertes vorgehen</a:t>
-            </a:r>
-          </a:p>
-          <a:p>
-            <a:r>
-              <a:rPr lang="de-DE" dirty="0" smtClean="0"/>
-              <a:t>Jeder hatte seine Aufgabe</a:t>
-            </a:r>
-          </a:p>
-          <a:p>
-            <a:endParaRPr lang="de-DE" dirty="0"/>
-          </a:p>
-        </p:txBody>
-      </p:sp>
-    </p:spTree>
-    <p:extLst>
-      <p:ext uri="{BB962C8B-B14F-4D97-AF65-F5344CB8AC3E}">
-        <p14:creationId xmlns:p14="http://schemas.microsoft.com/office/powerpoint/2010/main" val="1723578341"/>
-      </p:ext>
-    </p:extLst>
-  </p:cSld>
-  <p:clrMapOvr>
-    <a:masterClrMapping/>
-  </p:clrMapOvr>
-  <p:timing>
-    <p:tnLst>
-      <p:par>
-        <p:cTn id="1" dur="indefinite" restart="never" nodeType="tmRoot"/>
-      </p:par>
-    </p:tnLst>
-  </p:timing>
-</p:sld>
-</file>
-
 <file path=ppt/slides/slide23.xml><?xml version="1.0" encoding="utf-8"?>
 <p:sld xmlns:a="http://schemas.openxmlformats.org/drawingml/2006/main" xmlns:r="http://schemas.openxmlformats.org/officeDocument/2006/relationships" xmlns:p="http://schemas.openxmlformats.org/presentationml/2006/main">
   <p:cSld>
@@ -6135,7 +6250,7 @@
             </a:r>
             <a:r>
               <a:rPr lang="de-DE" dirty="0" smtClean="0"/>
-              <a:t> retrospektive: Schlechtes</a:t>
+              <a:t> retrospektive: Gutes</a:t>
             </a:r>
             <a:endParaRPr lang="de-DE" dirty="0"/>
           </a:p>
@@ -6160,25 +6275,30 @@
           <a:p>
             <a:r>
               <a:rPr lang="de-DE" dirty="0" smtClean="0"/>
-              <a:t>Verantwortung wurde hin und her geschoben</a:t>
-            </a:r>
-          </a:p>
-          <a:p>
-            <a:r>
-              <a:rPr lang="de-DE" dirty="0" err="1" smtClean="0"/>
-              <a:t>Vaadin</a:t>
-            </a:r>
+              <a:t>Mit relativ wenig Aufwand ist etwas „in Ansätzen brauchbares“ entstanden</a:t>
+            </a:r>
+          </a:p>
+          <a:p>
             <a:r>
               <a:rPr lang="de-DE" dirty="0" smtClean="0"/>
-              <a:t> steht ab und zu im Weg</a:t>
-            </a:r>
+              <a:t>Trotz weniger Treffen strukturiertes vorgehen</a:t>
+            </a:r>
+          </a:p>
+          <a:p>
+            <a:r>
+              <a:rPr lang="de-DE" dirty="0" smtClean="0"/>
+              <a:t>Jeder hatte seine Aufgabe</a:t>
+            </a:r>
+          </a:p>
+          <a:p>
+            <a:endParaRPr lang="de-DE" dirty="0"/>
           </a:p>
         </p:txBody>
       </p:sp>
     </p:spTree>
     <p:extLst>
       <p:ext uri="{BB962C8B-B14F-4D97-AF65-F5344CB8AC3E}">
-        <p14:creationId xmlns:p14="http://schemas.microsoft.com/office/powerpoint/2010/main" val="111691313"/>
+        <p14:creationId xmlns:p14="http://schemas.microsoft.com/office/powerpoint/2010/main" val="1723578341"/>
       </p:ext>
     </p:extLst>
   </p:cSld>
@@ -6224,7 +6344,9 @@
         </p:nvSpPr>
         <p:spPr/>
         <p:txBody>
-          <a:bodyPr/>
+          <a:bodyPr>
+            <a:normAutofit/>
+          </a:bodyPr>
           <a:lstStyle/>
           <a:p>
             <a:r>
@@ -6233,7 +6355,7 @@
             </a:r>
             <a:r>
               <a:rPr lang="de-DE" dirty="0" smtClean="0"/>
-              <a:t> retrospektive: Änderungen</a:t>
+              <a:t> retrospektive: Schlechtes</a:t>
             </a:r>
             <a:endParaRPr lang="de-DE" dirty="0"/>
           </a:p>
@@ -6251,41 +6373,32 @@
         </p:nvSpPr>
         <p:spPr/>
         <p:txBody>
-          <a:bodyPr/>
-          <a:lstStyle/>
+          <a:bodyPr>
+            <a:normAutofit/>
+          </a:bodyPr>
+          <a:lstStyle/>
+          <a:p>
+            <a:r>
+              <a:rPr lang="de-DE" dirty="0" smtClean="0"/>
+              <a:t>Verantwortung wurde hin und her geschoben</a:t>
+            </a:r>
+          </a:p>
           <a:p>
             <a:r>
               <a:rPr lang="de-DE" dirty="0" err="1" smtClean="0"/>
-              <a:t>MongoDb</a:t>
+              <a:t>Vaadin</a:t>
             </a:r>
             <a:r>
               <a:rPr lang="de-DE" dirty="0" smtClean="0"/>
-              <a:t>: das </a:t>
-            </a:r>
-            <a:r>
-              <a:rPr lang="de-DE" dirty="0" err="1" smtClean="0"/>
-              <a:t>MongoDbObject</a:t>
-            </a:r>
-            <a:r>
-              <a:rPr lang="de-DE" dirty="0" smtClean="0"/>
-              <a:t> direkt vererben und Objekte direkt speichern</a:t>
-            </a:r>
-          </a:p>
-          <a:p>
-            <a:r>
-              <a:rPr lang="de-DE" dirty="0" smtClean="0"/>
-              <a:t>Verantwortung wird pro Task festgelegt</a:t>
-            </a:r>
-          </a:p>
-          <a:p>
-            <a:endParaRPr lang="de-DE" dirty="0"/>
+              <a:t> steht ab und zu im Weg</a:t>
+            </a:r>
           </a:p>
         </p:txBody>
       </p:sp>
     </p:spTree>
     <p:extLst>
       <p:ext uri="{BB962C8B-B14F-4D97-AF65-F5344CB8AC3E}">
-        <p14:creationId xmlns:p14="http://schemas.microsoft.com/office/powerpoint/2010/main" val="2001100545"/>
+        <p14:creationId xmlns:p14="http://schemas.microsoft.com/office/powerpoint/2010/main" val="111691313"/>
       </p:ext>
     </p:extLst>
   </p:cSld>
@@ -6321,6 +6434,113 @@
       </p:grpSpPr>
       <p:sp>
         <p:nvSpPr>
+          <p:cNvPr id="2" name="Titel 1"/>
+          <p:cNvSpPr>
+            <a:spLocks noGrp="1"/>
+          </p:cNvSpPr>
+          <p:nvPr>
+            <p:ph type="title"/>
+          </p:nvPr>
+        </p:nvSpPr>
+        <p:spPr/>
+        <p:txBody>
+          <a:bodyPr/>
+          <a:lstStyle/>
+          <a:p>
+            <a:r>
+              <a:rPr lang="de-DE" dirty="0" err="1" smtClean="0"/>
+              <a:t>Scrum</a:t>
+            </a:r>
+            <a:r>
+              <a:rPr lang="de-DE" dirty="0" smtClean="0"/>
+              <a:t> retrospektive: Änderungen</a:t>
+            </a:r>
+            <a:endParaRPr lang="de-DE" dirty="0"/>
+          </a:p>
+        </p:txBody>
+      </p:sp>
+      <p:sp>
+        <p:nvSpPr>
+          <p:cNvPr id="3" name="Inhaltsplatzhalter 2"/>
+          <p:cNvSpPr>
+            <a:spLocks noGrp="1"/>
+          </p:cNvSpPr>
+          <p:nvPr>
+            <p:ph idx="1"/>
+          </p:nvPr>
+        </p:nvSpPr>
+        <p:spPr/>
+        <p:txBody>
+          <a:bodyPr/>
+          <a:lstStyle/>
+          <a:p>
+            <a:r>
+              <a:rPr lang="de-DE" dirty="0" err="1" smtClean="0"/>
+              <a:t>MongoDb</a:t>
+            </a:r>
+            <a:r>
+              <a:rPr lang="de-DE" dirty="0" smtClean="0"/>
+              <a:t>: das </a:t>
+            </a:r>
+            <a:r>
+              <a:rPr lang="de-DE" dirty="0" err="1" smtClean="0"/>
+              <a:t>MongoDbObject</a:t>
+            </a:r>
+            <a:r>
+              <a:rPr lang="de-DE" dirty="0" smtClean="0"/>
+              <a:t> direkt vererben und Objekte direkt speichern</a:t>
+            </a:r>
+          </a:p>
+          <a:p>
+            <a:r>
+              <a:rPr lang="de-DE" dirty="0" smtClean="0"/>
+              <a:t>Verantwortung wird pro Task festgelegt</a:t>
+            </a:r>
+          </a:p>
+          <a:p>
+            <a:endParaRPr lang="de-DE" dirty="0"/>
+          </a:p>
+        </p:txBody>
+      </p:sp>
+    </p:spTree>
+    <p:extLst>
+      <p:ext uri="{BB962C8B-B14F-4D97-AF65-F5344CB8AC3E}">
+        <p14:creationId xmlns:p14="http://schemas.microsoft.com/office/powerpoint/2010/main" val="2001100545"/>
+      </p:ext>
+    </p:extLst>
+  </p:cSld>
+  <p:clrMapOvr>
+    <a:masterClrMapping/>
+  </p:clrMapOvr>
+  <p:timing>
+    <p:tnLst>
+      <p:par>
+        <p:cTn id="1" dur="indefinite" restart="never" nodeType="tmRoot"/>
+      </p:par>
+    </p:tnLst>
+  </p:timing>
+</p:sld>
+</file>
+
+<file path=ppt/slides/slide26.xml><?xml version="1.0" encoding="utf-8"?>
+<p:sld xmlns:a="http://schemas.openxmlformats.org/drawingml/2006/main" xmlns:r="http://schemas.openxmlformats.org/officeDocument/2006/relationships" xmlns:p="http://schemas.openxmlformats.org/presentationml/2006/main">
+  <p:cSld>
+    <p:spTree>
+      <p:nvGrpSpPr>
+        <p:cNvPr id="1" name=""/>
+        <p:cNvGrpSpPr/>
+        <p:nvPr/>
+      </p:nvGrpSpPr>
+      <p:grpSpPr>
+        <a:xfrm>
+          <a:off x="0" y="0"/>
+          <a:ext cx="0" cy="0"/>
+          <a:chOff x="0" y="0"/>
+          <a:chExt cx="0" cy="0"/>
+        </a:xfrm>
+      </p:grpSpPr>
+      <p:sp>
+        <p:nvSpPr>
           <p:cNvPr id="4" name="Titel 3"/>
           <p:cNvSpPr>
             <a:spLocks noGrp="1"/>
@@ -6381,7 +6601,7 @@
 </p:sld>
 </file>
 
-<file path=ppt/slides/slide26.xml><?xml version="1.0" encoding="utf-8"?>
+<file path=ppt/slides/slide27.xml><?xml version="1.0" encoding="utf-8"?>
 <p:sld xmlns:a="http://schemas.openxmlformats.org/drawingml/2006/main" xmlns:r="http://schemas.openxmlformats.org/officeDocument/2006/relationships" xmlns:p="http://schemas.openxmlformats.org/presentationml/2006/main">
   <p:cSld>
     <p:spTree>
@@ -7119,12 +7339,8 @@
           <a:lstStyle/>
           <a:p>
             <a:r>
-              <a:rPr lang="en-GB" dirty="0" err="1" smtClean="0"/>
-              <a:t>Erfahrungen</a:t>
-            </a:r>
-            <a:r>
-              <a:rPr lang="en-GB" dirty="0" smtClean="0"/>
-              <a:t>: James 1/5</a:t>
+              <a:rPr lang="de-CH" dirty="0" smtClean="0"/>
+              <a:t>Erfahrungen: Lukas 1/2</a:t>
             </a:r>
             <a:endParaRPr lang="en-GB" dirty="0"/>
           </a:p>
@@ -7132,7 +7348,7 @@
       </p:sp>
       <p:sp>
         <p:nvSpPr>
-          <p:cNvPr id="5" name="Inhaltsplatzhalter 4"/>
+          <p:cNvPr id="3" name="Inhaltsplatzhalter 2"/>
           <p:cNvSpPr>
             <a:spLocks noGrp="1"/>
           </p:cNvSpPr>
@@ -7145,51 +7361,96 @@
           <a:bodyPr/>
           <a:lstStyle/>
           <a:p>
-            <a:r>
-              <a:rPr lang="en-US" dirty="0"/>
-              <a:t>Generic Reminder</a:t>
-            </a:r>
-          </a:p>
-          <a:p>
-            <a:r>
-              <a:rPr lang="en-US" dirty="0" err="1"/>
-              <a:t>MongoDb</a:t>
-            </a:r>
-            <a:r>
-              <a:rPr lang="en-US" dirty="0"/>
-              <a:t> Adapter</a:t>
-            </a:r>
-          </a:p>
-          <a:p>
-            <a:r>
-              <a:rPr lang="en-US" dirty="0" err="1"/>
-              <a:t>Grundstruktur</a:t>
-            </a:r>
-            <a:r>
-              <a:rPr lang="en-US" dirty="0"/>
-              <a:t> </a:t>
-            </a:r>
-            <a:r>
-              <a:rPr lang="en-US" dirty="0" err="1"/>
-              <a:t>Applikation</a:t>
-            </a:r>
             <a:endParaRPr lang="de-CH" dirty="0"/>
           </a:p>
-          <a:p>
-            <a:r>
-              <a:rPr lang="en-US" dirty="0"/>
-              <a:t>Google Maps implementation</a:t>
-            </a:r>
-          </a:p>
-          <a:p>
-            <a:endParaRPr lang="de-DE" dirty="0"/>
-          </a:p>
-        </p:txBody>
-      </p:sp>
+        </p:txBody>
+      </p:sp>
+      <p:pic>
+        <p:nvPicPr>
+          <p:cNvPr id="1026" name="Picture 2" descr="C:\Users\James\workspaceLuna\PatientApp\doc\task14\Screen Shot 2015-06-09 at 17.12.30.png"/>
+          <p:cNvPicPr>
+            <a:picLocks noChangeAspect="1" noChangeArrowheads="1"/>
+          </p:cNvPicPr>
+          <p:nvPr/>
+        </p:nvPicPr>
+        <p:blipFill>
+          <a:blip r:embed="rId2">
+            <a:extLst>
+              <a:ext uri="{28A0092B-C50C-407E-A947-70E740481C1C}">
+                <a14:useLocalDpi xmlns:a14="http://schemas.microsoft.com/office/drawing/2010/main" val="0"/>
+              </a:ext>
+            </a:extLst>
+          </a:blip>
+          <a:srcRect/>
+          <a:stretch>
+            <a:fillRect/>
+          </a:stretch>
+        </p:blipFill>
+        <p:spPr bwMode="auto">
+          <a:xfrm>
+            <a:off x="457200" y="1911859"/>
+            <a:ext cx="8183546" cy="305356"/>
+          </a:xfrm>
+          <a:prstGeom prst="rect">
+            <a:avLst/>
+          </a:prstGeom>
+          <a:noFill/>
+          <a:extLst>
+            <a:ext uri="{909E8E84-426E-40DD-AFC4-6F175D3DCCD1}">
+              <a14:hiddenFill xmlns:a14="http://schemas.microsoft.com/office/drawing/2010/main">
+                <a:solidFill>
+                  <a:srgbClr val="FFFFFF"/>
+                </a:solidFill>
+              </a14:hiddenFill>
+            </a:ext>
+          </a:extLst>
+        </p:spPr>
+      </p:pic>
+      <p:pic>
+        <p:nvPicPr>
+          <p:cNvPr id="1027" name="Picture 3" descr="C:\Users\James\workspaceLuna\PatientApp\doc\task14\Screen Shot 2015-06-09 at 17.12.43.png"/>
+          <p:cNvPicPr>
+            <a:picLocks noChangeAspect="1" noChangeArrowheads="1"/>
+          </p:cNvPicPr>
+          <p:nvPr/>
+        </p:nvPicPr>
+        <p:blipFill>
+          <a:blip r:embed="rId3">
+            <a:extLst>
+              <a:ext uri="{28A0092B-C50C-407E-A947-70E740481C1C}">
+                <a14:useLocalDpi xmlns:a14="http://schemas.microsoft.com/office/drawing/2010/main" val="0"/>
+              </a:ext>
+            </a:extLst>
+          </a:blip>
+          <a:srcRect/>
+          <a:stretch>
+            <a:fillRect/>
+          </a:stretch>
+        </p:blipFill>
+        <p:spPr bwMode="auto">
+          <a:xfrm>
+            <a:off x="457200" y="2363279"/>
+            <a:ext cx="5577840" cy="2961955"/>
+          </a:xfrm>
+          <a:prstGeom prst="rect">
+            <a:avLst/>
+          </a:prstGeom>
+          <a:noFill/>
+          <a:extLst>
+            <a:ext uri="{909E8E84-426E-40DD-AFC4-6F175D3DCCD1}">
+              <a14:hiddenFill xmlns:a14="http://schemas.microsoft.com/office/drawing/2010/main">
+                <a:solidFill>
+                  <a:srgbClr val="FFFFFF"/>
+                </a:solidFill>
+              </a14:hiddenFill>
+            </a:ext>
+          </a:extLst>
+        </p:spPr>
+      </p:pic>
     </p:spTree>
     <p:extLst>
       <p:ext uri="{BB962C8B-B14F-4D97-AF65-F5344CB8AC3E}">
-        <p14:creationId xmlns:p14="http://schemas.microsoft.com/office/powerpoint/2010/main" val="2562459407"/>
+        <p14:creationId xmlns:p14="http://schemas.microsoft.com/office/powerpoint/2010/main" val="2964233780"/>
       </p:ext>
     </p:extLst>
   </p:cSld>
@@ -7239,12 +7500,12 @@
           <a:lstStyle/>
           <a:p>
             <a:r>
-              <a:rPr lang="en-US" dirty="0" err="1" smtClean="0"/>
-              <a:t>Erfahrungen</a:t>
-            </a:r>
-            <a:r>
-              <a:rPr lang="en-US" dirty="0" smtClean="0"/>
-              <a:t>: James 2/5</a:t>
+              <a:rPr lang="de-CH" dirty="0"/>
+              <a:t>Erfahrungen: Lukas </a:t>
+            </a:r>
+            <a:r>
+              <a:rPr lang="de-CH" dirty="0" smtClean="0"/>
+              <a:t>2/2</a:t>
             </a:r>
             <a:endParaRPr lang="en-GB" dirty="0"/>
           </a:p>
@@ -7252,7 +7513,7 @@
       </p:sp>
       <p:sp>
         <p:nvSpPr>
-          <p:cNvPr id="5" name="Inhaltsplatzhalter 4"/>
+          <p:cNvPr id="3" name="Inhaltsplatzhalter 2"/>
           <p:cNvSpPr>
             <a:spLocks noGrp="1"/>
           </p:cNvSpPr>
@@ -7265,143 +7526,96 @@
           <a:bodyPr/>
           <a:lstStyle/>
           <a:p>
-            <a:r>
-              <a:rPr lang="en-US" dirty="0" err="1"/>
-              <a:t>Gps</a:t>
-            </a:r>
-            <a:r>
-              <a:rPr lang="en-US" dirty="0"/>
-              <a:t> Tracking </a:t>
-            </a:r>
-            <a:r>
-              <a:rPr lang="en-US" dirty="0" err="1"/>
-              <a:t>mit</a:t>
-            </a:r>
-            <a:r>
-              <a:rPr lang="en-US" dirty="0"/>
-              <a:t> Google Maps</a:t>
-            </a:r>
-          </a:p>
-          <a:p>
-            <a:r>
-              <a:rPr lang="en-US" dirty="0" err="1"/>
-              <a:t>Berechnungen</a:t>
-            </a:r>
-            <a:endParaRPr lang="en-US" dirty="0"/>
-          </a:p>
-          <a:p>
-            <a:pPr lvl="1"/>
-            <a:r>
-              <a:rPr lang="en-US" dirty="0" err="1"/>
-              <a:t>Distanz</a:t>
-            </a:r>
-            <a:r>
-              <a:rPr lang="en-US" dirty="0"/>
-              <a:t> </a:t>
-            </a:r>
-            <a:r>
-              <a:rPr lang="en-US" dirty="0" err="1"/>
-              <a:t>bis</a:t>
-            </a:r>
-            <a:r>
-              <a:rPr lang="en-US" dirty="0"/>
-              <a:t> </a:t>
-            </a:r>
-            <a:r>
-              <a:rPr lang="en-US" dirty="0" err="1"/>
-              <a:t>zum</a:t>
-            </a:r>
-            <a:r>
-              <a:rPr lang="en-US" dirty="0"/>
-              <a:t> </a:t>
-            </a:r>
-            <a:r>
-              <a:rPr lang="en-US" dirty="0" err="1"/>
-              <a:t>Ziel</a:t>
-            </a:r>
-            <a:r>
-              <a:rPr lang="en-US" dirty="0"/>
-              <a:t> </a:t>
-            </a:r>
-          </a:p>
-          <a:p>
-            <a:pPr lvl="1"/>
-            <a:r>
-              <a:rPr lang="en-US" dirty="0" err="1"/>
-              <a:t>Optimales</a:t>
-            </a:r>
-            <a:r>
-              <a:rPr lang="en-US" dirty="0"/>
-              <a:t> </a:t>
-            </a:r>
-            <a:r>
-              <a:rPr lang="en-US" dirty="0" err="1"/>
-              <a:t>Zoomlevel</a:t>
-            </a:r>
-            <a:endParaRPr lang="en-US" dirty="0"/>
-          </a:p>
-          <a:p>
-            <a:pPr lvl="1"/>
-            <a:r>
-              <a:rPr lang="en-US" dirty="0" err="1"/>
-              <a:t>Kartenmitte</a:t>
-            </a:r>
-            <a:endParaRPr lang="en-US" dirty="0"/>
-          </a:p>
-          <a:p>
-            <a:r>
-              <a:rPr lang="en-US" dirty="0"/>
-              <a:t>Simulator </a:t>
-            </a:r>
-            <a:r>
-              <a:rPr lang="en-US" dirty="0" err="1"/>
-              <a:t>für</a:t>
-            </a:r>
-            <a:r>
-              <a:rPr lang="en-US" dirty="0"/>
-              <a:t> </a:t>
-            </a:r>
-            <a:r>
-              <a:rPr lang="en-US" dirty="0" err="1"/>
-              <a:t>GpsLocation</a:t>
-            </a:r>
-            <a:r>
-              <a:rPr lang="en-US" dirty="0"/>
-              <a:t> </a:t>
-            </a:r>
-          </a:p>
-          <a:p>
-            <a:r>
-              <a:rPr lang="en-US" dirty="0" err="1"/>
-              <a:t>Bugfixing</a:t>
-            </a:r>
-            <a:r>
-              <a:rPr lang="en-US" dirty="0"/>
-              <a:t> </a:t>
-            </a:r>
-            <a:r>
-              <a:rPr lang="en-US" dirty="0" err="1"/>
-              <a:t>Vaadin</a:t>
-            </a:r>
-            <a:r>
-              <a:rPr lang="en-US" dirty="0"/>
-              <a:t> Google Maps </a:t>
-            </a:r>
-            <a:r>
-              <a:rPr lang="en-US" dirty="0" err="1"/>
-              <a:t>Komponente</a:t>
-            </a:r>
             <a:endParaRPr lang="de-CH" dirty="0"/>
           </a:p>
-          <a:p>
-            <a:endParaRPr lang="de-DE" dirty="0"/>
-          </a:p>
-        </p:txBody>
-      </p:sp>
+        </p:txBody>
+      </p:sp>
+      <p:pic>
+        <p:nvPicPr>
+          <p:cNvPr id="2050" name="Picture 2" descr="C:\Users\James\workspaceLuna\PatientApp\doc\task14\Screen Shot 2015-06-09 at 17.15.58.png"/>
+          <p:cNvPicPr>
+            <a:picLocks noChangeAspect="1" noChangeArrowheads="1"/>
+          </p:cNvPicPr>
+          <p:nvPr/>
+        </p:nvPicPr>
+        <p:blipFill>
+          <a:blip r:embed="rId2">
+            <a:extLst>
+              <a:ext uri="{28A0092B-C50C-407E-A947-70E740481C1C}">
+                <a14:useLocalDpi xmlns:a14="http://schemas.microsoft.com/office/drawing/2010/main" val="0"/>
+              </a:ext>
+            </a:extLst>
+          </a:blip>
+          <a:srcRect/>
+          <a:stretch>
+            <a:fillRect/>
+          </a:stretch>
+        </p:blipFill>
+        <p:spPr bwMode="auto">
+          <a:xfrm>
+            <a:off x="166488" y="1600199"/>
+            <a:ext cx="8194176" cy="2843861"/>
+          </a:xfrm>
+          <a:prstGeom prst="rect">
+            <a:avLst/>
+          </a:prstGeom>
+          <a:noFill/>
+          <a:extLst>
+            <a:ext uri="{909E8E84-426E-40DD-AFC4-6F175D3DCCD1}">
+              <a14:hiddenFill xmlns:a14="http://schemas.microsoft.com/office/drawing/2010/main">
+                <a:solidFill>
+                  <a:srgbClr val="FFFFFF"/>
+                </a:solidFill>
+              </a14:hiddenFill>
+            </a:ext>
+          </a:extLst>
+        </p:spPr>
+      </p:pic>
+      <p:pic>
+        <p:nvPicPr>
+          <p:cNvPr id="2051" name="Picture 3" descr="C:\Users\James\workspaceLuna\PatientApp\doc\task14\Screen Shot 2015-06-09 at 17.16.23.png"/>
+          <p:cNvPicPr>
+            <a:picLocks noChangeAspect="1" noChangeArrowheads="1"/>
+          </p:cNvPicPr>
+          <p:nvPr/>
+        </p:nvPicPr>
+        <p:blipFill>
+          <a:blip r:embed="rId3">
+            <a:extLst>
+              <a:ext uri="{28A0092B-C50C-407E-A947-70E740481C1C}">
+                <a14:useLocalDpi xmlns:a14="http://schemas.microsoft.com/office/drawing/2010/main" val="0"/>
+              </a:ext>
+            </a:extLst>
+          </a:blip>
+          <a:srcRect/>
+          <a:stretch>
+            <a:fillRect/>
+          </a:stretch>
+        </p:blipFill>
+        <p:spPr bwMode="auto">
+          <a:xfrm>
+            <a:off x="3782344" y="4826188"/>
+            <a:ext cx="4904456" cy="879669"/>
+          </a:xfrm>
+          <a:prstGeom prst="rect">
+            <a:avLst/>
+          </a:prstGeom>
+          <a:noFill/>
+          <a:extLst>
+            <a:ext uri="{909E8E84-426E-40DD-AFC4-6F175D3DCCD1}">
+              <a14:hiddenFill xmlns:a14="http://schemas.microsoft.com/office/drawing/2010/main">
+                <a:solidFill>
+                  <a:srgbClr val="FFFFFF"/>
+                </a:solidFill>
+              </a14:hiddenFill>
+            </a:ext>
+          </a:extLst>
+        </p:spPr>
+      </p:pic>
     </p:spTree>
     <p:extLst>
       <p:ext uri="{BB962C8B-B14F-4D97-AF65-F5344CB8AC3E}">
-        <p14:creationId xmlns:p14="http://schemas.microsoft.com/office/powerpoint/2010/main" val="2685341740"/>
+        <p14:creationId xmlns:p14="http://schemas.microsoft.com/office/powerpoint/2010/main" val="3013793651"/>
       </p:ext>
     </p:extLst>
   </p:cSld>

--- a/doc/task14/Schlusspräsentation.pptx
+++ b/doc/task14/Schlusspräsentation.pptx
@@ -5,7 +5,7 @@
     <p:sldMasterId id="2147483648" r:id="rId1"/>
   </p:sldMasterIdLst>
   <p:notesMasterIdLst>
-    <p:notesMasterId r:id="rId29"/>
+    <p:notesMasterId r:id="rId31"/>
   </p:notesMasterIdLst>
   <p:sldIdLst>
     <p:sldId id="256" r:id="rId2"/>
@@ -30,11 +30,13 @@
     <p:sldId id="294" r:id="rId21"/>
     <p:sldId id="295" r:id="rId22"/>
     <p:sldId id="296" r:id="rId23"/>
-    <p:sldId id="289" r:id="rId24"/>
-    <p:sldId id="290" r:id="rId25"/>
-    <p:sldId id="293" r:id="rId26"/>
-    <p:sldId id="285" r:id="rId27"/>
-    <p:sldId id="284" r:id="rId28"/>
+    <p:sldId id="300" r:id="rId24"/>
+    <p:sldId id="301" r:id="rId25"/>
+    <p:sldId id="289" r:id="rId26"/>
+    <p:sldId id="290" r:id="rId27"/>
+    <p:sldId id="293" r:id="rId28"/>
+    <p:sldId id="285" r:id="rId29"/>
+    <p:sldId id="284" r:id="rId30"/>
   </p:sldIdLst>
   <p:sldSz cx="9144000" cy="6858000" type="screen4x3"/>
   <p:notesSz cx="6858000" cy="9144000"/>
@@ -135,7 +137,7 @@
   </p:defaultTextStyle>
   <p:extLst>
     <p:ext uri="{EFAFB233-063F-42B5-8137-9DF3F51BA10A}">
-      <p15:sldGuideLst xmlns:p15="http://schemas.microsoft.com/office/powerpoint/2012/main" xmlns="">
+      <p15:sldGuideLst xmlns="" xmlns:p15="http://schemas.microsoft.com/office/powerpoint/2012/main">
         <p15:guide id="1" orient="horz" pos="2160">
           <p15:clr>
             <a:srgbClr val="A4A3A4"/>
@@ -652,6 +654,174 @@
             <a:fld id="{9A061F0F-BF1A-47A6-BC67-894693F926E4}" type="slidenum">
               <a:rPr lang="de-CH" smtClean="0"/>
               <a:t>22</a:t>
+            </a:fld>
+            <a:endParaRPr lang="de-CH"/>
+          </a:p>
+        </p:txBody>
+      </p:sp>
+    </p:spTree>
+    <p:extLst>
+      <p:ext uri="{BB962C8B-B14F-4D97-AF65-F5344CB8AC3E}">
+        <p14:creationId xmlns:p14="http://schemas.microsoft.com/office/powerpoint/2010/main" val="2743059366"/>
+      </p:ext>
+    </p:extLst>
+  </p:cSld>
+  <p:clrMapOvr>
+    <a:masterClrMapping/>
+  </p:clrMapOvr>
+</p:notes>
+</file>
+
+<file path=ppt/notesSlides/notesSlide3.xml><?xml version="1.0" encoding="utf-8"?>
+<p:notes xmlns:a="http://schemas.openxmlformats.org/drawingml/2006/main" xmlns:r="http://schemas.openxmlformats.org/officeDocument/2006/relationships" xmlns:p="http://schemas.openxmlformats.org/presentationml/2006/main">
+  <p:cSld>
+    <p:spTree>
+      <p:nvGrpSpPr>
+        <p:cNvPr id="1" name=""/>
+        <p:cNvGrpSpPr/>
+        <p:nvPr/>
+      </p:nvGrpSpPr>
+      <p:grpSpPr>
+        <a:xfrm>
+          <a:off x="0" y="0"/>
+          <a:ext cx="0" cy="0"/>
+          <a:chOff x="0" y="0"/>
+          <a:chExt cx="0" cy="0"/>
+        </a:xfrm>
+      </p:grpSpPr>
+      <p:sp>
+        <p:nvSpPr>
+          <p:cNvPr id="2" name="Folienbildplatzhalter 1"/>
+          <p:cNvSpPr>
+            <a:spLocks noGrp="1" noRot="1" noChangeAspect="1"/>
+          </p:cNvSpPr>
+          <p:nvPr>
+            <p:ph type="sldImg"/>
+          </p:nvPr>
+        </p:nvSpPr>
+        <p:spPr/>
+      </p:sp>
+      <p:sp>
+        <p:nvSpPr>
+          <p:cNvPr id="3" name="Notizenplatzhalter 2"/>
+          <p:cNvSpPr>
+            <a:spLocks noGrp="1"/>
+          </p:cNvSpPr>
+          <p:nvPr>
+            <p:ph type="body" idx="1"/>
+          </p:nvPr>
+        </p:nvSpPr>
+        <p:spPr/>
+        <p:txBody>
+          <a:bodyPr/>
+          <a:lstStyle/>
+          <a:p>
+            <a:endParaRPr lang="de-CH" dirty="0"/>
+          </a:p>
+        </p:txBody>
+      </p:sp>
+      <p:sp>
+        <p:nvSpPr>
+          <p:cNvPr id="4" name="Foliennummernplatzhalter 3"/>
+          <p:cNvSpPr>
+            <a:spLocks noGrp="1"/>
+          </p:cNvSpPr>
+          <p:nvPr>
+            <p:ph type="sldNum" sz="quarter" idx="10"/>
+          </p:nvPr>
+        </p:nvSpPr>
+        <p:spPr/>
+        <p:txBody>
+          <a:bodyPr/>
+          <a:lstStyle/>
+          <a:p>
+            <a:fld id="{9A061F0F-BF1A-47A6-BC67-894693F926E4}" type="slidenum">
+              <a:rPr lang="de-CH" smtClean="0"/>
+              <a:t>23</a:t>
+            </a:fld>
+            <a:endParaRPr lang="de-CH"/>
+          </a:p>
+        </p:txBody>
+      </p:sp>
+    </p:spTree>
+    <p:extLst>
+      <p:ext uri="{BB962C8B-B14F-4D97-AF65-F5344CB8AC3E}">
+        <p14:creationId xmlns:p14="http://schemas.microsoft.com/office/powerpoint/2010/main" val="2743059366"/>
+      </p:ext>
+    </p:extLst>
+  </p:cSld>
+  <p:clrMapOvr>
+    <a:masterClrMapping/>
+  </p:clrMapOvr>
+</p:notes>
+</file>
+
+<file path=ppt/notesSlides/notesSlide4.xml><?xml version="1.0" encoding="utf-8"?>
+<p:notes xmlns:a="http://schemas.openxmlformats.org/drawingml/2006/main" xmlns:r="http://schemas.openxmlformats.org/officeDocument/2006/relationships" xmlns:p="http://schemas.openxmlformats.org/presentationml/2006/main">
+  <p:cSld>
+    <p:spTree>
+      <p:nvGrpSpPr>
+        <p:cNvPr id="1" name=""/>
+        <p:cNvGrpSpPr/>
+        <p:nvPr/>
+      </p:nvGrpSpPr>
+      <p:grpSpPr>
+        <a:xfrm>
+          <a:off x="0" y="0"/>
+          <a:ext cx="0" cy="0"/>
+          <a:chOff x="0" y="0"/>
+          <a:chExt cx="0" cy="0"/>
+        </a:xfrm>
+      </p:grpSpPr>
+      <p:sp>
+        <p:nvSpPr>
+          <p:cNvPr id="2" name="Folienbildplatzhalter 1"/>
+          <p:cNvSpPr>
+            <a:spLocks noGrp="1" noRot="1" noChangeAspect="1"/>
+          </p:cNvSpPr>
+          <p:nvPr>
+            <p:ph type="sldImg"/>
+          </p:nvPr>
+        </p:nvSpPr>
+        <p:spPr/>
+      </p:sp>
+      <p:sp>
+        <p:nvSpPr>
+          <p:cNvPr id="3" name="Notizenplatzhalter 2"/>
+          <p:cNvSpPr>
+            <a:spLocks noGrp="1"/>
+          </p:cNvSpPr>
+          <p:nvPr>
+            <p:ph type="body" idx="1"/>
+          </p:nvPr>
+        </p:nvSpPr>
+        <p:spPr/>
+        <p:txBody>
+          <a:bodyPr/>
+          <a:lstStyle/>
+          <a:p>
+            <a:endParaRPr lang="de-CH" dirty="0"/>
+          </a:p>
+        </p:txBody>
+      </p:sp>
+      <p:sp>
+        <p:nvSpPr>
+          <p:cNvPr id="4" name="Foliennummernplatzhalter 3"/>
+          <p:cNvSpPr>
+            <a:spLocks noGrp="1"/>
+          </p:cNvSpPr>
+          <p:nvPr>
+            <p:ph type="sldNum" sz="quarter" idx="10"/>
+          </p:nvPr>
+        </p:nvSpPr>
+        <p:spPr/>
+        <p:txBody>
+          <a:bodyPr/>
+          <a:lstStyle/>
+          <a:p>
+            <a:fld id="{9A061F0F-BF1A-47A6-BC67-894693F926E4}" type="slidenum">
+              <a:rPr lang="de-CH" smtClean="0"/>
+              <a:t>24</a:t>
             </a:fld>
             <a:endParaRPr lang="de-CH"/>
           </a:p>
@@ -6229,7 +6399,7 @@
       </p:grpSpPr>
       <p:sp>
         <p:nvSpPr>
-          <p:cNvPr id="2" name="Titel 1"/>
+          <p:cNvPr id="2" name="Title 1"/>
           <p:cNvSpPr>
             <a:spLocks noGrp="1"/>
           </p:cNvSpPr>
@@ -6239,66 +6409,72 @@
         </p:nvSpPr>
         <p:spPr/>
         <p:txBody>
-          <a:bodyPr>
-            <a:normAutofit/>
-          </a:bodyPr>
-          <a:lstStyle/>
-          <a:p>
-            <a:r>
-              <a:rPr lang="de-DE" dirty="0" err="1" smtClean="0"/>
-              <a:t>Scrum</a:t>
-            </a:r>
-            <a:r>
-              <a:rPr lang="de-DE" dirty="0" smtClean="0"/>
-              <a:t> retrospektive: Gutes</a:t>
-            </a:r>
-            <a:endParaRPr lang="de-DE" dirty="0"/>
-          </a:p>
-        </p:txBody>
-      </p:sp>
-      <p:sp>
-        <p:nvSpPr>
-          <p:cNvPr id="3" name="Inhaltsplatzhalter 2"/>
-          <p:cNvSpPr>
-            <a:spLocks noGrp="1"/>
-          </p:cNvSpPr>
+          <a:bodyPr/>
+          <a:lstStyle/>
+          <a:p>
+            <a:r>
+              <a:rPr lang="en-GB" dirty="0" err="1" smtClean="0"/>
+              <a:t>Erfahrungen</a:t>
+            </a:r>
+            <a:r>
+              <a:rPr lang="en-GB" dirty="0" smtClean="0"/>
+              <a:t>: </a:t>
+            </a:r>
+            <a:r>
+              <a:rPr lang="en-GB" dirty="0" smtClean="0"/>
+              <a:t>Filip 1/2</a:t>
+            </a:r>
+            <a:endParaRPr lang="en-GB" dirty="0"/>
+          </a:p>
+        </p:txBody>
+      </p:sp>
+      <p:pic>
+        <p:nvPicPr>
+          <p:cNvPr id="1026" name="Picture 2" descr="C:\Users\James\Desktop\medicationIndexView.png"/>
+          <p:cNvPicPr>
+            <a:picLocks noGrp="1" noChangeAspect="1" noChangeArrowheads="1"/>
+          </p:cNvPicPr>
           <p:nvPr>
             <p:ph idx="1"/>
           </p:nvPr>
-        </p:nvSpPr>
-        <p:spPr/>
-        <p:txBody>
-          <a:bodyPr>
-            <a:normAutofit/>
-          </a:bodyPr>
-          <a:lstStyle/>
-          <a:p>
-            <a:r>
-              <a:rPr lang="de-DE" dirty="0" smtClean="0"/>
-              <a:t>Mit relativ wenig Aufwand ist etwas „in Ansätzen brauchbares“ entstanden</a:t>
-            </a:r>
-          </a:p>
-          <a:p>
-            <a:r>
-              <a:rPr lang="de-DE" dirty="0" smtClean="0"/>
-              <a:t>Trotz weniger Treffen strukturiertes vorgehen</a:t>
-            </a:r>
-          </a:p>
-          <a:p>
-            <a:r>
-              <a:rPr lang="de-DE" dirty="0" smtClean="0"/>
-              <a:t>Jeder hatte seine Aufgabe</a:t>
-            </a:r>
-          </a:p>
-          <a:p>
-            <a:endParaRPr lang="de-DE" dirty="0"/>
-          </a:p>
-        </p:txBody>
-      </p:sp>
+        </p:nvPicPr>
+        <p:blipFill>
+          <a:blip r:embed="rId3">
+            <a:extLst>
+              <a:ext uri="{28A0092B-C50C-407E-A947-70E740481C1C}">
+                <a14:useLocalDpi xmlns:a14="http://schemas.microsoft.com/office/drawing/2010/main" val="0"/>
+              </a:ext>
+            </a:extLst>
+          </a:blip>
+          <a:srcRect/>
+          <a:stretch>
+            <a:fillRect/>
+          </a:stretch>
+        </p:blipFill>
+        <p:spPr bwMode="auto">
+          <a:xfrm>
+            <a:off x="457199" y="1678546"/>
+            <a:ext cx="8199805" cy="4025567"/>
+          </a:xfrm>
+          <a:prstGeom prst="rect">
+            <a:avLst/>
+          </a:prstGeom>
+          <a:noFill/>
+          <a:extLst>
+            <a:ext uri="{909E8E84-426E-40DD-AFC4-6F175D3DCCD1}">
+              <a14:hiddenFill xmlns:a14="http://schemas.microsoft.com/office/drawing/2010/main">
+                <a:solidFill>
+                  <a:srgbClr val="FFFFFF"/>
+                </a:solidFill>
+              </a14:hiddenFill>
+            </a:ext>
+          </a:extLst>
+        </p:spPr>
+      </p:pic>
     </p:spTree>
     <p:extLst>
       <p:ext uri="{BB962C8B-B14F-4D97-AF65-F5344CB8AC3E}">
-        <p14:creationId xmlns:p14="http://schemas.microsoft.com/office/powerpoint/2010/main" val="1723578341"/>
+        <p14:creationId xmlns:p14="http://schemas.microsoft.com/office/powerpoint/2010/main" val="910022100"/>
       </p:ext>
     </p:extLst>
   </p:cSld>
@@ -6334,7 +6510,7 @@
       </p:grpSpPr>
       <p:sp>
         <p:nvSpPr>
-          <p:cNvPr id="2" name="Titel 1"/>
+          <p:cNvPr id="2" name="Title 1"/>
           <p:cNvSpPr>
             <a:spLocks noGrp="1"/>
           </p:cNvSpPr>
@@ -6344,61 +6520,72 @@
         </p:nvSpPr>
         <p:spPr/>
         <p:txBody>
-          <a:bodyPr>
-            <a:normAutofit/>
-          </a:bodyPr>
-          <a:lstStyle/>
-          <a:p>
-            <a:r>
-              <a:rPr lang="de-DE" dirty="0" err="1" smtClean="0"/>
-              <a:t>Scrum</a:t>
-            </a:r>
-            <a:r>
-              <a:rPr lang="de-DE" dirty="0" smtClean="0"/>
-              <a:t> retrospektive: Schlechtes</a:t>
-            </a:r>
-            <a:endParaRPr lang="de-DE" dirty="0"/>
-          </a:p>
-        </p:txBody>
-      </p:sp>
-      <p:sp>
-        <p:nvSpPr>
-          <p:cNvPr id="3" name="Inhaltsplatzhalter 2"/>
-          <p:cNvSpPr>
-            <a:spLocks noGrp="1"/>
-          </p:cNvSpPr>
+          <a:bodyPr/>
+          <a:lstStyle/>
+          <a:p>
+            <a:r>
+              <a:rPr lang="en-GB" dirty="0" err="1" smtClean="0"/>
+              <a:t>Erfahrungen</a:t>
+            </a:r>
+            <a:r>
+              <a:rPr lang="en-GB" dirty="0" smtClean="0"/>
+              <a:t>: </a:t>
+            </a:r>
+            <a:r>
+              <a:rPr lang="en-GB" dirty="0" smtClean="0"/>
+              <a:t>Filip 2/2</a:t>
+            </a:r>
+            <a:endParaRPr lang="en-GB" dirty="0"/>
+          </a:p>
+        </p:txBody>
+      </p:sp>
+      <p:pic>
+        <p:nvPicPr>
+          <p:cNvPr id="2050" name="Picture 2" descr="C:\Users\James\Desktop\medicationView.png"/>
+          <p:cNvPicPr>
+            <a:picLocks noGrp="1" noChangeAspect="1" noChangeArrowheads="1"/>
+          </p:cNvPicPr>
           <p:nvPr>
             <p:ph idx="1"/>
           </p:nvPr>
-        </p:nvSpPr>
-        <p:spPr/>
-        <p:txBody>
-          <a:bodyPr>
-            <a:normAutofit/>
-          </a:bodyPr>
-          <a:lstStyle/>
-          <a:p>
-            <a:r>
-              <a:rPr lang="de-DE" dirty="0" smtClean="0"/>
-              <a:t>Verantwortung wurde hin und her geschoben</a:t>
-            </a:r>
-          </a:p>
-          <a:p>
-            <a:r>
-              <a:rPr lang="de-DE" dirty="0" err="1" smtClean="0"/>
-              <a:t>Vaadin</a:t>
-            </a:r>
-            <a:r>
-              <a:rPr lang="de-DE" dirty="0" smtClean="0"/>
-              <a:t> steht ab und zu im Weg</a:t>
-            </a:r>
-          </a:p>
-        </p:txBody>
-      </p:sp>
+        </p:nvPicPr>
+        <p:blipFill>
+          <a:blip r:embed="rId3">
+            <a:extLst>
+              <a:ext uri="{28A0092B-C50C-407E-A947-70E740481C1C}">
+                <a14:useLocalDpi xmlns:a14="http://schemas.microsoft.com/office/drawing/2010/main" val="0"/>
+              </a:ext>
+            </a:extLst>
+          </a:blip>
+          <a:srcRect/>
+          <a:stretch>
+            <a:fillRect/>
+          </a:stretch>
+        </p:blipFill>
+        <p:spPr bwMode="auto">
+          <a:xfrm>
+            <a:off x="457199" y="1600200"/>
+            <a:ext cx="4869543" cy="5195387"/>
+          </a:xfrm>
+          <a:prstGeom prst="rect">
+            <a:avLst/>
+          </a:prstGeom>
+          <a:noFill/>
+          <a:extLst>
+            <a:ext uri="{909E8E84-426E-40DD-AFC4-6F175D3DCCD1}">
+              <a14:hiddenFill xmlns:a14="http://schemas.microsoft.com/office/drawing/2010/main">
+                <a:solidFill>
+                  <a:srgbClr val="FFFFFF"/>
+                </a:solidFill>
+              </a14:hiddenFill>
+            </a:ext>
+          </a:extLst>
+        </p:spPr>
+      </p:pic>
     </p:spTree>
     <p:extLst>
       <p:ext uri="{BB962C8B-B14F-4D97-AF65-F5344CB8AC3E}">
-        <p14:creationId xmlns:p14="http://schemas.microsoft.com/office/powerpoint/2010/main" val="111691313"/>
+        <p14:creationId xmlns:p14="http://schemas.microsoft.com/office/powerpoint/2010/main" val="2713744690"/>
       </p:ext>
     </p:extLst>
   </p:cSld>
@@ -6444,7 +6631,9 @@
         </p:nvSpPr>
         <p:spPr/>
         <p:txBody>
-          <a:bodyPr/>
+          <a:bodyPr>
+            <a:normAutofit/>
+          </a:bodyPr>
           <a:lstStyle/>
           <a:p>
             <a:r>
@@ -6453,7 +6642,7 @@
             </a:r>
             <a:r>
               <a:rPr lang="de-DE" dirty="0" smtClean="0"/>
-              <a:t> retrospektive: Änderungen</a:t>
+              <a:t> retrospektive: Gutes</a:t>
             </a:r>
             <a:endParaRPr lang="de-DE" dirty="0"/>
           </a:p>
@@ -6471,30 +6660,26 @@
         </p:nvSpPr>
         <p:spPr/>
         <p:txBody>
-          <a:bodyPr/>
-          <a:lstStyle/>
-          <a:p>
-            <a:r>
-              <a:rPr lang="de-DE" dirty="0" err="1" smtClean="0"/>
-              <a:t>MongoDb</a:t>
-            </a:r>
+          <a:bodyPr>
+            <a:normAutofit/>
+          </a:bodyPr>
+          <a:lstStyle/>
+          <a:p>
             <a:r>
               <a:rPr lang="de-DE" dirty="0" smtClean="0"/>
-              <a:t>: das </a:t>
-            </a:r>
-            <a:r>
-              <a:rPr lang="de-DE" dirty="0" err="1" smtClean="0"/>
-              <a:t>MongoDbObject</a:t>
-            </a:r>
+              <a:t>Mit relativ wenig Aufwand ist etwas „in Ansätzen brauchbares“ entstanden</a:t>
+            </a:r>
+          </a:p>
+          <a:p>
             <a:r>
               <a:rPr lang="de-DE" dirty="0" smtClean="0"/>
-              <a:t> direkt vererben und Objekte direkt speichern</a:t>
+              <a:t>Trotz weniger Treffen strukturiertes vorgehen</a:t>
             </a:r>
           </a:p>
           <a:p>
             <a:r>
               <a:rPr lang="de-DE" dirty="0" smtClean="0"/>
-              <a:t>Verantwortung wird pro Task festgelegt</a:t>
+              <a:t>Jeder hatte seine Aufgabe</a:t>
             </a:r>
           </a:p>
           <a:p>
@@ -6505,7 +6690,7 @@
     </p:spTree>
     <p:extLst>
       <p:ext uri="{BB962C8B-B14F-4D97-AF65-F5344CB8AC3E}">
-        <p14:creationId xmlns:p14="http://schemas.microsoft.com/office/powerpoint/2010/main" val="2001100545"/>
+        <p14:creationId xmlns:p14="http://schemas.microsoft.com/office/powerpoint/2010/main" val="1723578341"/>
       </p:ext>
     </p:extLst>
   </p:cSld>
@@ -6541,6 +6726,213 @@
       </p:grpSpPr>
       <p:sp>
         <p:nvSpPr>
+          <p:cNvPr id="2" name="Titel 1"/>
+          <p:cNvSpPr>
+            <a:spLocks noGrp="1"/>
+          </p:cNvSpPr>
+          <p:nvPr>
+            <p:ph type="title"/>
+          </p:nvPr>
+        </p:nvSpPr>
+        <p:spPr/>
+        <p:txBody>
+          <a:bodyPr>
+            <a:normAutofit/>
+          </a:bodyPr>
+          <a:lstStyle/>
+          <a:p>
+            <a:r>
+              <a:rPr lang="de-DE" dirty="0" err="1" smtClean="0"/>
+              <a:t>Scrum</a:t>
+            </a:r>
+            <a:r>
+              <a:rPr lang="de-DE" dirty="0" smtClean="0"/>
+              <a:t> retrospektive: Schlechtes</a:t>
+            </a:r>
+            <a:endParaRPr lang="de-DE" dirty="0"/>
+          </a:p>
+        </p:txBody>
+      </p:sp>
+      <p:sp>
+        <p:nvSpPr>
+          <p:cNvPr id="3" name="Inhaltsplatzhalter 2"/>
+          <p:cNvSpPr>
+            <a:spLocks noGrp="1"/>
+          </p:cNvSpPr>
+          <p:nvPr>
+            <p:ph idx="1"/>
+          </p:nvPr>
+        </p:nvSpPr>
+        <p:spPr/>
+        <p:txBody>
+          <a:bodyPr>
+            <a:normAutofit/>
+          </a:bodyPr>
+          <a:lstStyle/>
+          <a:p>
+            <a:r>
+              <a:rPr lang="de-DE" dirty="0" smtClean="0"/>
+              <a:t>Verantwortung wurde hin und her geschoben</a:t>
+            </a:r>
+          </a:p>
+          <a:p>
+            <a:r>
+              <a:rPr lang="de-DE" dirty="0" err="1" smtClean="0"/>
+              <a:t>Vaadin</a:t>
+            </a:r>
+            <a:r>
+              <a:rPr lang="de-DE" dirty="0" smtClean="0"/>
+              <a:t> steht ab und zu im Weg</a:t>
+            </a:r>
+          </a:p>
+        </p:txBody>
+      </p:sp>
+    </p:spTree>
+    <p:extLst>
+      <p:ext uri="{BB962C8B-B14F-4D97-AF65-F5344CB8AC3E}">
+        <p14:creationId xmlns:p14="http://schemas.microsoft.com/office/powerpoint/2010/main" val="111691313"/>
+      </p:ext>
+    </p:extLst>
+  </p:cSld>
+  <p:clrMapOvr>
+    <a:masterClrMapping/>
+  </p:clrMapOvr>
+  <p:timing>
+    <p:tnLst>
+      <p:par>
+        <p:cTn id="1" dur="indefinite" restart="never" nodeType="tmRoot"/>
+      </p:par>
+    </p:tnLst>
+  </p:timing>
+</p:sld>
+</file>
+
+<file path=ppt/slides/slide27.xml><?xml version="1.0" encoding="utf-8"?>
+<p:sld xmlns:a="http://schemas.openxmlformats.org/drawingml/2006/main" xmlns:r="http://schemas.openxmlformats.org/officeDocument/2006/relationships" xmlns:p="http://schemas.openxmlformats.org/presentationml/2006/main">
+  <p:cSld>
+    <p:spTree>
+      <p:nvGrpSpPr>
+        <p:cNvPr id="1" name=""/>
+        <p:cNvGrpSpPr/>
+        <p:nvPr/>
+      </p:nvGrpSpPr>
+      <p:grpSpPr>
+        <a:xfrm>
+          <a:off x="0" y="0"/>
+          <a:ext cx="0" cy="0"/>
+          <a:chOff x="0" y="0"/>
+          <a:chExt cx="0" cy="0"/>
+        </a:xfrm>
+      </p:grpSpPr>
+      <p:sp>
+        <p:nvSpPr>
+          <p:cNvPr id="2" name="Titel 1"/>
+          <p:cNvSpPr>
+            <a:spLocks noGrp="1"/>
+          </p:cNvSpPr>
+          <p:nvPr>
+            <p:ph type="title"/>
+          </p:nvPr>
+        </p:nvSpPr>
+        <p:spPr/>
+        <p:txBody>
+          <a:bodyPr/>
+          <a:lstStyle/>
+          <a:p>
+            <a:r>
+              <a:rPr lang="de-DE" dirty="0" err="1" smtClean="0"/>
+              <a:t>Scrum</a:t>
+            </a:r>
+            <a:r>
+              <a:rPr lang="de-DE" dirty="0" smtClean="0"/>
+              <a:t> retrospektive: Änderungen</a:t>
+            </a:r>
+            <a:endParaRPr lang="de-DE" dirty="0"/>
+          </a:p>
+        </p:txBody>
+      </p:sp>
+      <p:sp>
+        <p:nvSpPr>
+          <p:cNvPr id="3" name="Inhaltsplatzhalter 2"/>
+          <p:cNvSpPr>
+            <a:spLocks noGrp="1"/>
+          </p:cNvSpPr>
+          <p:nvPr>
+            <p:ph idx="1"/>
+          </p:nvPr>
+        </p:nvSpPr>
+        <p:spPr/>
+        <p:txBody>
+          <a:bodyPr/>
+          <a:lstStyle/>
+          <a:p>
+            <a:r>
+              <a:rPr lang="de-DE" dirty="0" err="1" smtClean="0"/>
+              <a:t>MongoDb</a:t>
+            </a:r>
+            <a:r>
+              <a:rPr lang="de-DE" dirty="0" smtClean="0"/>
+              <a:t>: das </a:t>
+            </a:r>
+            <a:r>
+              <a:rPr lang="de-DE" dirty="0" err="1" smtClean="0"/>
+              <a:t>MongoDbObject</a:t>
+            </a:r>
+            <a:r>
+              <a:rPr lang="de-DE" dirty="0" smtClean="0"/>
+              <a:t> direkt vererben und Objekte direkt speichern</a:t>
+            </a:r>
+          </a:p>
+          <a:p>
+            <a:r>
+              <a:rPr lang="de-DE" dirty="0" smtClean="0"/>
+              <a:t>Verantwortung wird pro Task festgelegt</a:t>
+            </a:r>
+          </a:p>
+          <a:p>
+            <a:endParaRPr lang="de-DE" dirty="0"/>
+          </a:p>
+        </p:txBody>
+      </p:sp>
+    </p:spTree>
+    <p:extLst>
+      <p:ext uri="{BB962C8B-B14F-4D97-AF65-F5344CB8AC3E}">
+        <p14:creationId xmlns:p14="http://schemas.microsoft.com/office/powerpoint/2010/main" val="2001100545"/>
+      </p:ext>
+    </p:extLst>
+  </p:cSld>
+  <p:clrMapOvr>
+    <a:masterClrMapping/>
+  </p:clrMapOvr>
+  <p:timing>
+    <p:tnLst>
+      <p:par>
+        <p:cTn id="1" dur="indefinite" restart="never" nodeType="tmRoot"/>
+      </p:par>
+    </p:tnLst>
+  </p:timing>
+</p:sld>
+</file>
+
+<file path=ppt/slides/slide28.xml><?xml version="1.0" encoding="utf-8"?>
+<p:sld xmlns:a="http://schemas.openxmlformats.org/drawingml/2006/main" xmlns:r="http://schemas.openxmlformats.org/officeDocument/2006/relationships" xmlns:p="http://schemas.openxmlformats.org/presentationml/2006/main">
+  <p:cSld>
+    <p:spTree>
+      <p:nvGrpSpPr>
+        <p:cNvPr id="1" name=""/>
+        <p:cNvGrpSpPr/>
+        <p:nvPr/>
+      </p:nvGrpSpPr>
+      <p:grpSpPr>
+        <a:xfrm>
+          <a:off x="0" y="0"/>
+          <a:ext cx="0" cy="0"/>
+          <a:chOff x="0" y="0"/>
+          <a:chExt cx="0" cy="0"/>
+        </a:xfrm>
+      </p:grpSpPr>
+      <p:sp>
+        <p:nvSpPr>
           <p:cNvPr id="4" name="Titel 3"/>
           <p:cNvSpPr>
             <a:spLocks noGrp="1"/>
@@ -6601,7 +6993,7 @@
 </p:sld>
 </file>
 
-<file path=ppt/slides/slide27.xml><?xml version="1.0" encoding="utf-8"?>
+<file path=ppt/slides/slide29.xml><?xml version="1.0" encoding="utf-8"?>
 <p:sld xmlns:a="http://schemas.openxmlformats.org/drawingml/2006/main" xmlns:r="http://schemas.openxmlformats.org/officeDocument/2006/relationships" xmlns:p="http://schemas.openxmlformats.org/presentationml/2006/main">
   <p:cSld>
     <p:spTree>
@@ -7388,7 +7780,7 @@
         </p:blipFill>
         <p:spPr bwMode="auto">
           <a:xfrm>
-            <a:off x="457200" y="1911859"/>
+            <a:off x="457200" y="1752205"/>
             <a:ext cx="8183546" cy="305356"/>
           </a:xfrm>
           <a:prstGeom prst="rect">
@@ -7429,7 +7821,7 @@
         </p:blipFill>
         <p:spPr bwMode="auto">
           <a:xfrm>
-            <a:off x="457200" y="2363279"/>
+            <a:off x="457200" y="2203625"/>
             <a:ext cx="5577840" cy="2961955"/>
           </a:xfrm>
           <a:prstGeom prst="rect">
